--- a/Dokumente/Präsentationen/2019-01-07_DA_Feldkemper_Aufgabenvorstellung.pptx
+++ b/Dokumente/Präsentationen/2019-01-07_DA_Feldkemper_Aufgabenvorstellung.pptx
@@ -12,8 +12,8 @@
   </p:handoutMasterIdLst>
   <p:sldIdLst>
     <p:sldId id="319" r:id="rId2"/>
-    <p:sldId id="320" r:id="rId3"/>
-    <p:sldId id="321" r:id="rId4"/>
+    <p:sldId id="327" r:id="rId3"/>
+    <p:sldId id="320" r:id="rId4"/>
     <p:sldId id="326" r:id="rId5"/>
     <p:sldId id="322" r:id="rId6"/>
     <p:sldId id="323" r:id="rId7"/>
@@ -25,14 +25,14 @@
   <p:notesSz cx="6858000" cy="9144000"/>
   <p:embeddedFontLst>
     <p:embeddedFont>
-      <p:font typeface="Calibri" panose="020F0502020204030204" pitchFamily="34" charset="0"/>
+      <p:font typeface="Open Sans" panose="020B0604020202020204" charset="0"/>
       <p:regular r:id="rId13"/>
       <p:bold r:id="rId14"/>
       <p:italic r:id="rId15"/>
       <p:boldItalic r:id="rId16"/>
     </p:embeddedFont>
     <p:embeddedFont>
-      <p:font typeface="Open Sans" panose="020B0604020202020204" charset="0"/>
+      <p:font typeface="Calibri" panose="020F0502020204030204" pitchFamily="34" charset="0"/>
       <p:regular r:id="rId17"/>
       <p:bold r:id="rId18"/>
       <p:italic r:id="rId19"/>
@@ -140,8 +140,8 @@
         <p14:section name="Standardabschnitt" id="{2939B5E8-EF71-43FF-B7B6-C3DB42F2B419}">
           <p14:sldIdLst>
             <p14:sldId id="319"/>
+            <p14:sldId id="327"/>
             <p14:sldId id="320"/>
-            <p14:sldId id="321"/>
             <p14:sldId id="326"/>
             <p14:sldId id="322"/>
             <p14:sldId id="323"/>
@@ -253,7 +253,7 @@
           <a:p>
             <a:fld id="{C6AC6211-610F-44E5-BF19-D3CDF6EDD281}" type="datetimeFigureOut">
               <a:rPr lang="de-DE" smtClean="0"/>
-              <a:t>11.12.2018</a:t>
+              <a:t>12.12.2018</a:t>
             </a:fld>
             <a:endParaRPr lang="de-DE"/>
           </a:p>
@@ -419,7 +419,7 @@
           <a:p>
             <a:fld id="{347435D3-23A6-45D3-8DFA-7317DC1E7A64}" type="datetimeFigureOut">
               <a:rPr lang="de-DE" smtClean="0"/>
-              <a:t>11.12.2018</a:t>
+              <a:t>12.12.2018</a:t>
             </a:fld>
             <a:endParaRPr lang="de-DE"/>
           </a:p>
@@ -752,7 +752,7 @@
           <a:p>
             <a:fld id="{2969AC09-DF60-43F4-96BF-67D4D9A74094}" type="slidenum">
               <a:rPr lang="de-DE" smtClean="0"/>
-              <a:t>2</a:t>
+              <a:t>3</a:t>
             </a:fld>
             <a:endParaRPr lang="de-DE"/>
           </a:p>
@@ -762,6 +762,258 @@
     <p:extLst>
       <p:ext uri="{BB962C8B-B14F-4D97-AF65-F5344CB8AC3E}">
         <p14:creationId xmlns:p14="http://schemas.microsoft.com/office/powerpoint/2010/main" val="6661220"/>
+      </p:ext>
+    </p:extLst>
+  </p:cSld>
+  <p:clrMapOvr>
+    <a:masterClrMapping/>
+  </p:clrMapOvr>
+</p:notes>
+</file>
+
+<file path=ppt/notesSlides/notesSlide2.xml><?xml version="1.0" encoding="utf-8"?>
+<p:notes xmlns:a="http://schemas.openxmlformats.org/drawingml/2006/main" xmlns:r="http://schemas.openxmlformats.org/officeDocument/2006/relationships" xmlns:p="http://schemas.openxmlformats.org/presentationml/2006/main">
+  <p:cSld>
+    <p:spTree>
+      <p:nvGrpSpPr>
+        <p:cNvPr id="1" name=""/>
+        <p:cNvGrpSpPr/>
+        <p:nvPr/>
+      </p:nvGrpSpPr>
+      <p:grpSpPr>
+        <a:xfrm>
+          <a:off x="0" y="0"/>
+          <a:ext cx="0" cy="0"/>
+          <a:chOff x="0" y="0"/>
+          <a:chExt cx="0" cy="0"/>
+        </a:xfrm>
+      </p:grpSpPr>
+      <p:sp>
+        <p:nvSpPr>
+          <p:cNvPr id="2" name="Folienbildplatzhalter 1"/>
+          <p:cNvSpPr>
+            <a:spLocks noGrp="1" noRot="1" noChangeAspect="1"/>
+          </p:cNvSpPr>
+          <p:nvPr>
+            <p:ph type="sldImg"/>
+          </p:nvPr>
+        </p:nvSpPr>
+        <p:spPr/>
+      </p:sp>
+      <p:sp>
+        <p:nvSpPr>
+          <p:cNvPr id="3" name="Notizenplatzhalter 2"/>
+          <p:cNvSpPr>
+            <a:spLocks noGrp="1"/>
+          </p:cNvSpPr>
+          <p:nvPr>
+            <p:ph type="body" idx="1"/>
+          </p:nvPr>
+        </p:nvSpPr>
+        <p:spPr/>
+        <p:txBody>
+          <a:bodyPr/>
+          <a:lstStyle/>
+          <a:p>
+            <a:endParaRPr lang="de-DE" dirty="0"/>
+          </a:p>
+        </p:txBody>
+      </p:sp>
+      <p:sp>
+        <p:nvSpPr>
+          <p:cNvPr id="4" name="Foliennummernplatzhalter 3"/>
+          <p:cNvSpPr>
+            <a:spLocks noGrp="1"/>
+          </p:cNvSpPr>
+          <p:nvPr>
+            <p:ph type="sldNum" sz="quarter" idx="10"/>
+          </p:nvPr>
+        </p:nvSpPr>
+        <p:spPr/>
+        <p:txBody>
+          <a:bodyPr/>
+          <a:lstStyle/>
+          <a:p>
+            <a:fld id="{2969AC09-DF60-43F4-96BF-67D4D9A74094}" type="slidenum">
+              <a:rPr lang="de-DE" smtClean="0"/>
+              <a:t>5</a:t>
+            </a:fld>
+            <a:endParaRPr lang="de-DE"/>
+          </a:p>
+        </p:txBody>
+      </p:sp>
+    </p:spTree>
+    <p:extLst>
+      <p:ext uri="{BB962C8B-B14F-4D97-AF65-F5344CB8AC3E}">
+        <p14:creationId xmlns:p14="http://schemas.microsoft.com/office/powerpoint/2010/main" val="230282903"/>
+      </p:ext>
+    </p:extLst>
+  </p:cSld>
+  <p:clrMapOvr>
+    <a:masterClrMapping/>
+  </p:clrMapOvr>
+</p:notes>
+</file>
+
+<file path=ppt/notesSlides/notesSlide3.xml><?xml version="1.0" encoding="utf-8"?>
+<p:notes xmlns:a="http://schemas.openxmlformats.org/drawingml/2006/main" xmlns:r="http://schemas.openxmlformats.org/officeDocument/2006/relationships" xmlns:p="http://schemas.openxmlformats.org/presentationml/2006/main">
+  <p:cSld>
+    <p:spTree>
+      <p:nvGrpSpPr>
+        <p:cNvPr id="1" name=""/>
+        <p:cNvGrpSpPr/>
+        <p:nvPr/>
+      </p:nvGrpSpPr>
+      <p:grpSpPr>
+        <a:xfrm>
+          <a:off x="0" y="0"/>
+          <a:ext cx="0" cy="0"/>
+          <a:chOff x="0" y="0"/>
+          <a:chExt cx="0" cy="0"/>
+        </a:xfrm>
+      </p:grpSpPr>
+      <p:sp>
+        <p:nvSpPr>
+          <p:cNvPr id="2" name="Folienbildplatzhalter 1"/>
+          <p:cNvSpPr>
+            <a:spLocks noGrp="1" noRot="1" noChangeAspect="1"/>
+          </p:cNvSpPr>
+          <p:nvPr>
+            <p:ph type="sldImg"/>
+          </p:nvPr>
+        </p:nvSpPr>
+        <p:spPr/>
+      </p:sp>
+      <p:sp>
+        <p:nvSpPr>
+          <p:cNvPr id="3" name="Notizenplatzhalter 2"/>
+          <p:cNvSpPr>
+            <a:spLocks noGrp="1"/>
+          </p:cNvSpPr>
+          <p:nvPr>
+            <p:ph type="body" idx="1"/>
+          </p:nvPr>
+        </p:nvSpPr>
+        <p:spPr/>
+        <p:txBody>
+          <a:bodyPr/>
+          <a:lstStyle/>
+          <a:p>
+            <a:endParaRPr lang="de-DE" dirty="0"/>
+          </a:p>
+        </p:txBody>
+      </p:sp>
+      <p:sp>
+        <p:nvSpPr>
+          <p:cNvPr id="4" name="Foliennummernplatzhalter 3"/>
+          <p:cNvSpPr>
+            <a:spLocks noGrp="1"/>
+          </p:cNvSpPr>
+          <p:nvPr>
+            <p:ph type="sldNum" sz="quarter" idx="10"/>
+          </p:nvPr>
+        </p:nvSpPr>
+        <p:spPr/>
+        <p:txBody>
+          <a:bodyPr/>
+          <a:lstStyle/>
+          <a:p>
+            <a:fld id="{2969AC09-DF60-43F4-96BF-67D4D9A74094}" type="slidenum">
+              <a:rPr lang="de-DE" smtClean="0"/>
+              <a:t>6</a:t>
+            </a:fld>
+            <a:endParaRPr lang="de-DE"/>
+          </a:p>
+        </p:txBody>
+      </p:sp>
+    </p:spTree>
+    <p:extLst>
+      <p:ext uri="{BB962C8B-B14F-4D97-AF65-F5344CB8AC3E}">
+        <p14:creationId xmlns:p14="http://schemas.microsoft.com/office/powerpoint/2010/main" val="1787122005"/>
+      </p:ext>
+    </p:extLst>
+  </p:cSld>
+  <p:clrMapOvr>
+    <a:masterClrMapping/>
+  </p:clrMapOvr>
+</p:notes>
+</file>
+
+<file path=ppt/notesSlides/notesSlide4.xml><?xml version="1.0" encoding="utf-8"?>
+<p:notes xmlns:a="http://schemas.openxmlformats.org/drawingml/2006/main" xmlns:r="http://schemas.openxmlformats.org/officeDocument/2006/relationships" xmlns:p="http://schemas.openxmlformats.org/presentationml/2006/main">
+  <p:cSld>
+    <p:spTree>
+      <p:nvGrpSpPr>
+        <p:cNvPr id="1" name=""/>
+        <p:cNvGrpSpPr/>
+        <p:nvPr/>
+      </p:nvGrpSpPr>
+      <p:grpSpPr>
+        <a:xfrm>
+          <a:off x="0" y="0"/>
+          <a:ext cx="0" cy="0"/>
+          <a:chOff x="0" y="0"/>
+          <a:chExt cx="0" cy="0"/>
+        </a:xfrm>
+      </p:grpSpPr>
+      <p:sp>
+        <p:nvSpPr>
+          <p:cNvPr id="2" name="Folienbildplatzhalter 1"/>
+          <p:cNvSpPr>
+            <a:spLocks noGrp="1" noRot="1" noChangeAspect="1"/>
+          </p:cNvSpPr>
+          <p:nvPr>
+            <p:ph type="sldImg"/>
+          </p:nvPr>
+        </p:nvSpPr>
+        <p:spPr/>
+      </p:sp>
+      <p:sp>
+        <p:nvSpPr>
+          <p:cNvPr id="3" name="Notizenplatzhalter 2"/>
+          <p:cNvSpPr>
+            <a:spLocks noGrp="1"/>
+          </p:cNvSpPr>
+          <p:nvPr>
+            <p:ph type="body" idx="1"/>
+          </p:nvPr>
+        </p:nvSpPr>
+        <p:spPr/>
+        <p:txBody>
+          <a:bodyPr/>
+          <a:lstStyle/>
+          <a:p>
+            <a:endParaRPr lang="de-DE" dirty="0"/>
+          </a:p>
+        </p:txBody>
+      </p:sp>
+      <p:sp>
+        <p:nvSpPr>
+          <p:cNvPr id="4" name="Foliennummernplatzhalter 3"/>
+          <p:cNvSpPr>
+            <a:spLocks noGrp="1"/>
+          </p:cNvSpPr>
+          <p:nvPr>
+            <p:ph type="sldNum" sz="quarter" idx="10"/>
+          </p:nvPr>
+        </p:nvSpPr>
+        <p:spPr/>
+        <p:txBody>
+          <a:bodyPr/>
+          <a:lstStyle/>
+          <a:p>
+            <a:fld id="{2969AC09-DF60-43F4-96BF-67D4D9A74094}" type="slidenum">
+              <a:rPr lang="de-DE" smtClean="0"/>
+              <a:t>7</a:t>
+            </a:fld>
+            <a:endParaRPr lang="de-DE"/>
+          </a:p>
+        </p:txBody>
+      </p:sp>
+    </p:spTree>
+    <p:extLst>
+      <p:ext uri="{BB962C8B-B14F-4D97-AF65-F5344CB8AC3E}">
+        <p14:creationId xmlns:p14="http://schemas.microsoft.com/office/powerpoint/2010/main" val="796060570"/>
       </p:ext>
     </p:extLst>
   </p:cSld>
@@ -793,7 +1045,7 @@
           <p:cNvPr id="15" name="Rechteck 14">
             <a:extLst>
               <a:ext uri="{FF2B5EF4-FFF2-40B4-BE49-F238E27FC236}">
-                <a16:creationId xmlns="" xmlns:a16="http://schemas.microsoft.com/office/drawing/2014/main" id="{F770C3AA-244C-A141-BC22-D074823F4293}"/>
+                <a16:creationId xmlns:a16="http://schemas.microsoft.com/office/drawing/2014/main" xmlns="" id="{F770C3AA-244C-A141-BC22-D074823F4293}"/>
               </a:ext>
             </a:extLst>
           </p:cNvPr>
@@ -1033,7 +1285,7 @@
           <p:cNvPr id="5" name="Grafik 4">
             <a:extLst>
               <a:ext uri="{FF2B5EF4-FFF2-40B4-BE49-F238E27FC236}">
-                <a16:creationId xmlns="" xmlns:a16="http://schemas.microsoft.com/office/drawing/2014/main" id="{C0F785FA-BB6E-6347-A8C6-9846216D4CBB}"/>
+                <a16:creationId xmlns:a16="http://schemas.microsoft.com/office/drawing/2014/main" xmlns="" id="{C0F785FA-BB6E-6347-A8C6-9846216D4CBB}"/>
               </a:ext>
             </a:extLst>
           </p:cNvPr>
@@ -1222,7 +1474,7 @@
           <p:cNvPr id="12" name="Grafik 11" hidden="1">
             <a:extLst>
               <a:ext uri="{FF2B5EF4-FFF2-40B4-BE49-F238E27FC236}">
-                <a16:creationId xmlns="" xmlns:a16="http://schemas.microsoft.com/office/drawing/2014/main" id="{CFC0D4A5-64CF-6D49-98B1-9FF6119E60EC}"/>
+                <a16:creationId xmlns:a16="http://schemas.microsoft.com/office/drawing/2014/main" xmlns="" id="{CFC0D4A5-64CF-6D49-98B1-9FF6119E60EC}"/>
               </a:ext>
             </a:extLst>
           </p:cNvPr>
@@ -1252,7 +1504,7 @@
           <p:cNvPr id="17" name="Grafik 16">
             <a:extLst>
               <a:ext uri="{FF2B5EF4-FFF2-40B4-BE49-F238E27FC236}">
-                <a16:creationId xmlns="" xmlns:a16="http://schemas.microsoft.com/office/drawing/2014/main" id="{22ECE872-F4EF-2A49-BA96-6065BC99D769}"/>
+                <a16:creationId xmlns:a16="http://schemas.microsoft.com/office/drawing/2014/main" xmlns="" id="{22ECE872-F4EF-2A49-BA96-6065BC99D769}"/>
               </a:ext>
             </a:extLst>
           </p:cNvPr>
@@ -1522,7 +1774,7 @@
           <p:cNvPr id="24" name="Bildplatzhalter 23">
             <a:extLst>
               <a:ext uri="{FF2B5EF4-FFF2-40B4-BE49-F238E27FC236}">
-                <a16:creationId xmlns="" xmlns:a16="http://schemas.microsoft.com/office/drawing/2014/main" id="{24A56C48-CA8D-D349-89CC-35C3A65DC4D5}"/>
+                <a16:creationId xmlns:a16="http://schemas.microsoft.com/office/drawing/2014/main" xmlns="" id="{24A56C48-CA8D-D349-89CC-35C3A65DC4D5}"/>
               </a:ext>
             </a:extLst>
           </p:cNvPr>
@@ -1836,7 +2088,7 @@
           <p:cNvPr id="6" name="Textplatzhalter 5">
             <a:extLst>
               <a:ext uri="{FF2B5EF4-FFF2-40B4-BE49-F238E27FC236}">
-                <a16:creationId xmlns="" xmlns:a16="http://schemas.microsoft.com/office/drawing/2014/main" id="{2E77FCEF-52F5-324B-A583-005ABCE0E622}"/>
+                <a16:creationId xmlns:a16="http://schemas.microsoft.com/office/drawing/2014/main" xmlns="" id="{2E77FCEF-52F5-324B-A583-005ABCE0E622}"/>
               </a:ext>
             </a:extLst>
           </p:cNvPr>
@@ -1874,7 +2126,7 @@
           <p:cNvPr id="13" name="Grafik 12">
             <a:extLst>
               <a:ext uri="{FF2B5EF4-FFF2-40B4-BE49-F238E27FC236}">
-                <a16:creationId xmlns="" xmlns:a16="http://schemas.microsoft.com/office/drawing/2014/main" id="{F84F96E3-FAED-E24A-9E01-BBA4824F0E34}"/>
+                <a16:creationId xmlns:a16="http://schemas.microsoft.com/office/drawing/2014/main" xmlns="" id="{F84F96E3-FAED-E24A-9E01-BBA4824F0E34}"/>
               </a:ext>
             </a:extLst>
           </p:cNvPr>
@@ -2045,7 +2297,7 @@
           <p:cNvPr id="6" name="Rechteck 5">
             <a:extLst>
               <a:ext uri="{FF2B5EF4-FFF2-40B4-BE49-F238E27FC236}">
-                <a16:creationId xmlns="" xmlns:a16="http://schemas.microsoft.com/office/drawing/2014/main" id="{2447D286-D9F9-E84F-9173-2C8D2D2068E1}"/>
+                <a16:creationId xmlns:a16="http://schemas.microsoft.com/office/drawing/2014/main" xmlns="" id="{2447D286-D9F9-E84F-9173-2C8D2D2068E1}"/>
               </a:ext>
             </a:extLst>
           </p:cNvPr>
@@ -2112,7 +2364,7 @@
           <p:cNvPr id="10" name="Grafik 9">
             <a:extLst>
               <a:ext uri="{FF2B5EF4-FFF2-40B4-BE49-F238E27FC236}">
-                <a16:creationId xmlns="" xmlns:a16="http://schemas.microsoft.com/office/drawing/2014/main" id="{E4DBCC79-CA26-C240-B119-9127A62CDBA8}"/>
+                <a16:creationId xmlns:a16="http://schemas.microsoft.com/office/drawing/2014/main" xmlns="" id="{E4DBCC79-CA26-C240-B119-9127A62CDBA8}"/>
               </a:ext>
             </a:extLst>
           </p:cNvPr>
@@ -2214,7 +2466,7 @@
           <p:cNvPr id="5" name="Rechteck 4">
             <a:extLst>
               <a:ext uri="{FF2B5EF4-FFF2-40B4-BE49-F238E27FC236}">
-                <a16:creationId xmlns="" xmlns:a16="http://schemas.microsoft.com/office/drawing/2014/main" id="{FD770378-5F2D-DE46-8D66-09007E946AD3}"/>
+                <a16:creationId xmlns:a16="http://schemas.microsoft.com/office/drawing/2014/main" xmlns="" id="{FD770378-5F2D-DE46-8D66-09007E946AD3}"/>
               </a:ext>
             </a:extLst>
           </p:cNvPr>
@@ -2278,7 +2530,7 @@
           <p:cNvPr id="4" name="Grafik 3">
             <a:extLst>
               <a:ext uri="{FF2B5EF4-FFF2-40B4-BE49-F238E27FC236}">
-                <a16:creationId xmlns="" xmlns:a16="http://schemas.microsoft.com/office/drawing/2014/main" id="{4FE30B28-5777-FC40-9C3F-81738D289A6A}"/>
+                <a16:creationId xmlns:a16="http://schemas.microsoft.com/office/drawing/2014/main" xmlns="" id="{4FE30B28-5777-FC40-9C3F-81738D289A6A}"/>
               </a:ext>
             </a:extLst>
           </p:cNvPr>
@@ -3428,7 +3680,7 @@
           <p:cNvPr id="13" name="Grafik 12">
             <a:extLst>
               <a:ext uri="{FF2B5EF4-FFF2-40B4-BE49-F238E27FC236}">
-                <a16:creationId xmlns="" xmlns:a16="http://schemas.microsoft.com/office/drawing/2014/main" id="{2DC3CACD-C7C8-274E-BCD4-043370996A48}"/>
+                <a16:creationId xmlns:a16="http://schemas.microsoft.com/office/drawing/2014/main" xmlns="" id="{2DC3CACD-C7C8-274E-BCD4-043370996A48}"/>
               </a:ext>
             </a:extLst>
           </p:cNvPr>
@@ -3967,11 +4219,7 @@
           <a:p>
             <a:r>
               <a:rPr lang="de-DE" dirty="0" smtClean="0"/>
-              <a:t>Betreuer: 	Sebastian </a:t>
-            </a:r>
-            <a:r>
-              <a:rPr lang="de-DE" dirty="0" smtClean="0"/>
-              <a:t>Heinze</a:t>
+              <a:t>Betreuer: 	Sebastian Heinze</a:t>
             </a:r>
           </a:p>
           <a:p>
@@ -4072,6 +4320,94 @@
       </p:grpSpPr>
       <p:sp>
         <p:nvSpPr>
+          <p:cNvPr id="2" name="Titel 1"/>
+          <p:cNvSpPr>
+            <a:spLocks noGrp="1"/>
+          </p:cNvSpPr>
+          <p:nvPr>
+            <p:ph type="title"/>
+          </p:nvPr>
+        </p:nvSpPr>
+        <p:spPr/>
+        <p:txBody>
+          <a:bodyPr/>
+          <a:lstStyle/>
+          <a:p>
+            <a:r>
+              <a:rPr lang="de-DE" dirty="0"/>
+              <a:t>Motivation, Problemstellung</a:t>
+            </a:r>
+          </a:p>
+        </p:txBody>
+      </p:sp>
+      <p:sp>
+        <p:nvSpPr>
+          <p:cNvPr id="3" name="Inhaltsplatzhalter 2"/>
+          <p:cNvSpPr>
+            <a:spLocks noGrp="1"/>
+          </p:cNvSpPr>
+          <p:nvPr>
+            <p:ph sz="quarter" idx="10"/>
+          </p:nvPr>
+        </p:nvSpPr>
+        <p:spPr/>
+        <p:txBody>
+          <a:bodyPr/>
+          <a:lstStyle/>
+          <a:p>
+            <a:pPr lvl="1"/>
+            <a:r>
+              <a:rPr lang="de-DE" dirty="0" err="1" smtClean="0"/>
+              <a:t>Ironies</a:t>
+            </a:r>
+            <a:r>
+              <a:rPr lang="de-DE" dirty="0" smtClean="0"/>
+              <a:t> </a:t>
+            </a:r>
+            <a:r>
+              <a:rPr lang="de-DE" dirty="0" err="1" smtClean="0"/>
+              <a:t>of</a:t>
+            </a:r>
+            <a:r>
+              <a:rPr lang="de-DE" dirty="0" smtClean="0"/>
+              <a:t> Automation</a:t>
+            </a:r>
+            <a:endParaRPr lang="de-DE" dirty="0"/>
+          </a:p>
+        </p:txBody>
+      </p:sp>
+    </p:spTree>
+    <p:extLst>
+      <p:ext uri="{BB962C8B-B14F-4D97-AF65-F5344CB8AC3E}">
+        <p14:creationId xmlns:p14="http://schemas.microsoft.com/office/powerpoint/2010/main" val="2665129629"/>
+      </p:ext>
+    </p:extLst>
+  </p:cSld>
+  <p:clrMapOvr>
+    <a:masterClrMapping/>
+  </p:clrMapOvr>
+</p:sld>
+</file>
+
+<file path=ppt/slides/slide3.xml><?xml version="1.0" encoding="utf-8"?>
+<p:sld xmlns:a="http://schemas.openxmlformats.org/drawingml/2006/main" xmlns:r="http://schemas.openxmlformats.org/officeDocument/2006/relationships" xmlns:p="http://schemas.openxmlformats.org/presentationml/2006/main">
+  <p:cSld>
+    <p:spTree>
+      <p:nvGrpSpPr>
+        <p:cNvPr id="1" name=""/>
+        <p:cNvGrpSpPr/>
+        <p:nvPr/>
+      </p:nvGrpSpPr>
+      <p:grpSpPr>
+        <a:xfrm>
+          <a:off x="0" y="0"/>
+          <a:ext cx="0" cy="0"/>
+          <a:chOff x="0" y="0"/>
+          <a:chExt cx="0" cy="0"/>
+        </a:xfrm>
+      </p:grpSpPr>
+      <p:sp>
+        <p:nvSpPr>
           <p:cNvPr id="7" name="Titel 6"/>
           <p:cNvSpPr>
             <a:spLocks noGrp="1"/>
@@ -4384,7 +4720,7 @@
         </p:blipFill>
         <p:spPr>
           <a:xfrm>
-            <a:off x="3477704" y="4103687"/>
+            <a:off x="3062945" y="4073568"/>
             <a:ext cx="914400" cy="914400"/>
           </a:xfrm>
           <a:prstGeom prst="rect">
@@ -5228,96 +5564,43 @@
           </a:p>
         </p:txBody>
       </p:sp>
+      <p:pic>
+        <p:nvPicPr>
+          <p:cNvPr id="37" name="Inhaltsplatzhalter 8"/>
+          <p:cNvPicPr>
+            <a:picLocks noChangeAspect="1"/>
+          </p:cNvPicPr>
+          <p:nvPr/>
+        </p:nvPicPr>
+        <p:blipFill>
+          <a:blip r:embed="rId13">
+            <a:extLst>
+              <a:ext uri="{28A0092B-C50C-407E-A947-70E740481C1C}">
+                <a14:useLocalDpi xmlns:a14="http://schemas.microsoft.com/office/drawing/2010/main" val="0"/>
+              </a:ext>
+            </a:extLst>
+          </a:blip>
+          <a:stretch>
+            <a:fillRect/>
+          </a:stretch>
+        </p:blipFill>
+        <p:spPr>
+          <a:xfrm>
+            <a:off x="4014607" y="4069652"/>
+            <a:ext cx="914400" cy="914400"/>
+          </a:xfrm>
+          <a:prstGeom prst="rect">
+            <a:avLst/>
+          </a:prstGeom>
+          <a:ln>
+            <a:noFill/>
+          </a:ln>
+        </p:spPr>
+      </p:pic>
     </p:spTree>
     <p:extLst>
       <p:ext uri="{BB962C8B-B14F-4D97-AF65-F5344CB8AC3E}">
         <p14:creationId xmlns:p14="http://schemas.microsoft.com/office/powerpoint/2010/main" val="3877688486"/>
-      </p:ext>
-    </p:extLst>
-  </p:cSld>
-  <p:clrMapOvr>
-    <a:masterClrMapping/>
-  </p:clrMapOvr>
-  <p:timing>
-    <p:tnLst>
-      <p:par>
-        <p:cTn id="1" dur="indefinite" restart="never" nodeType="tmRoot"/>
-      </p:par>
-    </p:tnLst>
-  </p:timing>
-</p:sld>
-</file>
-
-<file path=ppt/slides/slide3.xml><?xml version="1.0" encoding="utf-8"?>
-<p:sld xmlns:a="http://schemas.openxmlformats.org/drawingml/2006/main" xmlns:r="http://schemas.openxmlformats.org/officeDocument/2006/relationships" xmlns:p="http://schemas.openxmlformats.org/presentationml/2006/main">
-  <p:cSld>
-    <p:spTree>
-      <p:nvGrpSpPr>
-        <p:cNvPr id="1" name=""/>
-        <p:cNvGrpSpPr/>
-        <p:nvPr/>
-      </p:nvGrpSpPr>
-      <p:grpSpPr>
-        <a:xfrm>
-          <a:off x="0" y="0"/>
-          <a:ext cx="0" cy="0"/>
-          <a:chOff x="0" y="0"/>
-          <a:chExt cx="0" cy="0"/>
-        </a:xfrm>
-      </p:grpSpPr>
-      <p:sp>
-        <p:nvSpPr>
-          <p:cNvPr id="2" name="Titel 1"/>
-          <p:cNvSpPr>
-            <a:spLocks noGrp="1"/>
-          </p:cNvSpPr>
-          <p:nvPr>
-            <p:ph type="title"/>
-          </p:nvPr>
-        </p:nvSpPr>
-        <p:spPr/>
-        <p:txBody>
-          <a:bodyPr/>
-          <a:lstStyle/>
-          <a:p>
-            <a:r>
-              <a:rPr lang="de-DE" dirty="0" smtClean="0"/>
-              <a:t>Motivation, Problemstellung</a:t>
-            </a:r>
-            <a:endParaRPr lang="de-DE" dirty="0"/>
-          </a:p>
-        </p:txBody>
-      </p:sp>
-      <p:sp>
-        <p:nvSpPr>
-          <p:cNvPr id="3" name="Inhaltsplatzhalter 2"/>
-          <p:cNvSpPr>
-            <a:spLocks noGrp="1"/>
-          </p:cNvSpPr>
-          <p:nvPr>
-            <p:ph sz="quarter" idx="10"/>
-          </p:nvPr>
-        </p:nvSpPr>
-        <p:spPr/>
-        <p:txBody>
-          <a:bodyPr/>
-          <a:lstStyle/>
-          <a:p>
-            <a:pPr marL="71989" lvl="1" indent="0">
-              <a:buNone/>
-            </a:pPr>
-            <a:endParaRPr lang="de-DE" dirty="0"/>
-          </a:p>
-          <a:p>
-            <a:pPr lvl="4"/>
-            <a:endParaRPr lang="de-DE" dirty="0" smtClean="0"/>
-          </a:p>
-        </p:txBody>
-      </p:sp>
-    </p:spTree>
-    <p:extLst>
-      <p:ext uri="{BB962C8B-B14F-4D97-AF65-F5344CB8AC3E}">
-        <p14:creationId xmlns:p14="http://schemas.microsoft.com/office/powerpoint/2010/main" val="2644973490"/>
       </p:ext>
     </p:extLst>
   </p:cSld>
@@ -6292,8 +6575,8 @@
           </p:nvSpPr>
           <p:spPr>
             <a:xfrm>
-              <a:off x="1006825" y="3928682"/>
-              <a:ext cx="1264969" cy="457200"/>
+              <a:off x="1006826" y="3928682"/>
+              <a:ext cx="1093740" cy="457200"/>
             </a:xfrm>
             <a:prstGeom prst="rect">
               <a:avLst/>
@@ -6446,7 +6729,7 @@
           <p:spPr>
             <a:xfrm>
               <a:off x="1006825" y="3928682"/>
-              <a:ext cx="1264969" cy="457200"/>
+              <a:ext cx="1093741" cy="457200"/>
             </a:xfrm>
             <a:prstGeom prst="rect">
               <a:avLst/>
@@ -6795,7 +7078,7 @@
           </p:nvPr>
         </p:nvPicPr>
         <p:blipFill>
-          <a:blip r:embed="rId2">
+          <a:blip r:embed="rId3">
             <a:extLst>
               <a:ext uri="{28A0092B-C50C-407E-A947-70E740481C1C}">
                 <a14:useLocalDpi xmlns:a14="http://schemas.microsoft.com/office/drawing/2010/main" val="0"/>
@@ -6873,63 +7156,6 @@
           </a:p>
         </p:txBody>
       </p:sp>
-      <p:sp>
-        <p:nvSpPr>
-          <p:cNvPr id="3" name="Inhaltsplatzhalter 2"/>
-          <p:cNvSpPr>
-            <a:spLocks noGrp="1"/>
-          </p:cNvSpPr>
-          <p:nvPr>
-            <p:ph sz="quarter" idx="10"/>
-          </p:nvPr>
-        </p:nvSpPr>
-        <p:spPr/>
-        <p:txBody>
-          <a:bodyPr/>
-          <a:lstStyle/>
-          <a:p>
-            <a:pPr lvl="1"/>
-            <a:r>
-              <a:rPr lang="de-DE" dirty="0" smtClean="0"/>
-              <a:t>Sprache (Siri, Alexa)</a:t>
-            </a:r>
-          </a:p>
-          <a:p>
-            <a:pPr lvl="1"/>
-            <a:r>
-              <a:rPr lang="de-DE" dirty="0" smtClean="0"/>
-              <a:t>Text (</a:t>
-            </a:r>
-            <a:r>
-              <a:rPr lang="de-DE" dirty="0" err="1" smtClean="0"/>
-              <a:t>Chatbot</a:t>
-            </a:r>
-            <a:r>
-              <a:rPr lang="de-DE" dirty="0" smtClean="0"/>
-              <a:t>)</a:t>
-            </a:r>
-          </a:p>
-          <a:p>
-            <a:pPr lvl="1"/>
-            <a:r>
-              <a:rPr lang="de-DE" dirty="0" smtClean="0"/>
-              <a:t>Gesten (</a:t>
-            </a:r>
-            <a:r>
-              <a:rPr lang="de-DE" dirty="0" err="1" smtClean="0"/>
-              <a:t>Kinekt</a:t>
-            </a:r>
-            <a:r>
-              <a:rPr lang="de-DE" dirty="0" smtClean="0"/>
-              <a:t>)</a:t>
-            </a:r>
-          </a:p>
-          <a:p>
-            <a:pPr lvl="1"/>
-            <a:endParaRPr lang="de-DE" dirty="0"/>
-          </a:p>
-        </p:txBody>
-      </p:sp>
       <p:pic>
         <p:nvPicPr>
           <p:cNvPr id="4" name="Grafik 3"/>
@@ -6939,7 +7165,7 @@
           <p:nvPr/>
         </p:nvPicPr>
         <p:blipFill>
-          <a:blip r:embed="rId2">
+          <a:blip r:embed="rId3">
             <a:extLst>
               <a:ext uri="{28A0092B-C50C-407E-A947-70E740481C1C}">
                 <a14:useLocalDpi xmlns:a14="http://schemas.microsoft.com/office/drawing/2010/main" val="0"/>
@@ -6958,6 +7184,545 @@
           <a:prstGeom prst="rect">
             <a:avLst/>
           </a:prstGeom>
+        </p:spPr>
+      </p:pic>
+      <p:sp>
+        <p:nvSpPr>
+          <p:cNvPr id="11" name="Rechteck 10"/>
+          <p:cNvSpPr/>
+          <p:nvPr/>
+        </p:nvSpPr>
+        <p:spPr>
+          <a:xfrm>
+            <a:off x="859410" y="2137476"/>
+            <a:ext cx="1998000" cy="3732972"/>
+          </a:xfrm>
+          <a:prstGeom prst="rect">
+            <a:avLst/>
+          </a:prstGeom>
+          <a:solidFill>
+            <a:schemeClr val="bg1"/>
+          </a:solidFill>
+        </p:spPr>
+        <p:style>
+          <a:lnRef idx="2">
+            <a:schemeClr val="accent1">
+              <a:shade val="50000"/>
+            </a:schemeClr>
+          </a:lnRef>
+          <a:fillRef idx="1">
+            <a:schemeClr val="accent1"/>
+          </a:fillRef>
+          <a:effectRef idx="0">
+            <a:schemeClr val="accent1"/>
+          </a:effectRef>
+          <a:fontRef idx="minor">
+            <a:schemeClr val="lt1"/>
+          </a:fontRef>
+        </p:style>
+        <p:txBody>
+          <a:bodyPr tIns="72000" rtlCol="0" anchor="t"/>
+          <a:lstStyle/>
+          <a:p>
+            <a:r>
+              <a:rPr lang="de-DE" b="1" dirty="0" smtClean="0">
+                <a:solidFill>
+                  <a:schemeClr val="tx1"/>
+                </a:solidFill>
+              </a:rPr>
+              <a:t>Zeigegeräte</a:t>
+            </a:r>
+          </a:p>
+          <a:p>
+            <a:endParaRPr lang="de-DE" b="1" dirty="0">
+              <a:solidFill>
+                <a:schemeClr val="tx1"/>
+              </a:solidFill>
+            </a:endParaRPr>
+          </a:p>
+          <a:p>
+            <a:pPr marL="285750" indent="-285750">
+              <a:buFont typeface="Arial" panose="020B0604020202020204" pitchFamily="34" charset="0"/>
+              <a:buChar char="•"/>
+            </a:pPr>
+            <a:r>
+              <a:rPr lang="de-DE" dirty="0" smtClean="0">
+                <a:solidFill>
+                  <a:schemeClr val="tx1"/>
+                </a:solidFill>
+              </a:rPr>
+              <a:t>Maus</a:t>
+            </a:r>
+          </a:p>
+          <a:p>
+            <a:pPr marL="285750" indent="-285750">
+              <a:buFont typeface="Arial" panose="020B0604020202020204" pitchFamily="34" charset="0"/>
+              <a:buChar char="•"/>
+            </a:pPr>
+            <a:r>
+              <a:rPr lang="de-DE" dirty="0" smtClean="0">
+                <a:solidFill>
+                  <a:schemeClr val="tx1"/>
+                </a:solidFill>
+              </a:rPr>
+              <a:t>Trackball</a:t>
+            </a:r>
+          </a:p>
+          <a:p>
+            <a:pPr marL="285750" indent="-285750">
+              <a:buFont typeface="Arial" panose="020B0604020202020204" pitchFamily="34" charset="0"/>
+              <a:buChar char="•"/>
+            </a:pPr>
+            <a:r>
+              <a:rPr lang="de-DE" dirty="0" smtClean="0">
+                <a:solidFill>
+                  <a:schemeClr val="tx1"/>
+                </a:solidFill>
+              </a:rPr>
+              <a:t>Joystick</a:t>
+            </a:r>
+            <a:endParaRPr lang="de-DE" dirty="0">
+              <a:solidFill>
+                <a:schemeClr val="tx1"/>
+              </a:solidFill>
+            </a:endParaRPr>
+          </a:p>
+        </p:txBody>
+      </p:sp>
+      <p:sp>
+        <p:nvSpPr>
+          <p:cNvPr id="12" name="Rechteck 11"/>
+          <p:cNvSpPr/>
+          <p:nvPr/>
+        </p:nvSpPr>
+        <p:spPr>
+          <a:xfrm>
+            <a:off x="5165311" y="2133060"/>
+            <a:ext cx="1999488" cy="3737387"/>
+          </a:xfrm>
+          <a:prstGeom prst="rect">
+            <a:avLst/>
+          </a:prstGeom>
+          <a:solidFill>
+            <a:schemeClr val="bg1"/>
+          </a:solidFill>
+        </p:spPr>
+        <p:style>
+          <a:lnRef idx="2">
+            <a:schemeClr val="accent1">
+              <a:shade val="50000"/>
+            </a:schemeClr>
+          </a:lnRef>
+          <a:fillRef idx="1">
+            <a:schemeClr val="accent1"/>
+          </a:fillRef>
+          <a:effectRef idx="0">
+            <a:schemeClr val="accent1"/>
+          </a:effectRef>
+          <a:fontRef idx="minor">
+            <a:schemeClr val="lt1"/>
+          </a:fontRef>
+        </p:style>
+        <p:txBody>
+          <a:bodyPr rtlCol="0" anchor="t"/>
+          <a:lstStyle/>
+          <a:p>
+            <a:r>
+              <a:rPr lang="de-DE" b="1" dirty="0" smtClean="0">
+                <a:solidFill>
+                  <a:schemeClr val="tx1"/>
+                </a:solidFill>
+              </a:rPr>
+              <a:t>Touch</a:t>
+            </a:r>
+          </a:p>
+          <a:p>
+            <a:endParaRPr lang="de-DE" b="1" dirty="0">
+              <a:solidFill>
+                <a:schemeClr val="tx1"/>
+              </a:solidFill>
+            </a:endParaRPr>
+          </a:p>
+          <a:p>
+            <a:pPr marL="285750" indent="-285750">
+              <a:buFont typeface="Arial" panose="020B0604020202020204" pitchFamily="34" charset="0"/>
+              <a:buChar char="•"/>
+            </a:pPr>
+            <a:r>
+              <a:rPr lang="de-DE" dirty="0" smtClean="0">
+                <a:solidFill>
+                  <a:schemeClr val="tx1"/>
+                </a:solidFill>
+              </a:rPr>
+              <a:t>Berühren des Bildschirms</a:t>
+            </a:r>
+            <a:endParaRPr lang="de-DE" dirty="0">
+              <a:solidFill>
+                <a:schemeClr val="tx1"/>
+              </a:solidFill>
+            </a:endParaRPr>
+          </a:p>
+        </p:txBody>
+      </p:sp>
+      <p:sp>
+        <p:nvSpPr>
+          <p:cNvPr id="13" name="Rechteck 12"/>
+          <p:cNvSpPr/>
+          <p:nvPr/>
+        </p:nvSpPr>
+        <p:spPr>
+          <a:xfrm>
+            <a:off x="3011616" y="2137476"/>
+            <a:ext cx="1999488" cy="3732972"/>
+          </a:xfrm>
+          <a:prstGeom prst="rect">
+            <a:avLst/>
+          </a:prstGeom>
+          <a:solidFill>
+            <a:schemeClr val="bg1"/>
+          </a:solidFill>
+        </p:spPr>
+        <p:style>
+          <a:lnRef idx="2">
+            <a:schemeClr val="accent1">
+              <a:shade val="50000"/>
+            </a:schemeClr>
+          </a:lnRef>
+          <a:fillRef idx="1">
+            <a:schemeClr val="accent1"/>
+          </a:fillRef>
+          <a:effectRef idx="0">
+            <a:schemeClr val="accent1"/>
+          </a:effectRef>
+          <a:fontRef idx="minor">
+            <a:schemeClr val="lt1"/>
+          </a:fontRef>
+        </p:style>
+        <p:txBody>
+          <a:bodyPr rtlCol="0" anchor="t"/>
+          <a:lstStyle/>
+          <a:p>
+            <a:r>
+              <a:rPr lang="de-DE" b="1" dirty="0" smtClean="0">
+                <a:solidFill>
+                  <a:schemeClr val="tx1"/>
+                </a:solidFill>
+              </a:rPr>
+              <a:t>Text</a:t>
+            </a:r>
+          </a:p>
+          <a:p>
+            <a:endParaRPr lang="de-DE" b="1" dirty="0">
+              <a:solidFill>
+                <a:schemeClr val="tx1"/>
+              </a:solidFill>
+            </a:endParaRPr>
+          </a:p>
+          <a:p>
+            <a:pPr marL="285750" indent="-285750">
+              <a:buFont typeface="Arial" panose="020B0604020202020204" pitchFamily="34" charset="0"/>
+              <a:buChar char="•"/>
+            </a:pPr>
+            <a:r>
+              <a:rPr lang="de-DE" dirty="0" smtClean="0">
+                <a:solidFill>
+                  <a:schemeClr val="tx1"/>
+                </a:solidFill>
+              </a:rPr>
+              <a:t>Kommandos</a:t>
+            </a:r>
+          </a:p>
+          <a:p>
+            <a:pPr marL="285750" indent="-285750">
+              <a:buFont typeface="Arial" panose="020B0604020202020204" pitchFamily="34" charset="0"/>
+              <a:buChar char="•"/>
+            </a:pPr>
+            <a:r>
+              <a:rPr lang="de-DE" dirty="0" smtClean="0">
+                <a:solidFill>
+                  <a:schemeClr val="tx1"/>
+                </a:solidFill>
+              </a:rPr>
+              <a:t>Fließtext</a:t>
+            </a:r>
+            <a:endParaRPr lang="de-DE" dirty="0">
+              <a:solidFill>
+                <a:schemeClr val="tx1"/>
+              </a:solidFill>
+            </a:endParaRPr>
+          </a:p>
+        </p:txBody>
+      </p:sp>
+      <p:sp>
+        <p:nvSpPr>
+          <p:cNvPr id="14" name="Rechteck 13"/>
+          <p:cNvSpPr/>
+          <p:nvPr/>
+        </p:nvSpPr>
+        <p:spPr>
+          <a:xfrm>
+            <a:off x="7319006" y="2137476"/>
+            <a:ext cx="1999488" cy="3732972"/>
+          </a:xfrm>
+          <a:prstGeom prst="rect">
+            <a:avLst/>
+          </a:prstGeom>
+          <a:solidFill>
+            <a:schemeClr val="bg1"/>
+          </a:solidFill>
+        </p:spPr>
+        <p:style>
+          <a:lnRef idx="2">
+            <a:schemeClr val="accent1">
+              <a:shade val="50000"/>
+            </a:schemeClr>
+          </a:lnRef>
+          <a:fillRef idx="1">
+            <a:schemeClr val="accent1"/>
+          </a:fillRef>
+          <a:effectRef idx="0">
+            <a:schemeClr val="accent1"/>
+          </a:effectRef>
+          <a:fontRef idx="minor">
+            <a:schemeClr val="lt1"/>
+          </a:fontRef>
+        </p:style>
+        <p:txBody>
+          <a:bodyPr rtlCol="0" anchor="t"/>
+          <a:lstStyle/>
+          <a:p>
+            <a:r>
+              <a:rPr lang="de-DE" b="1" dirty="0" smtClean="0">
+                <a:solidFill>
+                  <a:schemeClr val="tx1"/>
+                </a:solidFill>
+              </a:rPr>
+              <a:t>Sprache</a:t>
+            </a:r>
+            <a:endParaRPr lang="de-DE" b="1" dirty="0">
+              <a:solidFill>
+                <a:schemeClr val="tx1"/>
+              </a:solidFill>
+            </a:endParaRPr>
+          </a:p>
+        </p:txBody>
+      </p:sp>
+      <p:sp>
+        <p:nvSpPr>
+          <p:cNvPr id="15" name="Rechteck 14"/>
+          <p:cNvSpPr/>
+          <p:nvPr/>
+        </p:nvSpPr>
+        <p:spPr>
+          <a:xfrm>
+            <a:off x="9472701" y="2137476"/>
+            <a:ext cx="1999488" cy="3732972"/>
+          </a:xfrm>
+          <a:prstGeom prst="rect">
+            <a:avLst/>
+          </a:prstGeom>
+          <a:solidFill>
+            <a:schemeClr val="bg1"/>
+          </a:solidFill>
+        </p:spPr>
+        <p:style>
+          <a:lnRef idx="2">
+            <a:schemeClr val="accent1">
+              <a:shade val="50000"/>
+            </a:schemeClr>
+          </a:lnRef>
+          <a:fillRef idx="1">
+            <a:schemeClr val="accent1"/>
+          </a:fillRef>
+          <a:effectRef idx="0">
+            <a:schemeClr val="accent1"/>
+          </a:effectRef>
+          <a:fontRef idx="minor">
+            <a:schemeClr val="lt1"/>
+          </a:fontRef>
+        </p:style>
+        <p:txBody>
+          <a:bodyPr rtlCol="0" anchor="t"/>
+          <a:lstStyle/>
+          <a:p>
+            <a:r>
+              <a:rPr lang="de-DE" b="1" dirty="0" smtClean="0">
+                <a:solidFill>
+                  <a:schemeClr val="tx1"/>
+                </a:solidFill>
+              </a:rPr>
+              <a:t>Gestik</a:t>
+            </a:r>
+            <a:endParaRPr lang="de-DE" b="1" dirty="0">
+              <a:solidFill>
+                <a:schemeClr val="tx1"/>
+              </a:solidFill>
+            </a:endParaRPr>
+          </a:p>
+        </p:txBody>
+      </p:sp>
+      <p:pic>
+        <p:nvPicPr>
+          <p:cNvPr id="9" name="Inhaltsplatzhalter 8"/>
+          <p:cNvPicPr>
+            <a:picLocks noGrp="1" noChangeAspect="1"/>
+          </p:cNvPicPr>
+          <p:nvPr>
+            <p:ph sz="quarter" idx="10"/>
+          </p:nvPr>
+        </p:nvPicPr>
+        <p:blipFill>
+          <a:blip r:embed="rId4">
+            <a:extLst>
+              <a:ext uri="{28A0092B-C50C-407E-A947-70E740481C1C}">
+                <a14:useLocalDpi xmlns:a14="http://schemas.microsoft.com/office/drawing/2010/main" val="0"/>
+              </a:ext>
+            </a:extLst>
+          </a:blip>
+          <a:stretch>
+            <a:fillRect/>
+          </a:stretch>
+        </p:blipFill>
+        <p:spPr>
+          <a:xfrm>
+            <a:off x="1400465" y="1218661"/>
+            <a:ext cx="914400" cy="914400"/>
+          </a:xfrm>
+          <a:solidFill>
+            <a:schemeClr val="bg1"/>
+          </a:solidFill>
+        </p:spPr>
+      </p:pic>
+      <p:pic>
+        <p:nvPicPr>
+          <p:cNvPr id="5" name="Grafik 4"/>
+          <p:cNvPicPr>
+            <a:picLocks noChangeAspect="1"/>
+          </p:cNvPicPr>
+          <p:nvPr/>
+        </p:nvPicPr>
+        <p:blipFill>
+          <a:blip r:embed="rId5">
+            <a:extLst>
+              <a:ext uri="{28A0092B-C50C-407E-A947-70E740481C1C}">
+                <a14:useLocalDpi xmlns:a14="http://schemas.microsoft.com/office/drawing/2010/main" val="0"/>
+              </a:ext>
+            </a:extLst>
+          </a:blip>
+          <a:stretch>
+            <a:fillRect/>
+          </a:stretch>
+        </p:blipFill>
+        <p:spPr>
+          <a:xfrm>
+            <a:off x="7861550" y="1223076"/>
+            <a:ext cx="914400" cy="914400"/>
+          </a:xfrm>
+          <a:prstGeom prst="rect">
+            <a:avLst/>
+          </a:prstGeom>
+          <a:solidFill>
+            <a:schemeClr val="bg1"/>
+          </a:solidFill>
+        </p:spPr>
+      </p:pic>
+      <p:pic>
+        <p:nvPicPr>
+          <p:cNvPr id="6" name="Grafik 5"/>
+          <p:cNvPicPr>
+            <a:picLocks noChangeAspect="1"/>
+          </p:cNvPicPr>
+          <p:nvPr/>
+        </p:nvPicPr>
+        <p:blipFill>
+          <a:blip r:embed="rId6">
+            <a:extLst>
+              <a:ext uri="{28A0092B-C50C-407E-A947-70E740481C1C}">
+                <a14:useLocalDpi xmlns:a14="http://schemas.microsoft.com/office/drawing/2010/main" val="0"/>
+              </a:ext>
+            </a:extLst>
+          </a:blip>
+          <a:stretch>
+            <a:fillRect/>
+          </a:stretch>
+        </p:blipFill>
+        <p:spPr>
+          <a:xfrm>
+            <a:off x="3554160" y="1223076"/>
+            <a:ext cx="914400" cy="914400"/>
+          </a:xfrm>
+          <a:prstGeom prst="rect">
+            <a:avLst/>
+          </a:prstGeom>
+          <a:solidFill>
+            <a:schemeClr val="bg1"/>
+          </a:solidFill>
+        </p:spPr>
+      </p:pic>
+      <p:pic>
+        <p:nvPicPr>
+          <p:cNvPr id="7" name="Grafik 6"/>
+          <p:cNvPicPr>
+            <a:picLocks noChangeAspect="1"/>
+          </p:cNvPicPr>
+          <p:nvPr/>
+        </p:nvPicPr>
+        <p:blipFill>
+          <a:blip r:embed="rId3">
+            <a:extLst>
+              <a:ext uri="{28A0092B-C50C-407E-A947-70E740481C1C}">
+                <a14:useLocalDpi xmlns:a14="http://schemas.microsoft.com/office/drawing/2010/main" val="0"/>
+              </a:ext>
+            </a:extLst>
+          </a:blip>
+          <a:stretch>
+            <a:fillRect/>
+          </a:stretch>
+        </p:blipFill>
+        <p:spPr>
+          <a:xfrm>
+            <a:off x="5707855" y="1142762"/>
+            <a:ext cx="914400" cy="914400"/>
+          </a:xfrm>
+          <a:prstGeom prst="rect">
+            <a:avLst/>
+          </a:prstGeom>
+          <a:solidFill>
+            <a:schemeClr val="bg1"/>
+          </a:solidFill>
+        </p:spPr>
+      </p:pic>
+      <p:pic>
+        <p:nvPicPr>
+          <p:cNvPr id="10" name="Grafik 9"/>
+          <p:cNvPicPr>
+            <a:picLocks noChangeAspect="1"/>
+          </p:cNvPicPr>
+          <p:nvPr/>
+        </p:nvPicPr>
+        <p:blipFill>
+          <a:blip r:embed="rId7">
+            <a:extLst>
+              <a:ext uri="{28A0092B-C50C-407E-A947-70E740481C1C}">
+                <a14:useLocalDpi xmlns:a14="http://schemas.microsoft.com/office/drawing/2010/main" val="0"/>
+              </a:ext>
+            </a:extLst>
+          </a:blip>
+          <a:stretch>
+            <a:fillRect/>
+          </a:stretch>
+        </p:blipFill>
+        <p:spPr>
+          <a:xfrm>
+            <a:off x="10015245" y="1218661"/>
+            <a:ext cx="914400" cy="914400"/>
+          </a:xfrm>
+          <a:prstGeom prst="rect">
+            <a:avLst/>
+          </a:prstGeom>
+          <a:solidFill>
+            <a:schemeClr val="bg1"/>
+          </a:solidFill>
         </p:spPr>
       </p:pic>
     </p:spTree>
@@ -7014,50 +7779,8 @@
           <a:p>
             <a:r>
               <a:rPr lang="de-DE" dirty="0" smtClean="0"/>
-              <a:t>Human </a:t>
+              <a:t>Informationen können dem Nutzer auf unterschiedliche Art bereitgestellt werden</a:t>
             </a:r>
-            <a:r>
-              <a:rPr lang="de-DE" dirty="0" err="1" smtClean="0"/>
-              <a:t>Machine</a:t>
-            </a:r>
-            <a:r>
-              <a:rPr lang="de-DE" dirty="0" smtClean="0"/>
-              <a:t> Interface</a:t>
-            </a:r>
-            <a:endParaRPr lang="de-DE" dirty="0"/>
-          </a:p>
-        </p:txBody>
-      </p:sp>
-      <p:sp>
-        <p:nvSpPr>
-          <p:cNvPr id="3" name="Inhaltsplatzhalter 2"/>
-          <p:cNvSpPr>
-            <a:spLocks noGrp="1"/>
-          </p:cNvSpPr>
-          <p:nvPr>
-            <p:ph sz="quarter" idx="10"/>
-          </p:nvPr>
-        </p:nvSpPr>
-        <p:spPr/>
-        <p:txBody>
-          <a:bodyPr/>
-          <a:lstStyle/>
-          <a:p>
-            <a:pPr lvl="1"/>
-            <a:r>
-              <a:rPr lang="de-DE" dirty="0" smtClean="0"/>
-              <a:t>AR-Brillen</a:t>
-            </a:r>
-          </a:p>
-          <a:p>
-            <a:pPr lvl="1"/>
-            <a:r>
-              <a:rPr lang="de-DE" dirty="0" smtClean="0"/>
-              <a:t>Tablets (Handhelds)</a:t>
-            </a:r>
-          </a:p>
-          <a:p>
-            <a:pPr lvl="1"/>
             <a:endParaRPr lang="de-DE" dirty="0"/>
           </a:p>
         </p:txBody>
@@ -7071,7 +7794,7 @@
           <p:nvPr/>
         </p:nvPicPr>
         <p:blipFill>
-          <a:blip r:embed="rId2">
+          <a:blip r:embed="rId3">
             <a:extLst>
               <a:ext uri="{28A0092B-C50C-407E-A947-70E740481C1C}">
                 <a14:useLocalDpi xmlns:a14="http://schemas.microsoft.com/office/drawing/2010/main" val="0"/>
@@ -7092,6 +7815,1058 @@
           </a:prstGeom>
         </p:spPr>
       </p:pic>
+      <p:pic>
+        <p:nvPicPr>
+          <p:cNvPr id="5" name="Grafik 4"/>
+          <p:cNvPicPr>
+            <a:picLocks noChangeAspect="1"/>
+          </p:cNvPicPr>
+          <p:nvPr/>
+        </p:nvPicPr>
+        <p:blipFill>
+          <a:blip r:embed="rId4">
+            <a:extLst>
+              <a:ext uri="{28A0092B-C50C-407E-A947-70E740481C1C}">
+                <a14:useLocalDpi xmlns:a14="http://schemas.microsoft.com/office/drawing/2010/main" val="0"/>
+              </a:ext>
+            </a:extLst>
+          </a:blip>
+          <a:stretch>
+            <a:fillRect/>
+          </a:stretch>
+        </p:blipFill>
+        <p:spPr>
+          <a:xfrm>
+            <a:off x="874712" y="1499917"/>
+            <a:ext cx="810070" cy="810070"/>
+          </a:xfrm>
+          <a:prstGeom prst="rect">
+            <a:avLst/>
+          </a:prstGeom>
+        </p:spPr>
+      </p:pic>
+      <p:pic>
+        <p:nvPicPr>
+          <p:cNvPr id="6" name="Grafik 5"/>
+          <p:cNvPicPr>
+            <a:picLocks noChangeAspect="1"/>
+          </p:cNvPicPr>
+          <p:nvPr/>
+        </p:nvPicPr>
+        <p:blipFill>
+          <a:blip r:embed="rId3">
+            <a:extLst>
+              <a:ext uri="{28A0092B-C50C-407E-A947-70E740481C1C}">
+                <a14:useLocalDpi xmlns:a14="http://schemas.microsoft.com/office/drawing/2010/main" val="0"/>
+              </a:ext>
+            </a:extLst>
+          </a:blip>
+          <a:stretch>
+            <a:fillRect/>
+          </a:stretch>
+        </p:blipFill>
+        <p:spPr>
+          <a:xfrm>
+            <a:off x="874712" y="3023965"/>
+            <a:ext cx="810070" cy="810070"/>
+          </a:xfrm>
+          <a:prstGeom prst="rect">
+            <a:avLst/>
+          </a:prstGeom>
+        </p:spPr>
+      </p:pic>
+      <p:pic>
+        <p:nvPicPr>
+          <p:cNvPr id="7" name="Grafik 6"/>
+          <p:cNvPicPr>
+            <a:picLocks noChangeAspect="1"/>
+          </p:cNvPicPr>
+          <p:nvPr/>
+        </p:nvPicPr>
+        <p:blipFill>
+          <a:blip r:embed="rId5">
+            <a:extLst>
+              <a:ext uri="{28A0092B-C50C-407E-A947-70E740481C1C}">
+                <a14:useLocalDpi xmlns:a14="http://schemas.microsoft.com/office/drawing/2010/main" val="0"/>
+              </a:ext>
+            </a:extLst>
+          </a:blip>
+          <a:stretch>
+            <a:fillRect/>
+          </a:stretch>
+        </p:blipFill>
+        <p:spPr>
+          <a:xfrm>
+            <a:off x="6410292" y="1499917"/>
+            <a:ext cx="810070" cy="810070"/>
+          </a:xfrm>
+          <a:prstGeom prst="rect">
+            <a:avLst/>
+          </a:prstGeom>
+        </p:spPr>
+      </p:pic>
+      <p:pic>
+        <p:nvPicPr>
+          <p:cNvPr id="8" name="Grafik 7"/>
+          <p:cNvPicPr>
+            <a:picLocks noChangeAspect="1"/>
+          </p:cNvPicPr>
+          <p:nvPr/>
+        </p:nvPicPr>
+        <p:blipFill>
+          <a:blip r:embed="rId6">
+            <a:extLst>
+              <a:ext uri="{28A0092B-C50C-407E-A947-70E740481C1C}">
+                <a14:useLocalDpi xmlns:a14="http://schemas.microsoft.com/office/drawing/2010/main" val="0"/>
+              </a:ext>
+            </a:extLst>
+          </a:blip>
+          <a:stretch>
+            <a:fillRect/>
+          </a:stretch>
+        </p:blipFill>
+        <p:spPr>
+          <a:xfrm>
+            <a:off x="6410292" y="2976340"/>
+            <a:ext cx="810070" cy="810070"/>
+          </a:xfrm>
+          <a:prstGeom prst="rect">
+            <a:avLst/>
+          </a:prstGeom>
+        </p:spPr>
+      </p:pic>
+      <p:pic>
+        <p:nvPicPr>
+          <p:cNvPr id="9" name="Grafik 8"/>
+          <p:cNvPicPr>
+            <a:picLocks noChangeAspect="1"/>
+          </p:cNvPicPr>
+          <p:nvPr/>
+        </p:nvPicPr>
+        <p:blipFill>
+          <a:blip r:embed="rId7">
+            <a:extLst>
+              <a:ext uri="{28A0092B-C50C-407E-A947-70E740481C1C}">
+                <a14:useLocalDpi xmlns:a14="http://schemas.microsoft.com/office/drawing/2010/main" val="0"/>
+              </a:ext>
+            </a:extLst>
+          </a:blip>
+          <a:stretch>
+            <a:fillRect/>
+          </a:stretch>
+        </p:blipFill>
+        <p:spPr>
+          <a:xfrm>
+            <a:off x="6410291" y="4451920"/>
+            <a:ext cx="810071" cy="810071"/>
+          </a:xfrm>
+          <a:prstGeom prst="rect">
+            <a:avLst/>
+          </a:prstGeom>
+        </p:spPr>
+      </p:pic>
+      <p:pic>
+        <p:nvPicPr>
+          <p:cNvPr id="10" name="Grafik 9"/>
+          <p:cNvPicPr>
+            <a:picLocks noChangeAspect="1"/>
+          </p:cNvPicPr>
+          <p:nvPr/>
+        </p:nvPicPr>
+        <p:blipFill>
+          <a:blip r:embed="rId8">
+            <a:extLst>
+              <a:ext uri="{28A0092B-C50C-407E-A947-70E740481C1C}">
+                <a14:useLocalDpi xmlns:a14="http://schemas.microsoft.com/office/drawing/2010/main" val="0"/>
+              </a:ext>
+            </a:extLst>
+          </a:blip>
+          <a:stretch>
+            <a:fillRect/>
+          </a:stretch>
+        </p:blipFill>
+        <p:spPr>
+          <a:xfrm>
+            <a:off x="874712" y="4451921"/>
+            <a:ext cx="810070" cy="810070"/>
+          </a:xfrm>
+          <a:prstGeom prst="rect">
+            <a:avLst/>
+          </a:prstGeom>
+          <a:solidFill>
+            <a:schemeClr val="bg1"/>
+          </a:solidFill>
+        </p:spPr>
+      </p:pic>
+      <p:grpSp>
+        <p:nvGrpSpPr>
+          <p:cNvPr id="19" name="Gruppieren 18"/>
+          <p:cNvGrpSpPr/>
+          <p:nvPr/>
+        </p:nvGrpSpPr>
+        <p:grpSpPr>
+          <a:xfrm>
+            <a:off x="1780032" y="1388605"/>
+            <a:ext cx="3730752" cy="1229417"/>
+            <a:chOff x="1780032" y="1330903"/>
+            <a:chExt cx="3730752" cy="1229417"/>
+          </a:xfrm>
+        </p:grpSpPr>
+        <p:sp>
+          <p:nvSpPr>
+            <p:cNvPr id="11" name="Rechteck 10"/>
+            <p:cNvSpPr/>
+            <p:nvPr/>
+          </p:nvSpPr>
+          <p:spPr>
+            <a:xfrm>
+              <a:off x="1780032" y="1499917"/>
+              <a:ext cx="3730752" cy="1060403"/>
+            </a:xfrm>
+            <a:prstGeom prst="rect">
+              <a:avLst/>
+            </a:prstGeom>
+            <a:solidFill>
+              <a:schemeClr val="bg1"/>
+            </a:solidFill>
+          </p:spPr>
+          <p:style>
+            <a:lnRef idx="2">
+              <a:schemeClr val="accent1">
+                <a:shade val="50000"/>
+              </a:schemeClr>
+            </a:lnRef>
+            <a:fillRef idx="1">
+              <a:schemeClr val="accent1"/>
+            </a:fillRef>
+            <a:effectRef idx="0">
+              <a:schemeClr val="accent1"/>
+            </a:effectRef>
+            <a:fontRef idx="minor">
+              <a:schemeClr val="lt1"/>
+            </a:fontRef>
+          </p:style>
+          <p:txBody>
+            <a:bodyPr tIns="180000" rtlCol="0" anchor="t"/>
+            <a:lstStyle/>
+            <a:p>
+              <a:pPr marL="285750" indent="-285750">
+                <a:buFont typeface="Arial" panose="020B0604020202020204" pitchFamily="34" charset="0"/>
+                <a:buChar char="•"/>
+              </a:pPr>
+              <a:r>
+                <a:rPr lang="de-DE" dirty="0" smtClean="0">
+                  <a:solidFill>
+                    <a:schemeClr val="tx1"/>
+                  </a:solidFill>
+                </a:rPr>
+                <a:t>Wenige, wichtige Informationen</a:t>
+              </a:r>
+            </a:p>
+            <a:p>
+              <a:pPr marL="285750" indent="-285750">
+                <a:buFont typeface="Arial" panose="020B0604020202020204" pitchFamily="34" charset="0"/>
+                <a:buChar char="•"/>
+              </a:pPr>
+              <a:r>
+                <a:rPr lang="de-DE" dirty="0" err="1" smtClean="0">
+                  <a:solidFill>
+                    <a:schemeClr val="tx1"/>
+                  </a:solidFill>
+                </a:rPr>
+                <a:t>Handsfree</a:t>
+              </a:r>
+              <a:endParaRPr lang="de-DE" dirty="0" smtClean="0">
+                <a:solidFill>
+                  <a:schemeClr val="tx1"/>
+                </a:solidFill>
+              </a:endParaRPr>
+            </a:p>
+            <a:p>
+              <a:pPr marL="285750" indent="-285750">
+                <a:buFont typeface="Arial" panose="020B0604020202020204" pitchFamily="34" charset="0"/>
+                <a:buChar char="•"/>
+              </a:pPr>
+              <a:r>
+                <a:rPr lang="de-DE" dirty="0" smtClean="0">
+                  <a:solidFill>
+                    <a:schemeClr val="tx1"/>
+                  </a:solidFill>
+                </a:rPr>
+                <a:t>Informationen über Nutzer</a:t>
+              </a:r>
+              <a:endParaRPr lang="de-DE" dirty="0">
+                <a:solidFill>
+                  <a:schemeClr val="tx1"/>
+                </a:solidFill>
+              </a:endParaRPr>
+            </a:p>
+          </p:txBody>
+        </p:sp>
+        <p:sp>
+          <p:nvSpPr>
+            <p:cNvPr id="18" name="Rechteck 17"/>
+            <p:cNvSpPr/>
+            <p:nvPr/>
+          </p:nvSpPr>
+          <p:spPr>
+            <a:xfrm>
+              <a:off x="1977040" y="1330903"/>
+              <a:ext cx="1516570" cy="338027"/>
+            </a:xfrm>
+            <a:prstGeom prst="rect">
+              <a:avLst/>
+            </a:prstGeom>
+            <a:solidFill>
+              <a:schemeClr val="bg1"/>
+            </a:solidFill>
+            <a:ln>
+              <a:noFill/>
+            </a:ln>
+          </p:spPr>
+          <p:style>
+            <a:lnRef idx="2">
+              <a:schemeClr val="accent1">
+                <a:shade val="50000"/>
+              </a:schemeClr>
+            </a:lnRef>
+            <a:fillRef idx="1">
+              <a:schemeClr val="accent1"/>
+            </a:fillRef>
+            <a:effectRef idx="0">
+              <a:schemeClr val="accent1"/>
+            </a:effectRef>
+            <a:fontRef idx="minor">
+              <a:schemeClr val="lt1"/>
+            </a:fontRef>
+          </p:style>
+          <p:txBody>
+            <a:bodyPr rtlCol="0" anchor="ctr"/>
+            <a:lstStyle/>
+            <a:p>
+              <a:r>
+                <a:rPr lang="de-DE" b="1" dirty="0" err="1" smtClean="0">
+                  <a:solidFill>
+                    <a:schemeClr val="tx1"/>
+                  </a:solidFill>
+                </a:rPr>
+                <a:t>Smartwatch</a:t>
+              </a:r>
+              <a:endParaRPr lang="de-DE" b="1" dirty="0">
+                <a:solidFill>
+                  <a:schemeClr val="tx1"/>
+                </a:solidFill>
+              </a:endParaRPr>
+            </a:p>
+          </p:txBody>
+        </p:sp>
+      </p:grpSp>
+      <p:grpSp>
+        <p:nvGrpSpPr>
+          <p:cNvPr id="20" name="Gruppieren 19"/>
+          <p:cNvGrpSpPr/>
+          <p:nvPr/>
+        </p:nvGrpSpPr>
+        <p:grpSpPr>
+          <a:xfrm>
+            <a:off x="1780634" y="2854951"/>
+            <a:ext cx="3730752" cy="1229417"/>
+            <a:chOff x="1780032" y="1330903"/>
+            <a:chExt cx="3730752" cy="1229417"/>
+          </a:xfrm>
+        </p:grpSpPr>
+        <p:sp>
+          <p:nvSpPr>
+            <p:cNvPr id="21" name="Rechteck 20"/>
+            <p:cNvSpPr/>
+            <p:nvPr/>
+          </p:nvSpPr>
+          <p:spPr>
+            <a:xfrm>
+              <a:off x="1780032" y="1499917"/>
+              <a:ext cx="3730752" cy="1060403"/>
+            </a:xfrm>
+            <a:prstGeom prst="rect">
+              <a:avLst/>
+            </a:prstGeom>
+            <a:solidFill>
+              <a:schemeClr val="bg1"/>
+            </a:solidFill>
+          </p:spPr>
+          <p:style>
+            <a:lnRef idx="2">
+              <a:schemeClr val="accent1">
+                <a:shade val="50000"/>
+              </a:schemeClr>
+            </a:lnRef>
+            <a:fillRef idx="1">
+              <a:schemeClr val="accent1"/>
+            </a:fillRef>
+            <a:effectRef idx="0">
+              <a:schemeClr val="accent1"/>
+            </a:effectRef>
+            <a:fontRef idx="minor">
+              <a:schemeClr val="lt1"/>
+            </a:fontRef>
+          </p:style>
+          <p:txBody>
+            <a:bodyPr tIns="180000" rtlCol="0" anchor="t"/>
+            <a:lstStyle/>
+            <a:p>
+              <a:pPr marL="285750" indent="-285750">
+                <a:buFont typeface="Arial" panose="020B0604020202020204" pitchFamily="34" charset="0"/>
+                <a:buChar char="•"/>
+              </a:pPr>
+              <a:r>
+                <a:rPr lang="de-DE" dirty="0" smtClean="0">
+                  <a:solidFill>
+                    <a:schemeClr val="tx1"/>
+                  </a:solidFill>
+                </a:rPr>
+                <a:t>Einfach zu Handhaben</a:t>
+              </a:r>
+            </a:p>
+            <a:p>
+              <a:pPr marL="285750" indent="-285750">
+                <a:buFont typeface="Arial" panose="020B0604020202020204" pitchFamily="34" charset="0"/>
+                <a:buChar char="•"/>
+              </a:pPr>
+              <a:r>
+                <a:rPr lang="de-DE" dirty="0" smtClean="0">
+                  <a:solidFill>
+                    <a:schemeClr val="tx1"/>
+                  </a:solidFill>
+                </a:rPr>
+                <a:t>Nur eine Hand frei</a:t>
+              </a:r>
+              <a:endParaRPr lang="de-DE" dirty="0">
+                <a:solidFill>
+                  <a:schemeClr val="tx1"/>
+                </a:solidFill>
+              </a:endParaRPr>
+            </a:p>
+          </p:txBody>
+        </p:sp>
+        <p:sp>
+          <p:nvSpPr>
+            <p:cNvPr id="22" name="Rechteck 21"/>
+            <p:cNvSpPr/>
+            <p:nvPr/>
+          </p:nvSpPr>
+          <p:spPr>
+            <a:xfrm>
+              <a:off x="1977040" y="1330903"/>
+              <a:ext cx="887478" cy="338027"/>
+            </a:xfrm>
+            <a:prstGeom prst="rect">
+              <a:avLst/>
+            </a:prstGeom>
+            <a:solidFill>
+              <a:schemeClr val="bg1"/>
+            </a:solidFill>
+            <a:ln>
+              <a:noFill/>
+            </a:ln>
+          </p:spPr>
+          <p:style>
+            <a:lnRef idx="2">
+              <a:schemeClr val="accent1">
+                <a:shade val="50000"/>
+              </a:schemeClr>
+            </a:lnRef>
+            <a:fillRef idx="1">
+              <a:schemeClr val="accent1"/>
+            </a:fillRef>
+            <a:effectRef idx="0">
+              <a:schemeClr val="accent1"/>
+            </a:effectRef>
+            <a:fontRef idx="minor">
+              <a:schemeClr val="lt1"/>
+            </a:fontRef>
+          </p:style>
+          <p:txBody>
+            <a:bodyPr rtlCol="0" anchor="ctr"/>
+            <a:lstStyle/>
+            <a:p>
+              <a:r>
+                <a:rPr lang="de-DE" b="1" dirty="0" smtClean="0">
+                  <a:solidFill>
+                    <a:schemeClr val="tx1"/>
+                  </a:solidFill>
+                </a:rPr>
+                <a:t>Tablet</a:t>
+              </a:r>
+              <a:endParaRPr lang="de-DE" b="1" dirty="0">
+                <a:solidFill>
+                  <a:schemeClr val="tx1"/>
+                </a:solidFill>
+              </a:endParaRPr>
+            </a:p>
+          </p:txBody>
+        </p:sp>
+      </p:grpSp>
+      <p:grpSp>
+        <p:nvGrpSpPr>
+          <p:cNvPr id="23" name="Gruppieren 22"/>
+          <p:cNvGrpSpPr/>
+          <p:nvPr/>
+        </p:nvGrpSpPr>
+        <p:grpSpPr>
+          <a:xfrm>
+            <a:off x="7319612" y="1388605"/>
+            <a:ext cx="3730752" cy="1229417"/>
+            <a:chOff x="1780032" y="1330903"/>
+            <a:chExt cx="3730752" cy="1229417"/>
+          </a:xfrm>
+        </p:grpSpPr>
+        <p:sp>
+          <p:nvSpPr>
+            <p:cNvPr id="24" name="Rechteck 23"/>
+            <p:cNvSpPr/>
+            <p:nvPr/>
+          </p:nvSpPr>
+          <p:spPr>
+            <a:xfrm>
+              <a:off x="1780032" y="1499917"/>
+              <a:ext cx="3730752" cy="1060403"/>
+            </a:xfrm>
+            <a:prstGeom prst="rect">
+              <a:avLst/>
+            </a:prstGeom>
+            <a:solidFill>
+              <a:schemeClr val="bg1"/>
+            </a:solidFill>
+          </p:spPr>
+          <p:style>
+            <a:lnRef idx="2">
+              <a:schemeClr val="accent1">
+                <a:shade val="50000"/>
+              </a:schemeClr>
+            </a:lnRef>
+            <a:fillRef idx="1">
+              <a:schemeClr val="accent1"/>
+            </a:fillRef>
+            <a:effectRef idx="0">
+              <a:schemeClr val="accent1"/>
+            </a:effectRef>
+            <a:fontRef idx="minor">
+              <a:schemeClr val="lt1"/>
+            </a:fontRef>
+          </p:style>
+          <p:txBody>
+            <a:bodyPr tIns="180000" rtlCol="0" anchor="t"/>
+            <a:lstStyle/>
+            <a:p>
+              <a:pPr marL="285750" indent="-285750">
+                <a:buFont typeface="Arial" panose="020B0604020202020204" pitchFamily="34" charset="0"/>
+                <a:buChar char="•"/>
+              </a:pPr>
+              <a:r>
+                <a:rPr lang="de-DE" dirty="0" smtClean="0">
+                  <a:solidFill>
+                    <a:schemeClr val="tx1"/>
+                  </a:solidFill>
+                </a:rPr>
+                <a:t>Bereitstellung von Informationen</a:t>
+              </a:r>
+            </a:p>
+            <a:p>
+              <a:pPr marL="285750" indent="-285750">
+                <a:buFont typeface="Arial" panose="020B0604020202020204" pitchFamily="34" charset="0"/>
+                <a:buChar char="•"/>
+              </a:pPr>
+              <a:r>
+                <a:rPr lang="de-DE" dirty="0" err="1" smtClean="0">
+                  <a:solidFill>
+                    <a:schemeClr val="tx1"/>
+                  </a:solidFill>
+                </a:rPr>
+                <a:t>Handsfree</a:t>
+              </a:r>
+              <a:endParaRPr lang="de-DE" dirty="0">
+                <a:solidFill>
+                  <a:schemeClr val="tx1"/>
+                </a:solidFill>
+              </a:endParaRPr>
+            </a:p>
+          </p:txBody>
+        </p:sp>
+        <p:sp>
+          <p:nvSpPr>
+            <p:cNvPr id="25" name="Rechteck 24"/>
+            <p:cNvSpPr/>
+            <p:nvPr/>
+          </p:nvSpPr>
+          <p:spPr>
+            <a:xfrm>
+              <a:off x="1977040" y="1330903"/>
+              <a:ext cx="1090932" cy="338027"/>
+            </a:xfrm>
+            <a:prstGeom prst="rect">
+              <a:avLst/>
+            </a:prstGeom>
+            <a:solidFill>
+              <a:schemeClr val="bg1"/>
+            </a:solidFill>
+            <a:ln>
+              <a:noFill/>
+            </a:ln>
+          </p:spPr>
+          <p:style>
+            <a:lnRef idx="2">
+              <a:schemeClr val="accent1">
+                <a:shade val="50000"/>
+              </a:schemeClr>
+            </a:lnRef>
+            <a:fillRef idx="1">
+              <a:schemeClr val="accent1"/>
+            </a:fillRef>
+            <a:effectRef idx="0">
+              <a:schemeClr val="accent1"/>
+            </a:effectRef>
+            <a:fontRef idx="minor">
+              <a:schemeClr val="lt1"/>
+            </a:fontRef>
+          </p:style>
+          <p:txBody>
+            <a:bodyPr rtlCol="0" anchor="ctr"/>
+            <a:lstStyle/>
+            <a:p>
+              <a:r>
+                <a:rPr lang="de-DE" b="1" dirty="0" smtClean="0">
+                  <a:solidFill>
+                    <a:schemeClr val="tx1"/>
+                  </a:solidFill>
+                </a:rPr>
+                <a:t>Headset</a:t>
+              </a:r>
+              <a:endParaRPr lang="de-DE" b="1" dirty="0">
+                <a:solidFill>
+                  <a:schemeClr val="tx1"/>
+                </a:solidFill>
+              </a:endParaRPr>
+            </a:p>
+          </p:txBody>
+        </p:sp>
+      </p:grpSp>
+      <p:grpSp>
+        <p:nvGrpSpPr>
+          <p:cNvPr id="26" name="Gruppieren 25"/>
+          <p:cNvGrpSpPr/>
+          <p:nvPr/>
+        </p:nvGrpSpPr>
+        <p:grpSpPr>
+          <a:xfrm>
+            <a:off x="7319612" y="2854951"/>
+            <a:ext cx="3730752" cy="1229417"/>
+            <a:chOff x="1780032" y="1330903"/>
+            <a:chExt cx="3730752" cy="1229417"/>
+          </a:xfrm>
+        </p:grpSpPr>
+        <p:sp>
+          <p:nvSpPr>
+            <p:cNvPr id="27" name="Rechteck 26"/>
+            <p:cNvSpPr/>
+            <p:nvPr/>
+          </p:nvSpPr>
+          <p:spPr>
+            <a:xfrm>
+              <a:off x="1780032" y="1499917"/>
+              <a:ext cx="3730752" cy="1060403"/>
+            </a:xfrm>
+            <a:prstGeom prst="rect">
+              <a:avLst/>
+            </a:prstGeom>
+            <a:solidFill>
+              <a:schemeClr val="bg1"/>
+            </a:solidFill>
+          </p:spPr>
+          <p:style>
+            <a:lnRef idx="2">
+              <a:schemeClr val="accent1">
+                <a:shade val="50000"/>
+              </a:schemeClr>
+            </a:lnRef>
+            <a:fillRef idx="1">
+              <a:schemeClr val="accent1"/>
+            </a:fillRef>
+            <a:effectRef idx="0">
+              <a:schemeClr val="accent1"/>
+            </a:effectRef>
+            <a:fontRef idx="minor">
+              <a:schemeClr val="lt1"/>
+            </a:fontRef>
+          </p:style>
+          <p:txBody>
+            <a:bodyPr tIns="180000" rtlCol="0" anchor="t"/>
+            <a:lstStyle/>
+            <a:p>
+              <a:pPr marL="285750" indent="-285750">
+                <a:buFont typeface="Arial" panose="020B0604020202020204" pitchFamily="34" charset="0"/>
+                <a:buChar char="•"/>
+              </a:pPr>
+              <a:r>
+                <a:rPr lang="de-DE" dirty="0" smtClean="0">
+                  <a:solidFill>
+                    <a:schemeClr val="tx1"/>
+                  </a:solidFill>
+                </a:rPr>
+                <a:t>Einblenden von Informationen in das Sichtfeld</a:t>
+              </a:r>
+              <a:endParaRPr lang="de-DE" dirty="0">
+                <a:solidFill>
+                  <a:schemeClr val="tx1"/>
+                </a:solidFill>
+              </a:endParaRPr>
+            </a:p>
+          </p:txBody>
+        </p:sp>
+        <p:sp>
+          <p:nvSpPr>
+            <p:cNvPr id="28" name="Rechteck 27"/>
+            <p:cNvSpPr/>
+            <p:nvPr/>
+          </p:nvSpPr>
+          <p:spPr>
+            <a:xfrm>
+              <a:off x="1977040" y="1330903"/>
+              <a:ext cx="1090932" cy="338027"/>
+            </a:xfrm>
+            <a:prstGeom prst="rect">
+              <a:avLst/>
+            </a:prstGeom>
+            <a:solidFill>
+              <a:schemeClr val="bg1"/>
+            </a:solidFill>
+            <a:ln>
+              <a:noFill/>
+            </a:ln>
+          </p:spPr>
+          <p:style>
+            <a:lnRef idx="2">
+              <a:schemeClr val="accent1">
+                <a:shade val="50000"/>
+              </a:schemeClr>
+            </a:lnRef>
+            <a:fillRef idx="1">
+              <a:schemeClr val="accent1"/>
+            </a:fillRef>
+            <a:effectRef idx="0">
+              <a:schemeClr val="accent1"/>
+            </a:effectRef>
+            <a:fontRef idx="minor">
+              <a:schemeClr val="lt1"/>
+            </a:fontRef>
+          </p:style>
+          <p:txBody>
+            <a:bodyPr rtlCol="0" anchor="ctr"/>
+            <a:lstStyle/>
+            <a:p>
+              <a:r>
+                <a:rPr lang="de-DE" b="1" dirty="0" smtClean="0">
+                  <a:solidFill>
+                    <a:schemeClr val="tx1"/>
+                  </a:solidFill>
+                </a:rPr>
+                <a:t>AR-Brille</a:t>
+              </a:r>
+              <a:endParaRPr lang="de-DE" b="1" dirty="0">
+                <a:solidFill>
+                  <a:schemeClr val="tx1"/>
+                </a:solidFill>
+              </a:endParaRPr>
+            </a:p>
+          </p:txBody>
+        </p:sp>
+      </p:grpSp>
+      <p:grpSp>
+        <p:nvGrpSpPr>
+          <p:cNvPr id="29" name="Gruppieren 28"/>
+          <p:cNvGrpSpPr/>
+          <p:nvPr/>
+        </p:nvGrpSpPr>
+        <p:grpSpPr>
+          <a:xfrm>
+            <a:off x="7319612" y="4282907"/>
+            <a:ext cx="3730752" cy="1229417"/>
+            <a:chOff x="1780032" y="1330903"/>
+            <a:chExt cx="3730752" cy="1229417"/>
+          </a:xfrm>
+        </p:grpSpPr>
+        <p:sp>
+          <p:nvSpPr>
+            <p:cNvPr id="30" name="Rechteck 29"/>
+            <p:cNvSpPr/>
+            <p:nvPr/>
+          </p:nvSpPr>
+          <p:spPr>
+            <a:xfrm>
+              <a:off x="1780032" y="1499917"/>
+              <a:ext cx="3730752" cy="1060403"/>
+            </a:xfrm>
+            <a:prstGeom prst="rect">
+              <a:avLst/>
+            </a:prstGeom>
+            <a:solidFill>
+              <a:schemeClr val="bg1"/>
+            </a:solidFill>
+          </p:spPr>
+          <p:style>
+            <a:lnRef idx="2">
+              <a:schemeClr val="accent1">
+                <a:shade val="50000"/>
+              </a:schemeClr>
+            </a:lnRef>
+            <a:fillRef idx="1">
+              <a:schemeClr val="accent1"/>
+            </a:fillRef>
+            <a:effectRef idx="0">
+              <a:schemeClr val="accent1"/>
+            </a:effectRef>
+            <a:fontRef idx="minor">
+              <a:schemeClr val="lt1"/>
+            </a:fontRef>
+          </p:style>
+          <p:txBody>
+            <a:bodyPr tIns="180000" rtlCol="0" anchor="t"/>
+            <a:lstStyle/>
+            <a:p>
+              <a:pPr marL="285750" indent="-285750">
+                <a:buFont typeface="Arial" panose="020B0604020202020204" pitchFamily="34" charset="0"/>
+                <a:buChar char="•"/>
+              </a:pPr>
+              <a:r>
+                <a:rPr lang="de-DE" dirty="0" smtClean="0">
+                  <a:solidFill>
+                    <a:schemeClr val="tx1"/>
+                  </a:solidFill>
+                </a:rPr>
+                <a:t>Beleuchtung des wichtigen Objekts</a:t>
+              </a:r>
+            </a:p>
+            <a:p>
+              <a:pPr marL="285750" indent="-285750">
+                <a:buFont typeface="Arial" panose="020B0604020202020204" pitchFamily="34" charset="0"/>
+                <a:buChar char="•"/>
+              </a:pPr>
+              <a:r>
+                <a:rPr lang="de-DE" dirty="0" smtClean="0">
+                  <a:solidFill>
+                    <a:schemeClr val="tx1"/>
+                  </a:solidFill>
+                </a:rPr>
+                <a:t>Fest verbaut</a:t>
+              </a:r>
+              <a:endParaRPr lang="de-DE" dirty="0">
+                <a:solidFill>
+                  <a:schemeClr val="tx1"/>
+                </a:solidFill>
+              </a:endParaRPr>
+            </a:p>
+          </p:txBody>
+        </p:sp>
+        <p:sp>
+          <p:nvSpPr>
+            <p:cNvPr id="31" name="Rechteck 30"/>
+            <p:cNvSpPr/>
+            <p:nvPr/>
+          </p:nvSpPr>
+          <p:spPr>
+            <a:xfrm>
+              <a:off x="1977040" y="1330903"/>
+              <a:ext cx="1249428" cy="338027"/>
+            </a:xfrm>
+            <a:prstGeom prst="rect">
+              <a:avLst/>
+            </a:prstGeom>
+            <a:solidFill>
+              <a:schemeClr val="bg1"/>
+            </a:solidFill>
+            <a:ln>
+              <a:noFill/>
+            </a:ln>
+          </p:spPr>
+          <p:style>
+            <a:lnRef idx="2">
+              <a:schemeClr val="accent1">
+                <a:shade val="50000"/>
+              </a:schemeClr>
+            </a:lnRef>
+            <a:fillRef idx="1">
+              <a:schemeClr val="accent1"/>
+            </a:fillRef>
+            <a:effectRef idx="0">
+              <a:schemeClr val="accent1"/>
+            </a:effectRef>
+            <a:fontRef idx="minor">
+              <a:schemeClr val="lt1"/>
+            </a:fontRef>
+          </p:style>
+          <p:txBody>
+            <a:bodyPr rtlCol="0" anchor="ctr"/>
+            <a:lstStyle/>
+            <a:p>
+              <a:r>
+                <a:rPr lang="de-DE" b="1" dirty="0" smtClean="0">
+                  <a:solidFill>
+                    <a:schemeClr val="tx1"/>
+                  </a:solidFill>
+                </a:rPr>
+                <a:t>Projektor</a:t>
+              </a:r>
+              <a:endParaRPr lang="de-DE" b="1" dirty="0">
+                <a:solidFill>
+                  <a:schemeClr val="tx1"/>
+                </a:solidFill>
+              </a:endParaRPr>
+            </a:p>
+          </p:txBody>
+        </p:sp>
+      </p:grpSp>
+      <p:grpSp>
+        <p:nvGrpSpPr>
+          <p:cNvPr id="32" name="Gruppieren 31"/>
+          <p:cNvGrpSpPr/>
+          <p:nvPr/>
+        </p:nvGrpSpPr>
+        <p:grpSpPr>
+          <a:xfrm>
+            <a:off x="1772363" y="4282907"/>
+            <a:ext cx="3730752" cy="1229417"/>
+            <a:chOff x="1780032" y="1330903"/>
+            <a:chExt cx="3730752" cy="1229417"/>
+          </a:xfrm>
+        </p:grpSpPr>
+        <p:sp>
+          <p:nvSpPr>
+            <p:cNvPr id="33" name="Rechteck 32"/>
+            <p:cNvSpPr/>
+            <p:nvPr/>
+          </p:nvSpPr>
+          <p:spPr>
+            <a:xfrm>
+              <a:off x="1780032" y="1499917"/>
+              <a:ext cx="3730752" cy="1060403"/>
+            </a:xfrm>
+            <a:prstGeom prst="rect">
+              <a:avLst/>
+            </a:prstGeom>
+            <a:solidFill>
+              <a:schemeClr val="bg1"/>
+            </a:solidFill>
+          </p:spPr>
+          <p:style>
+            <a:lnRef idx="2">
+              <a:schemeClr val="accent1">
+                <a:shade val="50000"/>
+              </a:schemeClr>
+            </a:lnRef>
+            <a:fillRef idx="1">
+              <a:schemeClr val="accent1"/>
+            </a:fillRef>
+            <a:effectRef idx="0">
+              <a:schemeClr val="accent1"/>
+            </a:effectRef>
+            <a:fontRef idx="minor">
+              <a:schemeClr val="lt1"/>
+            </a:fontRef>
+          </p:style>
+          <p:txBody>
+            <a:bodyPr tIns="180000" rtlCol="0" anchor="t"/>
+            <a:lstStyle/>
+            <a:p>
+              <a:pPr marL="285750" indent="-285750">
+                <a:buFont typeface="Arial" panose="020B0604020202020204" pitchFamily="34" charset="0"/>
+                <a:buChar char="•"/>
+              </a:pPr>
+              <a:r>
+                <a:rPr lang="de-DE" dirty="0" smtClean="0">
+                  <a:solidFill>
+                    <a:schemeClr val="tx1"/>
+                  </a:solidFill>
+                </a:rPr>
+                <a:t>Stationär</a:t>
+              </a:r>
+            </a:p>
+            <a:p>
+              <a:pPr marL="285750" indent="-285750">
+                <a:buFont typeface="Arial" panose="020B0604020202020204" pitchFamily="34" charset="0"/>
+                <a:buChar char="•"/>
+              </a:pPr>
+              <a:r>
+                <a:rPr lang="de-DE" dirty="0" smtClean="0">
+                  <a:solidFill>
+                    <a:schemeClr val="tx1"/>
+                  </a:solidFill>
+                </a:rPr>
+                <a:t>Großes Display</a:t>
+              </a:r>
+              <a:endParaRPr lang="de-DE" dirty="0">
+                <a:solidFill>
+                  <a:schemeClr val="tx1"/>
+                </a:solidFill>
+              </a:endParaRPr>
+            </a:p>
+          </p:txBody>
+        </p:sp>
+        <p:sp>
+          <p:nvSpPr>
+            <p:cNvPr id="34" name="Rechteck 33"/>
+            <p:cNvSpPr/>
+            <p:nvPr/>
+          </p:nvSpPr>
+          <p:spPr>
+            <a:xfrm>
+              <a:off x="1977040" y="1330903"/>
+              <a:ext cx="2053989" cy="338027"/>
+            </a:xfrm>
+            <a:prstGeom prst="rect">
+              <a:avLst/>
+            </a:prstGeom>
+            <a:solidFill>
+              <a:schemeClr val="bg1"/>
+            </a:solidFill>
+            <a:ln>
+              <a:noFill/>
+            </a:ln>
+          </p:spPr>
+          <p:style>
+            <a:lnRef idx="2">
+              <a:schemeClr val="accent1">
+                <a:shade val="50000"/>
+              </a:schemeClr>
+            </a:lnRef>
+            <a:fillRef idx="1">
+              <a:schemeClr val="accent1"/>
+            </a:fillRef>
+            <a:effectRef idx="0">
+              <a:schemeClr val="accent1"/>
+            </a:effectRef>
+            <a:fontRef idx="minor">
+              <a:schemeClr val="lt1"/>
+            </a:fontRef>
+          </p:style>
+          <p:txBody>
+            <a:bodyPr rtlCol="0" anchor="ctr"/>
+            <a:lstStyle/>
+            <a:p>
+              <a:r>
+                <a:rPr lang="de-DE" b="1" dirty="0" smtClean="0">
+                  <a:solidFill>
+                    <a:schemeClr val="tx1"/>
+                  </a:solidFill>
+                </a:rPr>
+                <a:t>Desktopcomputer</a:t>
+              </a:r>
+              <a:endParaRPr lang="de-DE" b="1" dirty="0">
+                <a:solidFill>
+                  <a:schemeClr val="tx1"/>
+                </a:solidFill>
+              </a:endParaRPr>
+            </a:p>
+          </p:txBody>
+        </p:sp>
+      </p:grpSp>
     </p:spTree>
     <p:extLst>
       <p:ext uri="{BB962C8B-B14F-4D97-AF65-F5344CB8AC3E}">

--- a/Dokumente/Präsentationen/2019-01-07_DA_Feldkemper_Aufgabenvorstellung.pptx
+++ b/Dokumente/Präsentationen/2019-01-07_DA_Feldkemper_Aufgabenvorstellung.pptx
@@ -25,14 +25,14 @@
   <p:notesSz cx="6858000" cy="9144000"/>
   <p:embeddedFontLst>
     <p:embeddedFont>
-      <p:font typeface="Open Sans" panose="020B0604020202020204" charset="0"/>
+      <p:font typeface="Calibri" panose="020F0502020204030204" pitchFamily="34" charset="0"/>
       <p:regular r:id="rId13"/>
       <p:bold r:id="rId14"/>
       <p:italic r:id="rId15"/>
       <p:boldItalic r:id="rId16"/>
     </p:embeddedFont>
     <p:embeddedFont>
-      <p:font typeface="Calibri" panose="020F0502020204030204" pitchFamily="34" charset="0"/>
+      <p:font typeface="Open Sans" panose="020B0606030504020204" pitchFamily="34" charset="0"/>
       <p:regular r:id="rId17"/>
       <p:bold r:id="rId18"/>
       <p:italic r:id="rId19"/>
@@ -253,7 +253,7 @@
           <a:p>
             <a:fld id="{C6AC6211-610F-44E5-BF19-D3CDF6EDD281}" type="datetimeFigureOut">
               <a:rPr lang="de-DE" smtClean="0"/>
-              <a:t>12.12.2018</a:t>
+              <a:t>12.12.18</a:t>
             </a:fld>
             <a:endParaRPr lang="de-DE"/>
           </a:p>
@@ -419,7 +419,7 @@
           <a:p>
             <a:fld id="{347435D3-23A6-45D3-8DFA-7317DC1E7A64}" type="datetimeFigureOut">
               <a:rPr lang="de-DE" smtClean="0"/>
-              <a:t>12.12.2018</a:t>
+              <a:t>12.12.18</a:t>
             </a:fld>
             <a:endParaRPr lang="de-DE"/>
           </a:p>
@@ -1045,7 +1045,7 @@
           <p:cNvPr id="15" name="Rechteck 14">
             <a:extLst>
               <a:ext uri="{FF2B5EF4-FFF2-40B4-BE49-F238E27FC236}">
-                <a16:creationId xmlns:a16="http://schemas.microsoft.com/office/drawing/2014/main" xmlns="" id="{F770C3AA-244C-A141-BC22-D074823F4293}"/>
+                <a16:creationId xmlns:a16="http://schemas.microsoft.com/office/drawing/2014/main" id="{F770C3AA-244C-A141-BC22-D074823F4293}"/>
               </a:ext>
             </a:extLst>
           </p:cNvPr>
@@ -1285,7 +1285,7 @@
           <p:cNvPr id="5" name="Grafik 4">
             <a:extLst>
               <a:ext uri="{FF2B5EF4-FFF2-40B4-BE49-F238E27FC236}">
-                <a16:creationId xmlns:a16="http://schemas.microsoft.com/office/drawing/2014/main" xmlns="" id="{C0F785FA-BB6E-6347-A8C6-9846216D4CBB}"/>
+                <a16:creationId xmlns:a16="http://schemas.microsoft.com/office/drawing/2014/main" id="{C0F785FA-BB6E-6347-A8C6-9846216D4CBB}"/>
               </a:ext>
             </a:extLst>
           </p:cNvPr>
@@ -1474,7 +1474,7 @@
           <p:cNvPr id="12" name="Grafik 11" hidden="1">
             <a:extLst>
               <a:ext uri="{FF2B5EF4-FFF2-40B4-BE49-F238E27FC236}">
-                <a16:creationId xmlns:a16="http://schemas.microsoft.com/office/drawing/2014/main" xmlns="" id="{CFC0D4A5-64CF-6D49-98B1-9FF6119E60EC}"/>
+                <a16:creationId xmlns:a16="http://schemas.microsoft.com/office/drawing/2014/main" id="{CFC0D4A5-64CF-6D49-98B1-9FF6119E60EC}"/>
               </a:ext>
             </a:extLst>
           </p:cNvPr>
@@ -1504,7 +1504,7 @@
           <p:cNvPr id="17" name="Grafik 16">
             <a:extLst>
               <a:ext uri="{FF2B5EF4-FFF2-40B4-BE49-F238E27FC236}">
-                <a16:creationId xmlns:a16="http://schemas.microsoft.com/office/drawing/2014/main" xmlns="" id="{22ECE872-F4EF-2A49-BA96-6065BC99D769}"/>
+                <a16:creationId xmlns:a16="http://schemas.microsoft.com/office/drawing/2014/main" id="{22ECE872-F4EF-2A49-BA96-6065BC99D769}"/>
               </a:ext>
             </a:extLst>
           </p:cNvPr>
@@ -1774,7 +1774,7 @@
           <p:cNvPr id="24" name="Bildplatzhalter 23">
             <a:extLst>
               <a:ext uri="{FF2B5EF4-FFF2-40B4-BE49-F238E27FC236}">
-                <a16:creationId xmlns:a16="http://schemas.microsoft.com/office/drawing/2014/main" xmlns="" id="{24A56C48-CA8D-D349-89CC-35C3A65DC4D5}"/>
+                <a16:creationId xmlns:a16="http://schemas.microsoft.com/office/drawing/2014/main" id="{24A56C48-CA8D-D349-89CC-35C3A65DC4D5}"/>
               </a:ext>
             </a:extLst>
           </p:cNvPr>
@@ -2088,7 +2088,7 @@
           <p:cNvPr id="6" name="Textplatzhalter 5">
             <a:extLst>
               <a:ext uri="{FF2B5EF4-FFF2-40B4-BE49-F238E27FC236}">
-                <a16:creationId xmlns:a16="http://schemas.microsoft.com/office/drawing/2014/main" xmlns="" id="{2E77FCEF-52F5-324B-A583-005ABCE0E622}"/>
+                <a16:creationId xmlns:a16="http://schemas.microsoft.com/office/drawing/2014/main" id="{2E77FCEF-52F5-324B-A583-005ABCE0E622}"/>
               </a:ext>
             </a:extLst>
           </p:cNvPr>
@@ -2126,7 +2126,7 @@
           <p:cNvPr id="13" name="Grafik 12">
             <a:extLst>
               <a:ext uri="{FF2B5EF4-FFF2-40B4-BE49-F238E27FC236}">
-                <a16:creationId xmlns:a16="http://schemas.microsoft.com/office/drawing/2014/main" xmlns="" id="{F84F96E3-FAED-E24A-9E01-BBA4824F0E34}"/>
+                <a16:creationId xmlns:a16="http://schemas.microsoft.com/office/drawing/2014/main" id="{F84F96E3-FAED-E24A-9E01-BBA4824F0E34}"/>
               </a:ext>
             </a:extLst>
           </p:cNvPr>
@@ -2297,7 +2297,7 @@
           <p:cNvPr id="6" name="Rechteck 5">
             <a:extLst>
               <a:ext uri="{FF2B5EF4-FFF2-40B4-BE49-F238E27FC236}">
-                <a16:creationId xmlns:a16="http://schemas.microsoft.com/office/drawing/2014/main" xmlns="" id="{2447D286-D9F9-E84F-9173-2C8D2D2068E1}"/>
+                <a16:creationId xmlns:a16="http://schemas.microsoft.com/office/drawing/2014/main" id="{2447D286-D9F9-E84F-9173-2C8D2D2068E1}"/>
               </a:ext>
             </a:extLst>
           </p:cNvPr>
@@ -2364,7 +2364,7 @@
           <p:cNvPr id="10" name="Grafik 9">
             <a:extLst>
               <a:ext uri="{FF2B5EF4-FFF2-40B4-BE49-F238E27FC236}">
-                <a16:creationId xmlns:a16="http://schemas.microsoft.com/office/drawing/2014/main" xmlns="" id="{E4DBCC79-CA26-C240-B119-9127A62CDBA8}"/>
+                <a16:creationId xmlns:a16="http://schemas.microsoft.com/office/drawing/2014/main" id="{E4DBCC79-CA26-C240-B119-9127A62CDBA8}"/>
               </a:ext>
             </a:extLst>
           </p:cNvPr>
@@ -2466,7 +2466,7 @@
           <p:cNvPr id="5" name="Rechteck 4">
             <a:extLst>
               <a:ext uri="{FF2B5EF4-FFF2-40B4-BE49-F238E27FC236}">
-                <a16:creationId xmlns:a16="http://schemas.microsoft.com/office/drawing/2014/main" xmlns="" id="{FD770378-5F2D-DE46-8D66-09007E946AD3}"/>
+                <a16:creationId xmlns:a16="http://schemas.microsoft.com/office/drawing/2014/main" id="{FD770378-5F2D-DE46-8D66-09007E946AD3}"/>
               </a:ext>
             </a:extLst>
           </p:cNvPr>
@@ -2530,7 +2530,7 @@
           <p:cNvPr id="4" name="Grafik 3">
             <a:extLst>
               <a:ext uri="{FF2B5EF4-FFF2-40B4-BE49-F238E27FC236}">
-                <a16:creationId xmlns:a16="http://schemas.microsoft.com/office/drawing/2014/main" xmlns="" id="{4FE30B28-5777-FC40-9C3F-81738D289A6A}"/>
+                <a16:creationId xmlns:a16="http://schemas.microsoft.com/office/drawing/2014/main" id="{4FE30B28-5777-FC40-9C3F-81738D289A6A}"/>
               </a:ext>
             </a:extLst>
           </p:cNvPr>
@@ -3340,7 +3340,7 @@
               <a:defRPr/>
             </a:pPr>
             <a:r>
-              <a:rPr lang="de-DE" sz="800" dirty="0" err="1" smtClean="0">
+              <a:rPr lang="de-DE" sz="800" dirty="0" err="1">
                 <a:solidFill>
                   <a:schemeClr val="bg2"/>
                 </a:solidFill>
@@ -3348,18 +3348,13 @@
               <a:t>Kollaborative</a:t>
             </a:r>
             <a:r>
-              <a:rPr lang="de-DE" sz="800" dirty="0" smtClean="0">
+              <a:rPr lang="de-DE" sz="800" dirty="0">
                 <a:solidFill>
                   <a:schemeClr val="bg2"/>
                 </a:solidFill>
               </a:rPr>
               <a:t> Problemlösung in modularen Anlagen mittels persönlicher digitaler Assistenz</a:t>
             </a:r>
-            <a:endParaRPr lang="de-DE" sz="800" dirty="0">
-              <a:solidFill>
-                <a:schemeClr val="bg2"/>
-              </a:solidFill>
-            </a:endParaRPr>
           </a:p>
           <a:p>
             <a:pPr algn="l"/>
@@ -3387,7 +3382,7 @@
           <a:p>
             <a:pPr algn="l"/>
             <a:r>
-              <a:rPr lang="de-DE" sz="800" baseline="0" dirty="0" err="1" smtClean="0">
+              <a:rPr lang="de-DE" sz="800" baseline="0" dirty="0" err="1">
                 <a:solidFill>
                   <a:schemeClr val="bg2"/>
                 </a:solidFill>
@@ -3398,7 +3393,7 @@
               <a:t>Aufgabenvorstelllung</a:t>
             </a:r>
             <a:r>
-              <a:rPr lang="de-DE" sz="800" baseline="0" dirty="0" smtClean="0">
+              <a:rPr lang="de-DE" sz="800" baseline="0" dirty="0">
                 <a:solidFill>
                   <a:schemeClr val="bg2"/>
                 </a:solidFill>
@@ -3409,7 +3404,7 @@
               <a:t> // </a:t>
             </a:r>
             <a:r>
-              <a:rPr lang="de-DE" sz="800" baseline="0" dirty="0" err="1" smtClean="0">
+              <a:rPr lang="de-DE" sz="800" baseline="0" dirty="0" err="1">
                 <a:solidFill>
                   <a:schemeClr val="bg2"/>
                 </a:solidFill>
@@ -3506,17 +3501,6 @@
               <a:tabLst/>
               <a:defRPr/>
             </a:pPr>
-            <a:r>
-              <a:rPr lang="de-DE" sz="800" dirty="0">
-                <a:solidFill>
-                  <a:schemeClr val="bg2"/>
-                </a:solidFill>
-                <a:latin typeface="Open Sans" panose="020B0606030504020204" pitchFamily="34" charset="0"/>
-                <a:ea typeface="Open Sans" panose="020B0606030504020204" pitchFamily="34" charset="0"/>
-                <a:cs typeface="Open Sans" panose="020B0606030504020204" pitchFamily="34" charset="0"/>
-              </a:rPr>
-              <a:t/>
-            </a:r>
             <a:br>
               <a:rPr lang="de-DE" sz="800" dirty="0">
                 <a:solidFill>
@@ -3680,7 +3664,7 @@
           <p:cNvPr id="13" name="Grafik 12">
             <a:extLst>
               <a:ext uri="{FF2B5EF4-FFF2-40B4-BE49-F238E27FC236}">
-                <a16:creationId xmlns:a16="http://schemas.microsoft.com/office/drawing/2014/main" xmlns="" id="{2DC3CACD-C7C8-274E-BCD4-043370996A48}"/>
+                <a16:creationId xmlns:a16="http://schemas.microsoft.com/office/drawing/2014/main" id="{2DC3CACD-C7C8-274E-BCD4-043370996A48}"/>
               </a:ext>
             </a:extLst>
           </p:cNvPr>
@@ -4208,26 +4192,25 @@
           <a:bodyPr/>
           <a:lstStyle/>
           <a:p>
-            <a:endParaRPr lang="de-DE" dirty="0" smtClean="0"/>
+            <a:endParaRPr lang="de-DE" dirty="0"/>
           </a:p>
           <a:p>
             <a:r>
-              <a:rPr lang="de-DE" dirty="0" smtClean="0"/>
+              <a:rPr lang="de-DE" dirty="0"/>
               <a:t>Bearbeiter:	Meret Feldkemper</a:t>
             </a:r>
           </a:p>
           <a:p>
             <a:r>
-              <a:rPr lang="de-DE" dirty="0" smtClean="0"/>
+              <a:rPr lang="de-DE" dirty="0"/>
               <a:t>Betreuer: 	Sebastian Heinze</a:t>
             </a:r>
           </a:p>
           <a:p>
             <a:r>
-              <a:rPr lang="de-DE" dirty="0" smtClean="0"/>
+              <a:rPr lang="de-DE" dirty="0"/>
               <a:t>Abgabe:		02.05.2019</a:t>
             </a:r>
-            <a:endParaRPr lang="de-DE" dirty="0"/>
           </a:p>
         </p:txBody>
       </p:sp>
@@ -4247,10 +4230,9 @@
           <a:lstStyle/>
           <a:p>
             <a:r>
-              <a:rPr lang="de-DE" dirty="0" smtClean="0"/>
+              <a:rPr lang="de-DE" dirty="0"/>
               <a:t>Aufgabenvorstellung Diplomarbeit</a:t>
             </a:r>
-            <a:endParaRPr lang="de-DE" dirty="0"/>
           </a:p>
         </p:txBody>
       </p:sp>
@@ -4270,14 +4252,13 @@
           <a:lstStyle/>
           <a:p>
             <a:r>
-              <a:rPr lang="de-DE" dirty="0" err="1" smtClean="0"/>
+              <a:rPr lang="de-DE" dirty="0" err="1"/>
               <a:t>Kollaborative</a:t>
             </a:r>
             <a:r>
-              <a:rPr lang="de-DE" dirty="0" smtClean="0"/>
+              <a:rPr lang="de-DE" dirty="0"/>
               <a:t> Problemlösung in modularen Anlagen mittels persönlicher digitaler Assistenz</a:t>
             </a:r>
-            <a:endParaRPr lang="de-DE" dirty="0"/>
           </a:p>
         </p:txBody>
       </p:sp>
@@ -4291,13 +4272,6 @@
   <p:clrMapOvr>
     <a:masterClrMapping/>
   </p:clrMapOvr>
-  <p:timing>
-    <p:tnLst>
-      <p:par>
-        <p:cTn id="1" dur="indefinite" restart="never" nodeType="tmRoot"/>
-      </p:par>
-    </p:tnLst>
-  </p:timing>
 </p:sld>
 </file>
 
@@ -4357,22 +4331,21 @@
           <a:p>
             <a:pPr lvl="1"/>
             <a:r>
-              <a:rPr lang="de-DE" dirty="0" err="1" smtClean="0"/>
+              <a:rPr lang="de-DE" dirty="0" err="1"/>
               <a:t>Ironies</a:t>
             </a:r>
             <a:r>
-              <a:rPr lang="de-DE" dirty="0" smtClean="0"/>
+              <a:rPr lang="de-DE" dirty="0"/>
               <a:t> </a:t>
             </a:r>
             <a:r>
-              <a:rPr lang="de-DE" dirty="0" err="1" smtClean="0"/>
+              <a:rPr lang="de-DE" dirty="0" err="1"/>
               <a:t>of</a:t>
             </a:r>
             <a:r>
-              <a:rPr lang="de-DE" dirty="0" smtClean="0"/>
+              <a:rPr lang="de-DE" dirty="0"/>
               <a:t> Automation</a:t>
             </a:r>
-            <a:endParaRPr lang="de-DE" dirty="0"/>
           </a:p>
         </p:txBody>
       </p:sp>
@@ -4422,10 +4395,9 @@
           <a:lstStyle/>
           <a:p>
             <a:r>
-              <a:rPr lang="de-DE" dirty="0" smtClean="0"/>
+              <a:rPr lang="de-DE" dirty="0"/>
               <a:t>Aufgabenstellung</a:t>
             </a:r>
-            <a:endParaRPr lang="de-DE" dirty="0"/>
           </a:p>
         </p:txBody>
       </p:sp>
@@ -4946,18 +4918,13 @@
           <a:p>
             <a:pPr algn="ctr"/>
             <a:r>
-              <a:rPr lang="de-DE" dirty="0" smtClean="0">
+              <a:rPr lang="de-DE" dirty="0">
                 <a:solidFill>
                   <a:schemeClr val="tx1"/>
                 </a:solidFill>
               </a:rPr>
               <a:t>Mensch</a:t>
             </a:r>
-            <a:endParaRPr lang="de-DE" dirty="0">
-              <a:solidFill>
-                <a:schemeClr val="tx1"/>
-              </a:solidFill>
-            </a:endParaRPr>
           </a:p>
         </p:txBody>
       </p:sp>
@@ -5001,18 +4968,13 @@
           <a:p>
             <a:pPr algn="ctr"/>
             <a:r>
-              <a:rPr lang="de-DE" dirty="0" smtClean="0">
+              <a:rPr lang="de-DE" dirty="0">
                 <a:solidFill>
                   <a:schemeClr val="tx1"/>
                 </a:solidFill>
               </a:rPr>
               <a:t>Interaktionsmechanik</a:t>
             </a:r>
-            <a:endParaRPr lang="de-DE" dirty="0">
-              <a:solidFill>
-                <a:schemeClr val="tx1"/>
-              </a:solidFill>
-            </a:endParaRPr>
           </a:p>
         </p:txBody>
       </p:sp>
@@ -5056,18 +5018,13 @@
           <a:p>
             <a:pPr algn="ctr"/>
             <a:r>
-              <a:rPr lang="de-DE" dirty="0" smtClean="0">
+              <a:rPr lang="de-DE" dirty="0">
                 <a:solidFill>
                   <a:schemeClr val="tx1"/>
                 </a:solidFill>
               </a:rPr>
               <a:t>Modulare Anlage</a:t>
             </a:r>
-            <a:endParaRPr lang="de-DE" dirty="0">
-              <a:solidFill>
-                <a:schemeClr val="tx1"/>
-              </a:solidFill>
-            </a:endParaRPr>
           </a:p>
         </p:txBody>
       </p:sp>
@@ -5111,18 +5068,13 @@
           <a:p>
             <a:pPr algn="ctr"/>
             <a:r>
-              <a:rPr lang="de-DE" dirty="0" smtClean="0">
+              <a:rPr lang="de-DE" dirty="0">
                 <a:solidFill>
                   <a:schemeClr val="tx1"/>
                 </a:solidFill>
               </a:rPr>
               <a:t>Digitaler Assistent</a:t>
             </a:r>
-            <a:endParaRPr lang="de-DE" dirty="0">
-              <a:solidFill>
-                <a:schemeClr val="tx1"/>
-              </a:solidFill>
-            </a:endParaRPr>
           </a:p>
         </p:txBody>
       </p:sp>
@@ -5166,18 +5118,13 @@
           <a:p>
             <a:pPr algn="ctr"/>
             <a:r>
-              <a:rPr lang="de-DE" dirty="0" smtClean="0">
+              <a:rPr lang="de-DE" dirty="0">
                 <a:solidFill>
                   <a:schemeClr val="tx1"/>
                 </a:solidFill>
               </a:rPr>
-              <a:t>HMI</a:t>
+              <a:t>Gerät</a:t>
             </a:r>
-            <a:endParaRPr lang="de-DE" dirty="0">
-              <a:solidFill>
-                <a:schemeClr val="tx1"/>
-              </a:solidFill>
-            </a:endParaRPr>
           </a:p>
         </p:txBody>
       </p:sp>
@@ -5549,18 +5496,13 @@
           <a:p>
             <a:pPr algn="ctr"/>
             <a:r>
-              <a:rPr lang="de-DE" sz="2000" b="1" dirty="0" smtClean="0">
+              <a:rPr lang="de-DE" sz="2000" b="1" dirty="0">
                 <a:solidFill>
                   <a:schemeClr val="accent6"/>
                 </a:solidFill>
               </a:rPr>
               <a:t>Assistenzsystem</a:t>
             </a:r>
-            <a:endParaRPr lang="de-DE" sz="2000" b="1" dirty="0">
-              <a:solidFill>
-                <a:schemeClr val="accent6"/>
-              </a:solidFill>
-            </a:endParaRPr>
           </a:p>
         </p:txBody>
       </p:sp>
@@ -5607,13 +5549,6 @@
   <p:clrMapOvr>
     <a:masterClrMapping/>
   </p:clrMapOvr>
-  <p:timing>
-    <p:tnLst>
-      <p:par>
-        <p:cTn id="1" dur="indefinite" restart="never" nodeType="tmRoot"/>
-      </p:par>
-    </p:tnLst>
-  </p:timing>
 </p:sld>
 </file>
 
@@ -5650,10 +5585,9 @@
           <a:lstStyle/>
           <a:p>
             <a:r>
-              <a:rPr lang="de-DE" dirty="0" smtClean="0"/>
+              <a:rPr lang="de-DE" dirty="0"/>
               <a:t>Modulare Anlagen</a:t>
             </a:r>
-            <a:endParaRPr lang="de-DE" dirty="0"/>
           </a:p>
         </p:txBody>
       </p:sp>
@@ -5674,28 +5608,28 @@
           <a:p>
             <a:pPr lvl="1"/>
             <a:r>
-              <a:rPr lang="de-DE" dirty="0" smtClean="0"/>
+              <a:rPr lang="de-DE" dirty="0"/>
               <a:t>Flexibel</a:t>
             </a:r>
           </a:p>
           <a:p>
             <a:pPr lvl="1"/>
             <a:r>
-              <a:rPr lang="de-DE" dirty="0" smtClean="0"/>
+              <a:rPr lang="de-DE" dirty="0"/>
               <a:t>Anlage verändert sich schneller</a:t>
             </a:r>
           </a:p>
           <a:p>
             <a:pPr lvl="1"/>
             <a:r>
-              <a:rPr lang="de-DE" dirty="0" smtClean="0"/>
+              <a:rPr lang="de-DE" dirty="0"/>
               <a:t>Anlage wird anders betrieben, als herkömmliche Anlagen</a:t>
             </a:r>
           </a:p>
           <a:p>
             <a:pPr lvl="1"/>
             <a:r>
-              <a:rPr lang="de-DE" dirty="0" smtClean="0"/>
+              <a:rPr lang="de-DE" dirty="0"/>
               <a:t>Serviceorientierte Steuerung</a:t>
             </a:r>
           </a:p>
@@ -5948,13 +5882,6 @@
   <p:clrMapOvr>
     <a:masterClrMapping/>
   </p:clrMapOvr>
-  <p:timing>
-    <p:tnLst>
-      <p:par>
-        <p:cTn id="1" dur="indefinite" restart="never" nodeType="tmRoot"/>
-      </p:par>
-    </p:tnLst>
-  </p:timing>
 </p:sld>
 </file>
 
@@ -5991,10 +5918,9 @@
           <a:lstStyle/>
           <a:p>
             <a:r>
-              <a:rPr lang="de-DE" dirty="0" smtClean="0"/>
+              <a:rPr lang="de-DE" dirty="0"/>
               <a:t>Menschen lösen Probleme unterschiedlich</a:t>
             </a:r>
-            <a:endParaRPr lang="de-DE" dirty="0"/>
           </a:p>
         </p:txBody>
       </p:sp>
@@ -6041,18 +5967,13 @@
           <a:p>
             <a:pPr algn="ctr"/>
             <a:r>
-              <a:rPr lang="de-DE" b="1" dirty="0" smtClean="0">
+              <a:rPr lang="de-DE" b="1" dirty="0">
                 <a:solidFill>
                   <a:schemeClr val="accent4"/>
                 </a:solidFill>
               </a:rPr>
               <a:t>Veränderungsorientierung</a:t>
             </a:r>
-            <a:endParaRPr lang="de-DE" b="1" dirty="0">
-              <a:solidFill>
-                <a:schemeClr val="accent4"/>
-              </a:solidFill>
-            </a:endParaRPr>
           </a:p>
         </p:txBody>
       </p:sp>
@@ -6099,18 +6020,13 @@
           <a:p>
             <a:pPr algn="ctr"/>
             <a:r>
-              <a:rPr lang="de-DE" b="1" dirty="0" smtClean="0">
+              <a:rPr lang="de-DE" b="1" dirty="0">
                 <a:solidFill>
                   <a:schemeClr val="accent4"/>
                 </a:solidFill>
               </a:rPr>
               <a:t>Verarbeitungsstil</a:t>
             </a:r>
-            <a:endParaRPr lang="de-DE" b="1" dirty="0">
-              <a:solidFill>
-                <a:schemeClr val="accent4"/>
-              </a:solidFill>
-            </a:endParaRPr>
           </a:p>
         </p:txBody>
       </p:sp>
@@ -6157,18 +6073,13 @@
           <a:p>
             <a:pPr algn="ctr"/>
             <a:r>
-              <a:rPr lang="de-DE" b="1" dirty="0" smtClean="0">
+              <a:rPr lang="de-DE" b="1" dirty="0">
                 <a:solidFill>
                   <a:schemeClr val="accent4"/>
                 </a:solidFill>
               </a:rPr>
               <a:t>Entscheidungsfokus</a:t>
             </a:r>
-            <a:endParaRPr lang="de-DE" b="1" dirty="0">
-              <a:solidFill>
-                <a:schemeClr val="accent4"/>
-              </a:solidFill>
-            </a:endParaRPr>
           </a:p>
         </p:txBody>
       </p:sp>
@@ -6229,7 +6140,7 @@
                 <a:buChar char="•"/>
               </a:pPr>
               <a:r>
-                <a:rPr lang="de-DE" sz="1600" dirty="0" smtClean="0">
+                <a:rPr lang="de-DE" sz="1600" dirty="0">
                   <a:solidFill>
                     <a:schemeClr val="tx1"/>
                   </a:solidFill>
@@ -6243,7 +6154,7 @@
                 <a:buChar char="•"/>
               </a:pPr>
               <a:r>
-                <a:rPr lang="de-DE" sz="1600" dirty="0" smtClean="0">
+                <a:rPr lang="de-DE" sz="1600" dirty="0">
                   <a:solidFill>
                     <a:schemeClr val="tx1"/>
                   </a:solidFill>
@@ -6256,7 +6167,7 @@
                 <a:buFont typeface="Arial" panose="020B0604020202020204" pitchFamily="34" charset="0"/>
                 <a:buChar char="•"/>
               </a:pPr>
-              <a:endParaRPr lang="de-DE" sz="1600" dirty="0" smtClean="0">
+              <a:endParaRPr lang="de-DE" sz="1600" dirty="0">
                 <a:solidFill>
                   <a:schemeClr val="tx1"/>
                 </a:solidFill>
@@ -6306,18 +6217,13 @@
             <a:lstStyle/>
             <a:p>
               <a:r>
-                <a:rPr lang="de-DE" b="1" dirty="0" smtClean="0">
+                <a:rPr lang="de-DE" b="1" dirty="0">
                   <a:solidFill>
                     <a:schemeClr val="tx1"/>
                   </a:solidFill>
                 </a:rPr>
                 <a:t>Explorer</a:t>
               </a:r>
-              <a:endParaRPr lang="de-DE" b="1" dirty="0">
-                <a:solidFill>
-                  <a:schemeClr val="tx1"/>
-                </a:solidFill>
-              </a:endParaRPr>
             </a:p>
           </p:txBody>
         </p:sp>
@@ -6379,7 +6285,7 @@
                 <a:buChar char="•"/>
               </a:pPr>
               <a:r>
-                <a:rPr lang="de-DE" sz="1600" dirty="0" smtClean="0">
+                <a:rPr lang="de-DE" sz="1600" dirty="0">
                   <a:solidFill>
                     <a:schemeClr val="tx1"/>
                   </a:solidFill>
@@ -6393,7 +6299,7 @@
                 <a:buChar char="•"/>
               </a:pPr>
               <a:r>
-                <a:rPr lang="de-DE" sz="1600" dirty="0" smtClean="0">
+                <a:rPr lang="de-DE" sz="1600" dirty="0">
                   <a:solidFill>
                     <a:schemeClr val="tx1"/>
                   </a:solidFill>
@@ -6407,7 +6313,7 @@
                 <a:buChar char="•"/>
               </a:pPr>
               <a:r>
-                <a:rPr lang="de-DE" sz="1600" dirty="0" smtClean="0">
+                <a:rPr lang="de-DE" sz="1600" dirty="0">
                   <a:solidFill>
                     <a:schemeClr val="tx1"/>
                   </a:solidFill>
@@ -6420,7 +6326,7 @@
                 <a:buFont typeface="Arial" panose="020B0604020202020204" pitchFamily="34" charset="0"/>
                 <a:buChar char="•"/>
               </a:pPr>
-              <a:endParaRPr lang="de-DE" sz="1600" dirty="0" smtClean="0">
+              <a:endParaRPr lang="de-DE" sz="1600" dirty="0">
                 <a:solidFill>
                   <a:schemeClr val="tx1"/>
                 </a:solidFill>
@@ -6470,18 +6376,13 @@
             <a:lstStyle/>
             <a:p>
               <a:r>
-                <a:rPr lang="de-DE" b="1" dirty="0" smtClean="0">
+                <a:rPr lang="de-DE" b="1" dirty="0">
                   <a:solidFill>
                     <a:schemeClr val="tx1"/>
                   </a:solidFill>
                 </a:rPr>
                 <a:t>Developer</a:t>
               </a:r>
-              <a:endParaRPr lang="de-DE" b="1" dirty="0">
-                <a:solidFill>
-                  <a:schemeClr val="tx1"/>
-                </a:solidFill>
-              </a:endParaRPr>
             </a:p>
           </p:txBody>
         </p:sp>
@@ -6543,7 +6444,7 @@
                 <a:buChar char="•"/>
               </a:pPr>
               <a:r>
-                <a:rPr lang="de-DE" sz="1600" dirty="0" smtClean="0">
+                <a:rPr lang="de-DE" sz="1600" dirty="0">
                   <a:solidFill>
                     <a:schemeClr val="tx1"/>
                   </a:solidFill>
@@ -6557,7 +6458,7 @@
                 <a:buChar char="•"/>
               </a:pPr>
               <a:r>
-                <a:rPr lang="de-DE" sz="1600" dirty="0" smtClean="0">
+                <a:rPr lang="de-DE" sz="1600" dirty="0">
                   <a:solidFill>
                     <a:schemeClr val="tx1"/>
                   </a:solidFill>
@@ -6609,7 +6510,7 @@
             <a:lstStyle/>
             <a:p>
               <a:r>
-                <a:rPr lang="de-DE" b="1" dirty="0" err="1" smtClean="0">
+                <a:rPr lang="de-DE" b="1" dirty="0" err="1">
                   <a:solidFill>
                     <a:schemeClr val="tx1"/>
                   </a:solidFill>
@@ -6682,7 +6583,7 @@
                 <a:buChar char="•"/>
               </a:pPr>
               <a:r>
-                <a:rPr lang="de-DE" sz="1600" dirty="0" smtClean="0">
+                <a:rPr lang="de-DE" sz="1600" dirty="0">
                   <a:solidFill>
                     <a:schemeClr val="tx1"/>
                   </a:solidFill>
@@ -6696,7 +6597,7 @@
                 <a:buChar char="•"/>
               </a:pPr>
               <a:r>
-                <a:rPr lang="de-DE" sz="1600" dirty="0" smtClean="0">
+                <a:rPr lang="de-DE" sz="1600" dirty="0">
                   <a:solidFill>
                     <a:schemeClr val="tx1"/>
                   </a:solidFill>
@@ -6710,7 +6611,7 @@
                 <a:buChar char="•"/>
               </a:pPr>
               <a:r>
-                <a:rPr lang="de-DE" sz="1600" dirty="0" smtClean="0">
+                <a:rPr lang="de-DE" sz="1600" dirty="0">
                   <a:solidFill>
                     <a:schemeClr val="tx1"/>
                   </a:solidFill>
@@ -6762,18 +6663,13 @@
             <a:lstStyle/>
             <a:p>
               <a:r>
-                <a:rPr lang="de-DE" b="1" dirty="0" smtClean="0">
+                <a:rPr lang="de-DE" b="1" dirty="0">
                   <a:solidFill>
                     <a:schemeClr val="tx1"/>
                   </a:solidFill>
                 </a:rPr>
                 <a:t>Internal</a:t>
               </a:r>
-              <a:endParaRPr lang="de-DE" b="1" dirty="0">
-                <a:solidFill>
-                  <a:schemeClr val="tx1"/>
-                </a:solidFill>
-              </a:endParaRPr>
             </a:p>
           </p:txBody>
         </p:sp>
@@ -6835,7 +6731,7 @@
                 <a:buChar char="•"/>
               </a:pPr>
               <a:r>
-                <a:rPr lang="de-DE" sz="1600" dirty="0" smtClean="0">
+                <a:rPr lang="de-DE" sz="1600" dirty="0">
                   <a:solidFill>
                     <a:schemeClr val="tx1"/>
                   </a:solidFill>
@@ -6849,7 +6745,7 @@
                 <a:buChar char="•"/>
               </a:pPr>
               <a:r>
-                <a:rPr lang="de-DE" sz="1600" dirty="0" smtClean="0">
+                <a:rPr lang="de-DE" sz="1600" dirty="0">
                   <a:solidFill>
                     <a:schemeClr val="tx1"/>
                   </a:solidFill>
@@ -6862,7 +6758,7 @@
                 <a:buFont typeface="Arial" panose="020B0604020202020204" pitchFamily="34" charset="0"/>
                 <a:buChar char="•"/>
               </a:pPr>
-              <a:endParaRPr lang="de-DE" sz="1600" dirty="0" smtClean="0">
+              <a:endParaRPr lang="de-DE" sz="1600" dirty="0">
                 <a:solidFill>
                   <a:schemeClr val="tx1"/>
                 </a:solidFill>
@@ -6912,18 +6808,13 @@
             <a:lstStyle/>
             <a:p>
               <a:r>
-                <a:rPr lang="de-DE" b="1" dirty="0" smtClean="0">
+                <a:rPr lang="de-DE" b="1" dirty="0">
                   <a:solidFill>
                     <a:schemeClr val="tx1"/>
                   </a:solidFill>
                 </a:rPr>
                 <a:t>People</a:t>
               </a:r>
-              <a:endParaRPr lang="de-DE" b="1" dirty="0">
-                <a:solidFill>
-                  <a:schemeClr val="tx1"/>
-                </a:solidFill>
-              </a:endParaRPr>
             </a:p>
           </p:txBody>
         </p:sp>
@@ -6985,7 +6876,7 @@
                 <a:buChar char="•"/>
               </a:pPr>
               <a:r>
-                <a:rPr lang="de-DE" sz="1600" dirty="0" smtClean="0">
+                <a:rPr lang="de-DE" sz="1600" dirty="0">
                   <a:solidFill>
                     <a:schemeClr val="tx1"/>
                   </a:solidFill>
@@ -6999,7 +6890,7 @@
                 <a:buChar char="•"/>
               </a:pPr>
               <a:r>
-                <a:rPr lang="de-DE" sz="1600" dirty="0" smtClean="0">
+                <a:rPr lang="de-DE" sz="1600" dirty="0">
                   <a:solidFill>
                     <a:schemeClr val="tx1"/>
                   </a:solidFill>
@@ -7051,18 +6942,13 @@
             <a:lstStyle/>
             <a:p>
               <a:r>
-                <a:rPr lang="de-DE" b="1" dirty="0" smtClean="0">
+                <a:rPr lang="de-DE" b="1" dirty="0">
                   <a:solidFill>
                     <a:schemeClr val="tx1"/>
                   </a:solidFill>
                 </a:rPr>
                 <a:t>Task</a:t>
               </a:r>
-              <a:endParaRPr lang="de-DE" b="1" dirty="0">
-                <a:solidFill>
-                  <a:schemeClr val="tx1"/>
-                </a:solidFill>
-              </a:endParaRPr>
             </a:p>
           </p:txBody>
         </p:sp>
@@ -7106,13 +6992,6 @@
   <p:clrMapOvr>
     <a:masterClrMapping/>
   </p:clrMapOvr>
-  <p:timing>
-    <p:tnLst>
-      <p:par>
-        <p:cTn id="1" dur="indefinite" restart="never" nodeType="tmRoot"/>
-      </p:par>
-    </p:tnLst>
-  </p:timing>
 </p:sld>
 </file>
 
@@ -7149,10 +7028,9 @@
           <a:lstStyle/>
           <a:p>
             <a:r>
-              <a:rPr lang="de-DE" dirty="0" smtClean="0"/>
+              <a:rPr lang="de-DE" dirty="0"/>
               <a:t>Interaktionsmechaniken</a:t>
             </a:r>
-            <a:endParaRPr lang="de-DE" dirty="0"/>
           </a:p>
         </p:txBody>
       </p:sp>
@@ -7225,7 +7103,7 @@
           <a:lstStyle/>
           <a:p>
             <a:r>
-              <a:rPr lang="de-DE" b="1" dirty="0" smtClean="0">
+              <a:rPr lang="de-DE" b="1" dirty="0">
                 <a:solidFill>
                   <a:schemeClr val="tx1"/>
                 </a:solidFill>
@@ -7246,7 +7124,7 @@
               <a:buChar char="•"/>
             </a:pPr>
             <a:r>
-              <a:rPr lang="de-DE" dirty="0" smtClean="0">
+              <a:rPr lang="de-DE" dirty="0">
                 <a:solidFill>
                   <a:schemeClr val="tx1"/>
                 </a:solidFill>
@@ -7260,7 +7138,7 @@
               <a:buChar char="•"/>
             </a:pPr>
             <a:r>
-              <a:rPr lang="de-DE" dirty="0" smtClean="0">
+              <a:rPr lang="de-DE" dirty="0">
                 <a:solidFill>
                   <a:schemeClr val="tx1"/>
                 </a:solidFill>
@@ -7274,18 +7152,13 @@
               <a:buChar char="•"/>
             </a:pPr>
             <a:r>
-              <a:rPr lang="de-DE" dirty="0" smtClean="0">
+              <a:rPr lang="de-DE" dirty="0">
                 <a:solidFill>
                   <a:schemeClr val="tx1"/>
                 </a:solidFill>
               </a:rPr>
               <a:t>Joystick</a:t>
             </a:r>
-            <a:endParaRPr lang="de-DE" dirty="0">
-              <a:solidFill>
-                <a:schemeClr val="tx1"/>
-              </a:solidFill>
-            </a:endParaRPr>
           </a:p>
         </p:txBody>
       </p:sp>
@@ -7328,7 +7201,7 @@
           <a:lstStyle/>
           <a:p>
             <a:r>
-              <a:rPr lang="de-DE" b="1" dirty="0" smtClean="0">
+              <a:rPr lang="de-DE" b="1" dirty="0">
                 <a:solidFill>
                   <a:schemeClr val="tx1"/>
                 </a:solidFill>
@@ -7349,18 +7222,13 @@
               <a:buChar char="•"/>
             </a:pPr>
             <a:r>
-              <a:rPr lang="de-DE" dirty="0" smtClean="0">
+              <a:rPr lang="de-DE" dirty="0">
                 <a:solidFill>
                   <a:schemeClr val="tx1"/>
                 </a:solidFill>
               </a:rPr>
               <a:t>Berühren des Bildschirms</a:t>
             </a:r>
-            <a:endParaRPr lang="de-DE" dirty="0">
-              <a:solidFill>
-                <a:schemeClr val="tx1"/>
-              </a:solidFill>
-            </a:endParaRPr>
           </a:p>
         </p:txBody>
       </p:sp>
@@ -7403,7 +7271,7 @@
           <a:lstStyle/>
           <a:p>
             <a:r>
-              <a:rPr lang="de-DE" b="1" dirty="0" smtClean="0">
+              <a:rPr lang="de-DE" b="1" dirty="0">
                 <a:solidFill>
                   <a:schemeClr val="tx1"/>
                 </a:solidFill>
@@ -7424,7 +7292,7 @@
               <a:buChar char="•"/>
             </a:pPr>
             <a:r>
-              <a:rPr lang="de-DE" dirty="0" smtClean="0">
+              <a:rPr lang="de-DE" dirty="0">
                 <a:solidFill>
                   <a:schemeClr val="tx1"/>
                 </a:solidFill>
@@ -7438,18 +7306,13 @@
               <a:buChar char="•"/>
             </a:pPr>
             <a:r>
-              <a:rPr lang="de-DE" dirty="0" smtClean="0">
+              <a:rPr lang="de-DE" dirty="0">
                 <a:solidFill>
                   <a:schemeClr val="tx1"/>
                 </a:solidFill>
               </a:rPr>
               <a:t>Fließtext</a:t>
             </a:r>
-            <a:endParaRPr lang="de-DE" dirty="0">
-              <a:solidFill>
-                <a:schemeClr val="tx1"/>
-              </a:solidFill>
-            </a:endParaRPr>
           </a:p>
         </p:txBody>
       </p:sp>
@@ -7492,18 +7355,13 @@
           <a:lstStyle/>
           <a:p>
             <a:r>
-              <a:rPr lang="de-DE" b="1" dirty="0" smtClean="0">
+              <a:rPr lang="de-DE" b="1" dirty="0">
                 <a:solidFill>
                   <a:schemeClr val="tx1"/>
                 </a:solidFill>
               </a:rPr>
               <a:t>Sprache</a:t>
             </a:r>
-            <a:endParaRPr lang="de-DE" b="1" dirty="0">
-              <a:solidFill>
-                <a:schemeClr val="tx1"/>
-              </a:solidFill>
-            </a:endParaRPr>
           </a:p>
         </p:txBody>
       </p:sp>
@@ -7546,18 +7404,13 @@
           <a:lstStyle/>
           <a:p>
             <a:r>
-              <a:rPr lang="de-DE" b="1" dirty="0" smtClean="0">
+              <a:rPr lang="de-DE" b="1" dirty="0">
                 <a:solidFill>
                   <a:schemeClr val="tx1"/>
                 </a:solidFill>
               </a:rPr>
               <a:t>Gestik</a:t>
             </a:r>
-            <a:endParaRPr lang="de-DE" b="1" dirty="0">
-              <a:solidFill>
-                <a:schemeClr val="tx1"/>
-              </a:solidFill>
-            </a:endParaRPr>
           </a:p>
         </p:txBody>
       </p:sp>
@@ -7735,13 +7588,6 @@
   <p:clrMapOvr>
     <a:masterClrMapping/>
   </p:clrMapOvr>
-  <p:timing>
-    <p:tnLst>
-      <p:par>
-        <p:cTn id="1" dur="indefinite" restart="never" nodeType="tmRoot"/>
-      </p:par>
-    </p:tnLst>
-  </p:timing>
 </p:sld>
 </file>
 
@@ -7778,10 +7624,9 @@
           <a:lstStyle/>
           <a:p>
             <a:r>
-              <a:rPr lang="de-DE" dirty="0" smtClean="0"/>
-              <a:t>Informationen können dem Nutzer auf unterschiedliche Art bereitgestellt werden</a:t>
+              <a:rPr lang="de-DE" dirty="0"/>
+              <a:t>Informationen können dem Nutzer durch unterschiedliche Geräte zur Verfügung gestellt werden</a:t>
             </a:r>
-            <a:endParaRPr lang="de-DE" dirty="0"/>
           </a:p>
         </p:txBody>
       </p:sp>
@@ -7837,7 +7682,7 @@
         </p:blipFill>
         <p:spPr>
           <a:xfrm>
-            <a:off x="874712" y="1499917"/>
+            <a:off x="874712" y="1682785"/>
             <a:ext cx="810070" cy="810070"/>
           </a:xfrm>
           <a:prstGeom prst="rect">
@@ -7867,7 +7712,7 @@
         </p:blipFill>
         <p:spPr>
           <a:xfrm>
-            <a:off x="874712" y="3023965"/>
+            <a:off x="871314" y="3149131"/>
             <a:ext cx="810070" cy="810070"/>
           </a:xfrm>
           <a:prstGeom prst="rect">
@@ -7897,7 +7742,7 @@
         </p:blipFill>
         <p:spPr>
           <a:xfrm>
-            <a:off x="6410292" y="1499917"/>
+            <a:off x="6410291" y="1726632"/>
             <a:ext cx="810070" cy="810070"/>
           </a:xfrm>
           <a:prstGeom prst="rect">
@@ -7927,7 +7772,7 @@
         </p:blipFill>
         <p:spPr>
           <a:xfrm>
-            <a:off x="6410292" y="2976340"/>
+            <a:off x="6410291" y="3149131"/>
             <a:ext cx="810070" cy="810070"/>
           </a:xfrm>
           <a:prstGeom prst="rect">
@@ -7957,7 +7802,7 @@
         </p:blipFill>
         <p:spPr>
           <a:xfrm>
-            <a:off x="6410291" y="4451920"/>
+            <a:off x="6410291" y="4577086"/>
             <a:ext cx="810071" cy="810071"/>
           </a:xfrm>
           <a:prstGeom prst="rect">
@@ -7987,7 +7832,7 @@
         </p:blipFill>
         <p:spPr>
           <a:xfrm>
-            <a:off x="874712" y="4451921"/>
+            <a:off x="874712" y="4577087"/>
             <a:ext cx="810070" cy="810070"/>
           </a:xfrm>
           <a:prstGeom prst="rect">
@@ -8055,7 +7900,7 @@
                 <a:buChar char="•"/>
               </a:pPr>
               <a:r>
-                <a:rPr lang="de-DE" dirty="0" smtClean="0">
+                <a:rPr lang="de-DE" dirty="0">
                   <a:solidFill>
                     <a:schemeClr val="tx1"/>
                   </a:solidFill>
@@ -8069,14 +7914,14 @@
                 <a:buChar char="•"/>
               </a:pPr>
               <a:r>
-                <a:rPr lang="de-DE" dirty="0" err="1" smtClean="0">
+                <a:rPr lang="de-DE" dirty="0" err="1">
                   <a:solidFill>
                     <a:schemeClr val="tx1"/>
                   </a:solidFill>
                 </a:rPr>
                 <a:t>Handsfree</a:t>
               </a:r>
-              <a:endParaRPr lang="de-DE" dirty="0" smtClean="0">
+              <a:endParaRPr lang="de-DE" dirty="0">
                 <a:solidFill>
                   <a:schemeClr val="tx1"/>
                 </a:solidFill>
@@ -8088,18 +7933,13 @@
                 <a:buChar char="•"/>
               </a:pPr>
               <a:r>
-                <a:rPr lang="de-DE" dirty="0" smtClean="0">
+                <a:rPr lang="de-DE" dirty="0">
                   <a:solidFill>
                     <a:schemeClr val="tx1"/>
                   </a:solidFill>
                 </a:rPr>
                 <a:t>Informationen über Nutzer</a:t>
               </a:r>
-              <a:endParaRPr lang="de-DE" dirty="0">
-                <a:solidFill>
-                  <a:schemeClr val="tx1"/>
-                </a:solidFill>
-              </a:endParaRPr>
             </a:p>
           </p:txBody>
         </p:sp>
@@ -8145,7 +7985,7 @@
             <a:lstStyle/>
             <a:p>
               <a:r>
-                <a:rPr lang="de-DE" b="1" dirty="0" err="1" smtClean="0">
+                <a:rPr lang="de-DE" b="1" dirty="0" err="1">
                   <a:solidFill>
                     <a:schemeClr val="tx1"/>
                   </a:solidFill>
@@ -8218,7 +8058,7 @@
                 <a:buChar char="•"/>
               </a:pPr>
               <a:r>
-                <a:rPr lang="de-DE" dirty="0" smtClean="0">
+                <a:rPr lang="de-DE" dirty="0">
                   <a:solidFill>
                     <a:schemeClr val="tx1"/>
                   </a:solidFill>
@@ -8232,18 +8072,13 @@
                 <a:buChar char="•"/>
               </a:pPr>
               <a:r>
-                <a:rPr lang="de-DE" dirty="0" smtClean="0">
+                <a:rPr lang="de-DE" dirty="0">
                   <a:solidFill>
                     <a:schemeClr val="tx1"/>
                   </a:solidFill>
                 </a:rPr>
                 <a:t>Nur eine Hand frei</a:t>
               </a:r>
-              <a:endParaRPr lang="de-DE" dirty="0">
-                <a:solidFill>
-                  <a:schemeClr val="tx1"/>
-                </a:solidFill>
-              </a:endParaRPr>
             </a:p>
           </p:txBody>
         </p:sp>
@@ -8289,18 +8124,13 @@
             <a:lstStyle/>
             <a:p>
               <a:r>
-                <a:rPr lang="de-DE" b="1" dirty="0" smtClean="0">
+                <a:rPr lang="de-DE" b="1" dirty="0">
                   <a:solidFill>
                     <a:schemeClr val="tx1"/>
                   </a:solidFill>
                 </a:rPr>
                 <a:t>Tablet</a:t>
               </a:r>
-              <a:endParaRPr lang="de-DE" b="1" dirty="0">
-                <a:solidFill>
-                  <a:schemeClr val="tx1"/>
-                </a:solidFill>
-              </a:endParaRPr>
             </a:p>
           </p:txBody>
         </p:sp>
@@ -8362,7 +8192,7 @@
                 <a:buChar char="•"/>
               </a:pPr>
               <a:r>
-                <a:rPr lang="de-DE" dirty="0" smtClean="0">
+                <a:rPr lang="de-DE" dirty="0">
                   <a:solidFill>
                     <a:schemeClr val="tx1"/>
                   </a:solidFill>
@@ -8376,7 +8206,7 @@
                 <a:buChar char="•"/>
               </a:pPr>
               <a:r>
-                <a:rPr lang="de-DE" dirty="0" err="1" smtClean="0">
+                <a:rPr lang="de-DE" dirty="0" err="1">
                   <a:solidFill>
                     <a:schemeClr val="tx1"/>
                   </a:solidFill>
@@ -8433,18 +8263,13 @@
             <a:lstStyle/>
             <a:p>
               <a:r>
-                <a:rPr lang="de-DE" b="1" dirty="0" smtClean="0">
+                <a:rPr lang="de-DE" b="1" dirty="0">
                   <a:solidFill>
                     <a:schemeClr val="tx1"/>
                   </a:solidFill>
                 </a:rPr>
                 <a:t>Headset</a:t>
               </a:r>
-              <a:endParaRPr lang="de-DE" b="1" dirty="0">
-                <a:solidFill>
-                  <a:schemeClr val="tx1"/>
-                </a:solidFill>
-              </a:endParaRPr>
             </a:p>
           </p:txBody>
         </p:sp>
@@ -8506,18 +8331,13 @@
                 <a:buChar char="•"/>
               </a:pPr>
               <a:r>
-                <a:rPr lang="de-DE" dirty="0" smtClean="0">
+                <a:rPr lang="de-DE" dirty="0">
                   <a:solidFill>
                     <a:schemeClr val="tx1"/>
                   </a:solidFill>
                 </a:rPr>
                 <a:t>Einblenden von Informationen in das Sichtfeld</a:t>
               </a:r>
-              <a:endParaRPr lang="de-DE" dirty="0">
-                <a:solidFill>
-                  <a:schemeClr val="tx1"/>
-                </a:solidFill>
-              </a:endParaRPr>
             </a:p>
           </p:txBody>
         </p:sp>
@@ -8563,18 +8383,13 @@
             <a:lstStyle/>
             <a:p>
               <a:r>
-                <a:rPr lang="de-DE" b="1" dirty="0" smtClean="0">
+                <a:rPr lang="de-DE" b="1" dirty="0">
                   <a:solidFill>
                     <a:schemeClr val="tx1"/>
                   </a:solidFill>
                 </a:rPr>
                 <a:t>AR-Brille</a:t>
               </a:r>
-              <a:endParaRPr lang="de-DE" b="1" dirty="0">
-                <a:solidFill>
-                  <a:schemeClr val="tx1"/>
-                </a:solidFill>
-              </a:endParaRPr>
             </a:p>
           </p:txBody>
         </p:sp>
@@ -8636,7 +8451,7 @@
                 <a:buChar char="•"/>
               </a:pPr>
               <a:r>
-                <a:rPr lang="de-DE" dirty="0" smtClean="0">
+                <a:rPr lang="de-DE" dirty="0">
                   <a:solidFill>
                     <a:schemeClr val="tx1"/>
                   </a:solidFill>
@@ -8650,18 +8465,13 @@
                 <a:buChar char="•"/>
               </a:pPr>
               <a:r>
-                <a:rPr lang="de-DE" dirty="0" smtClean="0">
+                <a:rPr lang="de-DE" dirty="0">
                   <a:solidFill>
                     <a:schemeClr val="tx1"/>
                   </a:solidFill>
                 </a:rPr>
                 <a:t>Fest verbaut</a:t>
               </a:r>
-              <a:endParaRPr lang="de-DE" dirty="0">
-                <a:solidFill>
-                  <a:schemeClr val="tx1"/>
-                </a:solidFill>
-              </a:endParaRPr>
             </a:p>
           </p:txBody>
         </p:sp>
@@ -8707,18 +8517,13 @@
             <a:lstStyle/>
             <a:p>
               <a:r>
-                <a:rPr lang="de-DE" b="1" dirty="0" smtClean="0">
+                <a:rPr lang="de-DE" b="1" dirty="0">
                   <a:solidFill>
                     <a:schemeClr val="tx1"/>
                   </a:solidFill>
                 </a:rPr>
                 <a:t>Projektor</a:t>
               </a:r>
-              <a:endParaRPr lang="de-DE" b="1" dirty="0">
-                <a:solidFill>
-                  <a:schemeClr val="tx1"/>
-                </a:solidFill>
-              </a:endParaRPr>
             </a:p>
           </p:txBody>
         </p:sp>
@@ -8780,7 +8585,7 @@
                 <a:buChar char="•"/>
               </a:pPr>
               <a:r>
-                <a:rPr lang="de-DE" dirty="0" smtClean="0">
+                <a:rPr lang="de-DE" dirty="0">
                   <a:solidFill>
                     <a:schemeClr val="tx1"/>
                   </a:solidFill>
@@ -8794,18 +8599,13 @@
                 <a:buChar char="•"/>
               </a:pPr>
               <a:r>
-                <a:rPr lang="de-DE" dirty="0" smtClean="0">
+                <a:rPr lang="de-DE" dirty="0">
                   <a:solidFill>
                     <a:schemeClr val="tx1"/>
                   </a:solidFill>
                 </a:rPr>
                 <a:t>Großes Display</a:t>
               </a:r>
-              <a:endParaRPr lang="de-DE" dirty="0">
-                <a:solidFill>
-                  <a:schemeClr val="tx1"/>
-                </a:solidFill>
-              </a:endParaRPr>
             </a:p>
           </p:txBody>
         </p:sp>
@@ -8851,18 +8651,13 @@
             <a:lstStyle/>
             <a:p>
               <a:r>
-                <a:rPr lang="de-DE" b="1" dirty="0" smtClean="0">
+                <a:rPr lang="de-DE" b="1" dirty="0">
                   <a:solidFill>
                     <a:schemeClr val="tx1"/>
                   </a:solidFill>
                 </a:rPr>
                 <a:t>Desktopcomputer</a:t>
               </a:r>
-              <a:endParaRPr lang="de-DE" b="1" dirty="0">
-                <a:solidFill>
-                  <a:schemeClr val="tx1"/>
-                </a:solidFill>
-              </a:endParaRPr>
             </a:p>
           </p:txBody>
         </p:sp>
@@ -8877,13 +8672,6 @@
   <p:clrMapOvr>
     <a:masterClrMapping/>
   </p:clrMapOvr>
-  <p:timing>
-    <p:tnLst>
-      <p:par>
-        <p:cTn id="1" dur="indefinite" restart="never" nodeType="tmRoot"/>
-      </p:par>
-    </p:tnLst>
-  </p:timing>
 </p:sld>
 </file>
 
@@ -8920,10 +8708,9 @@
           <a:lstStyle/>
           <a:p>
             <a:r>
-              <a:rPr lang="de-DE" dirty="0" smtClean="0"/>
-              <a:t>Digitale Assistent</a:t>
+              <a:rPr lang="de-DE" dirty="0"/>
+              <a:t>Digitaler Assistent</a:t>
             </a:r>
-            <a:endParaRPr lang="de-DE" dirty="0"/>
           </a:p>
         </p:txBody>
       </p:sp>
@@ -9004,13 +8791,6 @@
   <p:clrMapOvr>
     <a:masterClrMapping/>
   </p:clrMapOvr>
-  <p:timing>
-    <p:tnLst>
-      <p:par>
-        <p:cTn id="1" dur="indefinite" restart="never" nodeType="tmRoot"/>
-      </p:par>
-    </p:tnLst>
-  </p:timing>
 </p:sld>
 </file>
 
@@ -9047,18 +8827,17 @@
           <a:lstStyle/>
           <a:p>
             <a:r>
-              <a:rPr lang="de-DE" dirty="0" smtClean="0"/>
+              <a:rPr lang="de-DE" dirty="0"/>
               <a:t>M. Feldkemper: DA – </a:t>
             </a:r>
             <a:r>
-              <a:rPr lang="de-DE" dirty="0" err="1" smtClean="0"/>
+              <a:rPr lang="de-DE" dirty="0" err="1"/>
               <a:t>Kollaborative</a:t>
             </a:r>
             <a:r>
-              <a:rPr lang="de-DE" dirty="0" smtClean="0"/>
+              <a:rPr lang="de-DE" dirty="0"/>
               <a:t> Problemlösung in modularen Anlagen mittels persönlicher digitaler Assistenz</a:t>
             </a:r>
-            <a:endParaRPr lang="de-DE" dirty="0"/>
           </a:p>
         </p:txBody>
       </p:sp>
@@ -9088,10 +8867,34 @@
                 <a:tableStyleId>{21E4AEA4-8DFA-4A89-87EB-49C32662AFE0}</a:tableStyleId>
               </a:tblPr>
               <a:tblGrid>
-                <a:gridCol w="4026471"/>
-                <a:gridCol w="1231392"/>
-                <a:gridCol w="1121664"/>
-                <a:gridCol w="1121664"/>
+                <a:gridCol w="4026471">
+                  <a:extLst>
+                    <a:ext uri="{9D8B030D-6E8A-4147-A177-3AD203B41FA5}">
+                      <a16:colId xmlns:a16="http://schemas.microsoft.com/office/drawing/2014/main" val="20000"/>
+                    </a:ext>
+                  </a:extLst>
+                </a:gridCol>
+                <a:gridCol w="1231392">
+                  <a:extLst>
+                    <a:ext uri="{9D8B030D-6E8A-4147-A177-3AD203B41FA5}">
+                      <a16:colId xmlns:a16="http://schemas.microsoft.com/office/drawing/2014/main" val="20001"/>
+                    </a:ext>
+                  </a:extLst>
+                </a:gridCol>
+                <a:gridCol w="1121664">
+                  <a:extLst>
+                    <a:ext uri="{9D8B030D-6E8A-4147-A177-3AD203B41FA5}">
+                      <a16:colId xmlns:a16="http://schemas.microsoft.com/office/drawing/2014/main" val="20002"/>
+                    </a:ext>
+                  </a:extLst>
+                </a:gridCol>
+                <a:gridCol w="1121664">
+                  <a:extLst>
+                    <a:ext uri="{9D8B030D-6E8A-4147-A177-3AD203B41FA5}">
+                      <a16:colId xmlns:a16="http://schemas.microsoft.com/office/drawing/2014/main" val="20003"/>
+                    </a:ext>
+                  </a:extLst>
+                </a:gridCol>
               </a:tblGrid>
               <a:tr h="449362">
                 <a:tc>
@@ -9100,18 +8903,17 @@
                     <a:lstStyle/>
                     <a:p>
                       <a:r>
-                        <a:rPr lang="de-DE" dirty="0" smtClean="0"/>
+                        <a:rPr lang="de-DE" dirty="0"/>
                         <a:t>Most </a:t>
                       </a:r>
                       <a:r>
-                        <a:rPr lang="de-DE" dirty="0" err="1" smtClean="0"/>
+                        <a:rPr lang="de-DE" dirty="0" err="1"/>
                         <a:t>Important</a:t>
                       </a:r>
                       <a:r>
-                        <a:rPr lang="de-DE" dirty="0" smtClean="0"/>
+                        <a:rPr lang="de-DE" dirty="0"/>
                         <a:t> Work Item</a:t>
                       </a:r>
-                      <a:endParaRPr lang="de-DE" dirty="0"/>
                     </a:p>
                   </a:txBody>
                   <a:tcPr anchor="ctr">
@@ -9143,10 +8945,9 @@
                     <a:p>
                       <a:pPr algn="r"/>
                       <a:r>
-                        <a:rPr lang="de-DE" dirty="0" smtClean="0"/>
+                        <a:rPr lang="de-DE" dirty="0"/>
                         <a:t>Deadline</a:t>
                       </a:r>
-                      <a:endParaRPr lang="de-DE" dirty="0"/>
                     </a:p>
                   </a:txBody>
                   <a:tcPr anchor="ctr">
@@ -9169,10 +8970,9 @@
                     <a:p>
                       <a:pPr algn="r"/>
                       <a:r>
-                        <a:rPr lang="de-DE" dirty="0" smtClean="0"/>
+                        <a:rPr lang="de-DE" dirty="0"/>
                         <a:t>22.11.18</a:t>
                       </a:r>
-                      <a:endParaRPr lang="de-DE" dirty="0"/>
                     </a:p>
                   </a:txBody>
                   <a:tcPr anchor="ctr">
@@ -9195,10 +8995,9 @@
                     <a:p>
                       <a:pPr algn="r"/>
                       <a:r>
-                        <a:rPr lang="de-DE" dirty="0" smtClean="0"/>
+                        <a:rPr lang="de-DE" dirty="0"/>
                         <a:t>26.11.18</a:t>
                       </a:r>
-                      <a:endParaRPr lang="de-DE" dirty="0"/>
                     </a:p>
                   </a:txBody>
                   <a:tcPr anchor="ctr">
@@ -9223,6 +9022,11 @@
                     </a:solidFill>
                   </a:tcPr>
                 </a:tc>
+                <a:extLst>
+                  <a:ext uri="{0D108BD9-81ED-4DB2-BD59-A6C34878D82A}">
+                    <a16:rowId xmlns:a16="http://schemas.microsoft.com/office/drawing/2014/main" val="10000"/>
+                  </a:ext>
+                </a:extLst>
               </a:tr>
               <a:tr h="449362">
                 <a:tc>
@@ -9231,18 +9035,17 @@
                     <a:lstStyle/>
                     <a:p>
                       <a:r>
-                        <a:rPr lang="de-DE" dirty="0" smtClean="0"/>
+                        <a:rPr lang="de-DE" dirty="0"/>
                         <a:t>AP 1:</a:t>
                       </a:r>
                       <a:r>
-                        <a:rPr lang="de-DE" baseline="0" dirty="0" smtClean="0"/>
+                        <a:rPr lang="de-DE" baseline="0" dirty="0"/>
                         <a:t> </a:t>
                       </a:r>
                       <a:r>
-                        <a:rPr lang="de-DE" dirty="0" smtClean="0"/>
+                        <a:rPr lang="de-DE" dirty="0"/>
                         <a:t>Literaturrecherche</a:t>
                       </a:r>
-                      <a:endParaRPr lang="de-DE" dirty="0"/>
                     </a:p>
                   </a:txBody>
                   <a:tcPr anchor="ctr">
@@ -9292,10 +9095,9 @@
                     <a:p>
                       <a:pPr algn="r"/>
                       <a:r>
-                        <a:rPr lang="de-DE" dirty="0" smtClean="0"/>
+                        <a:rPr lang="de-DE" dirty="0"/>
                         <a:t>03.01.19</a:t>
                       </a:r>
-                      <a:endParaRPr lang="de-DE" dirty="0"/>
                     </a:p>
                   </a:txBody>
                   <a:tcPr anchor="ctr">
@@ -9345,10 +9147,9 @@
                     <a:p>
                       <a:pPr algn="r"/>
                       <a:r>
-                        <a:rPr lang="de-DE" dirty="0" smtClean="0"/>
+                        <a:rPr lang="de-DE" dirty="0"/>
                         <a:t>0%</a:t>
                       </a:r>
-                      <a:endParaRPr lang="de-DE" dirty="0"/>
                     </a:p>
                   </a:txBody>
                   <a:tcPr anchor="ctr">
@@ -9398,10 +9199,9 @@
                     <a:p>
                       <a:pPr algn="r"/>
                       <a:r>
-                        <a:rPr lang="de-DE" dirty="0" smtClean="0"/>
+                        <a:rPr lang="de-DE" dirty="0"/>
                         <a:t>10%</a:t>
                       </a:r>
-                      <a:endParaRPr lang="de-DE" dirty="0"/>
                     </a:p>
                   </a:txBody>
                   <a:tcPr anchor="ctr">
@@ -9444,6 +9244,11 @@
                     </a:solidFill>
                   </a:tcPr>
                 </a:tc>
+                <a:extLst>
+                  <a:ext uri="{0D108BD9-81ED-4DB2-BD59-A6C34878D82A}">
+                    <a16:rowId xmlns:a16="http://schemas.microsoft.com/office/drawing/2014/main" val="10001"/>
+                  </a:ext>
+                </a:extLst>
               </a:tr>
               <a:tr h="449362">
                 <a:tc>
@@ -9452,10 +9257,9 @@
                     <a:lstStyle/>
                     <a:p>
                       <a:r>
-                        <a:rPr lang="de-DE" dirty="0" smtClean="0"/>
+                        <a:rPr lang="de-DE" dirty="0"/>
                         <a:t>AP 2: Anforderungsanalyse</a:t>
                       </a:r>
-                      <a:endParaRPr lang="de-DE" dirty="0"/>
                     </a:p>
                   </a:txBody>
                   <a:tcPr anchor="ctr">
@@ -9507,10 +9311,9 @@
                     <a:p>
                       <a:pPr algn="r"/>
                       <a:r>
-                        <a:rPr lang="de-DE" dirty="0" smtClean="0"/>
+                        <a:rPr lang="de-DE" dirty="0"/>
                         <a:t>23.01.19</a:t>
                       </a:r>
-                      <a:endParaRPr lang="de-DE" dirty="0"/>
                     </a:p>
                   </a:txBody>
                   <a:tcPr anchor="ctr">
@@ -9562,10 +9365,9 @@
                     <a:p>
                       <a:pPr algn="r"/>
                       <a:r>
-                        <a:rPr lang="de-DE" dirty="0" smtClean="0"/>
+                        <a:rPr lang="de-DE" dirty="0"/>
                         <a:t>0%</a:t>
                       </a:r>
-                      <a:endParaRPr lang="de-DE" dirty="0"/>
                     </a:p>
                   </a:txBody>
                   <a:tcPr anchor="ctr">
@@ -9617,10 +9419,9 @@
                     <a:p>
                       <a:pPr algn="r"/>
                       <a:r>
-                        <a:rPr lang="de-DE" dirty="0" smtClean="0"/>
+                        <a:rPr lang="de-DE" dirty="0"/>
                         <a:t>0%</a:t>
                       </a:r>
-                      <a:endParaRPr lang="de-DE" dirty="0"/>
                     </a:p>
                   </a:txBody>
                   <a:tcPr anchor="ctr">
@@ -9665,6 +9466,11 @@
                     </a:solidFill>
                   </a:tcPr>
                 </a:tc>
+                <a:extLst>
+                  <a:ext uri="{0D108BD9-81ED-4DB2-BD59-A6C34878D82A}">
+                    <a16:rowId xmlns:a16="http://schemas.microsoft.com/office/drawing/2014/main" val="10002"/>
+                  </a:ext>
+                </a:extLst>
               </a:tr>
               <a:tr h="449362">
                 <a:tc>
@@ -9673,10 +9479,9 @@
                     <a:lstStyle/>
                     <a:p>
                       <a:r>
-                        <a:rPr lang="de-DE" dirty="0" smtClean="0"/>
+                        <a:rPr lang="de-DE" dirty="0"/>
                         <a:t>AP 3: Konzept</a:t>
                       </a:r>
-                      <a:endParaRPr lang="de-DE" dirty="0"/>
                     </a:p>
                   </a:txBody>
                   <a:tcPr anchor="ctr">
@@ -9728,10 +9533,9 @@
                     <a:p>
                       <a:pPr algn="r"/>
                       <a:r>
-                        <a:rPr lang="de-DE" dirty="0" smtClean="0"/>
+                        <a:rPr lang="de-DE" dirty="0"/>
                         <a:t>05.02.19</a:t>
                       </a:r>
-                      <a:endParaRPr lang="de-DE" dirty="0"/>
                     </a:p>
                   </a:txBody>
                   <a:tcPr anchor="ctr">
@@ -9783,10 +9587,9 @@
                     <a:p>
                       <a:pPr algn="r"/>
                       <a:r>
-                        <a:rPr lang="de-DE" dirty="0" smtClean="0"/>
+                        <a:rPr lang="de-DE" dirty="0"/>
                         <a:t>0%</a:t>
                       </a:r>
-                      <a:endParaRPr lang="de-DE" dirty="0"/>
                     </a:p>
                   </a:txBody>
                   <a:tcPr anchor="ctr">
@@ -9838,10 +9641,9 @@
                     <a:p>
                       <a:pPr algn="r"/>
                       <a:r>
-                        <a:rPr lang="de-DE" dirty="0" smtClean="0"/>
+                        <a:rPr lang="de-DE" dirty="0"/>
                         <a:t>0%</a:t>
                       </a:r>
-                      <a:endParaRPr lang="de-DE" dirty="0"/>
                     </a:p>
                   </a:txBody>
                   <a:tcPr anchor="ctr">
@@ -9886,6 +9688,11 @@
                     </a:solidFill>
                   </a:tcPr>
                 </a:tc>
+                <a:extLst>
+                  <a:ext uri="{0D108BD9-81ED-4DB2-BD59-A6C34878D82A}">
+                    <a16:rowId xmlns:a16="http://schemas.microsoft.com/office/drawing/2014/main" val="10003"/>
+                  </a:ext>
+                </a:extLst>
               </a:tr>
               <a:tr h="449362">
                 <a:tc>
@@ -9894,18 +9701,17 @@
                     <a:lstStyle/>
                     <a:p>
                       <a:r>
-                        <a:rPr lang="de-DE" dirty="0" smtClean="0"/>
+                        <a:rPr lang="de-DE" dirty="0"/>
                         <a:t>AP 4:</a:t>
                       </a:r>
                       <a:r>
-                        <a:rPr lang="de-DE" baseline="0" dirty="0" smtClean="0"/>
+                        <a:rPr lang="de-DE" baseline="0" dirty="0"/>
                         <a:t> </a:t>
                       </a:r>
                       <a:r>
-                        <a:rPr lang="de-DE" dirty="0" smtClean="0"/>
+                        <a:rPr lang="de-DE" dirty="0"/>
                         <a:t>Implementierung</a:t>
                       </a:r>
-                      <a:endParaRPr lang="de-DE" dirty="0"/>
                     </a:p>
                   </a:txBody>
                   <a:tcPr anchor="ctr">
@@ -9957,10 +9763,9 @@
                     <a:p>
                       <a:pPr algn="r"/>
                       <a:r>
-                        <a:rPr lang="de-DE" dirty="0" smtClean="0"/>
+                        <a:rPr lang="de-DE" dirty="0"/>
                         <a:t>20.03.19</a:t>
                       </a:r>
-                      <a:endParaRPr lang="de-DE" dirty="0"/>
                     </a:p>
                   </a:txBody>
                   <a:tcPr anchor="ctr">
@@ -10012,10 +9817,9 @@
                     <a:p>
                       <a:pPr algn="r"/>
                       <a:r>
-                        <a:rPr lang="de-DE" dirty="0" smtClean="0"/>
+                        <a:rPr lang="de-DE" dirty="0"/>
                         <a:t>0%</a:t>
                       </a:r>
-                      <a:endParaRPr lang="de-DE" dirty="0"/>
                     </a:p>
                   </a:txBody>
                   <a:tcPr anchor="ctr">
@@ -10067,10 +9871,9 @@
                     <a:p>
                       <a:pPr algn="r"/>
                       <a:r>
-                        <a:rPr lang="de-DE" dirty="0" smtClean="0"/>
+                        <a:rPr lang="de-DE" dirty="0"/>
                         <a:t>0%</a:t>
                       </a:r>
-                      <a:endParaRPr lang="de-DE" dirty="0"/>
                     </a:p>
                   </a:txBody>
                   <a:tcPr anchor="ctr">
@@ -10115,6 +9918,11 @@
                     </a:solidFill>
                   </a:tcPr>
                 </a:tc>
+                <a:extLst>
+                  <a:ext uri="{0D108BD9-81ED-4DB2-BD59-A6C34878D82A}">
+                    <a16:rowId xmlns:a16="http://schemas.microsoft.com/office/drawing/2014/main" val="10004"/>
+                  </a:ext>
+                </a:extLst>
               </a:tr>
               <a:tr h="449362">
                 <a:tc>
@@ -10123,10 +9931,9 @@
                     <a:lstStyle/>
                     <a:p>
                       <a:r>
-                        <a:rPr lang="de-DE" dirty="0" smtClean="0"/>
+                        <a:rPr lang="de-DE" dirty="0"/>
                         <a:t>AP 5: Verifikation</a:t>
                       </a:r>
-                      <a:endParaRPr lang="de-DE" dirty="0"/>
                     </a:p>
                   </a:txBody>
                   <a:tcPr anchor="ctr">
@@ -10178,10 +9985,9 @@
                     <a:p>
                       <a:pPr algn="r"/>
                       <a:r>
-                        <a:rPr lang="de-DE" dirty="0" smtClean="0"/>
+                        <a:rPr lang="de-DE" dirty="0"/>
                         <a:t>17.04.19</a:t>
                       </a:r>
-                      <a:endParaRPr lang="de-DE" dirty="0"/>
                     </a:p>
                   </a:txBody>
                   <a:tcPr anchor="ctr">
@@ -10233,10 +10039,9 @@
                     <a:p>
                       <a:pPr algn="r"/>
                       <a:r>
-                        <a:rPr lang="de-DE" dirty="0" smtClean="0"/>
+                        <a:rPr lang="de-DE" dirty="0"/>
                         <a:t>0%</a:t>
                       </a:r>
-                      <a:endParaRPr lang="de-DE" dirty="0"/>
                     </a:p>
                   </a:txBody>
                   <a:tcPr anchor="ctr">
@@ -10288,10 +10093,9 @@
                     <a:p>
                       <a:pPr algn="r"/>
                       <a:r>
-                        <a:rPr lang="de-DE" dirty="0" smtClean="0"/>
+                        <a:rPr lang="de-DE" dirty="0"/>
                         <a:t>0%</a:t>
                       </a:r>
-                      <a:endParaRPr lang="de-DE" dirty="0"/>
                     </a:p>
                   </a:txBody>
                   <a:tcPr anchor="ctr">
@@ -10336,6 +10140,11 @@
                     </a:solidFill>
                   </a:tcPr>
                 </a:tc>
+                <a:extLst>
+                  <a:ext uri="{0D108BD9-81ED-4DB2-BD59-A6C34878D82A}">
+                    <a16:rowId xmlns:a16="http://schemas.microsoft.com/office/drawing/2014/main" val="10005"/>
+                  </a:ext>
+                </a:extLst>
               </a:tr>
               <a:tr h="449362">
                 <a:tc>
@@ -10344,10 +10153,9 @@
                     <a:lstStyle/>
                     <a:p>
                       <a:r>
-                        <a:rPr lang="de-DE" dirty="0" smtClean="0"/>
+                        <a:rPr lang="de-DE" dirty="0"/>
                         <a:t>AP 6: Abgabe</a:t>
                       </a:r>
-                      <a:endParaRPr lang="de-DE" dirty="0"/>
                     </a:p>
                   </a:txBody>
                   <a:tcPr anchor="ctr">
@@ -10399,10 +10207,9 @@
                     <a:p>
                       <a:pPr algn="r"/>
                       <a:r>
-                        <a:rPr lang="de-DE" dirty="0" smtClean="0"/>
+                        <a:rPr lang="de-DE" dirty="0"/>
                         <a:t>02.05.19</a:t>
                       </a:r>
-                      <a:endParaRPr lang="de-DE" dirty="0"/>
                     </a:p>
                   </a:txBody>
                   <a:tcPr anchor="ctr">
@@ -10454,10 +10261,9 @@
                     <a:p>
                       <a:pPr algn="r"/>
                       <a:r>
-                        <a:rPr lang="de-DE" dirty="0" smtClean="0"/>
+                        <a:rPr lang="de-DE" dirty="0"/>
                         <a:t>0%</a:t>
                       </a:r>
-                      <a:endParaRPr lang="de-DE" dirty="0"/>
                     </a:p>
                   </a:txBody>
                   <a:tcPr anchor="ctr">
@@ -10509,10 +10315,9 @@
                     <a:p>
                       <a:pPr algn="r"/>
                       <a:r>
-                        <a:rPr lang="de-DE" dirty="0" smtClean="0"/>
+                        <a:rPr lang="de-DE" dirty="0"/>
                         <a:t>0%</a:t>
                       </a:r>
-                      <a:endParaRPr lang="de-DE" dirty="0"/>
                     </a:p>
                   </a:txBody>
                   <a:tcPr anchor="ctr">
@@ -10557,6 +10362,11 @@
                     </a:solidFill>
                   </a:tcPr>
                 </a:tc>
+                <a:extLst>
+                  <a:ext uri="{0D108BD9-81ED-4DB2-BD59-A6C34878D82A}">
+                    <a16:rowId xmlns:a16="http://schemas.microsoft.com/office/drawing/2014/main" val="10006"/>
+                  </a:ext>
+                </a:extLst>
               </a:tr>
             </a:tbl>
           </a:graphicData>
@@ -10585,10 +10395,9 @@
           <a:lstStyle/>
           <a:p>
             <a:r>
-              <a:rPr lang="de-DE" sz="1800" dirty="0" smtClean="0"/>
+              <a:rPr lang="de-DE" sz="1800" dirty="0"/>
               <a:t>Betreuer: Sebastian Heinze</a:t>
             </a:r>
-            <a:endParaRPr lang="de-DE" sz="1800" dirty="0"/>
           </a:p>
         </p:txBody>
       </p:sp>
@@ -10616,10 +10425,9 @@
           <a:p>
             <a:pPr algn="r"/>
             <a:r>
-              <a:rPr lang="de-DE" sz="1800" dirty="0" smtClean="0"/>
+              <a:rPr lang="de-DE" sz="1800" dirty="0"/>
               <a:t>Abgabetermin: 02.05.2019</a:t>
             </a:r>
-            <a:endParaRPr lang="de-DE" sz="1800" dirty="0"/>
           </a:p>
         </p:txBody>
       </p:sp>
@@ -10646,7 +10454,7 @@
           <a:lstStyle/>
           <a:p>
             <a:r>
-              <a:rPr lang="de-DE" sz="1600" b="1" dirty="0" smtClean="0"/>
+              <a:rPr lang="de-DE" sz="1600" b="1" dirty="0"/>
               <a:t>Aktuelle Stand:</a:t>
             </a:r>
           </a:p>
@@ -10656,10 +10464,9 @@
               <a:buChar char="•"/>
             </a:pPr>
             <a:r>
-              <a:rPr lang="de-DE" sz="1600" dirty="0" smtClean="0"/>
+              <a:rPr lang="de-DE" sz="1600" dirty="0"/>
               <a:t>Einarbeitung ins Thema</a:t>
             </a:r>
-            <a:endParaRPr lang="de-DE" sz="1600" dirty="0"/>
           </a:p>
         </p:txBody>
       </p:sp>
@@ -10673,13 +10480,6 @@
   <p:clrMapOvr>
     <a:masterClrMapping/>
   </p:clrMapOvr>
-  <p:timing>
-    <p:tnLst>
-      <p:par>
-        <p:cTn id="1" dur="indefinite" restart="never" nodeType="tmRoot"/>
-      </p:par>
-    </p:tnLst>
-  </p:timing>
 </p:sld>
 </file>
 

--- a/Dokumente/Präsentationen/2019-01-07_DA_Feldkemper_Aufgabenvorstellung.pptx
+++ b/Dokumente/Präsentationen/2019-01-07_DA_Feldkemper_Aufgabenvorstellung.pptx
@@ -255,7 +255,7 @@
           <a:p>
             <a:fld id="{C6AC6211-610F-44E5-BF19-D3CDF6EDD281}" type="datetimeFigureOut">
               <a:rPr lang="de-DE" smtClean="0"/>
-              <a:t>13.12.2018</a:t>
+              <a:t>14.12.2018</a:t>
             </a:fld>
             <a:endParaRPr lang="de-DE"/>
           </a:p>
@@ -421,7 +421,7 @@
           <a:p>
             <a:fld id="{347435D3-23A6-45D3-8DFA-7317DC1E7A64}" type="datetimeFigureOut">
               <a:rPr lang="de-DE" smtClean="0"/>
-              <a:t>13.12.2018</a:t>
+              <a:t>14.12.2018</a:t>
             </a:fld>
             <a:endParaRPr lang="de-DE"/>
           </a:p>
@@ -1047,7 +1047,7 @@
           <p:cNvPr id="15" name="Rechteck 14">
             <a:extLst>
               <a:ext uri="{FF2B5EF4-FFF2-40B4-BE49-F238E27FC236}">
-                <a16:creationId xmlns:a16="http://schemas.microsoft.com/office/drawing/2014/main" xmlns="" id="{F770C3AA-244C-A141-BC22-D074823F4293}"/>
+                <a16:creationId xmlns="" xmlns:a16="http://schemas.microsoft.com/office/drawing/2014/main" id="{F770C3AA-244C-A141-BC22-D074823F4293}"/>
               </a:ext>
             </a:extLst>
           </p:cNvPr>
@@ -1287,7 +1287,7 @@
           <p:cNvPr id="5" name="Grafik 4">
             <a:extLst>
               <a:ext uri="{FF2B5EF4-FFF2-40B4-BE49-F238E27FC236}">
-                <a16:creationId xmlns:a16="http://schemas.microsoft.com/office/drawing/2014/main" xmlns="" id="{C0F785FA-BB6E-6347-A8C6-9846216D4CBB}"/>
+                <a16:creationId xmlns="" xmlns:a16="http://schemas.microsoft.com/office/drawing/2014/main" id="{C0F785FA-BB6E-6347-A8C6-9846216D4CBB}"/>
               </a:ext>
             </a:extLst>
           </p:cNvPr>
@@ -1476,7 +1476,7 @@
           <p:cNvPr id="12" name="Grafik 11" hidden="1">
             <a:extLst>
               <a:ext uri="{FF2B5EF4-FFF2-40B4-BE49-F238E27FC236}">
-                <a16:creationId xmlns:a16="http://schemas.microsoft.com/office/drawing/2014/main" xmlns="" id="{CFC0D4A5-64CF-6D49-98B1-9FF6119E60EC}"/>
+                <a16:creationId xmlns="" xmlns:a16="http://schemas.microsoft.com/office/drawing/2014/main" id="{CFC0D4A5-64CF-6D49-98B1-9FF6119E60EC}"/>
               </a:ext>
             </a:extLst>
           </p:cNvPr>
@@ -1506,7 +1506,7 @@
           <p:cNvPr id="17" name="Grafik 16">
             <a:extLst>
               <a:ext uri="{FF2B5EF4-FFF2-40B4-BE49-F238E27FC236}">
-                <a16:creationId xmlns:a16="http://schemas.microsoft.com/office/drawing/2014/main" xmlns="" id="{22ECE872-F4EF-2A49-BA96-6065BC99D769}"/>
+                <a16:creationId xmlns="" xmlns:a16="http://schemas.microsoft.com/office/drawing/2014/main" id="{22ECE872-F4EF-2A49-BA96-6065BC99D769}"/>
               </a:ext>
             </a:extLst>
           </p:cNvPr>
@@ -1776,7 +1776,7 @@
           <p:cNvPr id="24" name="Bildplatzhalter 23">
             <a:extLst>
               <a:ext uri="{FF2B5EF4-FFF2-40B4-BE49-F238E27FC236}">
-                <a16:creationId xmlns:a16="http://schemas.microsoft.com/office/drawing/2014/main" xmlns="" id="{24A56C48-CA8D-D349-89CC-35C3A65DC4D5}"/>
+                <a16:creationId xmlns="" xmlns:a16="http://schemas.microsoft.com/office/drawing/2014/main" id="{24A56C48-CA8D-D349-89CC-35C3A65DC4D5}"/>
               </a:ext>
             </a:extLst>
           </p:cNvPr>
@@ -2090,7 +2090,7 @@
           <p:cNvPr id="6" name="Textplatzhalter 5">
             <a:extLst>
               <a:ext uri="{FF2B5EF4-FFF2-40B4-BE49-F238E27FC236}">
-                <a16:creationId xmlns:a16="http://schemas.microsoft.com/office/drawing/2014/main" xmlns="" id="{2E77FCEF-52F5-324B-A583-005ABCE0E622}"/>
+                <a16:creationId xmlns="" xmlns:a16="http://schemas.microsoft.com/office/drawing/2014/main" id="{2E77FCEF-52F5-324B-A583-005ABCE0E622}"/>
               </a:ext>
             </a:extLst>
           </p:cNvPr>
@@ -2128,7 +2128,7 @@
           <p:cNvPr id="13" name="Grafik 12">
             <a:extLst>
               <a:ext uri="{FF2B5EF4-FFF2-40B4-BE49-F238E27FC236}">
-                <a16:creationId xmlns:a16="http://schemas.microsoft.com/office/drawing/2014/main" xmlns="" id="{F84F96E3-FAED-E24A-9E01-BBA4824F0E34}"/>
+                <a16:creationId xmlns="" xmlns:a16="http://schemas.microsoft.com/office/drawing/2014/main" id="{F84F96E3-FAED-E24A-9E01-BBA4824F0E34}"/>
               </a:ext>
             </a:extLst>
           </p:cNvPr>
@@ -2299,7 +2299,7 @@
           <p:cNvPr id="6" name="Rechteck 5">
             <a:extLst>
               <a:ext uri="{FF2B5EF4-FFF2-40B4-BE49-F238E27FC236}">
-                <a16:creationId xmlns:a16="http://schemas.microsoft.com/office/drawing/2014/main" xmlns="" id="{2447D286-D9F9-E84F-9173-2C8D2D2068E1}"/>
+                <a16:creationId xmlns="" xmlns:a16="http://schemas.microsoft.com/office/drawing/2014/main" id="{2447D286-D9F9-E84F-9173-2C8D2D2068E1}"/>
               </a:ext>
             </a:extLst>
           </p:cNvPr>
@@ -2366,7 +2366,7 @@
           <p:cNvPr id="10" name="Grafik 9">
             <a:extLst>
               <a:ext uri="{FF2B5EF4-FFF2-40B4-BE49-F238E27FC236}">
-                <a16:creationId xmlns:a16="http://schemas.microsoft.com/office/drawing/2014/main" xmlns="" id="{E4DBCC79-CA26-C240-B119-9127A62CDBA8}"/>
+                <a16:creationId xmlns="" xmlns:a16="http://schemas.microsoft.com/office/drawing/2014/main" id="{E4DBCC79-CA26-C240-B119-9127A62CDBA8}"/>
               </a:ext>
             </a:extLst>
           </p:cNvPr>
@@ -2468,7 +2468,7 @@
           <p:cNvPr id="5" name="Rechteck 4">
             <a:extLst>
               <a:ext uri="{FF2B5EF4-FFF2-40B4-BE49-F238E27FC236}">
-                <a16:creationId xmlns:a16="http://schemas.microsoft.com/office/drawing/2014/main" xmlns="" id="{FD770378-5F2D-DE46-8D66-09007E946AD3}"/>
+                <a16:creationId xmlns="" xmlns:a16="http://schemas.microsoft.com/office/drawing/2014/main" id="{FD770378-5F2D-DE46-8D66-09007E946AD3}"/>
               </a:ext>
             </a:extLst>
           </p:cNvPr>
@@ -2532,7 +2532,7 @@
           <p:cNvPr id="4" name="Grafik 3">
             <a:extLst>
               <a:ext uri="{FF2B5EF4-FFF2-40B4-BE49-F238E27FC236}">
-                <a16:creationId xmlns:a16="http://schemas.microsoft.com/office/drawing/2014/main" xmlns="" id="{4FE30B28-5777-FC40-9C3F-81738D289A6A}"/>
+                <a16:creationId xmlns="" xmlns:a16="http://schemas.microsoft.com/office/drawing/2014/main" id="{4FE30B28-5777-FC40-9C3F-81738D289A6A}"/>
               </a:ext>
             </a:extLst>
           </p:cNvPr>
@@ -3677,7 +3677,7 @@
           <p:cNvPr id="13" name="Grafik 12">
             <a:extLst>
               <a:ext uri="{FF2B5EF4-FFF2-40B4-BE49-F238E27FC236}">
-                <a16:creationId xmlns:a16="http://schemas.microsoft.com/office/drawing/2014/main" xmlns="" id="{2DC3CACD-C7C8-274E-BCD4-043370996A48}"/>
+                <a16:creationId xmlns="" xmlns:a16="http://schemas.microsoft.com/office/drawing/2014/main" id="{2DC3CACD-C7C8-274E-BCD4-043370996A48}"/>
               </a:ext>
             </a:extLst>
           </p:cNvPr>
@@ -4364,28 +4364,28 @@
                 <a:gridCol w="4026471">
                   <a:extLst>
                     <a:ext uri="{9D8B030D-6E8A-4147-A177-3AD203B41FA5}">
-                      <a16:colId xmlns:a16="http://schemas.microsoft.com/office/drawing/2014/main" xmlns="" val="20000"/>
+                      <a16:colId xmlns="" xmlns:a16="http://schemas.microsoft.com/office/drawing/2014/main" val="20000"/>
                     </a:ext>
                   </a:extLst>
                 </a:gridCol>
                 <a:gridCol w="1231392">
                   <a:extLst>
                     <a:ext uri="{9D8B030D-6E8A-4147-A177-3AD203B41FA5}">
-                      <a16:colId xmlns:a16="http://schemas.microsoft.com/office/drawing/2014/main" xmlns="" val="20001"/>
+                      <a16:colId xmlns="" xmlns:a16="http://schemas.microsoft.com/office/drawing/2014/main" val="20001"/>
                     </a:ext>
                   </a:extLst>
                 </a:gridCol>
                 <a:gridCol w="1121664">
                   <a:extLst>
                     <a:ext uri="{9D8B030D-6E8A-4147-A177-3AD203B41FA5}">
-                      <a16:colId xmlns:a16="http://schemas.microsoft.com/office/drawing/2014/main" xmlns="" val="20002"/>
+                      <a16:colId xmlns="" xmlns:a16="http://schemas.microsoft.com/office/drawing/2014/main" val="20002"/>
                     </a:ext>
                   </a:extLst>
                 </a:gridCol>
                 <a:gridCol w="1121664">
                   <a:extLst>
                     <a:ext uri="{9D8B030D-6E8A-4147-A177-3AD203B41FA5}">
-                      <a16:colId xmlns:a16="http://schemas.microsoft.com/office/drawing/2014/main" xmlns="" val="20003"/>
+                      <a16:colId xmlns="" xmlns:a16="http://schemas.microsoft.com/office/drawing/2014/main" val="20003"/>
                     </a:ext>
                   </a:extLst>
                 </a:gridCol>
@@ -4518,7 +4518,7 @@
                 </a:tc>
                 <a:extLst>
                   <a:ext uri="{0D108BD9-81ED-4DB2-BD59-A6C34878D82A}">
-                    <a16:rowId xmlns:a16="http://schemas.microsoft.com/office/drawing/2014/main" xmlns="" val="10000"/>
+                    <a16:rowId xmlns="" xmlns:a16="http://schemas.microsoft.com/office/drawing/2014/main" val="10000"/>
                   </a:ext>
                 </a:extLst>
               </a:tr>
@@ -4740,7 +4740,7 @@
                 </a:tc>
                 <a:extLst>
                   <a:ext uri="{0D108BD9-81ED-4DB2-BD59-A6C34878D82A}">
-                    <a16:rowId xmlns:a16="http://schemas.microsoft.com/office/drawing/2014/main" xmlns="" val="10001"/>
+                    <a16:rowId xmlns="" xmlns:a16="http://schemas.microsoft.com/office/drawing/2014/main" val="10001"/>
                   </a:ext>
                 </a:extLst>
               </a:tr>
@@ -4962,7 +4962,7 @@
                 </a:tc>
                 <a:extLst>
                   <a:ext uri="{0D108BD9-81ED-4DB2-BD59-A6C34878D82A}">
-                    <a16:rowId xmlns:a16="http://schemas.microsoft.com/office/drawing/2014/main" xmlns="" val="10002"/>
+                    <a16:rowId xmlns="" xmlns:a16="http://schemas.microsoft.com/office/drawing/2014/main" val="10002"/>
                   </a:ext>
                 </a:extLst>
               </a:tr>
@@ -5184,7 +5184,7 @@
                 </a:tc>
                 <a:extLst>
                   <a:ext uri="{0D108BD9-81ED-4DB2-BD59-A6C34878D82A}">
-                    <a16:rowId xmlns:a16="http://schemas.microsoft.com/office/drawing/2014/main" xmlns="" val="10003"/>
+                    <a16:rowId xmlns="" xmlns:a16="http://schemas.microsoft.com/office/drawing/2014/main" val="10003"/>
                   </a:ext>
                 </a:extLst>
               </a:tr>
@@ -5414,7 +5414,7 @@
                 </a:tc>
                 <a:extLst>
                   <a:ext uri="{0D108BD9-81ED-4DB2-BD59-A6C34878D82A}">
-                    <a16:rowId xmlns:a16="http://schemas.microsoft.com/office/drawing/2014/main" xmlns="" val="10004"/>
+                    <a16:rowId xmlns="" xmlns:a16="http://schemas.microsoft.com/office/drawing/2014/main" val="10004"/>
                   </a:ext>
                 </a:extLst>
               </a:tr>
@@ -5636,7 +5636,7 @@
                 </a:tc>
                 <a:extLst>
                   <a:ext uri="{0D108BD9-81ED-4DB2-BD59-A6C34878D82A}">
-                    <a16:rowId xmlns:a16="http://schemas.microsoft.com/office/drawing/2014/main" xmlns="" val="10005"/>
+                    <a16:rowId xmlns="" xmlns:a16="http://schemas.microsoft.com/office/drawing/2014/main" val="10005"/>
                   </a:ext>
                 </a:extLst>
               </a:tr>
@@ -5858,7 +5858,7 @@
                 </a:tc>
                 <a:extLst>
                   <a:ext uri="{0D108BD9-81ED-4DB2-BD59-A6C34878D82A}">
-                    <a16:rowId xmlns:a16="http://schemas.microsoft.com/office/drawing/2014/main" xmlns="" val="10006"/>
+                    <a16:rowId xmlns="" xmlns:a16="http://schemas.microsoft.com/office/drawing/2014/main" val="10006"/>
                   </a:ext>
                 </a:extLst>
               </a:tr>
@@ -6702,8 +6702,8 @@
         </p:nvSpPr>
         <p:spPr>
           <a:xfrm>
-            <a:off x="9163305" y="1312196"/>
-            <a:ext cx="2292095" cy="457200"/>
+            <a:off x="9110195" y="1312196"/>
+            <a:ext cx="2345205" cy="457200"/>
           </a:xfrm>
           <a:prstGeom prst="rect">
             <a:avLst/>
@@ -6752,8 +6752,8 @@
         </p:nvSpPr>
         <p:spPr>
           <a:xfrm>
-            <a:off x="6973840" y="1322102"/>
-            <a:ext cx="1911390" cy="457200"/>
+            <a:off x="6866851" y="1322102"/>
+            <a:ext cx="2039364" cy="457200"/>
           </a:xfrm>
           <a:prstGeom prst="rect">
             <a:avLst/>
@@ -6802,8 +6802,8 @@
         </p:nvSpPr>
         <p:spPr>
           <a:xfrm>
-            <a:off x="5386546" y="1316800"/>
-            <a:ext cx="1170662" cy="457200"/>
+            <a:off x="5284699" y="1316800"/>
+            <a:ext cx="1357187" cy="457200"/>
           </a:xfrm>
           <a:prstGeom prst="rect">
             <a:avLst/>

--- a/Dokumente/Präsentationen/2019-01-07_DA_Feldkemper_Aufgabenvorstellung.pptx
+++ b/Dokumente/Präsentationen/2019-01-07_DA_Feldkemper_Aufgabenvorstellung.pptx
@@ -18,8 +18,8 @@
     <p:sldId id="322" r:id="rId6"/>
     <p:sldId id="329" r:id="rId7"/>
     <p:sldId id="324" r:id="rId8"/>
-    <p:sldId id="325" r:id="rId9"/>
-    <p:sldId id="330" r:id="rId10"/>
+    <p:sldId id="330" r:id="rId9"/>
+    <p:sldId id="325" r:id="rId10"/>
     <p:sldId id="318" r:id="rId11"/>
   </p:sldIdLst>
   <p:sldSz cx="12192000" cy="6858000"/>
@@ -147,8 +147,8 @@
             <p14:sldId id="322"/>
             <p14:sldId id="329"/>
             <p14:sldId id="324"/>
+            <p14:sldId id="330"/>
             <p14:sldId id="325"/>
-            <p14:sldId id="330"/>
             <p14:sldId id="318"/>
           </p14:sldIdLst>
         </p14:section>
@@ -255,7 +255,7 @@
           <a:p>
             <a:fld id="{C6AC6211-610F-44E5-BF19-D3CDF6EDD281}" type="datetimeFigureOut">
               <a:rPr lang="de-DE" smtClean="0"/>
-              <a:t>14.12.2018</a:t>
+              <a:t>19.12.2018</a:t>
             </a:fld>
             <a:endParaRPr lang="de-DE"/>
           </a:p>
@@ -421,7 +421,7 @@
           <a:p>
             <a:fld id="{347435D3-23A6-45D3-8DFA-7317DC1E7A64}" type="datetimeFigureOut">
               <a:rPr lang="de-DE" smtClean="0"/>
-              <a:t>14.12.2018</a:t>
+              <a:t>19.12.2018</a:t>
             </a:fld>
             <a:endParaRPr lang="de-DE"/>
           </a:p>
@@ -1025,6 +1025,114 @@
 </p:notes>
 </file>
 
+<file path=ppt/notesSlides/notesSlide5.xml><?xml version="1.0" encoding="utf-8"?>
+<p:notes xmlns:a="http://schemas.openxmlformats.org/drawingml/2006/main" xmlns:r="http://schemas.openxmlformats.org/officeDocument/2006/relationships" xmlns:p="http://schemas.openxmlformats.org/presentationml/2006/main">
+  <p:cSld>
+    <p:spTree>
+      <p:nvGrpSpPr>
+        <p:cNvPr id="1" name=""/>
+        <p:cNvGrpSpPr/>
+        <p:nvPr/>
+      </p:nvGrpSpPr>
+      <p:grpSpPr>
+        <a:xfrm>
+          <a:off x="0" y="0"/>
+          <a:ext cx="0" cy="0"/>
+          <a:chOff x="0" y="0"/>
+          <a:chExt cx="0" cy="0"/>
+        </a:xfrm>
+      </p:grpSpPr>
+      <p:sp>
+        <p:nvSpPr>
+          <p:cNvPr id="2" name="Folienbildplatzhalter 1"/>
+          <p:cNvSpPr>
+            <a:spLocks noGrp="1" noRot="1" noChangeAspect="1"/>
+          </p:cNvSpPr>
+          <p:nvPr>
+            <p:ph type="sldImg"/>
+          </p:nvPr>
+        </p:nvSpPr>
+        <p:spPr/>
+      </p:sp>
+      <p:sp>
+        <p:nvSpPr>
+          <p:cNvPr id="3" name="Notizenplatzhalter 2"/>
+          <p:cNvSpPr>
+            <a:spLocks noGrp="1"/>
+          </p:cNvSpPr>
+          <p:nvPr>
+            <p:ph type="body" idx="1"/>
+          </p:nvPr>
+        </p:nvSpPr>
+        <p:spPr/>
+        <p:txBody>
+          <a:bodyPr/>
+          <a:lstStyle/>
+          <a:p>
+            <a:r>
+              <a:rPr lang="de-DE" dirty="0" smtClean="0"/>
+              <a:t>Wir wissen jetzt mit WAS Mensch und Maschine</a:t>
+            </a:r>
+            <a:r>
+              <a:rPr lang="de-DE" baseline="0" dirty="0" smtClean="0"/>
+              <a:t> interagieren können, aber sie reden nach wie vor nicht miteinander.</a:t>
+            </a:r>
+          </a:p>
+          <a:p>
+            <a:r>
+              <a:rPr lang="de-DE" baseline="0" dirty="0" smtClean="0"/>
+              <a:t>Um Informationen austauschen zu können müssen entsprechende Möglichkeiten vorhanden sein.</a:t>
+            </a:r>
+          </a:p>
+          <a:p>
+            <a:r>
+              <a:rPr lang="de-DE" baseline="0" dirty="0" smtClean="0"/>
+              <a:t>Das System stellt dem Mensch entsprechende Optionen </a:t>
+            </a:r>
+            <a:r>
+              <a:rPr lang="de-DE" baseline="0" smtClean="0"/>
+              <a:t>zur Verfügung.</a:t>
+            </a:r>
+            <a:endParaRPr lang="de-DE" dirty="0"/>
+          </a:p>
+        </p:txBody>
+      </p:sp>
+      <p:sp>
+        <p:nvSpPr>
+          <p:cNvPr id="4" name="Foliennummernplatzhalter 3"/>
+          <p:cNvSpPr>
+            <a:spLocks noGrp="1"/>
+          </p:cNvSpPr>
+          <p:nvPr>
+            <p:ph type="sldNum" sz="quarter" idx="10"/>
+          </p:nvPr>
+        </p:nvSpPr>
+        <p:spPr/>
+        <p:txBody>
+          <a:bodyPr/>
+          <a:lstStyle/>
+          <a:p>
+            <a:fld id="{2969AC09-DF60-43F4-96BF-67D4D9A74094}" type="slidenum">
+              <a:rPr lang="de-DE" smtClean="0"/>
+              <a:t>8</a:t>
+            </a:fld>
+            <a:endParaRPr lang="de-DE"/>
+          </a:p>
+        </p:txBody>
+      </p:sp>
+    </p:spTree>
+    <p:extLst>
+      <p:ext uri="{BB962C8B-B14F-4D97-AF65-F5344CB8AC3E}">
+        <p14:creationId xmlns:p14="http://schemas.microsoft.com/office/powerpoint/2010/main" val="2790543334"/>
+      </p:ext>
+    </p:extLst>
+  </p:cSld>
+  <p:clrMapOvr>
+    <a:masterClrMapping/>
+  </p:clrMapOvr>
+</p:notes>
+</file>
+
 <file path=ppt/slideLayouts/slideLayout1.xml><?xml version="1.0" encoding="utf-8"?>
 <p:sldLayout xmlns:a="http://schemas.openxmlformats.org/drawingml/2006/main" xmlns:r="http://schemas.openxmlformats.org/officeDocument/2006/relationships" xmlns:p="http://schemas.openxmlformats.org/presentationml/2006/main" showMasterSp="0" preserve="1">
   <p:cSld name="Titelfolie">
@@ -1047,7 +1155,7 @@
           <p:cNvPr id="15" name="Rechteck 14">
             <a:extLst>
               <a:ext uri="{FF2B5EF4-FFF2-40B4-BE49-F238E27FC236}">
-                <a16:creationId xmlns="" xmlns:a16="http://schemas.microsoft.com/office/drawing/2014/main" id="{F770C3AA-244C-A141-BC22-D074823F4293}"/>
+                <a16:creationId xmlns:a16="http://schemas.microsoft.com/office/drawing/2014/main" xmlns="" id="{F770C3AA-244C-A141-BC22-D074823F4293}"/>
               </a:ext>
             </a:extLst>
           </p:cNvPr>
@@ -1287,7 +1395,7 @@
           <p:cNvPr id="5" name="Grafik 4">
             <a:extLst>
               <a:ext uri="{FF2B5EF4-FFF2-40B4-BE49-F238E27FC236}">
-                <a16:creationId xmlns="" xmlns:a16="http://schemas.microsoft.com/office/drawing/2014/main" id="{C0F785FA-BB6E-6347-A8C6-9846216D4CBB}"/>
+                <a16:creationId xmlns:a16="http://schemas.microsoft.com/office/drawing/2014/main" xmlns="" id="{C0F785FA-BB6E-6347-A8C6-9846216D4CBB}"/>
               </a:ext>
             </a:extLst>
           </p:cNvPr>
@@ -1476,7 +1584,7 @@
           <p:cNvPr id="12" name="Grafik 11" hidden="1">
             <a:extLst>
               <a:ext uri="{FF2B5EF4-FFF2-40B4-BE49-F238E27FC236}">
-                <a16:creationId xmlns="" xmlns:a16="http://schemas.microsoft.com/office/drawing/2014/main" id="{CFC0D4A5-64CF-6D49-98B1-9FF6119E60EC}"/>
+                <a16:creationId xmlns:a16="http://schemas.microsoft.com/office/drawing/2014/main" xmlns="" id="{CFC0D4A5-64CF-6D49-98B1-9FF6119E60EC}"/>
               </a:ext>
             </a:extLst>
           </p:cNvPr>
@@ -1506,7 +1614,7 @@
           <p:cNvPr id="17" name="Grafik 16">
             <a:extLst>
               <a:ext uri="{FF2B5EF4-FFF2-40B4-BE49-F238E27FC236}">
-                <a16:creationId xmlns="" xmlns:a16="http://schemas.microsoft.com/office/drawing/2014/main" id="{22ECE872-F4EF-2A49-BA96-6065BC99D769}"/>
+                <a16:creationId xmlns:a16="http://schemas.microsoft.com/office/drawing/2014/main" xmlns="" id="{22ECE872-F4EF-2A49-BA96-6065BC99D769}"/>
               </a:ext>
             </a:extLst>
           </p:cNvPr>
@@ -1776,7 +1884,7 @@
           <p:cNvPr id="24" name="Bildplatzhalter 23">
             <a:extLst>
               <a:ext uri="{FF2B5EF4-FFF2-40B4-BE49-F238E27FC236}">
-                <a16:creationId xmlns="" xmlns:a16="http://schemas.microsoft.com/office/drawing/2014/main" id="{24A56C48-CA8D-D349-89CC-35C3A65DC4D5}"/>
+                <a16:creationId xmlns:a16="http://schemas.microsoft.com/office/drawing/2014/main" xmlns="" id="{24A56C48-CA8D-D349-89CC-35C3A65DC4D5}"/>
               </a:ext>
             </a:extLst>
           </p:cNvPr>
@@ -2090,7 +2198,7 @@
           <p:cNvPr id="6" name="Textplatzhalter 5">
             <a:extLst>
               <a:ext uri="{FF2B5EF4-FFF2-40B4-BE49-F238E27FC236}">
-                <a16:creationId xmlns="" xmlns:a16="http://schemas.microsoft.com/office/drawing/2014/main" id="{2E77FCEF-52F5-324B-A583-005ABCE0E622}"/>
+                <a16:creationId xmlns:a16="http://schemas.microsoft.com/office/drawing/2014/main" xmlns="" id="{2E77FCEF-52F5-324B-A583-005ABCE0E622}"/>
               </a:ext>
             </a:extLst>
           </p:cNvPr>
@@ -2128,7 +2236,7 @@
           <p:cNvPr id="13" name="Grafik 12">
             <a:extLst>
               <a:ext uri="{FF2B5EF4-FFF2-40B4-BE49-F238E27FC236}">
-                <a16:creationId xmlns="" xmlns:a16="http://schemas.microsoft.com/office/drawing/2014/main" id="{F84F96E3-FAED-E24A-9E01-BBA4824F0E34}"/>
+                <a16:creationId xmlns:a16="http://schemas.microsoft.com/office/drawing/2014/main" xmlns="" id="{F84F96E3-FAED-E24A-9E01-BBA4824F0E34}"/>
               </a:ext>
             </a:extLst>
           </p:cNvPr>
@@ -2299,7 +2407,7 @@
           <p:cNvPr id="6" name="Rechteck 5">
             <a:extLst>
               <a:ext uri="{FF2B5EF4-FFF2-40B4-BE49-F238E27FC236}">
-                <a16:creationId xmlns="" xmlns:a16="http://schemas.microsoft.com/office/drawing/2014/main" id="{2447D286-D9F9-E84F-9173-2C8D2D2068E1}"/>
+                <a16:creationId xmlns:a16="http://schemas.microsoft.com/office/drawing/2014/main" xmlns="" id="{2447D286-D9F9-E84F-9173-2C8D2D2068E1}"/>
               </a:ext>
             </a:extLst>
           </p:cNvPr>
@@ -2366,7 +2474,7 @@
           <p:cNvPr id="10" name="Grafik 9">
             <a:extLst>
               <a:ext uri="{FF2B5EF4-FFF2-40B4-BE49-F238E27FC236}">
-                <a16:creationId xmlns="" xmlns:a16="http://schemas.microsoft.com/office/drawing/2014/main" id="{E4DBCC79-CA26-C240-B119-9127A62CDBA8}"/>
+                <a16:creationId xmlns:a16="http://schemas.microsoft.com/office/drawing/2014/main" xmlns="" id="{E4DBCC79-CA26-C240-B119-9127A62CDBA8}"/>
               </a:ext>
             </a:extLst>
           </p:cNvPr>
@@ -2468,7 +2576,7 @@
           <p:cNvPr id="5" name="Rechteck 4">
             <a:extLst>
               <a:ext uri="{FF2B5EF4-FFF2-40B4-BE49-F238E27FC236}">
-                <a16:creationId xmlns="" xmlns:a16="http://schemas.microsoft.com/office/drawing/2014/main" id="{FD770378-5F2D-DE46-8D66-09007E946AD3}"/>
+                <a16:creationId xmlns:a16="http://schemas.microsoft.com/office/drawing/2014/main" xmlns="" id="{FD770378-5F2D-DE46-8D66-09007E946AD3}"/>
               </a:ext>
             </a:extLst>
           </p:cNvPr>
@@ -2532,7 +2640,7 @@
           <p:cNvPr id="4" name="Grafik 3">
             <a:extLst>
               <a:ext uri="{FF2B5EF4-FFF2-40B4-BE49-F238E27FC236}">
-                <a16:creationId xmlns="" xmlns:a16="http://schemas.microsoft.com/office/drawing/2014/main" id="{4FE30B28-5777-FC40-9C3F-81738D289A6A}"/>
+                <a16:creationId xmlns:a16="http://schemas.microsoft.com/office/drawing/2014/main" xmlns="" id="{4FE30B28-5777-FC40-9C3F-81738D289A6A}"/>
               </a:ext>
             </a:extLst>
           </p:cNvPr>
@@ -3677,7 +3785,7 @@
           <p:cNvPr id="13" name="Grafik 12">
             <a:extLst>
               <a:ext uri="{FF2B5EF4-FFF2-40B4-BE49-F238E27FC236}">
-                <a16:creationId xmlns="" xmlns:a16="http://schemas.microsoft.com/office/drawing/2014/main" id="{2DC3CACD-C7C8-274E-BCD4-043370996A48}"/>
+                <a16:creationId xmlns:a16="http://schemas.microsoft.com/office/drawing/2014/main" xmlns="" id="{2DC3CACD-C7C8-274E-BCD4-043370996A48}"/>
               </a:ext>
             </a:extLst>
           </p:cNvPr>
@@ -4285,6 +4393,13 @@
   <p:clrMapOvr>
     <a:masterClrMapping/>
   </p:clrMapOvr>
+  <p:timing>
+    <p:tnLst>
+      <p:par>
+        <p:cTn id="1" dur="indefinite" restart="never" nodeType="tmRoot"/>
+      </p:par>
+    </p:tnLst>
+  </p:timing>
 </p:sld>
 </file>
 
@@ -4364,28 +4479,28 @@
                 <a:gridCol w="4026471">
                   <a:extLst>
                     <a:ext uri="{9D8B030D-6E8A-4147-A177-3AD203B41FA5}">
-                      <a16:colId xmlns="" xmlns:a16="http://schemas.microsoft.com/office/drawing/2014/main" val="20000"/>
+                      <a16:colId xmlns:a16="http://schemas.microsoft.com/office/drawing/2014/main" xmlns="" val="20000"/>
                     </a:ext>
                   </a:extLst>
                 </a:gridCol>
                 <a:gridCol w="1231392">
                   <a:extLst>
                     <a:ext uri="{9D8B030D-6E8A-4147-A177-3AD203B41FA5}">
-                      <a16:colId xmlns="" xmlns:a16="http://schemas.microsoft.com/office/drawing/2014/main" val="20001"/>
+                      <a16:colId xmlns:a16="http://schemas.microsoft.com/office/drawing/2014/main" xmlns="" val="20001"/>
                     </a:ext>
                   </a:extLst>
                 </a:gridCol>
                 <a:gridCol w="1121664">
                   <a:extLst>
                     <a:ext uri="{9D8B030D-6E8A-4147-A177-3AD203B41FA5}">
-                      <a16:colId xmlns="" xmlns:a16="http://schemas.microsoft.com/office/drawing/2014/main" val="20002"/>
+                      <a16:colId xmlns:a16="http://schemas.microsoft.com/office/drawing/2014/main" xmlns="" val="20002"/>
                     </a:ext>
                   </a:extLst>
                 </a:gridCol>
                 <a:gridCol w="1121664">
                   <a:extLst>
                     <a:ext uri="{9D8B030D-6E8A-4147-A177-3AD203B41FA5}">
-                      <a16:colId xmlns="" xmlns:a16="http://schemas.microsoft.com/office/drawing/2014/main" val="20003"/>
+                      <a16:colId xmlns:a16="http://schemas.microsoft.com/office/drawing/2014/main" xmlns="" val="20003"/>
                     </a:ext>
                   </a:extLst>
                 </a:gridCol>
@@ -4518,7 +4633,7 @@
                 </a:tc>
                 <a:extLst>
                   <a:ext uri="{0D108BD9-81ED-4DB2-BD59-A6C34878D82A}">
-                    <a16:rowId xmlns="" xmlns:a16="http://schemas.microsoft.com/office/drawing/2014/main" val="10000"/>
+                    <a16:rowId xmlns:a16="http://schemas.microsoft.com/office/drawing/2014/main" xmlns="" val="10000"/>
                   </a:ext>
                 </a:extLst>
               </a:tr>
@@ -4740,7 +4855,7 @@
                 </a:tc>
                 <a:extLst>
                   <a:ext uri="{0D108BD9-81ED-4DB2-BD59-A6C34878D82A}">
-                    <a16:rowId xmlns="" xmlns:a16="http://schemas.microsoft.com/office/drawing/2014/main" val="10001"/>
+                    <a16:rowId xmlns:a16="http://schemas.microsoft.com/office/drawing/2014/main" xmlns="" val="10001"/>
                   </a:ext>
                 </a:extLst>
               </a:tr>
@@ -4962,7 +5077,7 @@
                 </a:tc>
                 <a:extLst>
                   <a:ext uri="{0D108BD9-81ED-4DB2-BD59-A6C34878D82A}">
-                    <a16:rowId xmlns="" xmlns:a16="http://schemas.microsoft.com/office/drawing/2014/main" val="10002"/>
+                    <a16:rowId xmlns:a16="http://schemas.microsoft.com/office/drawing/2014/main" xmlns="" val="10002"/>
                   </a:ext>
                 </a:extLst>
               </a:tr>
@@ -5184,7 +5299,7 @@
                 </a:tc>
                 <a:extLst>
                   <a:ext uri="{0D108BD9-81ED-4DB2-BD59-A6C34878D82A}">
-                    <a16:rowId xmlns="" xmlns:a16="http://schemas.microsoft.com/office/drawing/2014/main" val="10003"/>
+                    <a16:rowId xmlns:a16="http://schemas.microsoft.com/office/drawing/2014/main" xmlns="" val="10003"/>
                   </a:ext>
                 </a:extLst>
               </a:tr>
@@ -5414,7 +5529,7 @@
                 </a:tc>
                 <a:extLst>
                   <a:ext uri="{0D108BD9-81ED-4DB2-BD59-A6C34878D82A}">
-                    <a16:rowId xmlns="" xmlns:a16="http://schemas.microsoft.com/office/drawing/2014/main" val="10004"/>
+                    <a16:rowId xmlns:a16="http://schemas.microsoft.com/office/drawing/2014/main" xmlns="" val="10004"/>
                   </a:ext>
                 </a:extLst>
               </a:tr>
@@ -5636,7 +5751,7 @@
                 </a:tc>
                 <a:extLst>
                   <a:ext uri="{0D108BD9-81ED-4DB2-BD59-A6C34878D82A}">
-                    <a16:rowId xmlns="" xmlns:a16="http://schemas.microsoft.com/office/drawing/2014/main" val="10005"/>
+                    <a16:rowId xmlns:a16="http://schemas.microsoft.com/office/drawing/2014/main" xmlns="" val="10005"/>
                   </a:ext>
                 </a:extLst>
               </a:tr>
@@ -5858,7 +5973,7 @@
                 </a:tc>
                 <a:extLst>
                   <a:ext uri="{0D108BD9-81ED-4DB2-BD59-A6C34878D82A}">
-                    <a16:rowId xmlns="" xmlns:a16="http://schemas.microsoft.com/office/drawing/2014/main" val="10006"/>
+                    <a16:rowId xmlns:a16="http://schemas.microsoft.com/office/drawing/2014/main" xmlns="" val="10006"/>
                   </a:ext>
                 </a:extLst>
               </a:tr>
@@ -6073,6 +6188,13 @@
   <p:clrMapOvr>
     <a:masterClrMapping/>
   </p:clrMapOvr>
+  <p:timing>
+    <p:tnLst>
+      <p:par>
+        <p:cTn id="1" dur="indefinite" restart="never" nodeType="tmRoot"/>
+      </p:par>
+    </p:tnLst>
+  </p:timing>
 </p:sld>
 </file>
 
@@ -7274,6 +7396,13 @@
   <p:clrMapOvr>
     <a:masterClrMapping/>
   </p:clrMapOvr>
+  <p:timing>
+    <p:tnLst>
+      <p:par>
+        <p:cTn id="1" dur="indefinite" restart="never" nodeType="tmRoot"/>
+      </p:par>
+    </p:tnLst>
+  </p:timing>
 </p:sld>
 </file>
 
@@ -7616,6 +7745,13 @@
   <p:clrMapOvr>
     <a:masterClrMapping/>
   </p:clrMapOvr>
+  <p:timing>
+    <p:tnLst>
+      <p:par>
+        <p:cTn id="1" dur="indefinite" restart="never" nodeType="tmRoot"/>
+      </p:par>
+    </p:tnLst>
+  </p:timing>
 </p:sld>
 </file>
 
@@ -8726,6 +8862,13 @@
   <p:clrMapOvr>
     <a:masterClrMapping/>
   </p:clrMapOvr>
+  <p:timing>
+    <p:tnLst>
+      <p:par>
+        <p:cTn id="1" dur="indefinite" restart="never" nodeType="tmRoot"/>
+      </p:par>
+    </p:tnLst>
+  </p:timing>
 </p:sld>
 </file>
 
@@ -9826,6 +9969,13 @@
   <p:clrMapOvr>
     <a:masterClrMapping/>
   </p:clrMapOvr>
+  <p:timing>
+    <p:tnLst>
+      <p:par>
+        <p:cTn id="1" dur="indefinite" restart="never" nodeType="tmRoot"/>
+      </p:par>
+    </p:tnLst>
+  </p:timing>
 </p:sld>
 </file>
 
@@ -10910,10 +11060,1143 @@
   <p:clrMapOvr>
     <a:masterClrMapping/>
   </p:clrMapOvr>
+  <p:timing>
+    <p:tnLst>
+      <p:par>
+        <p:cTn id="1" dur="indefinite" restart="never" nodeType="tmRoot"/>
+      </p:par>
+    </p:tnLst>
+  </p:timing>
 </p:sld>
 </file>
 
 <file path=ppt/slides/slide8.xml><?xml version="1.0" encoding="utf-8"?>
+<p:sld xmlns:a="http://schemas.openxmlformats.org/drawingml/2006/main" xmlns:r="http://schemas.openxmlformats.org/officeDocument/2006/relationships" xmlns:p="http://schemas.openxmlformats.org/presentationml/2006/main">
+  <p:cSld>
+    <p:spTree>
+      <p:nvGrpSpPr>
+        <p:cNvPr id="1" name=""/>
+        <p:cNvGrpSpPr/>
+        <p:nvPr/>
+      </p:nvGrpSpPr>
+      <p:grpSpPr>
+        <a:xfrm>
+          <a:off x="0" y="0"/>
+          <a:ext cx="0" cy="0"/>
+          <a:chOff x="0" y="0"/>
+          <a:chExt cx="0" cy="0"/>
+        </a:xfrm>
+      </p:grpSpPr>
+      <p:sp>
+        <p:nvSpPr>
+          <p:cNvPr id="2" name="Titel 1"/>
+          <p:cNvSpPr>
+            <a:spLocks noGrp="1"/>
+          </p:cNvSpPr>
+          <p:nvPr>
+            <p:ph type="title"/>
+          </p:nvPr>
+        </p:nvSpPr>
+        <p:spPr/>
+        <p:txBody>
+          <a:bodyPr/>
+          <a:lstStyle/>
+          <a:p>
+            <a:r>
+              <a:rPr lang="de-DE" dirty="0" smtClean="0"/>
+              <a:t>Kommunikation</a:t>
+            </a:r>
+            <a:endParaRPr lang="de-DE" dirty="0"/>
+          </a:p>
+        </p:txBody>
+      </p:sp>
+      <p:pic>
+        <p:nvPicPr>
+          <p:cNvPr id="4" name="Inhaltsplatzhalter 3"/>
+          <p:cNvPicPr>
+            <a:picLocks noChangeAspect="1"/>
+          </p:cNvPicPr>
+          <p:nvPr/>
+        </p:nvPicPr>
+        <p:blipFill>
+          <a:blip r:embed="rId3">
+            <a:extLst>
+              <a:ext uri="{28A0092B-C50C-407E-A947-70E740481C1C}">
+                <a14:useLocalDpi xmlns:a14="http://schemas.microsoft.com/office/drawing/2010/main" val="0"/>
+              </a:ext>
+            </a:extLst>
+          </a:blip>
+          <a:stretch>
+            <a:fillRect/>
+          </a:stretch>
+        </p:blipFill>
+        <p:spPr>
+          <a:xfrm>
+            <a:off x="11455398" y="0"/>
+            <a:ext cx="736601" cy="736601"/>
+          </a:xfrm>
+          <a:prstGeom prst="rect">
+            <a:avLst/>
+          </a:prstGeom>
+          <a:ln>
+            <a:noFill/>
+          </a:ln>
+        </p:spPr>
+      </p:pic>
+      <p:grpSp>
+        <p:nvGrpSpPr>
+          <p:cNvPr id="5" name="Gruppieren 4"/>
+          <p:cNvGrpSpPr/>
+          <p:nvPr/>
+        </p:nvGrpSpPr>
+        <p:grpSpPr>
+          <a:xfrm>
+            <a:off x="7724648" y="1204913"/>
+            <a:ext cx="3730752" cy="1229417"/>
+            <a:chOff x="1780032" y="1330903"/>
+            <a:chExt cx="3730752" cy="1229417"/>
+          </a:xfrm>
+        </p:grpSpPr>
+        <p:sp>
+          <p:nvSpPr>
+            <p:cNvPr id="6" name="Rechteck 5"/>
+            <p:cNvSpPr/>
+            <p:nvPr/>
+          </p:nvSpPr>
+          <p:spPr>
+            <a:xfrm>
+              <a:off x="1780032" y="1499917"/>
+              <a:ext cx="3730752" cy="1060403"/>
+            </a:xfrm>
+            <a:prstGeom prst="rect">
+              <a:avLst/>
+            </a:prstGeom>
+            <a:solidFill>
+              <a:schemeClr val="bg1"/>
+            </a:solidFill>
+          </p:spPr>
+          <p:style>
+            <a:lnRef idx="2">
+              <a:schemeClr val="accent1">
+                <a:shade val="50000"/>
+              </a:schemeClr>
+            </a:lnRef>
+            <a:fillRef idx="1">
+              <a:schemeClr val="accent1"/>
+            </a:fillRef>
+            <a:effectRef idx="0">
+              <a:schemeClr val="accent1"/>
+            </a:effectRef>
+            <a:fontRef idx="minor">
+              <a:schemeClr val="lt1"/>
+            </a:fontRef>
+          </p:style>
+          <p:txBody>
+            <a:bodyPr tIns="180000" rtlCol="0" anchor="t"/>
+            <a:lstStyle/>
+            <a:p>
+              <a:pPr marL="285750" indent="-285750">
+                <a:buFont typeface="Arial" panose="020B0604020202020204" pitchFamily="34" charset="0"/>
+                <a:buChar char="•"/>
+              </a:pPr>
+              <a:r>
+                <a:rPr lang="de-DE" dirty="0" smtClean="0">
+                  <a:solidFill>
+                    <a:schemeClr val="tx1"/>
+                  </a:solidFill>
+                </a:rPr>
+                <a:t>Gruppiert Interaktionselemente</a:t>
+              </a:r>
+            </a:p>
+            <a:p>
+              <a:pPr marL="285750" indent="-285750">
+                <a:buFont typeface="Arial" panose="020B0604020202020204" pitchFamily="34" charset="0"/>
+                <a:buChar char="•"/>
+              </a:pPr>
+              <a:r>
+                <a:rPr lang="de-DE" dirty="0" smtClean="0">
+                  <a:solidFill>
+                    <a:schemeClr val="tx1"/>
+                  </a:solidFill>
+                </a:rPr>
+                <a:t>Vielfältige Verwendung</a:t>
+              </a:r>
+              <a:endParaRPr lang="de-DE" dirty="0">
+                <a:solidFill>
+                  <a:schemeClr val="tx1"/>
+                </a:solidFill>
+              </a:endParaRPr>
+            </a:p>
+          </p:txBody>
+        </p:sp>
+        <p:sp>
+          <p:nvSpPr>
+            <p:cNvPr id="7" name="Rechteck 6"/>
+            <p:cNvSpPr/>
+            <p:nvPr/>
+          </p:nvSpPr>
+          <p:spPr>
+            <a:xfrm>
+              <a:off x="1977040" y="1330903"/>
+              <a:ext cx="2148776" cy="338027"/>
+            </a:xfrm>
+            <a:prstGeom prst="rect">
+              <a:avLst/>
+            </a:prstGeom>
+            <a:solidFill>
+              <a:schemeClr val="bg1"/>
+            </a:solidFill>
+            <a:ln>
+              <a:noFill/>
+            </a:ln>
+          </p:spPr>
+          <p:style>
+            <a:lnRef idx="2">
+              <a:schemeClr val="accent1">
+                <a:shade val="50000"/>
+              </a:schemeClr>
+            </a:lnRef>
+            <a:fillRef idx="1">
+              <a:schemeClr val="accent1"/>
+            </a:fillRef>
+            <a:effectRef idx="0">
+              <a:schemeClr val="accent1"/>
+            </a:effectRef>
+            <a:fontRef idx="minor">
+              <a:schemeClr val="lt1"/>
+            </a:fontRef>
+          </p:style>
+          <p:txBody>
+            <a:bodyPr rtlCol="0" anchor="ctr"/>
+            <a:lstStyle/>
+            <a:p>
+              <a:r>
+                <a:rPr lang="de-DE" b="1" dirty="0" smtClean="0">
+                  <a:solidFill>
+                    <a:schemeClr val="tx1"/>
+                  </a:solidFill>
+                </a:rPr>
+                <a:t>Formulare/Masken</a:t>
+              </a:r>
+              <a:endParaRPr lang="de-DE" b="1" dirty="0">
+                <a:solidFill>
+                  <a:schemeClr val="tx1"/>
+                </a:solidFill>
+              </a:endParaRPr>
+            </a:p>
+          </p:txBody>
+        </p:sp>
+      </p:grpSp>
+      <p:grpSp>
+        <p:nvGrpSpPr>
+          <p:cNvPr id="8" name="Gruppieren 7"/>
+          <p:cNvGrpSpPr/>
+          <p:nvPr/>
+        </p:nvGrpSpPr>
+        <p:grpSpPr>
+          <a:xfrm>
+            <a:off x="7723643" y="2993255"/>
+            <a:ext cx="3730752" cy="1229417"/>
+            <a:chOff x="1780032" y="1330903"/>
+            <a:chExt cx="3730752" cy="1229417"/>
+          </a:xfrm>
+        </p:grpSpPr>
+        <p:sp>
+          <p:nvSpPr>
+            <p:cNvPr id="9" name="Rechteck 8"/>
+            <p:cNvSpPr/>
+            <p:nvPr/>
+          </p:nvSpPr>
+          <p:spPr>
+            <a:xfrm>
+              <a:off x="1780032" y="1499917"/>
+              <a:ext cx="3730752" cy="1060403"/>
+            </a:xfrm>
+            <a:prstGeom prst="rect">
+              <a:avLst/>
+            </a:prstGeom>
+            <a:solidFill>
+              <a:schemeClr val="bg1"/>
+            </a:solidFill>
+          </p:spPr>
+          <p:style>
+            <a:lnRef idx="2">
+              <a:schemeClr val="accent1">
+                <a:shade val="50000"/>
+              </a:schemeClr>
+            </a:lnRef>
+            <a:fillRef idx="1">
+              <a:schemeClr val="accent1"/>
+            </a:fillRef>
+            <a:effectRef idx="0">
+              <a:schemeClr val="accent1"/>
+            </a:effectRef>
+            <a:fontRef idx="minor">
+              <a:schemeClr val="lt1"/>
+            </a:fontRef>
+          </p:style>
+          <p:txBody>
+            <a:bodyPr tIns="180000" rtlCol="0" anchor="t"/>
+            <a:lstStyle/>
+            <a:p>
+              <a:pPr marL="285750" indent="-285750">
+                <a:buFont typeface="Arial" panose="020B0604020202020204" pitchFamily="34" charset="0"/>
+                <a:buChar char="•"/>
+              </a:pPr>
+              <a:r>
+                <a:rPr lang="de-DE" dirty="0" smtClean="0">
+                  <a:solidFill>
+                    <a:schemeClr val="tx1"/>
+                  </a:solidFill>
+                </a:rPr>
+                <a:t>Abgegrenzter steuerbarer Bereich</a:t>
+              </a:r>
+              <a:endParaRPr lang="de-DE" dirty="0">
+                <a:solidFill>
+                  <a:schemeClr val="tx1"/>
+                </a:solidFill>
+              </a:endParaRPr>
+            </a:p>
+          </p:txBody>
+        </p:sp>
+        <p:sp>
+          <p:nvSpPr>
+            <p:cNvPr id="10" name="Rechteck 9"/>
+            <p:cNvSpPr/>
+            <p:nvPr/>
+          </p:nvSpPr>
+          <p:spPr>
+            <a:xfrm>
+              <a:off x="1977040" y="1330903"/>
+              <a:ext cx="982717" cy="338027"/>
+            </a:xfrm>
+            <a:prstGeom prst="rect">
+              <a:avLst/>
+            </a:prstGeom>
+            <a:solidFill>
+              <a:schemeClr val="bg1"/>
+            </a:solidFill>
+            <a:ln>
+              <a:noFill/>
+            </a:ln>
+          </p:spPr>
+          <p:style>
+            <a:lnRef idx="2">
+              <a:schemeClr val="accent1">
+                <a:shade val="50000"/>
+              </a:schemeClr>
+            </a:lnRef>
+            <a:fillRef idx="1">
+              <a:schemeClr val="accent1"/>
+            </a:fillRef>
+            <a:effectRef idx="0">
+              <a:schemeClr val="accent1"/>
+            </a:effectRef>
+            <a:fontRef idx="minor">
+              <a:schemeClr val="lt1"/>
+            </a:fontRef>
+          </p:style>
+          <p:txBody>
+            <a:bodyPr rtlCol="0" anchor="ctr"/>
+            <a:lstStyle/>
+            <a:p>
+              <a:r>
+                <a:rPr lang="de-DE" b="1" dirty="0" smtClean="0">
+                  <a:solidFill>
+                    <a:schemeClr val="tx1"/>
+                  </a:solidFill>
+                </a:rPr>
+                <a:t>Fenster</a:t>
+              </a:r>
+              <a:endParaRPr lang="de-DE" b="1" dirty="0">
+                <a:solidFill>
+                  <a:schemeClr val="tx1"/>
+                </a:solidFill>
+              </a:endParaRPr>
+            </a:p>
+          </p:txBody>
+        </p:sp>
+      </p:grpSp>
+      <p:grpSp>
+        <p:nvGrpSpPr>
+          <p:cNvPr id="11" name="Gruppieren 10"/>
+          <p:cNvGrpSpPr/>
+          <p:nvPr/>
+        </p:nvGrpSpPr>
+        <p:grpSpPr>
+          <a:xfrm>
+            <a:off x="7724647" y="4612583"/>
+            <a:ext cx="3730752" cy="1229417"/>
+            <a:chOff x="1780032" y="1330903"/>
+            <a:chExt cx="3730752" cy="1229417"/>
+          </a:xfrm>
+        </p:grpSpPr>
+        <p:sp>
+          <p:nvSpPr>
+            <p:cNvPr id="12" name="Rechteck 11"/>
+            <p:cNvSpPr/>
+            <p:nvPr/>
+          </p:nvSpPr>
+          <p:spPr>
+            <a:xfrm>
+              <a:off x="1780032" y="1499917"/>
+              <a:ext cx="3730752" cy="1060403"/>
+            </a:xfrm>
+            <a:prstGeom prst="rect">
+              <a:avLst/>
+            </a:prstGeom>
+            <a:solidFill>
+              <a:schemeClr val="bg1"/>
+            </a:solidFill>
+          </p:spPr>
+          <p:style>
+            <a:lnRef idx="2">
+              <a:schemeClr val="accent1">
+                <a:shade val="50000"/>
+              </a:schemeClr>
+            </a:lnRef>
+            <a:fillRef idx="1">
+              <a:schemeClr val="accent1"/>
+            </a:fillRef>
+            <a:effectRef idx="0">
+              <a:schemeClr val="accent1"/>
+            </a:effectRef>
+            <a:fontRef idx="minor">
+              <a:schemeClr val="lt1"/>
+            </a:fontRef>
+          </p:style>
+          <p:txBody>
+            <a:bodyPr tIns="180000" rtlCol="0" anchor="t"/>
+            <a:lstStyle/>
+            <a:p>
+              <a:pPr marL="285750" indent="-285750">
+                <a:buFont typeface="Arial" panose="020B0604020202020204" pitchFamily="34" charset="0"/>
+                <a:buChar char="•"/>
+              </a:pPr>
+              <a:r>
+                <a:rPr lang="de-DE" dirty="0" smtClean="0">
+                  <a:solidFill>
+                    <a:schemeClr val="tx1"/>
+                  </a:solidFill>
+                </a:rPr>
+                <a:t>Direkte Bearbeitung der Objekte</a:t>
+              </a:r>
+            </a:p>
+            <a:p>
+              <a:pPr marL="285750" indent="-285750">
+                <a:buFont typeface="Arial" panose="020B0604020202020204" pitchFamily="34" charset="0"/>
+                <a:buChar char="•"/>
+              </a:pPr>
+              <a:r>
+                <a:rPr lang="de-DE" dirty="0" smtClean="0">
+                  <a:solidFill>
+                    <a:schemeClr val="tx1"/>
+                  </a:solidFill>
+                </a:rPr>
+                <a:t>Größe, Position verändern</a:t>
+              </a:r>
+              <a:endParaRPr lang="de-DE" dirty="0">
+                <a:solidFill>
+                  <a:schemeClr val="tx1"/>
+                </a:solidFill>
+              </a:endParaRPr>
+            </a:p>
+          </p:txBody>
+        </p:sp>
+        <p:sp>
+          <p:nvSpPr>
+            <p:cNvPr id="13" name="Rechteck 12"/>
+            <p:cNvSpPr/>
+            <p:nvPr/>
+          </p:nvSpPr>
+          <p:spPr>
+            <a:xfrm>
+              <a:off x="1977040" y="1330903"/>
+              <a:ext cx="2401440" cy="338027"/>
+            </a:xfrm>
+            <a:prstGeom prst="rect">
+              <a:avLst/>
+            </a:prstGeom>
+            <a:solidFill>
+              <a:schemeClr val="bg1"/>
+            </a:solidFill>
+            <a:ln>
+              <a:noFill/>
+            </a:ln>
+          </p:spPr>
+          <p:style>
+            <a:lnRef idx="2">
+              <a:schemeClr val="accent1">
+                <a:shade val="50000"/>
+              </a:schemeClr>
+            </a:lnRef>
+            <a:fillRef idx="1">
+              <a:schemeClr val="accent1"/>
+            </a:fillRef>
+            <a:effectRef idx="0">
+              <a:schemeClr val="accent1"/>
+            </a:effectRef>
+            <a:fontRef idx="minor">
+              <a:schemeClr val="lt1"/>
+            </a:fontRef>
+          </p:style>
+          <p:txBody>
+            <a:bodyPr rtlCol="0" anchor="ctr"/>
+            <a:lstStyle/>
+            <a:p>
+              <a:r>
+                <a:rPr lang="de-DE" b="1" dirty="0" smtClean="0">
+                  <a:solidFill>
+                    <a:schemeClr val="tx1"/>
+                  </a:solidFill>
+                </a:rPr>
+                <a:t>Direkte Manipulation</a:t>
+              </a:r>
+              <a:endParaRPr lang="de-DE" b="1" dirty="0">
+                <a:solidFill>
+                  <a:schemeClr val="tx1"/>
+                </a:solidFill>
+              </a:endParaRPr>
+            </a:p>
+          </p:txBody>
+        </p:sp>
+      </p:grpSp>
+      <p:grpSp>
+        <p:nvGrpSpPr>
+          <p:cNvPr id="14" name="Gruppieren 13"/>
+          <p:cNvGrpSpPr/>
+          <p:nvPr/>
+        </p:nvGrpSpPr>
+        <p:grpSpPr>
+          <a:xfrm>
+            <a:off x="874713" y="1204913"/>
+            <a:ext cx="4934768" cy="1229417"/>
+            <a:chOff x="1780032" y="1330903"/>
+            <a:chExt cx="4934768" cy="1229417"/>
+          </a:xfrm>
+        </p:grpSpPr>
+        <p:sp>
+          <p:nvSpPr>
+            <p:cNvPr id="15" name="Rechteck 14"/>
+            <p:cNvSpPr/>
+            <p:nvPr/>
+          </p:nvSpPr>
+          <p:spPr>
+            <a:xfrm>
+              <a:off x="1780032" y="1499917"/>
+              <a:ext cx="4934768" cy="1060403"/>
+            </a:xfrm>
+            <a:prstGeom prst="rect">
+              <a:avLst/>
+            </a:prstGeom>
+            <a:solidFill>
+              <a:schemeClr val="bg1"/>
+            </a:solidFill>
+            <a:ln>
+              <a:solidFill>
+                <a:schemeClr val="accent4"/>
+              </a:solidFill>
+            </a:ln>
+          </p:spPr>
+          <p:style>
+            <a:lnRef idx="2">
+              <a:schemeClr val="accent1">
+                <a:shade val="50000"/>
+              </a:schemeClr>
+            </a:lnRef>
+            <a:fillRef idx="1">
+              <a:schemeClr val="accent1"/>
+            </a:fillRef>
+            <a:effectRef idx="0">
+              <a:schemeClr val="accent1"/>
+            </a:effectRef>
+            <a:fontRef idx="minor">
+              <a:schemeClr val="lt1"/>
+            </a:fontRef>
+          </p:style>
+          <p:txBody>
+            <a:bodyPr tIns="180000" rtlCol="0" anchor="t"/>
+            <a:lstStyle/>
+            <a:p>
+              <a:pPr marL="285750" indent="-285750">
+                <a:buFont typeface="Arial" panose="020B0604020202020204" pitchFamily="34" charset="0"/>
+                <a:buChar char="•"/>
+              </a:pPr>
+              <a:r>
+                <a:rPr lang="de-DE" dirty="0" smtClean="0">
+                  <a:solidFill>
+                    <a:schemeClr val="tx1"/>
+                  </a:solidFill>
+                </a:rPr>
+                <a:t>Entsteht beim Lösen einer Aufgabe in Kooperation</a:t>
+              </a:r>
+            </a:p>
+            <a:p>
+              <a:pPr marL="285750" indent="-285750">
+                <a:buFont typeface="Arial" panose="020B0604020202020204" pitchFamily="34" charset="0"/>
+                <a:buChar char="•"/>
+              </a:pPr>
+              <a:r>
+                <a:rPr lang="de-DE" dirty="0" smtClean="0">
+                  <a:solidFill>
+                    <a:schemeClr val="tx1"/>
+                  </a:solidFill>
+                </a:rPr>
+                <a:t>Es sind mehrere Schritte notwendig</a:t>
+              </a:r>
+              <a:endParaRPr lang="de-DE" dirty="0">
+                <a:solidFill>
+                  <a:schemeClr val="tx1"/>
+                </a:solidFill>
+              </a:endParaRPr>
+            </a:p>
+          </p:txBody>
+        </p:sp>
+        <p:sp>
+          <p:nvSpPr>
+            <p:cNvPr id="16" name="Rechteck 15"/>
+            <p:cNvSpPr/>
+            <p:nvPr/>
+          </p:nvSpPr>
+          <p:spPr>
+            <a:xfrm>
+              <a:off x="1977039" y="1330903"/>
+              <a:ext cx="4198166" cy="338027"/>
+            </a:xfrm>
+            <a:prstGeom prst="rect">
+              <a:avLst/>
+            </a:prstGeom>
+            <a:solidFill>
+              <a:schemeClr val="bg1"/>
+            </a:solidFill>
+            <a:ln>
+              <a:noFill/>
+            </a:ln>
+          </p:spPr>
+          <p:style>
+            <a:lnRef idx="2">
+              <a:schemeClr val="accent1">
+                <a:shade val="50000"/>
+              </a:schemeClr>
+            </a:lnRef>
+            <a:fillRef idx="1">
+              <a:schemeClr val="accent1"/>
+            </a:fillRef>
+            <a:effectRef idx="0">
+              <a:schemeClr val="accent1"/>
+            </a:effectRef>
+            <a:fontRef idx="minor">
+              <a:schemeClr val="lt1"/>
+            </a:fontRef>
+          </p:style>
+          <p:txBody>
+            <a:bodyPr rtlCol="0" anchor="ctr"/>
+            <a:lstStyle/>
+            <a:p>
+              <a:r>
+                <a:rPr lang="de-DE" b="1" dirty="0" smtClean="0">
+                  <a:solidFill>
+                    <a:schemeClr val="accent4"/>
+                  </a:solidFill>
+                </a:rPr>
+                <a:t>Dialog zwischen Mensch und Maschine</a:t>
+              </a:r>
+              <a:endParaRPr lang="de-DE" b="1" dirty="0">
+                <a:solidFill>
+                  <a:schemeClr val="accent4"/>
+                </a:solidFill>
+              </a:endParaRPr>
+            </a:p>
+          </p:txBody>
+        </p:sp>
+      </p:grpSp>
+      <p:grpSp>
+        <p:nvGrpSpPr>
+          <p:cNvPr id="17" name="Gruppieren 16"/>
+          <p:cNvGrpSpPr/>
+          <p:nvPr/>
+        </p:nvGrpSpPr>
+        <p:grpSpPr>
+          <a:xfrm>
+            <a:off x="2078728" y="2993255"/>
+            <a:ext cx="3730752" cy="1229417"/>
+            <a:chOff x="1780032" y="1330903"/>
+            <a:chExt cx="3730752" cy="1229417"/>
+          </a:xfrm>
+        </p:grpSpPr>
+        <p:sp>
+          <p:nvSpPr>
+            <p:cNvPr id="18" name="Rechteck 17"/>
+            <p:cNvSpPr/>
+            <p:nvPr/>
+          </p:nvSpPr>
+          <p:spPr>
+            <a:xfrm>
+              <a:off x="1780032" y="1499917"/>
+              <a:ext cx="3730752" cy="1060403"/>
+            </a:xfrm>
+            <a:prstGeom prst="rect">
+              <a:avLst/>
+            </a:prstGeom>
+            <a:solidFill>
+              <a:schemeClr val="bg1"/>
+            </a:solidFill>
+          </p:spPr>
+          <p:style>
+            <a:lnRef idx="2">
+              <a:schemeClr val="accent1">
+                <a:shade val="50000"/>
+              </a:schemeClr>
+            </a:lnRef>
+            <a:fillRef idx="1">
+              <a:schemeClr val="accent1"/>
+            </a:fillRef>
+            <a:effectRef idx="0">
+              <a:schemeClr val="accent1"/>
+            </a:effectRef>
+            <a:fontRef idx="minor">
+              <a:schemeClr val="lt1"/>
+            </a:fontRef>
+          </p:style>
+          <p:txBody>
+            <a:bodyPr tIns="180000" rtlCol="0" anchor="t"/>
+            <a:lstStyle/>
+            <a:p>
+              <a:pPr marL="285750" indent="-285750">
+                <a:buFont typeface="Arial" panose="020B0604020202020204" pitchFamily="34" charset="0"/>
+                <a:buChar char="•"/>
+              </a:pPr>
+              <a:r>
+                <a:rPr lang="de-DE" dirty="0" smtClean="0">
+                  <a:solidFill>
+                    <a:schemeClr val="tx1"/>
+                  </a:solidFill>
+                </a:rPr>
+                <a:t>Eingabe über Tastatur</a:t>
+              </a:r>
+            </a:p>
+            <a:p>
+              <a:pPr marL="285750" indent="-285750">
+                <a:buFont typeface="Arial" panose="020B0604020202020204" pitchFamily="34" charset="0"/>
+                <a:buChar char="•"/>
+              </a:pPr>
+              <a:r>
+                <a:rPr lang="de-DE" dirty="0" smtClean="0">
+                  <a:solidFill>
+                    <a:schemeClr val="tx1"/>
+                  </a:solidFill>
+                </a:rPr>
+                <a:t>Mensch muss sich erinnern</a:t>
+              </a:r>
+            </a:p>
+            <a:p>
+              <a:pPr marL="285750" indent="-285750">
+                <a:buFont typeface="Arial" panose="020B0604020202020204" pitchFamily="34" charset="0"/>
+                <a:buChar char="•"/>
+              </a:pPr>
+              <a:r>
+                <a:rPr lang="de-DE" dirty="0" smtClean="0">
+                  <a:solidFill>
+                    <a:schemeClr val="tx1"/>
+                  </a:solidFill>
+                </a:rPr>
+                <a:t>benutzerbestimmt</a:t>
+              </a:r>
+              <a:endParaRPr lang="de-DE" dirty="0">
+                <a:solidFill>
+                  <a:schemeClr val="tx1"/>
+                </a:solidFill>
+              </a:endParaRPr>
+            </a:p>
+          </p:txBody>
+        </p:sp>
+        <p:sp>
+          <p:nvSpPr>
+            <p:cNvPr id="19" name="Rechteck 18"/>
+            <p:cNvSpPr/>
+            <p:nvPr/>
+          </p:nvSpPr>
+          <p:spPr>
+            <a:xfrm>
+              <a:off x="1977040" y="1330903"/>
+              <a:ext cx="1393834" cy="338027"/>
+            </a:xfrm>
+            <a:prstGeom prst="rect">
+              <a:avLst/>
+            </a:prstGeom>
+            <a:solidFill>
+              <a:schemeClr val="bg1"/>
+            </a:solidFill>
+            <a:ln>
+              <a:noFill/>
+            </a:ln>
+          </p:spPr>
+          <p:style>
+            <a:lnRef idx="2">
+              <a:schemeClr val="accent1">
+                <a:shade val="50000"/>
+              </a:schemeClr>
+            </a:lnRef>
+            <a:fillRef idx="1">
+              <a:schemeClr val="accent1"/>
+            </a:fillRef>
+            <a:effectRef idx="0">
+              <a:schemeClr val="accent1"/>
+            </a:effectRef>
+            <a:fontRef idx="minor">
+              <a:schemeClr val="lt1"/>
+            </a:fontRef>
+          </p:style>
+          <p:txBody>
+            <a:bodyPr rtlCol="0" anchor="ctr"/>
+            <a:lstStyle/>
+            <a:p>
+              <a:r>
+                <a:rPr lang="de-DE" b="1" dirty="0" smtClean="0">
+                  <a:solidFill>
+                    <a:schemeClr val="tx1"/>
+                  </a:solidFill>
+                </a:rPr>
+                <a:t>Kommando</a:t>
+              </a:r>
+              <a:endParaRPr lang="de-DE" b="1" dirty="0">
+                <a:solidFill>
+                  <a:schemeClr val="tx1"/>
+                </a:solidFill>
+              </a:endParaRPr>
+            </a:p>
+          </p:txBody>
+        </p:sp>
+      </p:grpSp>
+      <p:grpSp>
+        <p:nvGrpSpPr>
+          <p:cNvPr id="20" name="Gruppieren 19"/>
+          <p:cNvGrpSpPr/>
+          <p:nvPr/>
+        </p:nvGrpSpPr>
+        <p:grpSpPr>
+          <a:xfrm>
+            <a:off x="2078728" y="4612583"/>
+            <a:ext cx="3730752" cy="1229417"/>
+            <a:chOff x="1780032" y="1330903"/>
+            <a:chExt cx="3730752" cy="1229417"/>
+          </a:xfrm>
+        </p:grpSpPr>
+        <p:sp>
+          <p:nvSpPr>
+            <p:cNvPr id="21" name="Rechteck 20"/>
+            <p:cNvSpPr/>
+            <p:nvPr/>
+          </p:nvSpPr>
+          <p:spPr>
+            <a:xfrm>
+              <a:off x="1780032" y="1499917"/>
+              <a:ext cx="3730752" cy="1060403"/>
+            </a:xfrm>
+            <a:prstGeom prst="rect">
+              <a:avLst/>
+            </a:prstGeom>
+            <a:solidFill>
+              <a:schemeClr val="bg1"/>
+            </a:solidFill>
+          </p:spPr>
+          <p:style>
+            <a:lnRef idx="2">
+              <a:schemeClr val="accent1">
+                <a:shade val="50000"/>
+              </a:schemeClr>
+            </a:lnRef>
+            <a:fillRef idx="1">
+              <a:schemeClr val="accent1"/>
+            </a:fillRef>
+            <a:effectRef idx="0">
+              <a:schemeClr val="accent1"/>
+            </a:effectRef>
+            <a:fontRef idx="minor">
+              <a:schemeClr val="lt1"/>
+            </a:fontRef>
+          </p:style>
+          <p:txBody>
+            <a:bodyPr tIns="180000" rtlCol="0" anchor="t"/>
+            <a:lstStyle/>
+            <a:p>
+              <a:pPr marL="285750" indent="-285750">
+                <a:buFont typeface="Arial" panose="020B0604020202020204" pitchFamily="34" charset="0"/>
+                <a:buChar char="•"/>
+              </a:pPr>
+              <a:r>
+                <a:rPr lang="de-DE" dirty="0" smtClean="0">
+                  <a:solidFill>
+                    <a:schemeClr val="tx1"/>
+                  </a:solidFill>
+                </a:rPr>
+                <a:t>Sortierte Kommandos in Liste</a:t>
+              </a:r>
+            </a:p>
+            <a:p>
+              <a:pPr marL="285750" indent="-285750">
+                <a:buFont typeface="Arial" panose="020B0604020202020204" pitchFamily="34" charset="0"/>
+                <a:buChar char="•"/>
+              </a:pPr>
+              <a:r>
+                <a:rPr lang="de-DE" dirty="0" smtClean="0">
+                  <a:solidFill>
+                    <a:schemeClr val="tx1"/>
+                  </a:solidFill>
+                </a:rPr>
+                <a:t>Auswahl durch Nutzer</a:t>
+              </a:r>
+            </a:p>
+            <a:p>
+              <a:pPr marL="285750" indent="-285750">
+                <a:buFont typeface="Arial" panose="020B0604020202020204" pitchFamily="34" charset="0"/>
+                <a:buChar char="•"/>
+              </a:pPr>
+              <a:r>
+                <a:rPr lang="de-DE" dirty="0" smtClean="0">
+                  <a:solidFill>
+                    <a:schemeClr val="tx1"/>
+                  </a:solidFill>
+                </a:rPr>
+                <a:t>Statische Menü: systembestimmt</a:t>
+              </a:r>
+              <a:endParaRPr lang="de-DE" dirty="0">
+                <a:solidFill>
+                  <a:schemeClr val="tx1"/>
+                </a:solidFill>
+              </a:endParaRPr>
+            </a:p>
+          </p:txBody>
+        </p:sp>
+        <p:sp>
+          <p:nvSpPr>
+            <p:cNvPr id="22" name="Rechteck 21"/>
+            <p:cNvSpPr/>
+            <p:nvPr/>
+          </p:nvSpPr>
+          <p:spPr>
+            <a:xfrm>
+              <a:off x="1977040" y="1330903"/>
+              <a:ext cx="804287" cy="338027"/>
+            </a:xfrm>
+            <a:prstGeom prst="rect">
+              <a:avLst/>
+            </a:prstGeom>
+            <a:solidFill>
+              <a:schemeClr val="bg1"/>
+            </a:solidFill>
+            <a:ln>
+              <a:noFill/>
+            </a:ln>
+          </p:spPr>
+          <p:style>
+            <a:lnRef idx="2">
+              <a:schemeClr val="accent1">
+                <a:shade val="50000"/>
+              </a:schemeClr>
+            </a:lnRef>
+            <a:fillRef idx="1">
+              <a:schemeClr val="accent1"/>
+            </a:fillRef>
+            <a:effectRef idx="0">
+              <a:schemeClr val="accent1"/>
+            </a:effectRef>
+            <a:fontRef idx="minor">
+              <a:schemeClr val="lt1"/>
+            </a:fontRef>
+          </p:style>
+          <p:txBody>
+            <a:bodyPr rtlCol="0" anchor="ctr"/>
+            <a:lstStyle/>
+            <a:p>
+              <a:r>
+                <a:rPr lang="de-DE" b="1" dirty="0" smtClean="0">
+                  <a:solidFill>
+                    <a:schemeClr val="tx1"/>
+                  </a:solidFill>
+                </a:rPr>
+                <a:t>Menü</a:t>
+              </a:r>
+              <a:endParaRPr lang="de-DE" b="1" dirty="0">
+                <a:solidFill>
+                  <a:schemeClr val="tx1"/>
+                </a:solidFill>
+              </a:endParaRPr>
+            </a:p>
+          </p:txBody>
+        </p:sp>
+      </p:grpSp>
+      <p:pic>
+        <p:nvPicPr>
+          <p:cNvPr id="23" name="Grafik 22"/>
+          <p:cNvPicPr>
+            <a:picLocks noChangeAspect="1"/>
+          </p:cNvPicPr>
+          <p:nvPr/>
+        </p:nvPicPr>
+        <p:blipFill>
+          <a:blip r:embed="rId4">
+            <a:extLst>
+              <a:ext uri="{28A0092B-C50C-407E-A947-70E740481C1C}">
+                <a14:useLocalDpi xmlns:a14="http://schemas.microsoft.com/office/drawing/2010/main" val="0"/>
+              </a:ext>
+            </a:extLst>
+          </a:blip>
+          <a:stretch>
+            <a:fillRect/>
+          </a:stretch>
+        </p:blipFill>
+        <p:spPr>
+          <a:xfrm>
+            <a:off x="1071720" y="4906798"/>
+            <a:ext cx="810000" cy="810000"/>
+          </a:xfrm>
+          <a:prstGeom prst="rect">
+            <a:avLst/>
+          </a:prstGeom>
+        </p:spPr>
+      </p:pic>
+      <p:pic>
+        <p:nvPicPr>
+          <p:cNvPr id="24" name="Grafik 23"/>
+          <p:cNvPicPr>
+            <a:picLocks noChangeAspect="1"/>
+          </p:cNvPicPr>
+          <p:nvPr/>
+        </p:nvPicPr>
+        <p:blipFill>
+          <a:blip r:embed="rId5">
+            <a:extLst>
+              <a:ext uri="{28A0092B-C50C-407E-A947-70E740481C1C}">
+                <a14:useLocalDpi xmlns:a14="http://schemas.microsoft.com/office/drawing/2010/main" val="0"/>
+              </a:ext>
+            </a:extLst>
+          </a:blip>
+          <a:stretch>
+            <a:fillRect/>
+          </a:stretch>
+        </p:blipFill>
+        <p:spPr>
+          <a:xfrm>
+            <a:off x="6720020" y="1497712"/>
+            <a:ext cx="810000" cy="810000"/>
+          </a:xfrm>
+          <a:prstGeom prst="rect">
+            <a:avLst/>
+          </a:prstGeom>
+        </p:spPr>
+      </p:pic>
+      <p:pic>
+        <p:nvPicPr>
+          <p:cNvPr id="27" name="Grafik 26"/>
+          <p:cNvPicPr>
+            <a:picLocks noChangeAspect="1"/>
+          </p:cNvPicPr>
+          <p:nvPr/>
+        </p:nvPicPr>
+        <p:blipFill>
+          <a:blip r:embed="rId6">
+            <a:extLst>
+              <a:ext uri="{28A0092B-C50C-407E-A947-70E740481C1C}">
+                <a14:useLocalDpi xmlns:a14="http://schemas.microsoft.com/office/drawing/2010/main" val="0"/>
+              </a:ext>
+            </a:extLst>
+          </a:blip>
+          <a:stretch>
+            <a:fillRect/>
+          </a:stretch>
+        </p:blipFill>
+        <p:spPr>
+          <a:xfrm>
+            <a:off x="6720020" y="3287470"/>
+            <a:ext cx="810000" cy="810000"/>
+          </a:xfrm>
+          <a:prstGeom prst="rect">
+            <a:avLst/>
+          </a:prstGeom>
+        </p:spPr>
+      </p:pic>
+      <p:pic>
+        <p:nvPicPr>
+          <p:cNvPr id="29" name="Grafik 28"/>
+          <p:cNvPicPr>
+            <a:picLocks noChangeAspect="1"/>
+          </p:cNvPicPr>
+          <p:nvPr/>
+        </p:nvPicPr>
+        <p:blipFill>
+          <a:blip r:embed="rId7">
+            <a:extLst>
+              <a:ext uri="{28A0092B-C50C-407E-A947-70E740481C1C}">
+                <a14:useLocalDpi xmlns:a14="http://schemas.microsoft.com/office/drawing/2010/main" val="0"/>
+              </a:ext>
+            </a:extLst>
+          </a:blip>
+          <a:stretch>
+            <a:fillRect/>
+          </a:stretch>
+        </p:blipFill>
+        <p:spPr>
+          <a:xfrm>
+            <a:off x="6720020" y="4906798"/>
+            <a:ext cx="810000" cy="810000"/>
+          </a:xfrm>
+          <a:prstGeom prst="rect">
+            <a:avLst/>
+          </a:prstGeom>
+        </p:spPr>
+      </p:pic>
+      <p:pic>
+        <p:nvPicPr>
+          <p:cNvPr id="30" name="Grafik 29"/>
+          <p:cNvPicPr>
+            <a:picLocks noChangeAspect="1"/>
+          </p:cNvPicPr>
+          <p:nvPr/>
+        </p:nvPicPr>
+        <p:blipFill>
+          <a:blip r:embed="rId8">
+            <a:extLst>
+              <a:ext uri="{28A0092B-C50C-407E-A947-70E740481C1C}">
+                <a14:useLocalDpi xmlns:a14="http://schemas.microsoft.com/office/drawing/2010/main" val="0"/>
+              </a:ext>
+            </a:extLst>
+          </a:blip>
+          <a:stretch>
+            <a:fillRect/>
+          </a:stretch>
+        </p:blipFill>
+        <p:spPr>
+          <a:xfrm>
+            <a:off x="1071720" y="3287470"/>
+            <a:ext cx="810000" cy="810000"/>
+          </a:xfrm>
+          <a:prstGeom prst="rect">
+            <a:avLst/>
+          </a:prstGeom>
+        </p:spPr>
+      </p:pic>
+    </p:spTree>
+    <p:extLst>
+      <p:ext uri="{BB962C8B-B14F-4D97-AF65-F5344CB8AC3E}">
+        <p14:creationId xmlns:p14="http://schemas.microsoft.com/office/powerpoint/2010/main" val="2184428850"/>
+      </p:ext>
+    </p:extLst>
+  </p:cSld>
+  <p:clrMapOvr>
+    <a:masterClrMapping/>
+  </p:clrMapOvr>
+  <p:timing>
+    <p:tnLst>
+      <p:par>
+        <p:cTn id="1" dur="indefinite" restart="never" nodeType="tmRoot"/>
+      </p:par>
+    </p:tnLst>
+  </p:timing>
+</p:sld>
+</file>
+
+<file path=ppt/slides/slide9.xml><?xml version="1.0" encoding="utf-8"?>
 <p:sld xmlns:a="http://schemas.openxmlformats.org/drawingml/2006/main" xmlns:r="http://schemas.openxmlformats.org/officeDocument/2006/relationships" xmlns:p="http://schemas.openxmlformats.org/presentationml/2006/main">
   <p:cSld>
     <p:spTree>
@@ -10974,56 +12257,10 @@
           <a:p>
             <a:pPr lvl="1"/>
             <a:r>
-              <a:rPr lang="de-DE" dirty="0" err="1" smtClean="0"/>
-              <a:t>Aberarbeitung</a:t>
+              <a:rPr lang="de-DE" dirty="0" smtClean="0"/>
+              <a:t>Verknüpft die Informationen</a:t>
             </a:r>
-            <a:r>
-              <a:rPr lang="de-DE" dirty="0" smtClean="0"/>
-              <a:t> von Listen</a:t>
-            </a:r>
-          </a:p>
-          <a:p>
-            <a:pPr lvl="1"/>
-            <a:r>
-              <a:rPr lang="de-DE" dirty="0" smtClean="0"/>
-              <a:t>Unterstützung bei der Kommissionierung</a:t>
-            </a:r>
-          </a:p>
-          <a:p>
-            <a:pPr lvl="1"/>
-            <a:r>
-              <a:rPr lang="de-DE" dirty="0" smtClean="0"/>
-              <a:t>Bereitstellung von Anleitungen</a:t>
-            </a:r>
-          </a:p>
-          <a:p>
-            <a:pPr lvl="1"/>
-            <a:r>
-              <a:rPr lang="de-DE" dirty="0" smtClean="0"/>
-              <a:t>Auf Befehl Informationen bereitstellen</a:t>
-            </a:r>
-          </a:p>
-          <a:p>
-            <a:pPr lvl="1"/>
-            <a:r>
-              <a:rPr lang="de-DE" dirty="0" smtClean="0"/>
-              <a:t>Siri, Alexa</a:t>
-            </a:r>
-          </a:p>
-          <a:p>
-            <a:pPr lvl="1"/>
-            <a:r>
-              <a:rPr lang="de-DE" dirty="0" smtClean="0"/>
-              <a:t>Durch Sammeln von Informationen </a:t>
-            </a:r>
-            <a:r>
-              <a:rPr lang="de-DE" dirty="0" err="1" smtClean="0"/>
-              <a:t>verschläge</a:t>
-            </a:r>
-            <a:r>
-              <a:rPr lang="de-DE" dirty="0" smtClean="0"/>
-              <a:t> machen (Amazon)</a:t>
-            </a:r>
+            <a:endParaRPr lang="de-DE" dirty="0" smtClean="0"/>
           </a:p>
           <a:p>
             <a:pPr lvl="1"/>
@@ -11089,126 +12326,13 @@
   <p:clrMapOvr>
     <a:masterClrMapping/>
   </p:clrMapOvr>
-</p:sld>
-</file>
-
-<file path=ppt/slides/slide9.xml><?xml version="1.0" encoding="utf-8"?>
-<p:sld xmlns:a="http://schemas.openxmlformats.org/drawingml/2006/main" xmlns:r="http://schemas.openxmlformats.org/officeDocument/2006/relationships" xmlns:p="http://schemas.openxmlformats.org/presentationml/2006/main">
-  <p:cSld>
-    <p:spTree>
-      <p:nvGrpSpPr>
-        <p:cNvPr id="1" name=""/>
-        <p:cNvGrpSpPr/>
-        <p:nvPr/>
-      </p:nvGrpSpPr>
-      <p:grpSpPr>
-        <a:xfrm>
-          <a:off x="0" y="0"/>
-          <a:ext cx="0" cy="0"/>
-          <a:chOff x="0" y="0"/>
-          <a:chExt cx="0" cy="0"/>
-        </a:xfrm>
-      </p:grpSpPr>
-      <p:sp>
-        <p:nvSpPr>
-          <p:cNvPr id="2" name="Titel 1"/>
-          <p:cNvSpPr>
-            <a:spLocks noGrp="1"/>
-          </p:cNvSpPr>
-          <p:nvPr>
-            <p:ph type="title"/>
-          </p:nvPr>
-        </p:nvSpPr>
-        <p:spPr/>
-        <p:txBody>
-          <a:bodyPr/>
-          <a:lstStyle/>
-          <a:p>
-            <a:r>
-              <a:rPr lang="de-DE" dirty="0" smtClean="0"/>
-              <a:t>Kommunikation</a:t>
-            </a:r>
-            <a:endParaRPr lang="de-DE" dirty="0"/>
-          </a:p>
-        </p:txBody>
-      </p:sp>
-      <p:sp>
-        <p:nvSpPr>
-          <p:cNvPr id="3" name="Inhaltsplatzhalter 2"/>
-          <p:cNvSpPr>
-            <a:spLocks noGrp="1"/>
-          </p:cNvSpPr>
-          <p:nvPr>
-            <p:ph sz="quarter" idx="10"/>
-          </p:nvPr>
-        </p:nvSpPr>
-        <p:spPr/>
-        <p:txBody>
-          <a:bodyPr/>
-          <a:lstStyle/>
-          <a:p>
-            <a:pPr lvl="1"/>
-            <a:r>
-              <a:rPr lang="de-DE" dirty="0" smtClean="0"/>
-              <a:t>Kommandos</a:t>
-            </a:r>
-          </a:p>
-          <a:p>
-            <a:pPr lvl="1"/>
-            <a:r>
-              <a:rPr lang="de-DE" dirty="0" smtClean="0"/>
-              <a:t>Dialoge</a:t>
-            </a:r>
-          </a:p>
-          <a:p>
-            <a:pPr lvl="1"/>
-            <a:endParaRPr lang="de-DE" dirty="0"/>
-          </a:p>
-        </p:txBody>
-      </p:sp>
-      <p:pic>
-        <p:nvPicPr>
-          <p:cNvPr id="4" name="Inhaltsplatzhalter 3"/>
-          <p:cNvPicPr>
-            <a:picLocks noChangeAspect="1"/>
-          </p:cNvPicPr>
-          <p:nvPr/>
-        </p:nvPicPr>
-        <p:blipFill>
-          <a:blip r:embed="rId2">
-            <a:extLst>
-              <a:ext uri="{28A0092B-C50C-407E-A947-70E740481C1C}">
-                <a14:useLocalDpi xmlns:a14="http://schemas.microsoft.com/office/drawing/2010/main" val="0"/>
-              </a:ext>
-            </a:extLst>
-          </a:blip>
-          <a:stretch>
-            <a:fillRect/>
-          </a:stretch>
-        </p:blipFill>
-        <p:spPr>
-          <a:xfrm>
-            <a:off x="11455398" y="0"/>
-            <a:ext cx="736601" cy="736601"/>
-          </a:xfrm>
-          <a:prstGeom prst="rect">
-            <a:avLst/>
-          </a:prstGeom>
-          <a:ln>
-            <a:noFill/>
-          </a:ln>
-        </p:spPr>
-      </p:pic>
-    </p:spTree>
-    <p:extLst>
-      <p:ext uri="{BB962C8B-B14F-4D97-AF65-F5344CB8AC3E}">
-        <p14:creationId xmlns:p14="http://schemas.microsoft.com/office/powerpoint/2010/main" val="2184428850"/>
-      </p:ext>
-    </p:extLst>
-  </p:cSld>
-  <p:clrMapOvr>
-    <a:masterClrMapping/>
-  </p:clrMapOvr>
+  <p:timing>
+    <p:tnLst>
+      <p:par>
+        <p:cTn id="1" dur="indefinite" restart="never" nodeType="tmRoot"/>
+      </p:par>
+    </p:tnLst>
+  </p:timing>
 </p:sld>
 </file>
 

--- a/Dokumente/Präsentationen/2019-01-07_DA_Feldkemper_Aufgabenvorstellung.pptx
+++ b/Dokumente/Präsentationen/2019-01-07_DA_Feldkemper_Aufgabenvorstellung.pptx
@@ -14,13 +14,13 @@
     <p:sldId id="319" r:id="rId2"/>
     <p:sldId id="327" r:id="rId3"/>
     <p:sldId id="320" r:id="rId4"/>
-    <p:sldId id="326" r:id="rId5"/>
-    <p:sldId id="322" r:id="rId6"/>
-    <p:sldId id="329" r:id="rId7"/>
-    <p:sldId id="324" r:id="rId8"/>
-    <p:sldId id="330" r:id="rId9"/>
-    <p:sldId id="325" r:id="rId10"/>
-    <p:sldId id="318" r:id="rId11"/>
+    <p:sldId id="322" r:id="rId5"/>
+    <p:sldId id="329" r:id="rId6"/>
+    <p:sldId id="324" r:id="rId7"/>
+    <p:sldId id="330" r:id="rId8"/>
+    <p:sldId id="325" r:id="rId9"/>
+    <p:sldId id="326" r:id="rId10"/>
+    <p:sldId id="331" r:id="rId11"/>
   </p:sldIdLst>
   <p:sldSz cx="12192000" cy="6858000"/>
   <p:notesSz cx="6858000" cy="9144000"/>
@@ -33,7 +33,7 @@
       <p:boldItalic r:id="rId17"/>
     </p:embeddedFont>
     <p:embeddedFont>
-      <p:font typeface="Open Sans" panose="020B0604020202020204" charset="0"/>
+      <p:font typeface="Open Sans" panose="020B0606030504020204" pitchFamily="34" charset="0"/>
       <p:regular r:id="rId18"/>
       <p:bold r:id="rId19"/>
       <p:italic r:id="rId20"/>
@@ -143,13 +143,13 @@
             <p14:sldId id="319"/>
             <p14:sldId id="327"/>
             <p14:sldId id="320"/>
-            <p14:sldId id="326"/>
             <p14:sldId id="322"/>
             <p14:sldId id="329"/>
             <p14:sldId id="324"/>
             <p14:sldId id="330"/>
             <p14:sldId id="325"/>
-            <p14:sldId id="318"/>
+            <p14:sldId id="326"/>
+            <p14:sldId id="331"/>
           </p14:sldIdLst>
         </p14:section>
       </p14:sectionLst>
@@ -255,7 +255,7 @@
           <a:p>
             <a:fld id="{C6AC6211-610F-44E5-BF19-D3CDF6EDD281}" type="datetimeFigureOut">
               <a:rPr lang="de-DE" smtClean="0"/>
-              <a:t>19.12.2018</a:t>
+              <a:t>19.12.18</a:t>
             </a:fld>
             <a:endParaRPr lang="de-DE"/>
           </a:p>
@@ -421,7 +421,7 @@
           <a:p>
             <a:fld id="{347435D3-23A6-45D3-8DFA-7317DC1E7A64}" type="datetimeFigureOut">
               <a:rPr lang="de-DE" smtClean="0"/>
-              <a:t>19.12.2018</a:t>
+              <a:t>19.12.18</a:t>
             </a:fld>
             <a:endParaRPr lang="de-DE"/>
           </a:p>
@@ -838,7 +838,7 @@
           <a:p>
             <a:fld id="{2969AC09-DF60-43F4-96BF-67D4D9A74094}" type="slidenum">
               <a:rPr lang="de-DE" smtClean="0"/>
-              <a:t>5</a:t>
+              <a:t>4</a:t>
             </a:fld>
             <a:endParaRPr lang="de-DE"/>
           </a:p>
@@ -922,7 +922,7 @@
           <a:p>
             <a:fld id="{2969AC09-DF60-43F4-96BF-67D4D9A74094}" type="slidenum">
               <a:rPr lang="de-DE" smtClean="0"/>
-              <a:t>6</a:t>
+              <a:t>5</a:t>
             </a:fld>
             <a:endParaRPr lang="de-DE"/>
           </a:p>
@@ -1006,7 +1006,7 @@
           <a:p>
             <a:fld id="{2969AC09-DF60-43F4-96BF-67D4D9A74094}" type="slidenum">
               <a:rPr lang="de-DE" smtClean="0"/>
-              <a:t>7</a:t>
+              <a:t>6</a:t>
             </a:fld>
             <a:endParaRPr lang="de-DE"/>
           </a:p>
@@ -1070,27 +1070,27 @@
           <a:lstStyle/>
           <a:p>
             <a:r>
-              <a:rPr lang="de-DE" dirty="0" smtClean="0"/>
+              <a:rPr lang="de-DE" dirty="0"/>
               <a:t>Wir wissen jetzt mit WAS Mensch und Maschine</a:t>
             </a:r>
             <a:r>
-              <a:rPr lang="de-DE" baseline="0" dirty="0" smtClean="0"/>
+              <a:rPr lang="de-DE" baseline="0" dirty="0"/>
               <a:t> interagieren können, aber sie reden nach wie vor nicht miteinander.</a:t>
             </a:r>
           </a:p>
           <a:p>
             <a:r>
-              <a:rPr lang="de-DE" baseline="0" dirty="0" smtClean="0"/>
+              <a:rPr lang="de-DE" baseline="0" dirty="0"/>
               <a:t>Um Informationen austauschen zu können müssen entsprechende Möglichkeiten vorhanden sein.</a:t>
             </a:r>
           </a:p>
           <a:p>
             <a:r>
-              <a:rPr lang="de-DE" baseline="0" dirty="0" smtClean="0"/>
+              <a:rPr lang="de-DE" baseline="0" dirty="0"/>
               <a:t>Das System stellt dem Mensch entsprechende Optionen </a:t>
             </a:r>
             <a:r>
-              <a:rPr lang="de-DE" baseline="0" smtClean="0"/>
+              <a:rPr lang="de-DE" baseline="0"/>
               <a:t>zur Verfügung.</a:t>
             </a:r>
             <a:endParaRPr lang="de-DE" dirty="0"/>
@@ -1114,7 +1114,7 @@
           <a:p>
             <a:fld id="{2969AC09-DF60-43F4-96BF-67D4D9A74094}" type="slidenum">
               <a:rPr lang="de-DE" smtClean="0"/>
-              <a:t>8</a:t>
+              <a:t>7</a:t>
             </a:fld>
             <a:endParaRPr lang="de-DE"/>
           </a:p>
@@ -1124,6 +1124,90 @@
     <p:extLst>
       <p:ext uri="{BB962C8B-B14F-4D97-AF65-F5344CB8AC3E}">
         <p14:creationId xmlns:p14="http://schemas.microsoft.com/office/powerpoint/2010/main" val="2790543334"/>
+      </p:ext>
+    </p:extLst>
+  </p:cSld>
+  <p:clrMapOvr>
+    <a:masterClrMapping/>
+  </p:clrMapOvr>
+</p:notes>
+</file>
+
+<file path=ppt/notesSlides/notesSlide6.xml><?xml version="1.0" encoding="utf-8"?>
+<p:notes xmlns:a="http://schemas.openxmlformats.org/drawingml/2006/main" xmlns:r="http://schemas.openxmlformats.org/officeDocument/2006/relationships" xmlns:p="http://schemas.openxmlformats.org/presentationml/2006/main">
+  <p:cSld>
+    <p:spTree>
+      <p:nvGrpSpPr>
+        <p:cNvPr id="1" name=""/>
+        <p:cNvGrpSpPr/>
+        <p:nvPr/>
+      </p:nvGrpSpPr>
+      <p:grpSpPr>
+        <a:xfrm>
+          <a:off x="0" y="0"/>
+          <a:ext cx="0" cy="0"/>
+          <a:chOff x="0" y="0"/>
+          <a:chExt cx="0" cy="0"/>
+        </a:xfrm>
+      </p:grpSpPr>
+      <p:sp>
+        <p:nvSpPr>
+          <p:cNvPr id="2" name="Folienbildplatzhalter 1"/>
+          <p:cNvSpPr>
+            <a:spLocks noGrp="1" noRot="1" noChangeAspect="1"/>
+          </p:cNvSpPr>
+          <p:nvPr>
+            <p:ph type="sldImg"/>
+          </p:nvPr>
+        </p:nvSpPr>
+        <p:spPr/>
+      </p:sp>
+      <p:sp>
+        <p:nvSpPr>
+          <p:cNvPr id="3" name="Notizenplatzhalter 2"/>
+          <p:cNvSpPr>
+            <a:spLocks noGrp="1"/>
+          </p:cNvSpPr>
+          <p:nvPr>
+            <p:ph type="body" idx="1"/>
+          </p:nvPr>
+        </p:nvSpPr>
+        <p:spPr/>
+        <p:txBody>
+          <a:bodyPr/>
+          <a:lstStyle/>
+          <a:p>
+            <a:endParaRPr lang="de-DE"/>
+          </a:p>
+        </p:txBody>
+      </p:sp>
+      <p:sp>
+        <p:nvSpPr>
+          <p:cNvPr id="4" name="Foliennummernplatzhalter 3"/>
+          <p:cNvSpPr>
+            <a:spLocks noGrp="1"/>
+          </p:cNvSpPr>
+          <p:nvPr>
+            <p:ph type="sldNum" sz="quarter" idx="5"/>
+          </p:nvPr>
+        </p:nvSpPr>
+        <p:spPr/>
+        <p:txBody>
+          <a:bodyPr/>
+          <a:lstStyle/>
+          <a:p>
+            <a:fld id="{2969AC09-DF60-43F4-96BF-67D4D9A74094}" type="slidenum">
+              <a:rPr lang="de-DE" smtClean="0"/>
+              <a:t>10</a:t>
+            </a:fld>
+            <a:endParaRPr lang="de-DE"/>
+          </a:p>
+        </p:txBody>
+      </p:sp>
+    </p:spTree>
+    <p:extLst>
+      <p:ext uri="{BB962C8B-B14F-4D97-AF65-F5344CB8AC3E}">
+        <p14:creationId xmlns:p14="http://schemas.microsoft.com/office/powerpoint/2010/main" val="594324531"/>
       </p:ext>
     </p:extLst>
   </p:cSld>
@@ -1155,7 +1239,7 @@
           <p:cNvPr id="15" name="Rechteck 14">
             <a:extLst>
               <a:ext uri="{FF2B5EF4-FFF2-40B4-BE49-F238E27FC236}">
-                <a16:creationId xmlns:a16="http://schemas.microsoft.com/office/drawing/2014/main" xmlns="" id="{F770C3AA-244C-A141-BC22-D074823F4293}"/>
+                <a16:creationId xmlns:a16="http://schemas.microsoft.com/office/drawing/2014/main" id="{F770C3AA-244C-A141-BC22-D074823F4293}"/>
               </a:ext>
             </a:extLst>
           </p:cNvPr>
@@ -1395,7 +1479,7 @@
           <p:cNvPr id="5" name="Grafik 4">
             <a:extLst>
               <a:ext uri="{FF2B5EF4-FFF2-40B4-BE49-F238E27FC236}">
-                <a16:creationId xmlns:a16="http://schemas.microsoft.com/office/drawing/2014/main" xmlns="" id="{C0F785FA-BB6E-6347-A8C6-9846216D4CBB}"/>
+                <a16:creationId xmlns:a16="http://schemas.microsoft.com/office/drawing/2014/main" id="{C0F785FA-BB6E-6347-A8C6-9846216D4CBB}"/>
               </a:ext>
             </a:extLst>
           </p:cNvPr>
@@ -1584,7 +1668,7 @@
           <p:cNvPr id="12" name="Grafik 11" hidden="1">
             <a:extLst>
               <a:ext uri="{FF2B5EF4-FFF2-40B4-BE49-F238E27FC236}">
-                <a16:creationId xmlns:a16="http://schemas.microsoft.com/office/drawing/2014/main" xmlns="" id="{CFC0D4A5-64CF-6D49-98B1-9FF6119E60EC}"/>
+                <a16:creationId xmlns:a16="http://schemas.microsoft.com/office/drawing/2014/main" id="{CFC0D4A5-64CF-6D49-98B1-9FF6119E60EC}"/>
               </a:ext>
             </a:extLst>
           </p:cNvPr>
@@ -1614,7 +1698,7 @@
           <p:cNvPr id="17" name="Grafik 16">
             <a:extLst>
               <a:ext uri="{FF2B5EF4-FFF2-40B4-BE49-F238E27FC236}">
-                <a16:creationId xmlns:a16="http://schemas.microsoft.com/office/drawing/2014/main" xmlns="" id="{22ECE872-F4EF-2A49-BA96-6065BC99D769}"/>
+                <a16:creationId xmlns:a16="http://schemas.microsoft.com/office/drawing/2014/main" id="{22ECE872-F4EF-2A49-BA96-6065BC99D769}"/>
               </a:ext>
             </a:extLst>
           </p:cNvPr>
@@ -1884,7 +1968,7 @@
           <p:cNvPr id="24" name="Bildplatzhalter 23">
             <a:extLst>
               <a:ext uri="{FF2B5EF4-FFF2-40B4-BE49-F238E27FC236}">
-                <a16:creationId xmlns:a16="http://schemas.microsoft.com/office/drawing/2014/main" xmlns="" id="{24A56C48-CA8D-D349-89CC-35C3A65DC4D5}"/>
+                <a16:creationId xmlns:a16="http://schemas.microsoft.com/office/drawing/2014/main" id="{24A56C48-CA8D-D349-89CC-35C3A65DC4D5}"/>
               </a:ext>
             </a:extLst>
           </p:cNvPr>
@@ -2198,7 +2282,7 @@
           <p:cNvPr id="6" name="Textplatzhalter 5">
             <a:extLst>
               <a:ext uri="{FF2B5EF4-FFF2-40B4-BE49-F238E27FC236}">
-                <a16:creationId xmlns:a16="http://schemas.microsoft.com/office/drawing/2014/main" xmlns="" id="{2E77FCEF-52F5-324B-A583-005ABCE0E622}"/>
+                <a16:creationId xmlns:a16="http://schemas.microsoft.com/office/drawing/2014/main" id="{2E77FCEF-52F5-324B-A583-005ABCE0E622}"/>
               </a:ext>
             </a:extLst>
           </p:cNvPr>
@@ -2236,7 +2320,7 @@
           <p:cNvPr id="13" name="Grafik 12">
             <a:extLst>
               <a:ext uri="{FF2B5EF4-FFF2-40B4-BE49-F238E27FC236}">
-                <a16:creationId xmlns:a16="http://schemas.microsoft.com/office/drawing/2014/main" xmlns="" id="{F84F96E3-FAED-E24A-9E01-BBA4824F0E34}"/>
+                <a16:creationId xmlns:a16="http://schemas.microsoft.com/office/drawing/2014/main" id="{F84F96E3-FAED-E24A-9E01-BBA4824F0E34}"/>
               </a:ext>
             </a:extLst>
           </p:cNvPr>
@@ -2407,7 +2491,7 @@
           <p:cNvPr id="6" name="Rechteck 5">
             <a:extLst>
               <a:ext uri="{FF2B5EF4-FFF2-40B4-BE49-F238E27FC236}">
-                <a16:creationId xmlns:a16="http://schemas.microsoft.com/office/drawing/2014/main" xmlns="" id="{2447D286-D9F9-E84F-9173-2C8D2D2068E1}"/>
+                <a16:creationId xmlns:a16="http://schemas.microsoft.com/office/drawing/2014/main" id="{2447D286-D9F9-E84F-9173-2C8D2D2068E1}"/>
               </a:ext>
             </a:extLst>
           </p:cNvPr>
@@ -2474,7 +2558,7 @@
           <p:cNvPr id="10" name="Grafik 9">
             <a:extLst>
               <a:ext uri="{FF2B5EF4-FFF2-40B4-BE49-F238E27FC236}">
-                <a16:creationId xmlns:a16="http://schemas.microsoft.com/office/drawing/2014/main" xmlns="" id="{E4DBCC79-CA26-C240-B119-9127A62CDBA8}"/>
+                <a16:creationId xmlns:a16="http://schemas.microsoft.com/office/drawing/2014/main" id="{E4DBCC79-CA26-C240-B119-9127A62CDBA8}"/>
               </a:ext>
             </a:extLst>
           </p:cNvPr>
@@ -2576,7 +2660,7 @@
           <p:cNvPr id="5" name="Rechteck 4">
             <a:extLst>
               <a:ext uri="{FF2B5EF4-FFF2-40B4-BE49-F238E27FC236}">
-                <a16:creationId xmlns:a16="http://schemas.microsoft.com/office/drawing/2014/main" xmlns="" id="{FD770378-5F2D-DE46-8D66-09007E946AD3}"/>
+                <a16:creationId xmlns:a16="http://schemas.microsoft.com/office/drawing/2014/main" id="{FD770378-5F2D-DE46-8D66-09007E946AD3}"/>
               </a:ext>
             </a:extLst>
           </p:cNvPr>
@@ -2640,7 +2724,7 @@
           <p:cNvPr id="4" name="Grafik 3">
             <a:extLst>
               <a:ext uri="{FF2B5EF4-FFF2-40B4-BE49-F238E27FC236}">
-                <a16:creationId xmlns:a16="http://schemas.microsoft.com/office/drawing/2014/main" xmlns="" id="{4FE30B28-5777-FC40-9C3F-81738D289A6A}"/>
+                <a16:creationId xmlns:a16="http://schemas.microsoft.com/office/drawing/2014/main" id="{4FE30B28-5777-FC40-9C3F-81738D289A6A}"/>
               </a:ext>
             </a:extLst>
           </p:cNvPr>
@@ -3511,18 +3595,7 @@
                 <a:ea typeface="Open Sans" panose="020B0606030504020204" pitchFamily="34" charset="0"/>
                 <a:cs typeface="Open Sans" panose="020B0606030504020204" pitchFamily="34" charset="0"/>
               </a:rPr>
-              <a:t> // </a:t>
-            </a:r>
-            <a:r>
-              <a:rPr lang="de-DE" sz="800" baseline="0" dirty="0" smtClean="0">
-                <a:solidFill>
-                  <a:schemeClr val="bg2"/>
-                </a:solidFill>
-                <a:latin typeface="Open Sans" panose="020B0606030504020204" pitchFamily="34" charset="0"/>
-                <a:ea typeface="Open Sans" panose="020B0606030504020204" pitchFamily="34" charset="0"/>
-                <a:cs typeface="Open Sans" panose="020B0606030504020204" pitchFamily="34" charset="0"/>
-              </a:rPr>
-              <a:t>07.01.2018</a:t>
+              <a:t> // 07.01.2018</a:t>
             </a:r>
             <a:endParaRPr lang="de-DE" sz="800" dirty="0">
               <a:solidFill>
@@ -3611,17 +3684,6 @@
               <a:tabLst/>
               <a:defRPr/>
             </a:pPr>
-            <a:r>
-              <a:rPr lang="de-DE" sz="800" dirty="0">
-                <a:solidFill>
-                  <a:schemeClr val="bg2"/>
-                </a:solidFill>
-                <a:latin typeface="Open Sans" panose="020B0606030504020204" pitchFamily="34" charset="0"/>
-                <a:ea typeface="Open Sans" panose="020B0606030504020204" pitchFamily="34" charset="0"/>
-                <a:cs typeface="Open Sans" panose="020B0606030504020204" pitchFamily="34" charset="0"/>
-              </a:rPr>
-              <a:t/>
-            </a:r>
             <a:br>
               <a:rPr lang="de-DE" sz="800" dirty="0">
                 <a:solidFill>
@@ -3785,7 +3847,7 @@
           <p:cNvPr id="13" name="Grafik 12">
             <a:extLst>
               <a:ext uri="{FF2B5EF4-FFF2-40B4-BE49-F238E27FC236}">
-                <a16:creationId xmlns:a16="http://schemas.microsoft.com/office/drawing/2014/main" xmlns="" id="{2DC3CACD-C7C8-274E-BCD4-043370996A48}"/>
+                <a16:creationId xmlns:a16="http://schemas.microsoft.com/office/drawing/2014/main" id="{2DC3CACD-C7C8-274E-BCD4-043370996A48}"/>
               </a:ext>
             </a:extLst>
           </p:cNvPr>
@@ -4393,13 +4455,6 @@
   <p:clrMapOvr>
     <a:masterClrMapping/>
   </p:clrMapOvr>
-  <p:timing>
-    <p:tnLst>
-      <p:par>
-        <p:cTn id="1" dur="indefinite" restart="never" nodeType="tmRoot"/>
-      </p:par>
-    </p:tnLst>
-  </p:timing>
 </p:sld>
 </file>
 
@@ -4422,7 +4477,13 @@
       </p:grpSpPr>
       <p:sp>
         <p:nvSpPr>
-          <p:cNvPr id="2" name="Titel 1"/>
+          <p:cNvPr id="2" name="Titel 1">
+            <a:extLst>
+              <a:ext uri="{FF2B5EF4-FFF2-40B4-BE49-F238E27FC236}">
+                <a16:creationId xmlns:a16="http://schemas.microsoft.com/office/drawing/2014/main" id="{7BA8FE41-0B04-6748-9CA8-05F0AE81883B}"/>
+              </a:ext>
+            </a:extLst>
+          </p:cNvPr>
           <p:cNvSpPr>
             <a:spLocks noGrp="1"/>
           </p:cNvSpPr>
@@ -4437,1652 +4498,1219 @@
           <a:p>
             <a:r>
               <a:rPr lang="de-DE" dirty="0"/>
-              <a:t>M. Feldkemper: DA – </a:t>
-            </a:r>
-            <a:r>
-              <a:rPr lang="de-DE" dirty="0" err="1"/>
-              <a:t>Kollaborative</a:t>
-            </a:r>
-            <a:r>
-              <a:rPr lang="de-DE" dirty="0"/>
-              <a:t> Problemlösung in modularen Anlagen mittels persönlicher digitaler Assistenz</a:t>
+              <a:t>Zeitplan</a:t>
             </a:r>
           </a:p>
         </p:txBody>
       </p:sp>
-      <p:graphicFrame>
-        <p:nvGraphicFramePr>
-          <p:cNvPr id="4" name="Inhaltsplatzhalter 3"/>
-          <p:cNvGraphicFramePr>
-            <a:graphicFrameLocks noGrp="1"/>
-          </p:cNvGraphicFramePr>
-          <p:nvPr>
-            <p:ph sz="quarter" idx="10"/>
-            <p:extLst>
-              <p:ext uri="{D42A27DB-BD31-4B8C-83A1-F6EECF244321}">
-                <p14:modId xmlns:p14="http://schemas.microsoft.com/office/powerpoint/2010/main" val="3347086190"/>
-              </p:ext>
-            </p:extLst>
-          </p:nvPr>
-        </p:nvGraphicFramePr>
-        <p:xfrm>
-          <a:off x="874713" y="1584286"/>
-          <a:ext cx="7501191" cy="3145534"/>
-        </p:xfrm>
-        <a:graphic>
-          <a:graphicData uri="http://schemas.openxmlformats.org/drawingml/2006/table">
-            <a:tbl>
-              <a:tblPr firstRow="1" bandRow="1">
-                <a:tableStyleId>{21E4AEA4-8DFA-4A89-87EB-49C32662AFE0}</a:tableStyleId>
-              </a:tblPr>
-              <a:tblGrid>
-                <a:gridCol w="4026471">
-                  <a:extLst>
-                    <a:ext uri="{9D8B030D-6E8A-4147-A177-3AD203B41FA5}">
-                      <a16:colId xmlns:a16="http://schemas.microsoft.com/office/drawing/2014/main" xmlns="" val="20000"/>
-                    </a:ext>
-                  </a:extLst>
-                </a:gridCol>
-                <a:gridCol w="1231392">
-                  <a:extLst>
-                    <a:ext uri="{9D8B030D-6E8A-4147-A177-3AD203B41FA5}">
-                      <a16:colId xmlns:a16="http://schemas.microsoft.com/office/drawing/2014/main" xmlns="" val="20001"/>
-                    </a:ext>
-                  </a:extLst>
-                </a:gridCol>
-                <a:gridCol w="1121664">
-                  <a:extLst>
-                    <a:ext uri="{9D8B030D-6E8A-4147-A177-3AD203B41FA5}">
-                      <a16:colId xmlns:a16="http://schemas.microsoft.com/office/drawing/2014/main" xmlns="" val="20002"/>
-                    </a:ext>
-                  </a:extLst>
-                </a:gridCol>
-                <a:gridCol w="1121664">
-                  <a:extLst>
-                    <a:ext uri="{9D8B030D-6E8A-4147-A177-3AD203B41FA5}">
-                      <a16:colId xmlns:a16="http://schemas.microsoft.com/office/drawing/2014/main" xmlns="" val="20003"/>
-                    </a:ext>
-                  </a:extLst>
-                </a:gridCol>
-              </a:tblGrid>
-              <a:tr h="449362">
-                <a:tc>
-                  <a:txBody>
-                    <a:bodyPr/>
-                    <a:lstStyle/>
-                    <a:p>
-                      <a:r>
-                        <a:rPr lang="de-DE" dirty="0"/>
-                        <a:t>Most </a:t>
-                      </a:r>
-                      <a:r>
-                        <a:rPr lang="de-DE" dirty="0" err="1"/>
-                        <a:t>Important</a:t>
-                      </a:r>
-                      <a:r>
-                        <a:rPr lang="de-DE" dirty="0"/>
-                        <a:t> Work Item</a:t>
-                      </a:r>
-                    </a:p>
-                  </a:txBody>
-                  <a:tcPr anchor="ctr">
-                    <a:lnL w="12700" cap="flat" cmpd="sng" algn="ctr">
-                      <a:solidFill>
-                        <a:schemeClr val="tx1"/>
-                      </a:solidFill>
-                      <a:prstDash val="solid"/>
-                      <a:round/>
-                      <a:headEnd type="none" w="med" len="med"/>
-                      <a:tailEnd type="none" w="med" len="med"/>
-                    </a:lnL>
-                    <a:lnB w="12700" cap="flat" cmpd="sng" algn="ctr">
-                      <a:noFill/>
-                      <a:prstDash val="solid"/>
-                      <a:round/>
-                      <a:headEnd type="none" w="med" len="med"/>
-                      <a:tailEnd type="none" w="med" len="med"/>
-                    </a:lnB>
+      <p:grpSp>
+        <p:nvGrpSpPr>
+          <p:cNvPr id="12" name="Gruppieren 11">
+            <a:extLst>
+              <a:ext uri="{FF2B5EF4-FFF2-40B4-BE49-F238E27FC236}">
+                <a16:creationId xmlns:a16="http://schemas.microsoft.com/office/drawing/2014/main" id="{995F115A-CBCD-7A4D-8C0A-281259A5A3C1}"/>
+              </a:ext>
+            </a:extLst>
+          </p:cNvPr>
+          <p:cNvGrpSpPr/>
+          <p:nvPr/>
+        </p:nvGrpSpPr>
+        <p:grpSpPr>
+          <a:xfrm>
+            <a:off x="874710" y="1197486"/>
+            <a:ext cx="4723201" cy="1735930"/>
+            <a:chOff x="874711" y="1484312"/>
+            <a:chExt cx="4723201" cy="1735930"/>
+          </a:xfrm>
+        </p:grpSpPr>
+        <p:grpSp>
+          <p:nvGrpSpPr>
+            <p:cNvPr id="4" name="Gruppieren 3">
+              <a:extLst>
+                <a:ext uri="{FF2B5EF4-FFF2-40B4-BE49-F238E27FC236}">
+                  <a16:creationId xmlns:a16="http://schemas.microsoft.com/office/drawing/2014/main" id="{783A73D2-C025-644E-A194-3438D291D352}"/>
+                </a:ext>
+              </a:extLst>
+            </p:cNvPr>
+            <p:cNvGrpSpPr/>
+            <p:nvPr/>
+          </p:nvGrpSpPr>
+          <p:grpSpPr>
+            <a:xfrm>
+              <a:off x="874711" y="1484313"/>
+              <a:ext cx="4723201" cy="1735929"/>
+              <a:chOff x="1780031" y="1330903"/>
+              <a:chExt cx="4723201" cy="1735929"/>
+            </a:xfrm>
+          </p:grpSpPr>
+          <p:sp>
+            <p:nvSpPr>
+              <p:cNvPr id="5" name="Rechteck 4">
+                <a:extLst>
+                  <a:ext uri="{FF2B5EF4-FFF2-40B4-BE49-F238E27FC236}">
+                    <a16:creationId xmlns:a16="http://schemas.microsoft.com/office/drawing/2014/main" id="{4F68B8E9-417E-0141-AE27-E298ED29929C}"/>
+                  </a:ext>
+                </a:extLst>
+              </p:cNvPr>
+              <p:cNvSpPr/>
+              <p:nvPr/>
+            </p:nvSpPr>
+            <p:spPr>
+              <a:xfrm>
+                <a:off x="1780031" y="1499917"/>
+                <a:ext cx="4723201" cy="1566915"/>
+              </a:xfrm>
+              <a:prstGeom prst="rect">
+                <a:avLst/>
+              </a:prstGeom>
+              <a:solidFill>
+                <a:schemeClr val="bg1"/>
+              </a:solidFill>
+              <a:ln>
+                <a:solidFill>
+                  <a:schemeClr val="accent6"/>
+                </a:solidFill>
+              </a:ln>
+            </p:spPr>
+            <p:style>
+              <a:lnRef idx="2">
+                <a:schemeClr val="accent1">
+                  <a:shade val="50000"/>
+                </a:schemeClr>
+              </a:lnRef>
+              <a:fillRef idx="1">
+                <a:schemeClr val="accent1"/>
+              </a:fillRef>
+              <a:effectRef idx="0">
+                <a:schemeClr val="accent1"/>
+              </a:effectRef>
+              <a:fontRef idx="minor">
+                <a:schemeClr val="lt1"/>
+              </a:fontRef>
+            </p:style>
+            <p:txBody>
+              <a:bodyPr tIns="180000" rtlCol="0" anchor="t"/>
+              <a:lstStyle/>
+              <a:p>
+                <a:pPr marL="285750" indent="-285750">
+                  <a:buFont typeface="Arial" panose="020B0604020202020204" pitchFamily="34" charset="0"/>
+                  <a:buChar char="•"/>
+                </a:pPr>
+                <a:r>
+                  <a:rPr lang="de-DE" dirty="0">
                     <a:solidFill>
                       <a:schemeClr val="tx1"/>
                     </a:solidFill>
-                  </a:tcPr>
-                </a:tc>
-                <a:tc>
-                  <a:txBody>
-                    <a:bodyPr/>
-                    <a:lstStyle/>
-                    <a:p>
-                      <a:pPr algn="r"/>
-                      <a:r>
-                        <a:rPr lang="de-DE" dirty="0"/>
-                        <a:t>Deadline</a:t>
-                      </a:r>
-                    </a:p>
-                  </a:txBody>
-                  <a:tcPr anchor="ctr">
-                    <a:lnB w="12700" cap="flat" cmpd="sng" algn="ctr">
-                      <a:noFill/>
-                      <a:prstDash val="solid"/>
-                      <a:round/>
-                      <a:headEnd type="none" w="med" len="med"/>
-                      <a:tailEnd type="none" w="med" len="med"/>
-                    </a:lnB>
+                  </a:rPr>
+                  <a:t>Welche Informationen müssen angezeigt werden?</a:t>
+                </a:r>
+              </a:p>
+              <a:p>
+                <a:pPr marL="285750" indent="-285750">
+                  <a:buFont typeface="Arial" panose="020B0604020202020204" pitchFamily="34" charset="0"/>
+                  <a:buChar char="•"/>
+                </a:pPr>
+                <a:r>
+                  <a:rPr lang="de-DE" dirty="0">
                     <a:solidFill>
                       <a:schemeClr val="tx1"/>
                     </a:solidFill>
-                  </a:tcPr>
-                </a:tc>
-                <a:tc>
-                  <a:txBody>
-                    <a:bodyPr/>
-                    <a:lstStyle/>
-                    <a:p>
-                      <a:pPr algn="r"/>
-                      <a:r>
-                        <a:rPr lang="de-DE" dirty="0"/>
-                        <a:t>22.11.18</a:t>
-                      </a:r>
-                    </a:p>
-                  </a:txBody>
-                  <a:tcPr anchor="ctr">
-                    <a:lnB w="12700" cap="flat" cmpd="sng" algn="ctr">
-                      <a:noFill/>
-                      <a:prstDash val="solid"/>
-                      <a:round/>
-                      <a:headEnd type="none" w="med" len="med"/>
-                      <a:tailEnd type="none" w="med" len="med"/>
-                    </a:lnB>
+                  </a:rPr>
+                  <a:t>Welche Anpassungsmöglichkeiten muss es geben?</a:t>
+                </a:r>
+              </a:p>
+              <a:p>
+                <a:pPr marL="285750" indent="-285750">
+                  <a:buFont typeface="Arial" panose="020B0604020202020204" pitchFamily="34" charset="0"/>
+                  <a:buChar char="•"/>
+                </a:pPr>
+                <a:r>
+                  <a:rPr lang="de-DE" dirty="0">
                     <a:solidFill>
                       <a:schemeClr val="tx1"/>
                     </a:solidFill>
-                  </a:tcPr>
-                </a:tc>
-                <a:tc>
-                  <a:txBody>
-                    <a:bodyPr/>
-                    <a:lstStyle/>
-                    <a:p>
-                      <a:pPr algn="r"/>
-                      <a:r>
-                        <a:rPr lang="de-DE" dirty="0"/>
-                        <a:t>26.11.18</a:t>
-                      </a:r>
-                    </a:p>
-                  </a:txBody>
-                  <a:tcPr anchor="ctr">
-                    <a:lnR w="12700" cap="flat" cmpd="sng" algn="ctr">
-                      <a:solidFill>
-                        <a:schemeClr val="tx1"/>
-                      </a:solidFill>
-                      <a:prstDash val="solid"/>
-                      <a:round/>
-                      <a:headEnd type="none" w="med" len="med"/>
-                      <a:tailEnd type="none" w="med" len="med"/>
-                    </a:lnR>
-                    <a:lnB w="12700" cap="flat" cmpd="sng" algn="ctr">
-                      <a:noFill/>
-                      <a:prstDash val="solid"/>
-                      <a:round/>
-                      <a:headEnd type="none" w="med" len="med"/>
-                      <a:tailEnd type="none" w="med" len="med"/>
-                    </a:lnB>
+                  </a:rPr>
+                  <a:t>Wie interagieren Assistent und Mensch?</a:t>
+                </a:r>
+              </a:p>
+            </p:txBody>
+          </p:sp>
+          <p:sp>
+            <p:nvSpPr>
+              <p:cNvPr id="6" name="Rechteck 5">
+                <a:extLst>
+                  <a:ext uri="{FF2B5EF4-FFF2-40B4-BE49-F238E27FC236}">
+                    <a16:creationId xmlns:a16="http://schemas.microsoft.com/office/drawing/2014/main" id="{B2717A64-B61E-B44C-B23D-CB509FB519CA}"/>
+                  </a:ext>
+                </a:extLst>
+              </p:cNvPr>
+              <p:cNvSpPr/>
+              <p:nvPr/>
+            </p:nvSpPr>
+            <p:spPr>
+              <a:xfrm>
+                <a:off x="1977040" y="1330903"/>
+                <a:ext cx="1024709" cy="338027"/>
+              </a:xfrm>
+              <a:prstGeom prst="rect">
+                <a:avLst/>
+              </a:prstGeom>
+              <a:solidFill>
+                <a:schemeClr val="bg1"/>
+              </a:solidFill>
+              <a:ln>
+                <a:noFill/>
+              </a:ln>
+            </p:spPr>
+            <p:style>
+              <a:lnRef idx="2">
+                <a:schemeClr val="accent1">
+                  <a:shade val="50000"/>
+                </a:schemeClr>
+              </a:lnRef>
+              <a:fillRef idx="1">
+                <a:schemeClr val="accent1"/>
+              </a:fillRef>
+              <a:effectRef idx="0">
+                <a:schemeClr val="accent1"/>
+              </a:effectRef>
+              <a:fontRef idx="minor">
+                <a:schemeClr val="lt1"/>
+              </a:fontRef>
+            </p:style>
+            <p:txBody>
+              <a:bodyPr rtlCol="0" anchor="ctr"/>
+              <a:lstStyle/>
+              <a:p>
+                <a:r>
+                  <a:rPr lang="de-DE" b="1" dirty="0">
+                    <a:solidFill>
+                      <a:schemeClr val="accent6"/>
+                    </a:solidFill>
+                  </a:rPr>
+                  <a:t>Analyse</a:t>
+                </a:r>
+              </a:p>
+            </p:txBody>
+          </p:sp>
+        </p:grpSp>
+        <p:sp>
+          <p:nvSpPr>
+            <p:cNvPr id="7" name="Rechteck 6">
+              <a:extLst>
+                <a:ext uri="{FF2B5EF4-FFF2-40B4-BE49-F238E27FC236}">
+                  <a16:creationId xmlns:a16="http://schemas.microsoft.com/office/drawing/2014/main" id="{6F92A16E-30FA-A34D-A87A-AD884881288C}"/>
+                </a:ext>
+              </a:extLst>
+            </p:cNvPr>
+            <p:cNvSpPr/>
+            <p:nvPr/>
+          </p:nvSpPr>
+          <p:spPr>
+            <a:xfrm>
+              <a:off x="4360127" y="1484312"/>
+              <a:ext cx="1044497" cy="338027"/>
+            </a:xfrm>
+            <a:prstGeom prst="rect">
+              <a:avLst/>
+            </a:prstGeom>
+            <a:solidFill>
+              <a:schemeClr val="bg1"/>
+            </a:solidFill>
+            <a:ln>
+              <a:noFill/>
+            </a:ln>
+          </p:spPr>
+          <p:style>
+            <a:lnRef idx="2">
+              <a:schemeClr val="accent1">
+                <a:shade val="50000"/>
+              </a:schemeClr>
+            </a:lnRef>
+            <a:fillRef idx="1">
+              <a:schemeClr val="accent1"/>
+            </a:fillRef>
+            <a:effectRef idx="0">
+              <a:schemeClr val="accent1"/>
+            </a:effectRef>
+            <a:fontRef idx="minor">
+              <a:schemeClr val="lt1"/>
+            </a:fontRef>
+          </p:style>
+          <p:txBody>
+            <a:bodyPr rtlCol="0" anchor="ctr"/>
+            <a:lstStyle/>
+            <a:p>
+              <a:pPr algn="r"/>
+              <a:r>
+                <a:rPr lang="de-DE" b="1" dirty="0">
+                  <a:solidFill>
+                    <a:schemeClr val="tx1"/>
+                  </a:solidFill>
+                </a:rPr>
+                <a:t>23.01.19</a:t>
+              </a:r>
+            </a:p>
+          </p:txBody>
+        </p:sp>
+      </p:grpSp>
+      <p:grpSp>
+        <p:nvGrpSpPr>
+          <p:cNvPr id="13" name="Gruppieren 12">
+            <a:extLst>
+              <a:ext uri="{FF2B5EF4-FFF2-40B4-BE49-F238E27FC236}">
+                <a16:creationId xmlns:a16="http://schemas.microsoft.com/office/drawing/2014/main" id="{214C6E04-BA76-3048-B247-843530C6F237}"/>
+              </a:ext>
+            </a:extLst>
+          </p:cNvPr>
+          <p:cNvGrpSpPr/>
+          <p:nvPr/>
+        </p:nvGrpSpPr>
+        <p:grpSpPr>
+          <a:xfrm>
+            <a:off x="874710" y="3269627"/>
+            <a:ext cx="4723201" cy="2552785"/>
+            <a:chOff x="874711" y="1484312"/>
+            <a:chExt cx="4723201" cy="2552785"/>
+          </a:xfrm>
+        </p:grpSpPr>
+        <p:grpSp>
+          <p:nvGrpSpPr>
+            <p:cNvPr id="14" name="Gruppieren 13">
+              <a:extLst>
+                <a:ext uri="{FF2B5EF4-FFF2-40B4-BE49-F238E27FC236}">
+                  <a16:creationId xmlns:a16="http://schemas.microsoft.com/office/drawing/2014/main" id="{CF154C31-9B1A-6844-82C6-BEC64AE64B76}"/>
+                </a:ext>
+              </a:extLst>
+            </p:cNvPr>
+            <p:cNvGrpSpPr/>
+            <p:nvPr/>
+          </p:nvGrpSpPr>
+          <p:grpSpPr>
+            <a:xfrm>
+              <a:off x="874711" y="1484313"/>
+              <a:ext cx="4723201" cy="2552784"/>
+              <a:chOff x="1780031" y="1330903"/>
+              <a:chExt cx="4723201" cy="2552784"/>
+            </a:xfrm>
+          </p:grpSpPr>
+          <p:sp>
+            <p:nvSpPr>
+              <p:cNvPr id="16" name="Rechteck 15">
+                <a:extLst>
+                  <a:ext uri="{FF2B5EF4-FFF2-40B4-BE49-F238E27FC236}">
+                    <a16:creationId xmlns:a16="http://schemas.microsoft.com/office/drawing/2014/main" id="{5D41E86D-96E1-F64F-B645-811FEF9C3566}"/>
+                  </a:ext>
+                </a:extLst>
+              </p:cNvPr>
+              <p:cNvSpPr/>
+              <p:nvPr/>
+            </p:nvSpPr>
+            <p:spPr>
+              <a:xfrm>
+                <a:off x="1780031" y="1499917"/>
+                <a:ext cx="4723201" cy="2383770"/>
+              </a:xfrm>
+              <a:prstGeom prst="rect">
+                <a:avLst/>
+              </a:prstGeom>
+              <a:solidFill>
+                <a:schemeClr val="bg1"/>
+              </a:solidFill>
+              <a:ln>
+                <a:solidFill>
+                  <a:schemeClr val="tx1"/>
+                </a:solidFill>
+              </a:ln>
+            </p:spPr>
+            <p:style>
+              <a:lnRef idx="2">
+                <a:schemeClr val="accent1">
+                  <a:shade val="50000"/>
+                </a:schemeClr>
+              </a:lnRef>
+              <a:fillRef idx="1">
+                <a:schemeClr val="accent1"/>
+              </a:fillRef>
+              <a:effectRef idx="0">
+                <a:schemeClr val="accent1"/>
+              </a:effectRef>
+              <a:fontRef idx="minor">
+                <a:schemeClr val="lt1"/>
+              </a:fontRef>
+            </p:style>
+            <p:txBody>
+              <a:bodyPr tIns="180000" rtlCol="0" anchor="t"/>
+              <a:lstStyle/>
+              <a:p>
+                <a:pPr marL="285750" indent="-285750">
+                  <a:buFont typeface="Arial" panose="020B0604020202020204" pitchFamily="34" charset="0"/>
+                  <a:buChar char="•"/>
+                </a:pPr>
+                <a:r>
+                  <a:rPr lang="de-DE" b="1" dirty="0">
                     <a:solidFill>
                       <a:schemeClr val="tx1"/>
                     </a:solidFill>
-                  </a:tcPr>
-                </a:tc>
+                  </a:rPr>
+                  <a:t>Konzeptuelles Design</a:t>
+                </a:r>
+              </a:p>
+              <a:p>
+                <a:pPr marL="697230" lvl="1" indent="-285750">
+                  <a:buFont typeface="Arial" panose="020B0604020202020204" pitchFamily="34" charset="0"/>
+                  <a:buChar char="•"/>
+                </a:pPr>
+                <a:r>
+                  <a:rPr lang="de-DE" dirty="0">
+                    <a:solidFill>
+                      <a:schemeClr val="tx1"/>
+                    </a:solidFill>
+                  </a:rPr>
+                  <a:t>Welche Informationen sind miteinander verknüpft?</a:t>
+                </a:r>
+              </a:p>
+              <a:p>
+                <a:pPr marL="697230" lvl="1" indent="-285750">
+                  <a:buFont typeface="Arial" panose="020B0604020202020204" pitchFamily="34" charset="0"/>
+                  <a:buChar char="•"/>
+                </a:pPr>
+                <a:r>
+                  <a:rPr lang="de-DE" dirty="0">
+                    <a:solidFill>
+                      <a:schemeClr val="tx1"/>
+                    </a:solidFill>
+                  </a:rPr>
+                  <a:t>Welche Funktionen hängen zusammen?</a:t>
+                </a:r>
+              </a:p>
+              <a:p>
+                <a:pPr marL="285750" indent="-285750">
+                  <a:buFont typeface="Arial" panose="020B0604020202020204" pitchFamily="34" charset="0"/>
+                  <a:buChar char="•"/>
+                </a:pPr>
+                <a:endParaRPr lang="de-DE" dirty="0">
+                  <a:solidFill>
+                    <a:schemeClr val="tx1"/>
+                  </a:solidFill>
+                </a:endParaRPr>
+              </a:p>
+              <a:p>
+                <a:pPr marL="285750" indent="-285750">
+                  <a:buFont typeface="Arial" panose="020B0604020202020204" pitchFamily="34" charset="0"/>
+                  <a:buChar char="•"/>
+                </a:pPr>
+                <a:r>
+                  <a:rPr lang="de-DE" b="1" dirty="0">
+                    <a:solidFill>
+                      <a:schemeClr val="tx1"/>
+                    </a:solidFill>
+                  </a:rPr>
+                  <a:t>Physikalisches Design</a:t>
+                </a:r>
+              </a:p>
+              <a:p>
+                <a:pPr marL="697230" lvl="1" indent="-285750">
+                  <a:buFont typeface="Arial" panose="020B0604020202020204" pitchFamily="34" charset="0"/>
+                  <a:buChar char="•"/>
+                </a:pPr>
+                <a:r>
+                  <a:rPr lang="de-DE" dirty="0">
+                    <a:solidFill>
+                      <a:schemeClr val="tx1"/>
+                    </a:solidFill>
+                  </a:rPr>
+                  <a:t>Wie werden die Informationen dargestellt?</a:t>
+                </a:r>
+              </a:p>
+            </p:txBody>
+          </p:sp>
+          <p:sp>
+            <p:nvSpPr>
+              <p:cNvPr id="17" name="Rechteck 16">
                 <a:extLst>
-                  <a:ext uri="{0D108BD9-81ED-4DB2-BD59-A6C34878D82A}">
-                    <a16:rowId xmlns:a16="http://schemas.microsoft.com/office/drawing/2014/main" xmlns="" val="10000"/>
+                  <a:ext uri="{FF2B5EF4-FFF2-40B4-BE49-F238E27FC236}">
+                    <a16:creationId xmlns:a16="http://schemas.microsoft.com/office/drawing/2014/main" id="{829E215D-25C5-FE42-A84B-E10BE5590901}"/>
                   </a:ext>
                 </a:extLst>
-              </a:tr>
-              <a:tr h="449362">
-                <a:tc>
-                  <a:txBody>
-                    <a:bodyPr/>
-                    <a:lstStyle/>
-                    <a:p>
-                      <a:r>
-                        <a:rPr lang="de-DE" dirty="0"/>
-                        <a:t>AP 1:</a:t>
-                      </a:r>
-                      <a:r>
-                        <a:rPr lang="de-DE" baseline="0" dirty="0"/>
-                        <a:t> </a:t>
-                      </a:r>
-                      <a:r>
-                        <a:rPr lang="de-DE" dirty="0"/>
-                        <a:t>Literaturrecherche</a:t>
-                      </a:r>
-                    </a:p>
-                  </a:txBody>
-                  <a:tcPr anchor="ctr">
-                    <a:lnL w="12700" cap="flat" cmpd="sng" algn="ctr">
-                      <a:solidFill>
-                        <a:schemeClr val="tx1"/>
-                      </a:solidFill>
-                      <a:prstDash val="solid"/>
-                      <a:round/>
-                      <a:headEnd type="none" w="med" len="med"/>
-                      <a:tailEnd type="none" w="med" len="med"/>
-                    </a:lnL>
-                    <a:lnR w="12700" cap="flat" cmpd="sng" algn="ctr">
-                      <a:solidFill>
-                        <a:schemeClr val="tx1"/>
-                      </a:solidFill>
-                      <a:prstDash val="solid"/>
-                      <a:round/>
-                      <a:headEnd type="none" w="med" len="med"/>
-                      <a:tailEnd type="none" w="med" len="med"/>
-                    </a:lnR>
-                    <a:lnT w="12700" cap="flat" cmpd="sng" algn="ctr">
-                      <a:noFill/>
-                      <a:prstDash val="solid"/>
-                      <a:round/>
-                      <a:headEnd type="none" w="med" len="med"/>
-                      <a:tailEnd type="none" w="med" len="med"/>
-                    </a:lnT>
-                    <a:lnB w="12700" cap="flat" cmpd="sng" algn="ctr">
-                      <a:solidFill>
-                        <a:schemeClr val="tx1"/>
-                      </a:solidFill>
-                      <a:prstDash val="solid"/>
-                      <a:round/>
-                      <a:headEnd type="none" w="med" len="med"/>
-                      <a:tailEnd type="none" w="med" len="med"/>
-                    </a:lnB>
+              </p:cNvPr>
+              <p:cNvSpPr/>
+              <p:nvPr/>
+            </p:nvSpPr>
+            <p:spPr>
+              <a:xfrm>
+                <a:off x="1977040" y="1330903"/>
+                <a:ext cx="1024709" cy="338027"/>
+              </a:xfrm>
+              <a:prstGeom prst="rect">
+                <a:avLst/>
+              </a:prstGeom>
+              <a:solidFill>
+                <a:schemeClr val="bg1"/>
+              </a:solidFill>
+              <a:ln>
+                <a:noFill/>
+              </a:ln>
+            </p:spPr>
+            <p:style>
+              <a:lnRef idx="2">
+                <a:schemeClr val="accent1">
+                  <a:shade val="50000"/>
+                </a:schemeClr>
+              </a:lnRef>
+              <a:fillRef idx="1">
+                <a:schemeClr val="accent1"/>
+              </a:fillRef>
+              <a:effectRef idx="0">
+                <a:schemeClr val="accent1"/>
+              </a:effectRef>
+              <a:fontRef idx="minor">
+                <a:schemeClr val="lt1"/>
+              </a:fontRef>
+            </p:style>
+            <p:txBody>
+              <a:bodyPr rtlCol="0" anchor="ctr"/>
+              <a:lstStyle/>
+              <a:p>
+                <a:r>
+                  <a:rPr lang="de-DE" b="1" dirty="0">
                     <a:solidFill>
-                      <a:schemeClr val="bg1"/>
+                      <a:schemeClr val="accent4"/>
                     </a:solidFill>
-                  </a:tcPr>
-                </a:tc>
-                <a:tc>
-                  <a:txBody>
-                    <a:bodyPr/>
-                    <a:lstStyle/>
-                    <a:p>
-                      <a:pPr algn="r"/>
-                      <a:r>
-                        <a:rPr lang="de-DE" dirty="0"/>
-                        <a:t>03.01.19</a:t>
-                      </a:r>
-                    </a:p>
-                  </a:txBody>
-                  <a:tcPr anchor="ctr">
-                    <a:lnL w="12700" cap="flat" cmpd="sng" algn="ctr">
-                      <a:solidFill>
-                        <a:schemeClr val="tx1"/>
-                      </a:solidFill>
-                      <a:prstDash val="solid"/>
-                      <a:round/>
-                      <a:headEnd type="none" w="med" len="med"/>
-                      <a:tailEnd type="none" w="med" len="med"/>
-                    </a:lnL>
-                    <a:lnR w="12700" cap="flat" cmpd="sng" algn="ctr">
-                      <a:solidFill>
-                        <a:schemeClr val="tx1"/>
-                      </a:solidFill>
-                      <a:prstDash val="solid"/>
-                      <a:round/>
-                      <a:headEnd type="none" w="med" len="med"/>
-                      <a:tailEnd type="none" w="med" len="med"/>
-                    </a:lnR>
-                    <a:lnT w="12700" cap="flat" cmpd="sng" algn="ctr">
-                      <a:noFill/>
-                      <a:prstDash val="solid"/>
-                      <a:round/>
-                      <a:headEnd type="none" w="med" len="med"/>
-                      <a:tailEnd type="none" w="med" len="med"/>
-                    </a:lnT>
-                    <a:lnB w="12700" cap="flat" cmpd="sng" algn="ctr">
-                      <a:solidFill>
-                        <a:schemeClr val="tx1"/>
-                      </a:solidFill>
-                      <a:prstDash val="solid"/>
-                      <a:round/>
-                      <a:headEnd type="none" w="med" len="med"/>
-                      <a:tailEnd type="none" w="med" len="med"/>
-                    </a:lnB>
-                    <a:solidFill>
-                      <a:schemeClr val="bg1"/>
-                    </a:solidFill>
-                  </a:tcPr>
-                </a:tc>
-                <a:tc>
-                  <a:txBody>
-                    <a:bodyPr/>
-                    <a:lstStyle/>
-                    <a:p>
-                      <a:pPr algn="r"/>
-                      <a:r>
-                        <a:rPr lang="de-DE" dirty="0"/>
-                        <a:t>0%</a:t>
-                      </a:r>
-                    </a:p>
-                  </a:txBody>
-                  <a:tcPr anchor="ctr">
-                    <a:lnL w="12700" cap="flat" cmpd="sng" algn="ctr">
-                      <a:solidFill>
-                        <a:schemeClr val="tx1"/>
-                      </a:solidFill>
-                      <a:prstDash val="solid"/>
-                      <a:round/>
-                      <a:headEnd type="none" w="med" len="med"/>
-                      <a:tailEnd type="none" w="med" len="med"/>
-                    </a:lnL>
-                    <a:lnR w="12700" cap="flat" cmpd="sng" algn="ctr">
-                      <a:solidFill>
-                        <a:schemeClr val="tx1"/>
-                      </a:solidFill>
-                      <a:prstDash val="solid"/>
-                      <a:round/>
-                      <a:headEnd type="none" w="med" len="med"/>
-                      <a:tailEnd type="none" w="med" len="med"/>
-                    </a:lnR>
-                    <a:lnT w="12700" cap="flat" cmpd="sng" algn="ctr">
-                      <a:noFill/>
-                      <a:prstDash val="solid"/>
-                      <a:round/>
-                      <a:headEnd type="none" w="med" len="med"/>
-                      <a:tailEnd type="none" w="med" len="med"/>
-                    </a:lnT>
-                    <a:lnB w="12700" cap="flat" cmpd="sng" algn="ctr">
-                      <a:solidFill>
-                        <a:schemeClr val="tx1"/>
-                      </a:solidFill>
-                      <a:prstDash val="solid"/>
-                      <a:round/>
-                      <a:headEnd type="none" w="med" len="med"/>
-                      <a:tailEnd type="none" w="med" len="med"/>
-                    </a:lnB>
-                    <a:solidFill>
-                      <a:schemeClr val="bg1"/>
-                    </a:solidFill>
-                  </a:tcPr>
-                </a:tc>
-                <a:tc>
-                  <a:txBody>
-                    <a:bodyPr/>
-                    <a:lstStyle/>
-                    <a:p>
-                      <a:pPr algn="r"/>
-                      <a:r>
-                        <a:rPr lang="de-DE" dirty="0"/>
-                        <a:t>10%</a:t>
-                      </a:r>
-                    </a:p>
-                  </a:txBody>
-                  <a:tcPr anchor="ctr">
-                    <a:lnL w="12700" cap="flat" cmpd="sng" algn="ctr">
-                      <a:solidFill>
-                        <a:schemeClr val="tx1"/>
-                      </a:solidFill>
-                      <a:prstDash val="solid"/>
-                      <a:round/>
-                      <a:headEnd type="none" w="med" len="med"/>
-                      <a:tailEnd type="none" w="med" len="med"/>
-                    </a:lnL>
-                    <a:lnR w="12700" cap="flat" cmpd="sng" algn="ctr">
-                      <a:solidFill>
-                        <a:schemeClr val="tx1"/>
-                      </a:solidFill>
-                      <a:prstDash val="solid"/>
-                      <a:round/>
-                      <a:headEnd type="none" w="med" len="med"/>
-                      <a:tailEnd type="none" w="med" len="med"/>
-                    </a:lnR>
-                    <a:lnT w="12700" cap="flat" cmpd="sng" algn="ctr">
-                      <a:noFill/>
-                      <a:prstDash val="solid"/>
-                      <a:round/>
-                      <a:headEnd type="none" w="med" len="med"/>
-                      <a:tailEnd type="none" w="med" len="med"/>
-                    </a:lnT>
-                    <a:lnB w="12700" cap="flat" cmpd="sng" algn="ctr">
-                      <a:solidFill>
-                        <a:schemeClr val="tx1"/>
-                      </a:solidFill>
-                      <a:prstDash val="solid"/>
-                      <a:round/>
-                      <a:headEnd type="none" w="med" len="med"/>
-                      <a:tailEnd type="none" w="med" len="med"/>
-                    </a:lnB>
-                    <a:solidFill>
-                      <a:schemeClr val="bg1"/>
-                    </a:solidFill>
-                  </a:tcPr>
-                </a:tc>
+                  </a:rPr>
+                  <a:t>Konzept</a:t>
+                </a:r>
+              </a:p>
+            </p:txBody>
+          </p:sp>
+        </p:grpSp>
+        <p:sp>
+          <p:nvSpPr>
+            <p:cNvPr id="15" name="Rechteck 14">
+              <a:extLst>
+                <a:ext uri="{FF2B5EF4-FFF2-40B4-BE49-F238E27FC236}">
+                  <a16:creationId xmlns:a16="http://schemas.microsoft.com/office/drawing/2014/main" id="{3D7F9058-E672-2A4D-9BB1-013BCCC5ACE0}"/>
+                </a:ext>
+              </a:extLst>
+            </p:cNvPr>
+            <p:cNvSpPr/>
+            <p:nvPr/>
+          </p:nvSpPr>
+          <p:spPr>
+            <a:xfrm>
+              <a:off x="4360127" y="1484312"/>
+              <a:ext cx="1044497" cy="338027"/>
+            </a:xfrm>
+            <a:prstGeom prst="rect">
+              <a:avLst/>
+            </a:prstGeom>
+            <a:solidFill>
+              <a:schemeClr val="bg1"/>
+            </a:solidFill>
+            <a:ln>
+              <a:noFill/>
+            </a:ln>
+          </p:spPr>
+          <p:style>
+            <a:lnRef idx="2">
+              <a:schemeClr val="accent1">
+                <a:shade val="50000"/>
+              </a:schemeClr>
+            </a:lnRef>
+            <a:fillRef idx="1">
+              <a:schemeClr val="accent1"/>
+            </a:fillRef>
+            <a:effectRef idx="0">
+              <a:schemeClr val="accent1"/>
+            </a:effectRef>
+            <a:fontRef idx="minor">
+              <a:schemeClr val="lt1"/>
+            </a:fontRef>
+          </p:style>
+          <p:txBody>
+            <a:bodyPr rtlCol="0" anchor="ctr"/>
+            <a:lstStyle/>
+            <a:p>
+              <a:pPr algn="r"/>
+              <a:r>
+                <a:rPr lang="de-DE" b="1" dirty="0">
+                  <a:solidFill>
+                    <a:schemeClr val="tx1"/>
+                  </a:solidFill>
+                </a:rPr>
+                <a:t>05.02.19</a:t>
+              </a:r>
+            </a:p>
+          </p:txBody>
+        </p:sp>
+      </p:grpSp>
+      <p:grpSp>
+        <p:nvGrpSpPr>
+          <p:cNvPr id="18" name="Gruppieren 17">
+            <a:extLst>
+              <a:ext uri="{FF2B5EF4-FFF2-40B4-BE49-F238E27FC236}">
+                <a16:creationId xmlns:a16="http://schemas.microsoft.com/office/drawing/2014/main" id="{76C873CF-9A61-9B4A-9A7F-7A0A6A11ECCC}"/>
+              </a:ext>
+            </a:extLst>
+          </p:cNvPr>
+          <p:cNvGrpSpPr/>
+          <p:nvPr/>
+        </p:nvGrpSpPr>
+        <p:grpSpPr>
+          <a:xfrm>
+            <a:off x="6948406" y="1211455"/>
+            <a:ext cx="4723201" cy="1459610"/>
+            <a:chOff x="874711" y="1484312"/>
+            <a:chExt cx="4723201" cy="1459610"/>
+          </a:xfrm>
+        </p:grpSpPr>
+        <p:grpSp>
+          <p:nvGrpSpPr>
+            <p:cNvPr id="19" name="Gruppieren 18">
+              <a:extLst>
+                <a:ext uri="{FF2B5EF4-FFF2-40B4-BE49-F238E27FC236}">
+                  <a16:creationId xmlns:a16="http://schemas.microsoft.com/office/drawing/2014/main" id="{02621200-51DD-6A4C-86C6-6B2A72D512E2}"/>
+                </a:ext>
+              </a:extLst>
+            </p:cNvPr>
+            <p:cNvGrpSpPr/>
+            <p:nvPr/>
+          </p:nvGrpSpPr>
+          <p:grpSpPr>
+            <a:xfrm>
+              <a:off x="874711" y="1484313"/>
+              <a:ext cx="4723201" cy="1459609"/>
+              <a:chOff x="1780031" y="1330903"/>
+              <a:chExt cx="4723201" cy="1459609"/>
+            </a:xfrm>
+          </p:grpSpPr>
+          <p:sp>
+            <p:nvSpPr>
+              <p:cNvPr id="21" name="Rechteck 20">
                 <a:extLst>
-                  <a:ext uri="{0D108BD9-81ED-4DB2-BD59-A6C34878D82A}">
-                    <a16:rowId xmlns:a16="http://schemas.microsoft.com/office/drawing/2014/main" xmlns="" val="10001"/>
+                  <a:ext uri="{FF2B5EF4-FFF2-40B4-BE49-F238E27FC236}">
+                    <a16:creationId xmlns:a16="http://schemas.microsoft.com/office/drawing/2014/main" id="{ED0E09EA-1DC6-1249-841E-901E17F3D0B6}"/>
                   </a:ext>
                 </a:extLst>
-              </a:tr>
-              <a:tr h="449362">
-                <a:tc>
-                  <a:txBody>
-                    <a:bodyPr/>
-                    <a:lstStyle/>
-                    <a:p>
-                      <a:r>
-                        <a:rPr lang="de-DE" dirty="0"/>
-                        <a:t>AP 2: Anforderungsanalyse</a:t>
-                      </a:r>
-                    </a:p>
-                  </a:txBody>
-                  <a:tcPr anchor="ctr">
-                    <a:lnL w="12700" cap="flat" cmpd="sng" algn="ctr">
-                      <a:solidFill>
-                        <a:schemeClr val="tx1"/>
-                      </a:solidFill>
-                      <a:prstDash val="solid"/>
-                      <a:round/>
-                      <a:headEnd type="none" w="med" len="med"/>
-                      <a:tailEnd type="none" w="med" len="med"/>
-                    </a:lnL>
-                    <a:lnR w="12700" cap="flat" cmpd="sng" algn="ctr">
-                      <a:solidFill>
-                        <a:schemeClr val="tx1"/>
-                      </a:solidFill>
-                      <a:prstDash val="solid"/>
-                      <a:round/>
-                      <a:headEnd type="none" w="med" len="med"/>
-                      <a:tailEnd type="none" w="med" len="med"/>
-                    </a:lnR>
-                    <a:lnT w="12700" cap="flat" cmpd="sng" algn="ctr">
-                      <a:solidFill>
-                        <a:schemeClr val="tx1"/>
-                      </a:solidFill>
-                      <a:prstDash val="solid"/>
-                      <a:round/>
-                      <a:headEnd type="none" w="med" len="med"/>
-                      <a:tailEnd type="none" w="med" len="med"/>
-                    </a:lnT>
-                    <a:lnB w="12700" cap="flat" cmpd="sng" algn="ctr">
-                      <a:solidFill>
-                        <a:schemeClr val="tx1"/>
-                      </a:solidFill>
-                      <a:prstDash val="solid"/>
-                      <a:round/>
-                      <a:headEnd type="none" w="med" len="med"/>
-                      <a:tailEnd type="none" w="med" len="med"/>
-                    </a:lnB>
-                    <a:solidFill>
-                      <a:schemeClr val="bg1"/>
-                    </a:solidFill>
-                  </a:tcPr>
-                </a:tc>
-                <a:tc>
-                  <a:txBody>
-                    <a:bodyPr/>
-                    <a:lstStyle/>
-                    <a:p>
-                      <a:pPr algn="r"/>
-                      <a:r>
-                        <a:rPr lang="de-DE" dirty="0"/>
-                        <a:t>23.01.19</a:t>
-                      </a:r>
-                    </a:p>
-                  </a:txBody>
-                  <a:tcPr anchor="ctr">
-                    <a:lnL w="12700" cap="flat" cmpd="sng" algn="ctr">
-                      <a:solidFill>
-                        <a:schemeClr val="tx1"/>
-                      </a:solidFill>
-                      <a:prstDash val="solid"/>
-                      <a:round/>
-                      <a:headEnd type="none" w="med" len="med"/>
-                      <a:tailEnd type="none" w="med" len="med"/>
-                    </a:lnL>
-                    <a:lnR w="12700" cap="flat" cmpd="sng" algn="ctr">
-                      <a:solidFill>
-                        <a:schemeClr val="tx1"/>
-                      </a:solidFill>
-                      <a:prstDash val="solid"/>
-                      <a:round/>
-                      <a:headEnd type="none" w="med" len="med"/>
-                      <a:tailEnd type="none" w="med" len="med"/>
-                    </a:lnR>
-                    <a:lnT w="12700" cap="flat" cmpd="sng" algn="ctr">
-                      <a:solidFill>
-                        <a:schemeClr val="tx1"/>
-                      </a:solidFill>
-                      <a:prstDash val="solid"/>
-                      <a:round/>
-                      <a:headEnd type="none" w="med" len="med"/>
-                      <a:tailEnd type="none" w="med" len="med"/>
-                    </a:lnT>
-                    <a:lnB w="12700" cap="flat" cmpd="sng" algn="ctr">
-                      <a:solidFill>
-                        <a:schemeClr val="tx1"/>
-                      </a:solidFill>
-                      <a:prstDash val="solid"/>
-                      <a:round/>
-                      <a:headEnd type="none" w="med" len="med"/>
-                      <a:tailEnd type="none" w="med" len="med"/>
-                    </a:lnB>
-                    <a:solidFill>
-                      <a:schemeClr val="bg1"/>
-                    </a:solidFill>
-                  </a:tcPr>
-                </a:tc>
-                <a:tc>
-                  <a:txBody>
-                    <a:bodyPr/>
-                    <a:lstStyle/>
-                    <a:p>
-                      <a:pPr algn="r"/>
-                      <a:r>
-                        <a:rPr lang="de-DE" dirty="0"/>
-                        <a:t>0%</a:t>
-                      </a:r>
-                    </a:p>
-                  </a:txBody>
-                  <a:tcPr anchor="ctr">
-                    <a:lnL w="12700" cap="flat" cmpd="sng" algn="ctr">
-                      <a:solidFill>
-                        <a:schemeClr val="tx1"/>
-                      </a:solidFill>
-                      <a:prstDash val="solid"/>
-                      <a:round/>
-                      <a:headEnd type="none" w="med" len="med"/>
-                      <a:tailEnd type="none" w="med" len="med"/>
-                    </a:lnL>
-                    <a:lnR w="12700" cap="flat" cmpd="sng" algn="ctr">
-                      <a:solidFill>
-                        <a:schemeClr val="tx1"/>
-                      </a:solidFill>
-                      <a:prstDash val="solid"/>
-                      <a:round/>
-                      <a:headEnd type="none" w="med" len="med"/>
-                      <a:tailEnd type="none" w="med" len="med"/>
-                    </a:lnR>
-                    <a:lnT w="12700" cap="flat" cmpd="sng" algn="ctr">
-                      <a:solidFill>
-                        <a:schemeClr val="tx1"/>
-                      </a:solidFill>
-                      <a:prstDash val="solid"/>
-                      <a:round/>
-                      <a:headEnd type="none" w="med" len="med"/>
-                      <a:tailEnd type="none" w="med" len="med"/>
-                    </a:lnT>
-                    <a:lnB w="12700" cap="flat" cmpd="sng" algn="ctr">
-                      <a:solidFill>
-                        <a:schemeClr val="tx1"/>
-                      </a:solidFill>
-                      <a:prstDash val="solid"/>
-                      <a:round/>
-                      <a:headEnd type="none" w="med" len="med"/>
-                      <a:tailEnd type="none" w="med" len="med"/>
-                    </a:lnB>
-                    <a:solidFill>
-                      <a:schemeClr val="bg1"/>
-                    </a:solidFill>
-                  </a:tcPr>
-                </a:tc>
-                <a:tc>
-                  <a:txBody>
-                    <a:bodyPr/>
-                    <a:lstStyle/>
-                    <a:p>
-                      <a:pPr algn="r"/>
-                      <a:r>
-                        <a:rPr lang="de-DE" dirty="0"/>
-                        <a:t>0%</a:t>
-                      </a:r>
-                    </a:p>
-                  </a:txBody>
-                  <a:tcPr anchor="ctr">
-                    <a:lnL w="12700" cap="flat" cmpd="sng" algn="ctr">
-                      <a:solidFill>
-                        <a:schemeClr val="tx1"/>
-                      </a:solidFill>
-                      <a:prstDash val="solid"/>
-                      <a:round/>
-                      <a:headEnd type="none" w="med" len="med"/>
-                      <a:tailEnd type="none" w="med" len="med"/>
-                    </a:lnL>
-                    <a:lnR w="12700" cap="flat" cmpd="sng" algn="ctr">
-                      <a:solidFill>
-                        <a:schemeClr val="tx1"/>
-                      </a:solidFill>
-                      <a:prstDash val="solid"/>
-                      <a:round/>
-                      <a:headEnd type="none" w="med" len="med"/>
-                      <a:tailEnd type="none" w="med" len="med"/>
-                    </a:lnR>
-                    <a:lnT w="12700" cap="flat" cmpd="sng" algn="ctr">
-                      <a:solidFill>
-                        <a:schemeClr val="tx1"/>
-                      </a:solidFill>
-                      <a:prstDash val="solid"/>
-                      <a:round/>
-                      <a:headEnd type="none" w="med" len="med"/>
-                      <a:tailEnd type="none" w="med" len="med"/>
-                    </a:lnT>
-                    <a:lnB w="12700" cap="flat" cmpd="sng" algn="ctr">
-                      <a:solidFill>
-                        <a:schemeClr val="tx1"/>
-                      </a:solidFill>
-                      <a:prstDash val="solid"/>
-                      <a:round/>
-                      <a:headEnd type="none" w="med" len="med"/>
-                      <a:tailEnd type="none" w="med" len="med"/>
-                    </a:lnB>
-                    <a:solidFill>
-                      <a:schemeClr val="bg1"/>
-                    </a:solidFill>
-                  </a:tcPr>
-                </a:tc>
+              </p:cNvPr>
+              <p:cNvSpPr/>
+              <p:nvPr/>
+            </p:nvSpPr>
+            <p:spPr>
+              <a:xfrm>
+                <a:off x="1780031" y="1499917"/>
+                <a:ext cx="4723201" cy="1290595"/>
+              </a:xfrm>
+              <a:prstGeom prst="rect">
+                <a:avLst/>
+              </a:prstGeom>
+              <a:solidFill>
+                <a:schemeClr val="bg1"/>
+              </a:solidFill>
+              <a:ln>
+                <a:solidFill>
+                  <a:schemeClr val="tx1"/>
+                </a:solidFill>
+              </a:ln>
+            </p:spPr>
+            <p:style>
+              <a:lnRef idx="2">
+                <a:schemeClr val="accent1">
+                  <a:shade val="50000"/>
+                </a:schemeClr>
+              </a:lnRef>
+              <a:fillRef idx="1">
+                <a:schemeClr val="accent1"/>
+              </a:fillRef>
+              <a:effectRef idx="0">
+                <a:schemeClr val="accent1"/>
+              </a:effectRef>
+              <a:fontRef idx="minor">
+                <a:schemeClr val="lt1"/>
+              </a:fontRef>
+            </p:style>
+            <p:txBody>
+              <a:bodyPr tIns="180000" rtlCol="0" anchor="t"/>
+              <a:lstStyle/>
+              <a:p>
+                <a:pPr marL="285750" indent="-285750">
+                  <a:buFont typeface="Arial" panose="020B0604020202020204" pitchFamily="34" charset="0"/>
+                  <a:buChar char="•"/>
+                </a:pPr>
+                <a:endParaRPr lang="de-DE" dirty="0">
+                  <a:solidFill>
+                    <a:schemeClr val="tx1"/>
+                  </a:solidFill>
+                </a:endParaRPr>
+              </a:p>
+            </p:txBody>
+          </p:sp>
+          <p:sp>
+            <p:nvSpPr>
+              <p:cNvPr id="22" name="Rechteck 21">
                 <a:extLst>
-                  <a:ext uri="{0D108BD9-81ED-4DB2-BD59-A6C34878D82A}">
-                    <a16:rowId xmlns:a16="http://schemas.microsoft.com/office/drawing/2014/main" xmlns="" val="10002"/>
+                  <a:ext uri="{FF2B5EF4-FFF2-40B4-BE49-F238E27FC236}">
+                    <a16:creationId xmlns:a16="http://schemas.microsoft.com/office/drawing/2014/main" id="{753356B5-7EB8-3F4A-96E1-8FF10B332D06}"/>
                   </a:ext>
                 </a:extLst>
-              </a:tr>
-              <a:tr h="449362">
-                <a:tc>
-                  <a:txBody>
-                    <a:bodyPr/>
-                    <a:lstStyle/>
-                    <a:p>
-                      <a:r>
-                        <a:rPr lang="de-DE" dirty="0"/>
-                        <a:t>AP 3: Konzept</a:t>
-                      </a:r>
-                    </a:p>
-                  </a:txBody>
-                  <a:tcPr anchor="ctr">
-                    <a:lnL w="12700" cap="flat" cmpd="sng" algn="ctr">
-                      <a:solidFill>
-                        <a:schemeClr val="tx1"/>
-                      </a:solidFill>
-                      <a:prstDash val="solid"/>
-                      <a:round/>
-                      <a:headEnd type="none" w="med" len="med"/>
-                      <a:tailEnd type="none" w="med" len="med"/>
-                    </a:lnL>
-                    <a:lnR w="12700" cap="flat" cmpd="sng" algn="ctr">
-                      <a:solidFill>
-                        <a:schemeClr val="tx1"/>
-                      </a:solidFill>
-                      <a:prstDash val="solid"/>
-                      <a:round/>
-                      <a:headEnd type="none" w="med" len="med"/>
-                      <a:tailEnd type="none" w="med" len="med"/>
-                    </a:lnR>
-                    <a:lnT w="12700" cap="flat" cmpd="sng" algn="ctr">
-                      <a:solidFill>
-                        <a:schemeClr val="tx1"/>
-                      </a:solidFill>
-                      <a:prstDash val="solid"/>
-                      <a:round/>
-                      <a:headEnd type="none" w="med" len="med"/>
-                      <a:tailEnd type="none" w="med" len="med"/>
-                    </a:lnT>
-                    <a:lnB w="12700" cap="flat" cmpd="sng" algn="ctr">
-                      <a:solidFill>
-                        <a:schemeClr val="tx1"/>
-                      </a:solidFill>
-                      <a:prstDash val="solid"/>
-                      <a:round/>
-                      <a:headEnd type="none" w="med" len="med"/>
-                      <a:tailEnd type="none" w="med" len="med"/>
-                    </a:lnB>
+              </p:cNvPr>
+              <p:cNvSpPr/>
+              <p:nvPr/>
+            </p:nvSpPr>
+            <p:spPr>
+              <a:xfrm>
+                <a:off x="1977040" y="1330903"/>
+                <a:ext cx="1994865" cy="338027"/>
+              </a:xfrm>
+              <a:prstGeom prst="rect">
+                <a:avLst/>
+              </a:prstGeom>
+              <a:solidFill>
+                <a:schemeClr val="bg1"/>
+              </a:solidFill>
+              <a:ln>
+                <a:noFill/>
+              </a:ln>
+            </p:spPr>
+            <p:style>
+              <a:lnRef idx="2">
+                <a:schemeClr val="accent1">
+                  <a:shade val="50000"/>
+                </a:schemeClr>
+              </a:lnRef>
+              <a:fillRef idx="1">
+                <a:schemeClr val="accent1"/>
+              </a:fillRef>
+              <a:effectRef idx="0">
+                <a:schemeClr val="accent1"/>
+              </a:effectRef>
+              <a:fontRef idx="minor">
+                <a:schemeClr val="lt1"/>
+              </a:fontRef>
+            </p:style>
+            <p:txBody>
+              <a:bodyPr rtlCol="0" anchor="ctr"/>
+              <a:lstStyle/>
+              <a:p>
+                <a:r>
+                  <a:rPr lang="de-DE" b="1" dirty="0">
                     <a:solidFill>
-                      <a:schemeClr val="bg1"/>
+                      <a:schemeClr val="accent4"/>
                     </a:solidFill>
-                  </a:tcPr>
-                </a:tc>
-                <a:tc>
-                  <a:txBody>
-                    <a:bodyPr/>
-                    <a:lstStyle/>
-                    <a:p>
-                      <a:pPr algn="r"/>
-                      <a:r>
-                        <a:rPr lang="de-DE" dirty="0"/>
-                        <a:t>05.02.19</a:t>
-                      </a:r>
-                    </a:p>
-                  </a:txBody>
-                  <a:tcPr anchor="ctr">
-                    <a:lnL w="12700" cap="flat" cmpd="sng" algn="ctr">
-                      <a:solidFill>
-                        <a:schemeClr val="tx1"/>
-                      </a:solidFill>
-                      <a:prstDash val="solid"/>
-                      <a:round/>
-                      <a:headEnd type="none" w="med" len="med"/>
-                      <a:tailEnd type="none" w="med" len="med"/>
-                    </a:lnL>
-                    <a:lnR w="12700" cap="flat" cmpd="sng" algn="ctr">
-                      <a:solidFill>
-                        <a:schemeClr val="tx1"/>
-                      </a:solidFill>
-                      <a:prstDash val="solid"/>
-                      <a:round/>
-                      <a:headEnd type="none" w="med" len="med"/>
-                      <a:tailEnd type="none" w="med" len="med"/>
-                    </a:lnR>
-                    <a:lnT w="12700" cap="flat" cmpd="sng" algn="ctr">
-                      <a:solidFill>
-                        <a:schemeClr val="tx1"/>
-                      </a:solidFill>
-                      <a:prstDash val="solid"/>
-                      <a:round/>
-                      <a:headEnd type="none" w="med" len="med"/>
-                      <a:tailEnd type="none" w="med" len="med"/>
-                    </a:lnT>
-                    <a:lnB w="12700" cap="flat" cmpd="sng" algn="ctr">
-                      <a:solidFill>
-                        <a:schemeClr val="tx1"/>
-                      </a:solidFill>
-                      <a:prstDash val="solid"/>
-                      <a:round/>
-                      <a:headEnd type="none" w="med" len="med"/>
-                      <a:tailEnd type="none" w="med" len="med"/>
-                    </a:lnB>
-                    <a:solidFill>
-                      <a:schemeClr val="bg1"/>
-                    </a:solidFill>
-                  </a:tcPr>
-                </a:tc>
-                <a:tc>
-                  <a:txBody>
-                    <a:bodyPr/>
-                    <a:lstStyle/>
-                    <a:p>
-                      <a:pPr algn="r"/>
-                      <a:r>
-                        <a:rPr lang="de-DE" dirty="0"/>
-                        <a:t>0%</a:t>
-                      </a:r>
-                    </a:p>
-                  </a:txBody>
-                  <a:tcPr anchor="ctr">
-                    <a:lnL w="12700" cap="flat" cmpd="sng" algn="ctr">
-                      <a:solidFill>
-                        <a:schemeClr val="tx1"/>
-                      </a:solidFill>
-                      <a:prstDash val="solid"/>
-                      <a:round/>
-                      <a:headEnd type="none" w="med" len="med"/>
-                      <a:tailEnd type="none" w="med" len="med"/>
-                    </a:lnL>
-                    <a:lnR w="12700" cap="flat" cmpd="sng" algn="ctr">
-                      <a:solidFill>
-                        <a:schemeClr val="tx1"/>
-                      </a:solidFill>
-                      <a:prstDash val="solid"/>
-                      <a:round/>
-                      <a:headEnd type="none" w="med" len="med"/>
-                      <a:tailEnd type="none" w="med" len="med"/>
-                    </a:lnR>
-                    <a:lnT w="12700" cap="flat" cmpd="sng" algn="ctr">
-                      <a:solidFill>
-                        <a:schemeClr val="tx1"/>
-                      </a:solidFill>
-                      <a:prstDash val="solid"/>
-                      <a:round/>
-                      <a:headEnd type="none" w="med" len="med"/>
-                      <a:tailEnd type="none" w="med" len="med"/>
-                    </a:lnT>
-                    <a:lnB w="12700" cap="flat" cmpd="sng" algn="ctr">
-                      <a:solidFill>
-                        <a:schemeClr val="tx1"/>
-                      </a:solidFill>
-                      <a:prstDash val="solid"/>
-                      <a:round/>
-                      <a:headEnd type="none" w="med" len="med"/>
-                      <a:tailEnd type="none" w="med" len="med"/>
-                    </a:lnB>
-                    <a:solidFill>
-                      <a:schemeClr val="bg1"/>
-                    </a:solidFill>
-                  </a:tcPr>
-                </a:tc>
-                <a:tc>
-                  <a:txBody>
-                    <a:bodyPr/>
-                    <a:lstStyle/>
-                    <a:p>
-                      <a:pPr algn="r"/>
-                      <a:r>
-                        <a:rPr lang="de-DE" dirty="0"/>
-                        <a:t>0%</a:t>
-                      </a:r>
-                    </a:p>
-                  </a:txBody>
-                  <a:tcPr anchor="ctr">
-                    <a:lnL w="12700" cap="flat" cmpd="sng" algn="ctr">
-                      <a:solidFill>
-                        <a:schemeClr val="tx1"/>
-                      </a:solidFill>
-                      <a:prstDash val="solid"/>
-                      <a:round/>
-                      <a:headEnd type="none" w="med" len="med"/>
-                      <a:tailEnd type="none" w="med" len="med"/>
-                    </a:lnL>
-                    <a:lnR w="12700" cap="flat" cmpd="sng" algn="ctr">
-                      <a:solidFill>
-                        <a:schemeClr val="tx1"/>
-                      </a:solidFill>
-                      <a:prstDash val="solid"/>
-                      <a:round/>
-                      <a:headEnd type="none" w="med" len="med"/>
-                      <a:tailEnd type="none" w="med" len="med"/>
-                    </a:lnR>
-                    <a:lnT w="12700" cap="flat" cmpd="sng" algn="ctr">
-                      <a:solidFill>
-                        <a:schemeClr val="tx1"/>
-                      </a:solidFill>
-                      <a:prstDash val="solid"/>
-                      <a:round/>
-                      <a:headEnd type="none" w="med" len="med"/>
-                      <a:tailEnd type="none" w="med" len="med"/>
-                    </a:lnT>
-                    <a:lnB w="12700" cap="flat" cmpd="sng" algn="ctr">
-                      <a:solidFill>
-                        <a:schemeClr val="tx1"/>
-                      </a:solidFill>
-                      <a:prstDash val="solid"/>
-                      <a:round/>
-                      <a:headEnd type="none" w="med" len="med"/>
-                      <a:tailEnd type="none" w="med" len="med"/>
-                    </a:lnB>
-                    <a:solidFill>
-                      <a:schemeClr val="bg1"/>
-                    </a:solidFill>
-                  </a:tcPr>
-                </a:tc>
+                  </a:rPr>
+                  <a:t>Implementierung</a:t>
+                </a:r>
+              </a:p>
+            </p:txBody>
+          </p:sp>
+        </p:grpSp>
+        <p:sp>
+          <p:nvSpPr>
+            <p:cNvPr id="20" name="Rechteck 19">
+              <a:extLst>
+                <a:ext uri="{FF2B5EF4-FFF2-40B4-BE49-F238E27FC236}">
+                  <a16:creationId xmlns:a16="http://schemas.microsoft.com/office/drawing/2014/main" id="{63DF4C62-579D-3249-9CFF-878DBD32F80A}"/>
+                </a:ext>
+              </a:extLst>
+            </p:cNvPr>
+            <p:cNvSpPr/>
+            <p:nvPr/>
+          </p:nvSpPr>
+          <p:spPr>
+            <a:xfrm>
+              <a:off x="4360127" y="1484312"/>
+              <a:ext cx="1044497" cy="338027"/>
+            </a:xfrm>
+            <a:prstGeom prst="rect">
+              <a:avLst/>
+            </a:prstGeom>
+            <a:solidFill>
+              <a:schemeClr val="bg1"/>
+            </a:solidFill>
+            <a:ln>
+              <a:noFill/>
+            </a:ln>
+          </p:spPr>
+          <p:style>
+            <a:lnRef idx="2">
+              <a:schemeClr val="accent1">
+                <a:shade val="50000"/>
+              </a:schemeClr>
+            </a:lnRef>
+            <a:fillRef idx="1">
+              <a:schemeClr val="accent1"/>
+            </a:fillRef>
+            <a:effectRef idx="0">
+              <a:schemeClr val="accent1"/>
+            </a:effectRef>
+            <a:fontRef idx="minor">
+              <a:schemeClr val="lt1"/>
+            </a:fontRef>
+          </p:style>
+          <p:txBody>
+            <a:bodyPr rtlCol="0" anchor="ctr"/>
+            <a:lstStyle/>
+            <a:p>
+              <a:pPr algn="r"/>
+              <a:r>
+                <a:rPr lang="de-DE" b="1" dirty="0">
+                  <a:solidFill>
+                    <a:schemeClr val="tx1"/>
+                  </a:solidFill>
+                </a:rPr>
+                <a:t>20.03.19</a:t>
+              </a:r>
+            </a:p>
+          </p:txBody>
+        </p:sp>
+      </p:grpSp>
+      <p:grpSp>
+        <p:nvGrpSpPr>
+          <p:cNvPr id="23" name="Gruppieren 22">
+            <a:extLst>
+              <a:ext uri="{FF2B5EF4-FFF2-40B4-BE49-F238E27FC236}">
+                <a16:creationId xmlns:a16="http://schemas.microsoft.com/office/drawing/2014/main" id="{8E929239-873F-A040-A4FF-CF41E574A33B}"/>
+              </a:ext>
+            </a:extLst>
+          </p:cNvPr>
+          <p:cNvGrpSpPr/>
+          <p:nvPr/>
+        </p:nvGrpSpPr>
+        <p:grpSpPr>
+          <a:xfrm>
+            <a:off x="6948405" y="2832186"/>
+            <a:ext cx="4723201" cy="1735930"/>
+            <a:chOff x="874711" y="1484312"/>
+            <a:chExt cx="4723201" cy="1735930"/>
+          </a:xfrm>
+        </p:grpSpPr>
+        <p:grpSp>
+          <p:nvGrpSpPr>
+            <p:cNvPr id="24" name="Gruppieren 23">
+              <a:extLst>
+                <a:ext uri="{FF2B5EF4-FFF2-40B4-BE49-F238E27FC236}">
+                  <a16:creationId xmlns:a16="http://schemas.microsoft.com/office/drawing/2014/main" id="{F47E6093-9AA6-8F4B-B80B-776943FCB73D}"/>
+                </a:ext>
+              </a:extLst>
+            </p:cNvPr>
+            <p:cNvGrpSpPr/>
+            <p:nvPr/>
+          </p:nvGrpSpPr>
+          <p:grpSpPr>
+            <a:xfrm>
+              <a:off x="874711" y="1484313"/>
+              <a:ext cx="4723201" cy="1735929"/>
+              <a:chOff x="1780031" y="1330903"/>
+              <a:chExt cx="4723201" cy="1735929"/>
+            </a:xfrm>
+          </p:grpSpPr>
+          <p:sp>
+            <p:nvSpPr>
+              <p:cNvPr id="26" name="Rechteck 25">
                 <a:extLst>
-                  <a:ext uri="{0D108BD9-81ED-4DB2-BD59-A6C34878D82A}">
-                    <a16:rowId xmlns:a16="http://schemas.microsoft.com/office/drawing/2014/main" xmlns="" val="10003"/>
+                  <a:ext uri="{FF2B5EF4-FFF2-40B4-BE49-F238E27FC236}">
+                    <a16:creationId xmlns:a16="http://schemas.microsoft.com/office/drawing/2014/main" id="{4059FEBC-2EFF-ED47-98FF-010C8401FADA}"/>
                   </a:ext>
                 </a:extLst>
-              </a:tr>
-              <a:tr h="449362">
-                <a:tc>
-                  <a:txBody>
-                    <a:bodyPr/>
-                    <a:lstStyle/>
-                    <a:p>
-                      <a:r>
-                        <a:rPr lang="de-DE" dirty="0"/>
-                        <a:t>AP 4:</a:t>
-                      </a:r>
-                      <a:r>
-                        <a:rPr lang="de-DE" baseline="0" dirty="0"/>
-                        <a:t> </a:t>
-                      </a:r>
-                      <a:r>
-                        <a:rPr lang="de-DE" dirty="0"/>
-                        <a:t>Implementierung</a:t>
-                      </a:r>
-                    </a:p>
-                  </a:txBody>
-                  <a:tcPr anchor="ctr">
-                    <a:lnL w="12700" cap="flat" cmpd="sng" algn="ctr">
-                      <a:solidFill>
-                        <a:schemeClr val="tx1"/>
-                      </a:solidFill>
-                      <a:prstDash val="solid"/>
-                      <a:round/>
-                      <a:headEnd type="none" w="med" len="med"/>
-                      <a:tailEnd type="none" w="med" len="med"/>
-                    </a:lnL>
-                    <a:lnR w="12700" cap="flat" cmpd="sng" algn="ctr">
-                      <a:solidFill>
-                        <a:schemeClr val="tx1"/>
-                      </a:solidFill>
-                      <a:prstDash val="solid"/>
-                      <a:round/>
-                      <a:headEnd type="none" w="med" len="med"/>
-                      <a:tailEnd type="none" w="med" len="med"/>
-                    </a:lnR>
-                    <a:lnT w="12700" cap="flat" cmpd="sng" algn="ctr">
-                      <a:solidFill>
-                        <a:schemeClr val="tx1"/>
-                      </a:solidFill>
-                      <a:prstDash val="solid"/>
-                      <a:round/>
-                      <a:headEnd type="none" w="med" len="med"/>
-                      <a:tailEnd type="none" w="med" len="med"/>
-                    </a:lnT>
-                    <a:lnB w="12700" cap="flat" cmpd="sng" algn="ctr">
-                      <a:solidFill>
-                        <a:schemeClr val="tx1"/>
-                      </a:solidFill>
-                      <a:prstDash val="solid"/>
-                      <a:round/>
-                      <a:headEnd type="none" w="med" len="med"/>
-                      <a:tailEnd type="none" w="med" len="med"/>
-                    </a:lnB>
-                    <a:solidFill>
-                      <a:schemeClr val="bg1"/>
-                    </a:solidFill>
-                  </a:tcPr>
-                </a:tc>
-                <a:tc>
-                  <a:txBody>
-                    <a:bodyPr/>
-                    <a:lstStyle/>
-                    <a:p>
-                      <a:pPr algn="r"/>
-                      <a:r>
-                        <a:rPr lang="de-DE" dirty="0"/>
-                        <a:t>20.03.19</a:t>
-                      </a:r>
-                    </a:p>
-                  </a:txBody>
-                  <a:tcPr anchor="ctr">
-                    <a:lnL w="12700" cap="flat" cmpd="sng" algn="ctr">
-                      <a:solidFill>
-                        <a:schemeClr val="tx1"/>
-                      </a:solidFill>
-                      <a:prstDash val="solid"/>
-                      <a:round/>
-                      <a:headEnd type="none" w="med" len="med"/>
-                      <a:tailEnd type="none" w="med" len="med"/>
-                    </a:lnL>
-                    <a:lnR w="12700" cap="flat" cmpd="sng" algn="ctr">
-                      <a:solidFill>
-                        <a:schemeClr val="tx1"/>
-                      </a:solidFill>
-                      <a:prstDash val="solid"/>
-                      <a:round/>
-                      <a:headEnd type="none" w="med" len="med"/>
-                      <a:tailEnd type="none" w="med" len="med"/>
-                    </a:lnR>
-                    <a:lnT w="12700" cap="flat" cmpd="sng" algn="ctr">
-                      <a:solidFill>
-                        <a:schemeClr val="tx1"/>
-                      </a:solidFill>
-                      <a:prstDash val="solid"/>
-                      <a:round/>
-                      <a:headEnd type="none" w="med" len="med"/>
-                      <a:tailEnd type="none" w="med" len="med"/>
-                    </a:lnT>
-                    <a:lnB w="12700" cap="flat" cmpd="sng" algn="ctr">
-                      <a:solidFill>
-                        <a:schemeClr val="tx1"/>
-                      </a:solidFill>
-                      <a:prstDash val="solid"/>
-                      <a:round/>
-                      <a:headEnd type="none" w="med" len="med"/>
-                      <a:tailEnd type="none" w="med" len="med"/>
-                    </a:lnB>
-                    <a:solidFill>
-                      <a:schemeClr val="bg1"/>
-                    </a:solidFill>
-                  </a:tcPr>
-                </a:tc>
-                <a:tc>
-                  <a:txBody>
-                    <a:bodyPr/>
-                    <a:lstStyle/>
-                    <a:p>
-                      <a:pPr algn="r"/>
-                      <a:r>
-                        <a:rPr lang="de-DE" dirty="0"/>
-                        <a:t>0%</a:t>
-                      </a:r>
-                    </a:p>
-                  </a:txBody>
-                  <a:tcPr anchor="ctr">
-                    <a:lnL w="12700" cap="flat" cmpd="sng" algn="ctr">
-                      <a:solidFill>
-                        <a:schemeClr val="tx1"/>
-                      </a:solidFill>
-                      <a:prstDash val="solid"/>
-                      <a:round/>
-                      <a:headEnd type="none" w="med" len="med"/>
-                      <a:tailEnd type="none" w="med" len="med"/>
-                    </a:lnL>
-                    <a:lnR w="12700" cap="flat" cmpd="sng" algn="ctr">
-                      <a:solidFill>
-                        <a:schemeClr val="tx1"/>
-                      </a:solidFill>
-                      <a:prstDash val="solid"/>
-                      <a:round/>
-                      <a:headEnd type="none" w="med" len="med"/>
-                      <a:tailEnd type="none" w="med" len="med"/>
-                    </a:lnR>
-                    <a:lnT w="12700" cap="flat" cmpd="sng" algn="ctr">
-                      <a:solidFill>
-                        <a:schemeClr val="tx1"/>
-                      </a:solidFill>
-                      <a:prstDash val="solid"/>
-                      <a:round/>
-                      <a:headEnd type="none" w="med" len="med"/>
-                      <a:tailEnd type="none" w="med" len="med"/>
-                    </a:lnT>
-                    <a:lnB w="12700" cap="flat" cmpd="sng" algn="ctr">
-                      <a:solidFill>
-                        <a:schemeClr val="tx1"/>
-                      </a:solidFill>
-                      <a:prstDash val="solid"/>
-                      <a:round/>
-                      <a:headEnd type="none" w="med" len="med"/>
-                      <a:tailEnd type="none" w="med" len="med"/>
-                    </a:lnB>
-                    <a:solidFill>
-                      <a:schemeClr val="bg1"/>
-                    </a:solidFill>
-                  </a:tcPr>
-                </a:tc>
-                <a:tc>
-                  <a:txBody>
-                    <a:bodyPr/>
-                    <a:lstStyle/>
-                    <a:p>
-                      <a:pPr algn="r"/>
-                      <a:r>
-                        <a:rPr lang="de-DE" dirty="0"/>
-                        <a:t>0%</a:t>
-                      </a:r>
-                    </a:p>
-                  </a:txBody>
-                  <a:tcPr anchor="ctr">
-                    <a:lnL w="12700" cap="flat" cmpd="sng" algn="ctr">
-                      <a:solidFill>
-                        <a:schemeClr val="tx1"/>
-                      </a:solidFill>
-                      <a:prstDash val="solid"/>
-                      <a:round/>
-                      <a:headEnd type="none" w="med" len="med"/>
-                      <a:tailEnd type="none" w="med" len="med"/>
-                    </a:lnL>
-                    <a:lnR w="12700" cap="flat" cmpd="sng" algn="ctr">
-                      <a:solidFill>
-                        <a:schemeClr val="tx1"/>
-                      </a:solidFill>
-                      <a:prstDash val="solid"/>
-                      <a:round/>
-                      <a:headEnd type="none" w="med" len="med"/>
-                      <a:tailEnd type="none" w="med" len="med"/>
-                    </a:lnR>
-                    <a:lnT w="12700" cap="flat" cmpd="sng" algn="ctr">
-                      <a:solidFill>
-                        <a:schemeClr val="tx1"/>
-                      </a:solidFill>
-                      <a:prstDash val="solid"/>
-                      <a:round/>
-                      <a:headEnd type="none" w="med" len="med"/>
-                      <a:tailEnd type="none" w="med" len="med"/>
-                    </a:lnT>
-                    <a:lnB w="12700" cap="flat" cmpd="sng" algn="ctr">
-                      <a:solidFill>
-                        <a:schemeClr val="tx1"/>
-                      </a:solidFill>
-                      <a:prstDash val="solid"/>
-                      <a:round/>
-                      <a:headEnd type="none" w="med" len="med"/>
-                      <a:tailEnd type="none" w="med" len="med"/>
-                    </a:lnB>
-                    <a:solidFill>
-                      <a:schemeClr val="bg1"/>
-                    </a:solidFill>
-                  </a:tcPr>
-                </a:tc>
+              </p:cNvPr>
+              <p:cNvSpPr/>
+              <p:nvPr/>
+            </p:nvSpPr>
+            <p:spPr>
+              <a:xfrm>
+                <a:off x="1780031" y="1499917"/>
+                <a:ext cx="4723201" cy="1566915"/>
+              </a:xfrm>
+              <a:prstGeom prst="rect">
+                <a:avLst/>
+              </a:prstGeom>
+              <a:solidFill>
+                <a:schemeClr val="bg1"/>
+              </a:solidFill>
+              <a:ln>
+                <a:solidFill>
+                  <a:schemeClr val="tx1"/>
+                </a:solidFill>
+              </a:ln>
+            </p:spPr>
+            <p:style>
+              <a:lnRef idx="2">
+                <a:schemeClr val="accent1">
+                  <a:shade val="50000"/>
+                </a:schemeClr>
+              </a:lnRef>
+              <a:fillRef idx="1">
+                <a:schemeClr val="accent1"/>
+              </a:fillRef>
+              <a:effectRef idx="0">
+                <a:schemeClr val="accent1"/>
+              </a:effectRef>
+              <a:fontRef idx="minor">
+                <a:schemeClr val="lt1"/>
+              </a:fontRef>
+            </p:style>
+            <p:txBody>
+              <a:bodyPr tIns="180000" rtlCol="0" anchor="t"/>
+              <a:lstStyle/>
+              <a:p>
+                <a:pPr marL="285750" indent="-285750">
+                  <a:buFont typeface="Arial" panose="020B0604020202020204" pitchFamily="34" charset="0"/>
+                  <a:buChar char="•"/>
+                </a:pPr>
+                <a:endParaRPr lang="de-DE" dirty="0">
+                  <a:solidFill>
+                    <a:schemeClr val="tx1"/>
+                  </a:solidFill>
+                </a:endParaRPr>
+              </a:p>
+            </p:txBody>
+          </p:sp>
+          <p:sp>
+            <p:nvSpPr>
+              <p:cNvPr id="27" name="Rechteck 26">
                 <a:extLst>
-                  <a:ext uri="{0D108BD9-81ED-4DB2-BD59-A6C34878D82A}">
-                    <a16:rowId xmlns:a16="http://schemas.microsoft.com/office/drawing/2014/main" xmlns="" val="10004"/>
+                  <a:ext uri="{FF2B5EF4-FFF2-40B4-BE49-F238E27FC236}">
+                    <a16:creationId xmlns:a16="http://schemas.microsoft.com/office/drawing/2014/main" id="{A6C74FE9-D83D-2346-A400-58BA4229E830}"/>
                   </a:ext>
                 </a:extLst>
-              </a:tr>
-              <a:tr h="449362">
-                <a:tc>
-                  <a:txBody>
-                    <a:bodyPr/>
-                    <a:lstStyle/>
-                    <a:p>
-                      <a:r>
-                        <a:rPr lang="de-DE" dirty="0"/>
-                        <a:t>AP 5: Verifikation</a:t>
-                      </a:r>
-                    </a:p>
-                  </a:txBody>
-                  <a:tcPr anchor="ctr">
-                    <a:lnL w="12700" cap="flat" cmpd="sng" algn="ctr">
-                      <a:solidFill>
-                        <a:schemeClr val="tx1"/>
-                      </a:solidFill>
-                      <a:prstDash val="solid"/>
-                      <a:round/>
-                      <a:headEnd type="none" w="med" len="med"/>
-                      <a:tailEnd type="none" w="med" len="med"/>
-                    </a:lnL>
-                    <a:lnR w="12700" cap="flat" cmpd="sng" algn="ctr">
-                      <a:solidFill>
-                        <a:schemeClr val="tx1"/>
-                      </a:solidFill>
-                      <a:prstDash val="solid"/>
-                      <a:round/>
-                      <a:headEnd type="none" w="med" len="med"/>
-                      <a:tailEnd type="none" w="med" len="med"/>
-                    </a:lnR>
-                    <a:lnT w="12700" cap="flat" cmpd="sng" algn="ctr">
-                      <a:solidFill>
-                        <a:schemeClr val="tx1"/>
-                      </a:solidFill>
-                      <a:prstDash val="solid"/>
-                      <a:round/>
-                      <a:headEnd type="none" w="med" len="med"/>
-                      <a:tailEnd type="none" w="med" len="med"/>
-                    </a:lnT>
-                    <a:lnB w="12700" cap="flat" cmpd="sng" algn="ctr">
-                      <a:solidFill>
-                        <a:schemeClr val="tx1"/>
-                      </a:solidFill>
-                      <a:prstDash val="solid"/>
-                      <a:round/>
-                      <a:headEnd type="none" w="med" len="med"/>
-                      <a:tailEnd type="none" w="med" len="med"/>
-                    </a:lnB>
+              </p:cNvPr>
+              <p:cNvSpPr/>
+              <p:nvPr/>
+            </p:nvSpPr>
+            <p:spPr>
+              <a:xfrm>
+                <a:off x="1977040" y="1330903"/>
+                <a:ext cx="1403852" cy="338027"/>
+              </a:xfrm>
+              <a:prstGeom prst="rect">
+                <a:avLst/>
+              </a:prstGeom>
+              <a:solidFill>
+                <a:schemeClr val="bg1"/>
+              </a:solidFill>
+              <a:ln>
+                <a:noFill/>
+              </a:ln>
+            </p:spPr>
+            <p:style>
+              <a:lnRef idx="2">
+                <a:schemeClr val="accent1">
+                  <a:shade val="50000"/>
+                </a:schemeClr>
+              </a:lnRef>
+              <a:fillRef idx="1">
+                <a:schemeClr val="accent1"/>
+              </a:fillRef>
+              <a:effectRef idx="0">
+                <a:schemeClr val="accent1"/>
+              </a:effectRef>
+              <a:fontRef idx="minor">
+                <a:schemeClr val="lt1"/>
+              </a:fontRef>
+            </p:style>
+            <p:txBody>
+              <a:bodyPr rtlCol="0" anchor="ctr"/>
+              <a:lstStyle/>
+              <a:p>
+                <a:r>
+                  <a:rPr lang="de-DE" b="1" dirty="0">
                     <a:solidFill>
-                      <a:schemeClr val="bg1"/>
+                      <a:schemeClr val="accent4"/>
                     </a:solidFill>
-                  </a:tcPr>
-                </a:tc>
-                <a:tc>
-                  <a:txBody>
-                    <a:bodyPr/>
-                    <a:lstStyle/>
-                    <a:p>
-                      <a:pPr algn="r"/>
-                      <a:r>
-                        <a:rPr lang="de-DE" dirty="0"/>
-                        <a:t>17.04.19</a:t>
-                      </a:r>
-                    </a:p>
-                  </a:txBody>
-                  <a:tcPr anchor="ctr">
-                    <a:lnL w="12700" cap="flat" cmpd="sng" algn="ctr">
-                      <a:solidFill>
-                        <a:schemeClr val="tx1"/>
-                      </a:solidFill>
-                      <a:prstDash val="solid"/>
-                      <a:round/>
-                      <a:headEnd type="none" w="med" len="med"/>
-                      <a:tailEnd type="none" w="med" len="med"/>
-                    </a:lnL>
-                    <a:lnR w="12700" cap="flat" cmpd="sng" algn="ctr">
-                      <a:solidFill>
-                        <a:schemeClr val="tx1"/>
-                      </a:solidFill>
-                      <a:prstDash val="solid"/>
-                      <a:round/>
-                      <a:headEnd type="none" w="med" len="med"/>
-                      <a:tailEnd type="none" w="med" len="med"/>
-                    </a:lnR>
-                    <a:lnT w="12700" cap="flat" cmpd="sng" algn="ctr">
-                      <a:solidFill>
-                        <a:schemeClr val="tx1"/>
-                      </a:solidFill>
-                      <a:prstDash val="solid"/>
-                      <a:round/>
-                      <a:headEnd type="none" w="med" len="med"/>
-                      <a:tailEnd type="none" w="med" len="med"/>
-                    </a:lnT>
-                    <a:lnB w="12700" cap="flat" cmpd="sng" algn="ctr">
-                      <a:solidFill>
-                        <a:schemeClr val="tx1"/>
-                      </a:solidFill>
-                      <a:prstDash val="solid"/>
-                      <a:round/>
-                      <a:headEnd type="none" w="med" len="med"/>
-                      <a:tailEnd type="none" w="med" len="med"/>
-                    </a:lnB>
-                    <a:solidFill>
-                      <a:schemeClr val="bg1"/>
-                    </a:solidFill>
-                  </a:tcPr>
-                </a:tc>
-                <a:tc>
-                  <a:txBody>
-                    <a:bodyPr/>
-                    <a:lstStyle/>
-                    <a:p>
-                      <a:pPr algn="r"/>
-                      <a:r>
-                        <a:rPr lang="de-DE" dirty="0"/>
-                        <a:t>0%</a:t>
-                      </a:r>
-                    </a:p>
-                  </a:txBody>
-                  <a:tcPr anchor="ctr">
-                    <a:lnL w="12700" cap="flat" cmpd="sng" algn="ctr">
-                      <a:solidFill>
-                        <a:schemeClr val="tx1"/>
-                      </a:solidFill>
-                      <a:prstDash val="solid"/>
-                      <a:round/>
-                      <a:headEnd type="none" w="med" len="med"/>
-                      <a:tailEnd type="none" w="med" len="med"/>
-                    </a:lnL>
-                    <a:lnR w="12700" cap="flat" cmpd="sng" algn="ctr">
-                      <a:solidFill>
-                        <a:schemeClr val="tx1"/>
-                      </a:solidFill>
-                      <a:prstDash val="solid"/>
-                      <a:round/>
-                      <a:headEnd type="none" w="med" len="med"/>
-                      <a:tailEnd type="none" w="med" len="med"/>
-                    </a:lnR>
-                    <a:lnT w="12700" cap="flat" cmpd="sng" algn="ctr">
-                      <a:solidFill>
-                        <a:schemeClr val="tx1"/>
-                      </a:solidFill>
-                      <a:prstDash val="solid"/>
-                      <a:round/>
-                      <a:headEnd type="none" w="med" len="med"/>
-                      <a:tailEnd type="none" w="med" len="med"/>
-                    </a:lnT>
-                    <a:lnB w="12700" cap="flat" cmpd="sng" algn="ctr">
-                      <a:solidFill>
-                        <a:schemeClr val="tx1"/>
-                      </a:solidFill>
-                      <a:prstDash val="solid"/>
-                      <a:round/>
-                      <a:headEnd type="none" w="med" len="med"/>
-                      <a:tailEnd type="none" w="med" len="med"/>
-                    </a:lnB>
-                    <a:solidFill>
-                      <a:schemeClr val="bg1"/>
-                    </a:solidFill>
-                  </a:tcPr>
-                </a:tc>
-                <a:tc>
-                  <a:txBody>
-                    <a:bodyPr/>
-                    <a:lstStyle/>
-                    <a:p>
-                      <a:pPr algn="r"/>
-                      <a:r>
-                        <a:rPr lang="de-DE" dirty="0"/>
-                        <a:t>0%</a:t>
-                      </a:r>
-                    </a:p>
-                  </a:txBody>
-                  <a:tcPr anchor="ctr">
-                    <a:lnL w="12700" cap="flat" cmpd="sng" algn="ctr">
-                      <a:solidFill>
-                        <a:schemeClr val="tx1"/>
-                      </a:solidFill>
-                      <a:prstDash val="solid"/>
-                      <a:round/>
-                      <a:headEnd type="none" w="med" len="med"/>
-                      <a:tailEnd type="none" w="med" len="med"/>
-                    </a:lnL>
-                    <a:lnR w="12700" cap="flat" cmpd="sng" algn="ctr">
-                      <a:solidFill>
-                        <a:schemeClr val="tx1"/>
-                      </a:solidFill>
-                      <a:prstDash val="solid"/>
-                      <a:round/>
-                      <a:headEnd type="none" w="med" len="med"/>
-                      <a:tailEnd type="none" w="med" len="med"/>
-                    </a:lnR>
-                    <a:lnT w="12700" cap="flat" cmpd="sng" algn="ctr">
-                      <a:solidFill>
-                        <a:schemeClr val="tx1"/>
-                      </a:solidFill>
-                      <a:prstDash val="solid"/>
-                      <a:round/>
-                      <a:headEnd type="none" w="med" len="med"/>
-                      <a:tailEnd type="none" w="med" len="med"/>
-                    </a:lnT>
-                    <a:lnB w="12700" cap="flat" cmpd="sng" algn="ctr">
-                      <a:solidFill>
-                        <a:schemeClr val="tx1"/>
-                      </a:solidFill>
-                      <a:prstDash val="solid"/>
-                      <a:round/>
-                      <a:headEnd type="none" w="med" len="med"/>
-                      <a:tailEnd type="none" w="med" len="med"/>
-                    </a:lnB>
-                    <a:solidFill>
-                      <a:schemeClr val="bg1"/>
-                    </a:solidFill>
-                  </a:tcPr>
-                </a:tc>
+                  </a:rPr>
+                  <a:t>Verifikation</a:t>
+                </a:r>
+              </a:p>
+            </p:txBody>
+          </p:sp>
+        </p:grpSp>
+        <p:sp>
+          <p:nvSpPr>
+            <p:cNvPr id="25" name="Rechteck 24">
+              <a:extLst>
+                <a:ext uri="{FF2B5EF4-FFF2-40B4-BE49-F238E27FC236}">
+                  <a16:creationId xmlns:a16="http://schemas.microsoft.com/office/drawing/2014/main" id="{1EDE063D-852E-324C-A77E-EFB1A1CCD783}"/>
+                </a:ext>
+              </a:extLst>
+            </p:cNvPr>
+            <p:cNvSpPr/>
+            <p:nvPr/>
+          </p:nvSpPr>
+          <p:spPr>
+            <a:xfrm>
+              <a:off x="4360127" y="1484312"/>
+              <a:ext cx="1044497" cy="338027"/>
+            </a:xfrm>
+            <a:prstGeom prst="rect">
+              <a:avLst/>
+            </a:prstGeom>
+            <a:solidFill>
+              <a:schemeClr val="bg1"/>
+            </a:solidFill>
+            <a:ln>
+              <a:noFill/>
+            </a:ln>
+          </p:spPr>
+          <p:style>
+            <a:lnRef idx="2">
+              <a:schemeClr val="accent1">
+                <a:shade val="50000"/>
+              </a:schemeClr>
+            </a:lnRef>
+            <a:fillRef idx="1">
+              <a:schemeClr val="accent1"/>
+            </a:fillRef>
+            <a:effectRef idx="0">
+              <a:schemeClr val="accent1"/>
+            </a:effectRef>
+            <a:fontRef idx="minor">
+              <a:schemeClr val="lt1"/>
+            </a:fontRef>
+          </p:style>
+          <p:txBody>
+            <a:bodyPr rtlCol="0" anchor="ctr"/>
+            <a:lstStyle/>
+            <a:p>
+              <a:pPr algn="r"/>
+              <a:r>
+                <a:rPr lang="de-DE" b="1" dirty="0">
+                  <a:solidFill>
+                    <a:schemeClr val="tx1"/>
+                  </a:solidFill>
+                </a:rPr>
+                <a:t>17.04.19</a:t>
+              </a:r>
+            </a:p>
+          </p:txBody>
+        </p:sp>
+      </p:grpSp>
+      <p:grpSp>
+        <p:nvGrpSpPr>
+          <p:cNvPr id="28" name="Gruppieren 27">
+            <a:extLst>
+              <a:ext uri="{FF2B5EF4-FFF2-40B4-BE49-F238E27FC236}">
+                <a16:creationId xmlns:a16="http://schemas.microsoft.com/office/drawing/2014/main" id="{076AA3C9-476D-4D45-B8BE-E0951E23CBCF}"/>
+              </a:ext>
+            </a:extLst>
+          </p:cNvPr>
+          <p:cNvGrpSpPr/>
+          <p:nvPr/>
+        </p:nvGrpSpPr>
+        <p:grpSpPr>
+          <a:xfrm>
+            <a:off x="6948404" y="4711724"/>
+            <a:ext cx="4723201" cy="1110688"/>
+            <a:chOff x="874711" y="1484312"/>
+            <a:chExt cx="4723201" cy="1110688"/>
+          </a:xfrm>
+        </p:grpSpPr>
+        <p:grpSp>
+          <p:nvGrpSpPr>
+            <p:cNvPr id="29" name="Gruppieren 28">
+              <a:extLst>
+                <a:ext uri="{FF2B5EF4-FFF2-40B4-BE49-F238E27FC236}">
+                  <a16:creationId xmlns:a16="http://schemas.microsoft.com/office/drawing/2014/main" id="{B404C1CC-6DF7-B648-9CCB-5E2E9AFEB672}"/>
+                </a:ext>
+              </a:extLst>
+            </p:cNvPr>
+            <p:cNvGrpSpPr/>
+            <p:nvPr/>
+          </p:nvGrpSpPr>
+          <p:grpSpPr>
+            <a:xfrm>
+              <a:off x="874711" y="1484313"/>
+              <a:ext cx="4723201" cy="1110687"/>
+              <a:chOff x="1780031" y="1330903"/>
+              <a:chExt cx="4723201" cy="1110687"/>
+            </a:xfrm>
+          </p:grpSpPr>
+          <p:sp>
+            <p:nvSpPr>
+              <p:cNvPr id="31" name="Rechteck 30">
                 <a:extLst>
-                  <a:ext uri="{0D108BD9-81ED-4DB2-BD59-A6C34878D82A}">
-                    <a16:rowId xmlns:a16="http://schemas.microsoft.com/office/drawing/2014/main" xmlns="" val="10005"/>
+                  <a:ext uri="{FF2B5EF4-FFF2-40B4-BE49-F238E27FC236}">
+                    <a16:creationId xmlns:a16="http://schemas.microsoft.com/office/drawing/2014/main" id="{4BDB37D7-D054-A942-8D6D-F9B2EF0F9FF6}"/>
                   </a:ext>
                 </a:extLst>
-              </a:tr>
-              <a:tr h="449362">
-                <a:tc>
-                  <a:txBody>
-                    <a:bodyPr/>
-                    <a:lstStyle/>
-                    <a:p>
-                      <a:r>
-                        <a:rPr lang="de-DE" dirty="0"/>
-                        <a:t>AP 6: Abgabe</a:t>
-                      </a:r>
-                    </a:p>
-                  </a:txBody>
-                  <a:tcPr anchor="ctr">
-                    <a:lnL w="12700" cap="flat" cmpd="sng" algn="ctr">
-                      <a:solidFill>
-                        <a:schemeClr val="tx1"/>
-                      </a:solidFill>
-                      <a:prstDash val="solid"/>
-                      <a:round/>
-                      <a:headEnd type="none" w="med" len="med"/>
-                      <a:tailEnd type="none" w="med" len="med"/>
-                    </a:lnL>
-                    <a:lnR w="12700" cap="flat" cmpd="sng" algn="ctr">
-                      <a:solidFill>
-                        <a:schemeClr val="tx1"/>
-                      </a:solidFill>
-                      <a:prstDash val="solid"/>
-                      <a:round/>
-                      <a:headEnd type="none" w="med" len="med"/>
-                      <a:tailEnd type="none" w="med" len="med"/>
-                    </a:lnR>
-                    <a:lnT w="12700" cap="flat" cmpd="sng" algn="ctr">
-                      <a:solidFill>
-                        <a:schemeClr val="tx1"/>
-                      </a:solidFill>
-                      <a:prstDash val="solid"/>
-                      <a:round/>
-                      <a:headEnd type="none" w="med" len="med"/>
-                      <a:tailEnd type="none" w="med" len="med"/>
-                    </a:lnT>
-                    <a:lnB w="12700" cap="flat" cmpd="sng" algn="ctr">
-                      <a:solidFill>
-                        <a:schemeClr val="tx1"/>
-                      </a:solidFill>
-                      <a:prstDash val="solid"/>
-                      <a:round/>
-                      <a:headEnd type="none" w="med" len="med"/>
-                      <a:tailEnd type="none" w="med" len="med"/>
-                    </a:lnB>
+              </p:cNvPr>
+              <p:cNvSpPr/>
+              <p:nvPr/>
+            </p:nvSpPr>
+            <p:spPr>
+              <a:xfrm>
+                <a:off x="1780031" y="1499918"/>
+                <a:ext cx="4723201" cy="941672"/>
+              </a:xfrm>
+              <a:prstGeom prst="rect">
+                <a:avLst/>
+              </a:prstGeom>
+              <a:solidFill>
+                <a:schemeClr val="bg1"/>
+              </a:solidFill>
+              <a:ln>
+                <a:solidFill>
+                  <a:schemeClr val="tx1"/>
+                </a:solidFill>
+              </a:ln>
+            </p:spPr>
+            <p:style>
+              <a:lnRef idx="2">
+                <a:schemeClr val="accent1">
+                  <a:shade val="50000"/>
+                </a:schemeClr>
+              </a:lnRef>
+              <a:fillRef idx="1">
+                <a:schemeClr val="accent1"/>
+              </a:fillRef>
+              <a:effectRef idx="0">
+                <a:schemeClr val="accent1"/>
+              </a:effectRef>
+              <a:fontRef idx="minor">
+                <a:schemeClr val="lt1"/>
+              </a:fontRef>
+            </p:style>
+            <p:txBody>
+              <a:bodyPr tIns="180000" rtlCol="0" anchor="t"/>
+              <a:lstStyle/>
+              <a:p>
+                <a:pPr marL="285750" indent="-285750">
+                  <a:buFont typeface="Arial" panose="020B0604020202020204" pitchFamily="34" charset="0"/>
+                  <a:buChar char="•"/>
+                </a:pPr>
+                <a:r>
+                  <a:rPr lang="de-DE" dirty="0">
                     <a:solidFill>
-                      <a:schemeClr val="bg1"/>
+                      <a:schemeClr val="tx1"/>
                     </a:solidFill>
-                  </a:tcPr>
-                </a:tc>
-                <a:tc>
-                  <a:txBody>
-                    <a:bodyPr/>
-                    <a:lstStyle/>
-                    <a:p>
-                      <a:pPr algn="r"/>
-                      <a:r>
-                        <a:rPr lang="de-DE" dirty="0"/>
-                        <a:t>02.05.19</a:t>
-                      </a:r>
-                    </a:p>
-                  </a:txBody>
-                  <a:tcPr anchor="ctr">
-                    <a:lnL w="12700" cap="flat" cmpd="sng" algn="ctr">
-                      <a:solidFill>
-                        <a:schemeClr val="tx1"/>
-                      </a:solidFill>
-                      <a:prstDash val="solid"/>
-                      <a:round/>
-                      <a:headEnd type="none" w="med" len="med"/>
-                      <a:tailEnd type="none" w="med" len="med"/>
-                    </a:lnL>
-                    <a:lnR w="12700" cap="flat" cmpd="sng" algn="ctr">
-                      <a:solidFill>
-                        <a:schemeClr val="tx1"/>
-                      </a:solidFill>
-                      <a:prstDash val="solid"/>
-                      <a:round/>
-                      <a:headEnd type="none" w="med" len="med"/>
-                      <a:tailEnd type="none" w="med" len="med"/>
-                    </a:lnR>
-                    <a:lnT w="12700" cap="flat" cmpd="sng" algn="ctr">
-                      <a:solidFill>
-                        <a:schemeClr val="tx1"/>
-                      </a:solidFill>
-                      <a:prstDash val="solid"/>
-                      <a:round/>
-                      <a:headEnd type="none" w="med" len="med"/>
-                      <a:tailEnd type="none" w="med" len="med"/>
-                    </a:lnT>
-                    <a:lnB w="12700" cap="flat" cmpd="sng" algn="ctr">
-                      <a:solidFill>
-                        <a:schemeClr val="tx1"/>
-                      </a:solidFill>
-                      <a:prstDash val="solid"/>
-                      <a:round/>
-                      <a:headEnd type="none" w="med" len="med"/>
-                      <a:tailEnd type="none" w="med" len="med"/>
-                    </a:lnB>
-                    <a:solidFill>
-                      <a:schemeClr val="bg1"/>
-                    </a:solidFill>
-                  </a:tcPr>
-                </a:tc>
-                <a:tc>
-                  <a:txBody>
-                    <a:bodyPr/>
-                    <a:lstStyle/>
-                    <a:p>
-                      <a:pPr algn="r"/>
-                      <a:r>
-                        <a:rPr lang="de-DE" dirty="0"/>
-                        <a:t>0%</a:t>
-                      </a:r>
-                    </a:p>
-                  </a:txBody>
-                  <a:tcPr anchor="ctr">
-                    <a:lnL w="12700" cap="flat" cmpd="sng" algn="ctr">
-                      <a:solidFill>
-                        <a:schemeClr val="tx1"/>
-                      </a:solidFill>
-                      <a:prstDash val="solid"/>
-                      <a:round/>
-                      <a:headEnd type="none" w="med" len="med"/>
-                      <a:tailEnd type="none" w="med" len="med"/>
-                    </a:lnL>
-                    <a:lnR w="12700" cap="flat" cmpd="sng" algn="ctr">
-                      <a:solidFill>
-                        <a:schemeClr val="tx1"/>
-                      </a:solidFill>
-                      <a:prstDash val="solid"/>
-                      <a:round/>
-                      <a:headEnd type="none" w="med" len="med"/>
-                      <a:tailEnd type="none" w="med" len="med"/>
-                    </a:lnR>
-                    <a:lnT w="12700" cap="flat" cmpd="sng" algn="ctr">
-                      <a:solidFill>
-                        <a:schemeClr val="tx1"/>
-                      </a:solidFill>
-                      <a:prstDash val="solid"/>
-                      <a:round/>
-                      <a:headEnd type="none" w="med" len="med"/>
-                      <a:tailEnd type="none" w="med" len="med"/>
-                    </a:lnT>
-                    <a:lnB w="12700" cap="flat" cmpd="sng" algn="ctr">
-                      <a:solidFill>
-                        <a:schemeClr val="tx1"/>
-                      </a:solidFill>
-                      <a:prstDash val="solid"/>
-                      <a:round/>
-                      <a:headEnd type="none" w="med" len="med"/>
-                      <a:tailEnd type="none" w="med" len="med"/>
-                    </a:lnB>
-                    <a:solidFill>
-                      <a:schemeClr val="bg1"/>
-                    </a:solidFill>
-                  </a:tcPr>
-                </a:tc>
-                <a:tc>
-                  <a:txBody>
-                    <a:bodyPr/>
-                    <a:lstStyle/>
-                    <a:p>
-                      <a:pPr algn="r"/>
-                      <a:r>
-                        <a:rPr lang="de-DE" dirty="0"/>
-                        <a:t>0%</a:t>
-                      </a:r>
-                    </a:p>
-                  </a:txBody>
-                  <a:tcPr anchor="ctr">
-                    <a:lnL w="12700" cap="flat" cmpd="sng" algn="ctr">
-                      <a:solidFill>
-                        <a:schemeClr val="tx1"/>
-                      </a:solidFill>
-                      <a:prstDash val="solid"/>
-                      <a:round/>
-                      <a:headEnd type="none" w="med" len="med"/>
-                      <a:tailEnd type="none" w="med" len="med"/>
-                    </a:lnL>
-                    <a:lnR w="12700" cap="flat" cmpd="sng" algn="ctr">
-                      <a:solidFill>
-                        <a:schemeClr val="tx1"/>
-                      </a:solidFill>
-                      <a:prstDash val="solid"/>
-                      <a:round/>
-                      <a:headEnd type="none" w="med" len="med"/>
-                      <a:tailEnd type="none" w="med" len="med"/>
-                    </a:lnR>
-                    <a:lnT w="12700" cap="flat" cmpd="sng" algn="ctr">
-                      <a:solidFill>
-                        <a:schemeClr val="tx1"/>
-                      </a:solidFill>
-                      <a:prstDash val="solid"/>
-                      <a:round/>
-                      <a:headEnd type="none" w="med" len="med"/>
-                      <a:tailEnd type="none" w="med" len="med"/>
-                    </a:lnT>
-                    <a:lnB w="12700" cap="flat" cmpd="sng" algn="ctr">
-                      <a:solidFill>
-                        <a:schemeClr val="tx1"/>
-                      </a:solidFill>
-                      <a:prstDash val="solid"/>
-                      <a:round/>
-                      <a:headEnd type="none" w="med" len="med"/>
-                      <a:tailEnd type="none" w="med" len="med"/>
-                    </a:lnB>
-                    <a:solidFill>
-                      <a:schemeClr val="bg1"/>
-                    </a:solidFill>
-                  </a:tcPr>
-                </a:tc>
+                  </a:rPr>
+                  <a:t>Korrekturlesen</a:t>
+                </a:r>
+              </a:p>
+            </p:txBody>
+          </p:sp>
+          <p:sp>
+            <p:nvSpPr>
+              <p:cNvPr id="32" name="Rechteck 31">
                 <a:extLst>
-                  <a:ext uri="{0D108BD9-81ED-4DB2-BD59-A6C34878D82A}">
-                    <a16:rowId xmlns:a16="http://schemas.microsoft.com/office/drawing/2014/main" xmlns="" val="10006"/>
+                  <a:ext uri="{FF2B5EF4-FFF2-40B4-BE49-F238E27FC236}">
+                    <a16:creationId xmlns:a16="http://schemas.microsoft.com/office/drawing/2014/main" id="{3A6CCD76-DF2E-A745-8BA8-2A2DA3CA1050}"/>
                   </a:ext>
                 </a:extLst>
-              </a:tr>
-            </a:tbl>
-          </a:graphicData>
-        </a:graphic>
-      </p:graphicFrame>
-      <p:sp>
-        <p:nvSpPr>
-          <p:cNvPr id="5" name="Textfeld 4"/>
-          <p:cNvSpPr txBox="1"/>
-          <p:nvPr/>
-        </p:nvSpPr>
-        <p:spPr>
-          <a:xfrm>
-            <a:off x="874712" y="1214954"/>
-            <a:ext cx="3091103" cy="369332"/>
-          </a:xfrm>
-          <a:prstGeom prst="rect">
-            <a:avLst/>
-          </a:prstGeom>
-          <a:noFill/>
-        </p:spPr>
-        <p:txBody>
-          <a:bodyPr wrap="none" rtlCol="0">
-            <a:spAutoFit/>
-          </a:bodyPr>
-          <a:lstStyle/>
-          <a:p>
-            <a:r>
-              <a:rPr lang="de-DE" sz="1800" dirty="0"/>
-              <a:t>Betreuer: Sebastian Heinze</a:t>
-            </a:r>
-          </a:p>
-        </p:txBody>
-      </p:sp>
-      <p:sp>
-        <p:nvSpPr>
-          <p:cNvPr id="6" name="Textfeld 5"/>
-          <p:cNvSpPr txBox="1"/>
-          <p:nvPr/>
-        </p:nvSpPr>
-        <p:spPr>
-          <a:xfrm>
-            <a:off x="5365143" y="1214954"/>
-            <a:ext cx="3010761" cy="369332"/>
-          </a:xfrm>
-          <a:prstGeom prst="rect">
-            <a:avLst/>
-          </a:prstGeom>
-          <a:noFill/>
-        </p:spPr>
-        <p:txBody>
-          <a:bodyPr wrap="none" rtlCol="0">
-            <a:spAutoFit/>
-          </a:bodyPr>
-          <a:lstStyle/>
-          <a:p>
-            <a:pPr algn="r"/>
-            <a:r>
-              <a:rPr lang="de-DE" sz="1800" dirty="0"/>
-              <a:t>Abgabetermin: 02.05.2019</a:t>
-            </a:r>
-          </a:p>
-        </p:txBody>
-      </p:sp>
-      <p:sp>
-        <p:nvSpPr>
-          <p:cNvPr id="7" name="Textfeld 6"/>
-          <p:cNvSpPr txBox="1"/>
-          <p:nvPr/>
-        </p:nvSpPr>
-        <p:spPr>
-          <a:xfrm>
-            <a:off x="874711" y="4914486"/>
-            <a:ext cx="7501193" cy="584775"/>
-          </a:xfrm>
-          <a:prstGeom prst="rect">
-            <a:avLst/>
-          </a:prstGeom>
-          <a:noFill/>
-        </p:spPr>
-        <p:txBody>
-          <a:bodyPr wrap="square" rtlCol="0">
-            <a:spAutoFit/>
-          </a:bodyPr>
-          <a:lstStyle/>
-          <a:p>
-            <a:r>
-              <a:rPr lang="de-DE" sz="1600" b="1" dirty="0"/>
-              <a:t>Aktuelle Stand:</a:t>
-            </a:r>
-          </a:p>
-          <a:p>
-            <a:pPr marL="285750" indent="-285750">
-              <a:buFont typeface="Arial" panose="020B0604020202020204" pitchFamily="34" charset="0"/>
-              <a:buChar char="•"/>
-            </a:pPr>
-            <a:r>
-              <a:rPr lang="de-DE" sz="1600" dirty="0"/>
-              <a:t>Einarbeitung ins Thema</a:t>
-            </a:r>
-          </a:p>
-        </p:txBody>
-      </p:sp>
+              </p:cNvPr>
+              <p:cNvSpPr/>
+              <p:nvPr/>
+            </p:nvSpPr>
+            <p:spPr>
+              <a:xfrm>
+                <a:off x="1977040" y="1330903"/>
+                <a:ext cx="957804" cy="338027"/>
+              </a:xfrm>
+              <a:prstGeom prst="rect">
+                <a:avLst/>
+              </a:prstGeom>
+              <a:solidFill>
+                <a:schemeClr val="bg1"/>
+              </a:solidFill>
+              <a:ln>
+                <a:noFill/>
+              </a:ln>
+            </p:spPr>
+            <p:style>
+              <a:lnRef idx="2">
+                <a:schemeClr val="accent1">
+                  <a:shade val="50000"/>
+                </a:schemeClr>
+              </a:lnRef>
+              <a:fillRef idx="1">
+                <a:schemeClr val="accent1"/>
+              </a:fillRef>
+              <a:effectRef idx="0">
+                <a:schemeClr val="accent1"/>
+              </a:effectRef>
+              <a:fontRef idx="minor">
+                <a:schemeClr val="lt1"/>
+              </a:fontRef>
+            </p:style>
+            <p:txBody>
+              <a:bodyPr rtlCol="0" anchor="ctr"/>
+              <a:lstStyle/>
+              <a:p>
+                <a:r>
+                  <a:rPr lang="de-DE" b="1" dirty="0">
+                    <a:solidFill>
+                      <a:schemeClr val="accent4"/>
+                    </a:solidFill>
+                  </a:rPr>
+                  <a:t>Abgabe</a:t>
+                </a:r>
+              </a:p>
+            </p:txBody>
+          </p:sp>
+        </p:grpSp>
+        <p:sp>
+          <p:nvSpPr>
+            <p:cNvPr id="30" name="Rechteck 29">
+              <a:extLst>
+                <a:ext uri="{FF2B5EF4-FFF2-40B4-BE49-F238E27FC236}">
+                  <a16:creationId xmlns:a16="http://schemas.microsoft.com/office/drawing/2014/main" id="{117072ED-37EF-E943-B866-F06DD4235CB3}"/>
+                </a:ext>
+              </a:extLst>
+            </p:cNvPr>
+            <p:cNvSpPr/>
+            <p:nvPr/>
+          </p:nvSpPr>
+          <p:spPr>
+            <a:xfrm>
+              <a:off x="4360127" y="1484312"/>
+              <a:ext cx="1044497" cy="338027"/>
+            </a:xfrm>
+            <a:prstGeom prst="rect">
+              <a:avLst/>
+            </a:prstGeom>
+            <a:solidFill>
+              <a:schemeClr val="bg1"/>
+            </a:solidFill>
+            <a:ln>
+              <a:noFill/>
+            </a:ln>
+          </p:spPr>
+          <p:style>
+            <a:lnRef idx="2">
+              <a:schemeClr val="accent1">
+                <a:shade val="50000"/>
+              </a:schemeClr>
+            </a:lnRef>
+            <a:fillRef idx="1">
+              <a:schemeClr val="accent1"/>
+            </a:fillRef>
+            <a:effectRef idx="0">
+              <a:schemeClr val="accent1"/>
+            </a:effectRef>
+            <a:fontRef idx="minor">
+              <a:schemeClr val="lt1"/>
+            </a:fontRef>
+          </p:style>
+          <p:txBody>
+            <a:bodyPr rtlCol="0" anchor="ctr"/>
+            <a:lstStyle/>
+            <a:p>
+              <a:pPr algn="r"/>
+              <a:r>
+                <a:rPr lang="de-DE" b="1" dirty="0">
+                  <a:solidFill>
+                    <a:schemeClr val="tx1"/>
+                  </a:solidFill>
+                </a:rPr>
+                <a:t>02.05.19</a:t>
+              </a:r>
+            </a:p>
+          </p:txBody>
+        </p:sp>
+      </p:grpSp>
     </p:spTree>
     <p:extLst>
       <p:ext uri="{BB962C8B-B14F-4D97-AF65-F5344CB8AC3E}">
-        <p14:creationId xmlns:p14="http://schemas.microsoft.com/office/powerpoint/2010/main" val="1100166571"/>
+        <p14:creationId xmlns:p14="http://schemas.microsoft.com/office/powerpoint/2010/main" val="2570393360"/>
       </p:ext>
     </p:extLst>
   </p:cSld>
@@ -6161,17 +5789,13 @@
             </a:r>
             <a:r>
               <a:rPr lang="de-DE" dirty="0"/>
-              <a:t> </a:t>
-            </a:r>
-            <a:r>
-              <a:rPr lang="de-DE" dirty="0" smtClean="0"/>
-              <a:t>Automation</a:t>
+              <a:t> Automation</a:t>
             </a:r>
           </a:p>
           <a:p>
             <a:pPr lvl="1"/>
             <a:r>
-              <a:rPr lang="de-DE" smtClean="0"/>
+              <a:rPr lang="de-DE"/>
               <a:t>Symbolbild??</a:t>
             </a:r>
             <a:endParaRPr lang="de-DE" dirty="0"/>
@@ -6188,13 +5812,6 @@
   <p:clrMapOvr>
     <a:masterClrMapping/>
   </p:clrMapOvr>
-  <p:timing>
-    <p:tnLst>
-      <p:par>
-        <p:cTn id="1" dur="indefinite" restart="never" nodeType="tmRoot"/>
-      </p:par>
-    </p:tnLst>
-  </p:timing>
 </p:sld>
 </file>
 
@@ -6550,6 +6167,11 @@
           <a:prstGeom prst="line">
             <a:avLst/>
           </a:prstGeom>
+          <a:ln>
+            <a:solidFill>
+              <a:schemeClr val="accent4"/>
+            </a:solidFill>
+          </a:ln>
         </p:spPr>
         <p:style>
           <a:lnRef idx="1">
@@ -6615,6 +6237,11 @@
           <a:prstGeom prst="line">
             <a:avLst/>
           </a:prstGeom>
+          <a:ln>
+            <a:solidFill>
+              <a:schemeClr val="accent4"/>
+            </a:solidFill>
+          </a:ln>
         </p:spPr>
         <p:style>
           <a:lnRef idx="1">
@@ -7227,7 +6854,11 @@
           <a:solidFill>
             <a:schemeClr val="bg1"/>
           </a:solidFill>
-          <a:ln w="19050"/>
+          <a:ln w="19050">
+            <a:solidFill>
+              <a:schemeClr val="accent4"/>
+            </a:solidFill>
+          </a:ln>
         </p:spPr>
         <p:style>
           <a:lnRef idx="2">
@@ -7250,7 +6881,11 @@
           <a:lstStyle/>
           <a:p>
             <a:pPr algn="ctr"/>
-            <a:endParaRPr lang="de-DE"/>
+            <a:endParaRPr lang="de-DE">
+              <a:solidFill>
+                <a:schemeClr val="accent4"/>
+              </a:solidFill>
+            </a:endParaRPr>
           </a:p>
         </p:txBody>
       </p:sp>
@@ -7271,7 +6906,11 @@
           <a:solidFill>
             <a:schemeClr val="bg1"/>
           </a:solidFill>
-          <a:ln w="19050"/>
+          <a:ln w="19050">
+            <a:solidFill>
+              <a:schemeClr val="accent4"/>
+            </a:solidFill>
+          </a:ln>
         </p:spPr>
         <p:style>
           <a:lnRef idx="2">
@@ -7396,13 +7035,6 @@
   <p:clrMapOvr>
     <a:masterClrMapping/>
   </p:clrMapOvr>
-  <p:timing>
-    <p:tnLst>
-      <p:par>
-        <p:cTn id="1" dur="indefinite" restart="never" nodeType="tmRoot"/>
-      </p:par>
-    </p:tnLst>
-  </p:timing>
 </p:sld>
 </file>
 
@@ -7439,357 +7071,16 @@
           <a:lstStyle/>
           <a:p>
             <a:r>
-              <a:rPr lang="de-DE" dirty="0"/>
-              <a:t>Modulare Anlagen</a:t>
+              <a:rPr lang="de-DE" dirty="0">
+                <a:solidFill>
+                  <a:schemeClr val="accent4"/>
+                </a:solidFill>
+              </a:rPr>
+              <a:t>Menschen</a:t>
             </a:r>
-          </a:p>
-        </p:txBody>
-      </p:sp>
-      <p:sp>
-        <p:nvSpPr>
-          <p:cNvPr id="3" name="Inhaltsplatzhalter 2"/>
-          <p:cNvSpPr>
-            <a:spLocks noGrp="1"/>
-          </p:cNvSpPr>
-          <p:nvPr>
-            <p:ph sz="quarter" idx="10"/>
-          </p:nvPr>
-        </p:nvSpPr>
-        <p:spPr/>
-        <p:txBody>
-          <a:bodyPr/>
-          <a:lstStyle/>
-          <a:p>
-            <a:pPr lvl="1"/>
             <a:r>
               <a:rPr lang="de-DE" dirty="0"/>
-              <a:t>Flexibel</a:t>
-            </a:r>
-          </a:p>
-          <a:p>
-            <a:pPr lvl="1"/>
-            <a:r>
-              <a:rPr lang="de-DE" dirty="0"/>
-              <a:t>Anlage verändert sich schneller</a:t>
-            </a:r>
-          </a:p>
-          <a:p>
-            <a:pPr lvl="1"/>
-            <a:r>
-              <a:rPr lang="de-DE" dirty="0"/>
-              <a:t>Anlage wird anders betrieben, als herkömmliche Anlagen</a:t>
-            </a:r>
-          </a:p>
-          <a:p>
-            <a:pPr lvl="1"/>
-            <a:r>
-              <a:rPr lang="de-DE" dirty="0"/>
-              <a:t>Serviceorientierte Steuerung</a:t>
-            </a:r>
-          </a:p>
-        </p:txBody>
-      </p:sp>
-      <p:grpSp>
-        <p:nvGrpSpPr>
-          <p:cNvPr id="4" name="Gruppieren 3"/>
-          <p:cNvGrpSpPr>
-            <a:grpSpLocks noChangeAspect="1"/>
-          </p:cNvGrpSpPr>
-          <p:nvPr/>
-        </p:nvGrpSpPr>
-        <p:grpSpPr>
-          <a:xfrm>
-            <a:off x="11417044" y="66654"/>
-            <a:ext cx="720000" cy="575216"/>
-            <a:chOff x="9339072" y="2175478"/>
-            <a:chExt cx="2116327" cy="1690756"/>
-          </a:xfrm>
-          <a:solidFill>
-            <a:srgbClr val="000000"/>
-          </a:solidFill>
-        </p:grpSpPr>
-        <p:sp>
-          <p:nvSpPr>
-            <p:cNvPr id="5" name="Rechteck 4"/>
-            <p:cNvSpPr/>
-            <p:nvPr/>
-          </p:nvSpPr>
-          <p:spPr>
-            <a:xfrm>
-              <a:off x="9339072" y="2175478"/>
-              <a:ext cx="720000" cy="720000"/>
-            </a:xfrm>
-            <a:prstGeom prst="rect">
-              <a:avLst/>
-            </a:prstGeom>
-            <a:grpFill/>
-            <a:ln w="19050">
-              <a:solidFill>
-                <a:schemeClr val="bg2">
-                  <a:lumMod val="50000"/>
-                </a:schemeClr>
-              </a:solidFill>
-            </a:ln>
-          </p:spPr>
-          <p:style>
-            <a:lnRef idx="2">
-              <a:schemeClr val="accent1">
-                <a:shade val="50000"/>
-              </a:schemeClr>
-            </a:lnRef>
-            <a:fillRef idx="1">
-              <a:schemeClr val="accent1"/>
-            </a:fillRef>
-            <a:effectRef idx="0">
-              <a:schemeClr val="accent1"/>
-            </a:effectRef>
-            <a:fontRef idx="minor">
-              <a:schemeClr val="lt1"/>
-            </a:fontRef>
-          </p:style>
-          <p:txBody>
-            <a:bodyPr rtlCol="0" anchor="ctr"/>
-            <a:lstStyle/>
-            <a:p>
-              <a:pPr algn="ctr"/>
-              <a:endParaRPr lang="de-DE"/>
-            </a:p>
-          </p:txBody>
-        </p:sp>
-        <p:sp>
-          <p:nvSpPr>
-            <p:cNvPr id="6" name="Rechteck 5"/>
-            <p:cNvSpPr/>
-            <p:nvPr/>
-          </p:nvSpPr>
-          <p:spPr>
-            <a:xfrm>
-              <a:off x="10735399" y="2554145"/>
-              <a:ext cx="720000" cy="720000"/>
-            </a:xfrm>
-            <a:prstGeom prst="rect">
-              <a:avLst/>
-            </a:prstGeom>
-            <a:grpFill/>
-            <a:ln w="19050">
-              <a:solidFill>
-                <a:schemeClr val="bg2">
-                  <a:lumMod val="50000"/>
-                </a:schemeClr>
-              </a:solidFill>
-            </a:ln>
-          </p:spPr>
-          <p:style>
-            <a:lnRef idx="2">
-              <a:schemeClr val="accent1">
-                <a:shade val="50000"/>
-              </a:schemeClr>
-            </a:lnRef>
-            <a:fillRef idx="1">
-              <a:schemeClr val="accent1"/>
-            </a:fillRef>
-            <a:effectRef idx="0">
-              <a:schemeClr val="accent1"/>
-            </a:effectRef>
-            <a:fontRef idx="minor">
-              <a:schemeClr val="lt1"/>
-            </a:fontRef>
-          </p:style>
-          <p:txBody>
-            <a:bodyPr rtlCol="0" anchor="ctr"/>
-            <a:lstStyle/>
-            <a:p>
-              <a:pPr algn="ctr"/>
-              <a:endParaRPr lang="de-DE"/>
-            </a:p>
-          </p:txBody>
-        </p:sp>
-        <p:sp>
-          <p:nvSpPr>
-            <p:cNvPr id="7" name="Rechteck 6"/>
-            <p:cNvSpPr/>
-            <p:nvPr/>
-          </p:nvSpPr>
-          <p:spPr>
-            <a:xfrm>
-              <a:off x="9344533" y="3146234"/>
-              <a:ext cx="720000" cy="720000"/>
-            </a:xfrm>
-            <a:prstGeom prst="rect">
-              <a:avLst/>
-            </a:prstGeom>
-            <a:grpFill/>
-            <a:ln w="19050">
-              <a:solidFill>
-                <a:schemeClr val="bg2">
-                  <a:lumMod val="50000"/>
-                </a:schemeClr>
-              </a:solidFill>
-            </a:ln>
-          </p:spPr>
-          <p:style>
-            <a:lnRef idx="2">
-              <a:schemeClr val="accent1">
-                <a:shade val="50000"/>
-              </a:schemeClr>
-            </a:lnRef>
-            <a:fillRef idx="1">
-              <a:schemeClr val="accent1"/>
-            </a:fillRef>
-            <a:effectRef idx="0">
-              <a:schemeClr val="accent1"/>
-            </a:effectRef>
-            <a:fontRef idx="minor">
-              <a:schemeClr val="lt1"/>
-            </a:fontRef>
-          </p:style>
-          <p:txBody>
-            <a:bodyPr rtlCol="0" anchor="ctr"/>
-            <a:lstStyle/>
-            <a:p>
-              <a:pPr algn="ctr"/>
-              <a:endParaRPr lang="de-DE"/>
-            </a:p>
-          </p:txBody>
-        </p:sp>
-        <p:cxnSp>
-          <p:nvCxnSpPr>
-            <p:cNvPr id="8" name="Gewinkelte Verbindung 7"/>
-            <p:cNvCxnSpPr>
-              <a:stCxn id="5" idx="3"/>
-            </p:cNvCxnSpPr>
-            <p:nvPr/>
-          </p:nvCxnSpPr>
-          <p:spPr>
-            <a:xfrm>
-              <a:off x="10059072" y="2535478"/>
-              <a:ext cx="670866" cy="209428"/>
-            </a:xfrm>
-            <a:prstGeom prst="bentConnector3">
-              <a:avLst/>
-            </a:prstGeom>
-            <a:grpFill/>
-            <a:ln w="19050">
-              <a:solidFill>
-                <a:schemeClr val="bg2">
-                  <a:lumMod val="50000"/>
-                </a:schemeClr>
-              </a:solidFill>
-            </a:ln>
-          </p:spPr>
-          <p:style>
-            <a:lnRef idx="1">
-              <a:schemeClr val="accent1"/>
-            </a:lnRef>
-            <a:fillRef idx="0">
-              <a:schemeClr val="accent1"/>
-            </a:fillRef>
-            <a:effectRef idx="0">
-              <a:schemeClr val="accent1"/>
-            </a:effectRef>
-            <a:fontRef idx="minor">
-              <a:schemeClr val="tx1"/>
-            </a:fontRef>
-          </p:style>
-        </p:cxnSp>
-        <p:cxnSp>
-          <p:nvCxnSpPr>
-            <p:cNvPr id="9" name="Gewinkelte Verbindung 8"/>
-            <p:cNvCxnSpPr>
-              <a:stCxn id="7" idx="3"/>
-            </p:cNvCxnSpPr>
-            <p:nvPr/>
-          </p:nvCxnSpPr>
-          <p:spPr>
-            <a:xfrm flipV="1">
-              <a:off x="10064533" y="3133089"/>
-              <a:ext cx="676327" cy="373145"/>
-            </a:xfrm>
-            <a:prstGeom prst="bentConnector3">
-              <a:avLst>
-                <a:gd name="adj1" fmla="val 50000"/>
-              </a:avLst>
-            </a:prstGeom>
-            <a:grpFill/>
-            <a:ln w="19050">
-              <a:solidFill>
-                <a:schemeClr val="bg2">
-                  <a:lumMod val="50000"/>
-                </a:schemeClr>
-              </a:solidFill>
-            </a:ln>
-          </p:spPr>
-          <p:style>
-            <a:lnRef idx="1">
-              <a:schemeClr val="accent1"/>
-            </a:lnRef>
-            <a:fillRef idx="0">
-              <a:schemeClr val="accent1"/>
-            </a:fillRef>
-            <a:effectRef idx="0">
-              <a:schemeClr val="accent1"/>
-            </a:effectRef>
-            <a:fontRef idx="minor">
-              <a:schemeClr val="tx1"/>
-            </a:fontRef>
-          </p:style>
-        </p:cxnSp>
-      </p:grpSp>
-    </p:spTree>
-    <p:extLst>
-      <p:ext uri="{BB962C8B-B14F-4D97-AF65-F5344CB8AC3E}">
-        <p14:creationId xmlns:p14="http://schemas.microsoft.com/office/powerpoint/2010/main" val="2064603931"/>
-      </p:ext>
-    </p:extLst>
-  </p:cSld>
-  <p:clrMapOvr>
-    <a:masterClrMapping/>
-  </p:clrMapOvr>
-  <p:timing>
-    <p:tnLst>
-      <p:par>
-        <p:cTn id="1" dur="indefinite" restart="never" nodeType="tmRoot"/>
-      </p:par>
-    </p:tnLst>
-  </p:timing>
-</p:sld>
-</file>
-
-<file path=ppt/slides/slide5.xml><?xml version="1.0" encoding="utf-8"?>
-<p:sld xmlns:a="http://schemas.openxmlformats.org/drawingml/2006/main" xmlns:r="http://schemas.openxmlformats.org/officeDocument/2006/relationships" xmlns:p="http://schemas.openxmlformats.org/presentationml/2006/main">
-  <p:cSld>
-    <p:spTree>
-      <p:nvGrpSpPr>
-        <p:cNvPr id="1" name=""/>
-        <p:cNvGrpSpPr/>
-        <p:nvPr/>
-      </p:nvGrpSpPr>
-      <p:grpSpPr>
-        <a:xfrm>
-          <a:off x="0" y="0"/>
-          <a:ext cx="0" cy="0"/>
-          <a:chOff x="0" y="0"/>
-          <a:chExt cx="0" cy="0"/>
-        </a:xfrm>
-      </p:grpSpPr>
-      <p:sp>
-        <p:nvSpPr>
-          <p:cNvPr id="2" name="Titel 1"/>
-          <p:cNvSpPr>
-            <a:spLocks noGrp="1"/>
-          </p:cNvSpPr>
-          <p:nvPr>
-            <p:ph type="title"/>
-          </p:nvPr>
-        </p:nvSpPr>
-        <p:spPr/>
-        <p:txBody>
-          <a:bodyPr/>
-          <a:lstStyle/>
-          <a:p>
-            <a:r>
-              <a:rPr lang="de-DE" dirty="0"/>
-              <a:t>Menschen lösen Probleme unterschiedlich</a:t>
+              <a:t> lösen Probleme unterschiedlich</a:t>
             </a:r>
           </a:p>
         </p:txBody>
@@ -7839,7 +7130,7 @@
             <a:r>
               <a:rPr lang="de-DE" b="1" dirty="0">
                 <a:solidFill>
-                  <a:schemeClr val="accent4"/>
+                  <a:schemeClr val="accent6"/>
                 </a:solidFill>
               </a:rPr>
               <a:t>Veränderungsorientierung</a:t>
@@ -7892,7 +7183,7 @@
             <a:r>
               <a:rPr lang="de-DE" b="1" dirty="0">
                 <a:solidFill>
-                  <a:schemeClr val="accent4"/>
+                  <a:schemeClr val="accent6"/>
                 </a:solidFill>
               </a:rPr>
               <a:t>Verarbeitungsstil</a:t>
@@ -7945,7 +7236,7 @@
             <a:r>
               <a:rPr lang="de-DE" b="1" dirty="0">
                 <a:solidFill>
-                  <a:schemeClr val="accent4"/>
+                  <a:schemeClr val="accent6"/>
                 </a:solidFill>
               </a:rPr>
               <a:t>Entscheidungsfokus</a:t>
@@ -8862,17 +8153,10 @@
   <p:clrMapOvr>
     <a:masterClrMapping/>
   </p:clrMapOvr>
-  <p:timing>
-    <p:tnLst>
-      <p:par>
-        <p:cTn id="1" dur="indefinite" restart="never" nodeType="tmRoot"/>
-      </p:par>
-    </p:tnLst>
-  </p:timing>
 </p:sld>
 </file>
 
-<file path=ppt/slides/slide6.xml><?xml version="1.0" encoding="utf-8"?>
+<file path=ppt/slides/slide5.xml><?xml version="1.0" encoding="utf-8"?>
 <p:sld xmlns:a="http://schemas.openxmlformats.org/drawingml/2006/main" xmlns:r="http://schemas.openxmlformats.org/officeDocument/2006/relationships" xmlns:p="http://schemas.openxmlformats.org/presentationml/2006/main">
   <p:cSld>
     <p:spTree>
@@ -8905,10 +8189,17 @@
           <a:lstStyle/>
           <a:p>
             <a:r>
-              <a:rPr lang="de-DE" dirty="0" smtClean="0"/>
-              <a:t>Es gibt vielfältige Möglichkeiten mit dem System zu interagieren</a:t>
+              <a:rPr lang="de-DE" dirty="0"/>
+              <a:t>Es gibt vielfältige Möglichkeiten mit dem System zu </a:t>
             </a:r>
-            <a:endParaRPr lang="de-DE" dirty="0"/>
+            <a:r>
+              <a:rPr lang="de-DE" dirty="0">
+                <a:solidFill>
+                  <a:schemeClr val="accent4"/>
+                </a:solidFill>
+              </a:rPr>
+              <a:t>interagieren</a:t>
+            </a:r>
           </a:p>
         </p:txBody>
       </p:sp>
@@ -9018,18 +8309,13 @@
             <a:lstStyle/>
             <a:p>
               <a:r>
-                <a:rPr lang="de-DE" b="1" dirty="0" smtClean="0">
+                <a:rPr lang="de-DE" b="1" dirty="0">
                   <a:solidFill>
-                    <a:schemeClr val="tx1"/>
+                    <a:schemeClr val="accent4"/>
                   </a:solidFill>
                 </a:rPr>
                 <a:t>Tastatur</a:t>
               </a:r>
-              <a:endParaRPr lang="de-DE" b="1" dirty="0">
-                <a:solidFill>
-                  <a:schemeClr val="tx1"/>
-                </a:solidFill>
-              </a:endParaRPr>
             </a:p>
           </p:txBody>
         </p:sp>
@@ -9091,7 +8377,7 @@
                 <a:buChar char="•"/>
               </a:pPr>
               <a:r>
-                <a:rPr lang="de-DE" dirty="0" smtClean="0">
+                <a:rPr lang="de-DE" dirty="0">
                   <a:solidFill>
                     <a:schemeClr val="tx1"/>
                   </a:solidFill>
@@ -9105,7 +8391,7 @@
                 <a:buChar char="•"/>
               </a:pPr>
               <a:r>
-                <a:rPr lang="de-DE" dirty="0" smtClean="0">
+                <a:rPr lang="de-DE" dirty="0">
                   <a:solidFill>
                     <a:schemeClr val="tx1"/>
                   </a:solidFill>
@@ -9168,18 +8454,13 @@
             <a:lstStyle/>
             <a:p>
               <a:r>
-                <a:rPr lang="de-DE" b="1" dirty="0" smtClean="0">
+                <a:rPr lang="de-DE" b="1" dirty="0">
                   <a:solidFill>
-                    <a:schemeClr val="tx1"/>
+                    <a:schemeClr val="accent4"/>
                   </a:solidFill>
                 </a:rPr>
                 <a:t>Maus</a:t>
               </a:r>
-              <a:endParaRPr lang="de-DE" b="1" dirty="0">
-                <a:solidFill>
-                  <a:schemeClr val="tx1"/>
-                </a:solidFill>
-              </a:endParaRPr>
             </a:p>
           </p:txBody>
         </p:sp>
@@ -9241,7 +8522,7 @@
                 <a:buChar char="•"/>
               </a:pPr>
               <a:r>
-                <a:rPr lang="de-DE" dirty="0" smtClean="0">
+                <a:rPr lang="de-DE" dirty="0">
                   <a:solidFill>
                     <a:schemeClr val="tx1"/>
                   </a:solidFill>
@@ -9304,18 +8585,13 @@
             <a:lstStyle/>
             <a:p>
               <a:r>
-                <a:rPr lang="de-DE" b="1" dirty="0" smtClean="0">
+                <a:rPr lang="de-DE" b="1" dirty="0">
                   <a:solidFill>
-                    <a:schemeClr val="tx1"/>
+                    <a:schemeClr val="accent4"/>
                   </a:solidFill>
                 </a:rPr>
                 <a:t>Touch</a:t>
               </a:r>
-              <a:endParaRPr lang="de-DE" b="1" dirty="0">
-                <a:solidFill>
-                  <a:schemeClr val="tx1"/>
-                </a:solidFill>
-              </a:endParaRPr>
             </a:p>
           </p:txBody>
         </p:sp>
@@ -9377,18 +8653,13 @@
                 <a:buChar char="•"/>
               </a:pPr>
               <a:r>
-                <a:rPr lang="de-DE" dirty="0" smtClean="0">
+                <a:rPr lang="de-DE" dirty="0">
                   <a:solidFill>
                     <a:schemeClr val="tx1"/>
                   </a:solidFill>
                 </a:rPr>
                 <a:t>Muss sicher erkannt werden</a:t>
               </a:r>
-              <a:endParaRPr lang="de-DE" dirty="0">
-                <a:solidFill>
-                  <a:schemeClr val="tx1"/>
-                </a:solidFill>
-              </a:endParaRPr>
             </a:p>
           </p:txBody>
         </p:sp>
@@ -9434,18 +8705,13 @@
             <a:lstStyle/>
             <a:p>
               <a:r>
-                <a:rPr lang="de-DE" b="1" dirty="0" smtClean="0">
+                <a:rPr lang="de-DE" b="1" dirty="0">
                   <a:solidFill>
-                    <a:schemeClr val="tx1"/>
+                    <a:schemeClr val="accent4"/>
                   </a:solidFill>
                 </a:rPr>
                 <a:t>Sprache</a:t>
               </a:r>
-              <a:endParaRPr lang="de-DE" b="1" dirty="0">
-                <a:solidFill>
-                  <a:schemeClr val="tx1"/>
-                </a:solidFill>
-              </a:endParaRPr>
             </a:p>
           </p:txBody>
         </p:sp>
@@ -9507,18 +8773,13 @@
                 <a:buChar char="•"/>
               </a:pPr>
               <a:r>
-                <a:rPr lang="de-DE" dirty="0" smtClean="0">
+                <a:rPr lang="de-DE" dirty="0">
                   <a:solidFill>
                     <a:schemeClr val="tx1"/>
                   </a:solidFill>
                 </a:rPr>
                 <a:t>Wird durch Kamera erfasst</a:t>
               </a:r>
-              <a:endParaRPr lang="de-DE" dirty="0">
-                <a:solidFill>
-                  <a:schemeClr val="tx1"/>
-                </a:solidFill>
-              </a:endParaRPr>
             </a:p>
           </p:txBody>
         </p:sp>
@@ -9564,18 +8825,13 @@
             <a:lstStyle/>
             <a:p>
               <a:r>
-                <a:rPr lang="de-DE" b="1" dirty="0" smtClean="0">
+                <a:rPr lang="de-DE" b="1" dirty="0">
                   <a:solidFill>
-                    <a:schemeClr val="tx1"/>
+                    <a:schemeClr val="accent4"/>
                   </a:solidFill>
                 </a:rPr>
                 <a:t>Gestik</a:t>
               </a:r>
-              <a:endParaRPr lang="de-DE" b="1" dirty="0">
-                <a:solidFill>
-                  <a:schemeClr val="tx1"/>
-                </a:solidFill>
-              </a:endParaRPr>
             </a:p>
           </p:txBody>
         </p:sp>
@@ -9637,7 +8893,7 @@
                 <a:buChar char="•"/>
               </a:pPr>
               <a:r>
-                <a:rPr lang="de-DE" dirty="0" smtClean="0">
+                <a:rPr lang="de-DE" dirty="0">
                   <a:solidFill>
                     <a:schemeClr val="tx1"/>
                   </a:solidFill>
@@ -9651,7 +8907,7 @@
                 <a:buChar char="•"/>
               </a:pPr>
               <a:r>
-                <a:rPr lang="de-DE" dirty="0" smtClean="0">
+                <a:rPr lang="de-DE" dirty="0">
                   <a:solidFill>
                     <a:schemeClr val="tx1"/>
                   </a:solidFill>
@@ -9665,18 +8921,13 @@
                 <a:buChar char="•"/>
               </a:pPr>
               <a:r>
-                <a:rPr lang="de-DE" dirty="0" smtClean="0">
+                <a:rPr lang="de-DE" dirty="0">
                   <a:solidFill>
                     <a:schemeClr val="tx1"/>
                   </a:solidFill>
                 </a:rPr>
                 <a:t>Verwendung als Mausersatz</a:t>
               </a:r>
-              <a:endParaRPr lang="de-DE" dirty="0">
-                <a:solidFill>
-                  <a:schemeClr val="tx1"/>
-                </a:solidFill>
-              </a:endParaRPr>
             </a:p>
           </p:txBody>
         </p:sp>
@@ -9722,18 +8973,13 @@
             <a:lstStyle/>
             <a:p>
               <a:r>
-                <a:rPr lang="de-DE" b="1" dirty="0" smtClean="0">
+                <a:rPr lang="de-DE" b="1" dirty="0">
                   <a:solidFill>
-                    <a:schemeClr val="tx1"/>
+                    <a:schemeClr val="accent4"/>
                   </a:solidFill>
                 </a:rPr>
                 <a:t>Joystick</a:t>
               </a:r>
-              <a:endParaRPr lang="de-DE" b="1" dirty="0">
-                <a:solidFill>
-                  <a:schemeClr val="tx1"/>
-                </a:solidFill>
-              </a:endParaRPr>
             </a:p>
           </p:txBody>
         </p:sp>
@@ -9969,17 +9215,10 @@
   <p:clrMapOvr>
     <a:masterClrMapping/>
   </p:clrMapOvr>
-  <p:timing>
-    <p:tnLst>
-      <p:par>
-        <p:cTn id="1" dur="indefinite" restart="never" nodeType="tmRoot"/>
-      </p:par>
-    </p:tnLst>
-  </p:timing>
 </p:sld>
 </file>
 
-<file path=ppt/slides/slide7.xml><?xml version="1.0" encoding="utf-8"?>
+<file path=ppt/slides/slide6.xml><?xml version="1.0" encoding="utf-8"?>
 <p:sld xmlns:a="http://schemas.openxmlformats.org/drawingml/2006/main" xmlns:r="http://schemas.openxmlformats.org/officeDocument/2006/relationships" xmlns:p="http://schemas.openxmlformats.org/presentationml/2006/main">
   <p:cSld>
     <p:spTree>
@@ -10013,7 +9252,19 @@
           <a:p>
             <a:r>
               <a:rPr lang="de-DE" dirty="0"/>
-              <a:t>Informationen können dem Nutzer durch unterschiedliche Geräte zur Verfügung gestellt werden</a:t>
+              <a:t>Informationen können dem Nutzer durch unterschiedliche </a:t>
+            </a:r>
+            <a:r>
+              <a:rPr lang="de-DE" dirty="0">
+                <a:solidFill>
+                  <a:schemeClr val="accent4"/>
+                </a:solidFill>
+              </a:rPr>
+              <a:t>Geräte</a:t>
+            </a:r>
+            <a:r>
+              <a:rPr lang="de-DE" dirty="0"/>
+              <a:t> zur Verfügung gestellt werden</a:t>
             </a:r>
           </a:p>
         </p:txBody>
@@ -10375,14 +9626,14 @@
               <a:r>
                 <a:rPr lang="de-DE" b="1" dirty="0" err="1">
                   <a:solidFill>
-                    <a:schemeClr val="tx1"/>
+                    <a:schemeClr val="accent4"/>
                   </a:solidFill>
                 </a:rPr>
                 <a:t>Smartwatch</a:t>
               </a:r>
               <a:endParaRPr lang="de-DE" b="1" dirty="0">
                 <a:solidFill>
-                  <a:schemeClr val="tx1"/>
+                  <a:schemeClr val="accent4"/>
                 </a:solidFill>
               </a:endParaRPr>
             </a:p>
@@ -10514,7 +9765,7 @@
               <a:r>
                 <a:rPr lang="de-DE" b="1" dirty="0">
                   <a:solidFill>
-                    <a:schemeClr val="tx1"/>
+                    <a:schemeClr val="accent4"/>
                   </a:solidFill>
                 </a:rPr>
                 <a:t>Tablet</a:t>
@@ -10653,7 +9904,7 @@
               <a:r>
                 <a:rPr lang="de-DE" b="1" dirty="0">
                   <a:solidFill>
-                    <a:schemeClr val="tx1"/>
+                    <a:schemeClr val="accent4"/>
                   </a:solidFill>
                 </a:rPr>
                 <a:t>Headset</a:t>
@@ -10773,7 +10024,7 @@
               <a:r>
                 <a:rPr lang="de-DE" b="1" dirty="0">
                   <a:solidFill>
-                    <a:schemeClr val="tx1"/>
+                    <a:schemeClr val="accent4"/>
                   </a:solidFill>
                 </a:rPr>
                 <a:t>AR-Brille</a:t>
@@ -10872,7 +10123,7 @@
           <p:spPr>
             <a:xfrm>
               <a:off x="1977040" y="1330903"/>
-              <a:ext cx="1249428" cy="338027"/>
+              <a:ext cx="1170180" cy="338027"/>
             </a:xfrm>
             <a:prstGeom prst="rect">
               <a:avLst/>
@@ -10907,7 +10158,7 @@
               <a:r>
                 <a:rPr lang="de-DE" b="1" dirty="0">
                   <a:solidFill>
-                    <a:schemeClr val="tx1"/>
+                    <a:schemeClr val="accent4"/>
                   </a:solidFill>
                 </a:rPr>
                 <a:t>Projektor</a:t>
@@ -11041,7 +10292,7 @@
               <a:r>
                 <a:rPr lang="de-DE" b="1" dirty="0">
                   <a:solidFill>
-                    <a:schemeClr val="tx1"/>
+                    <a:schemeClr val="accent4"/>
                   </a:solidFill>
                 </a:rPr>
                 <a:t>Desktopcomputer</a:t>
@@ -11060,13 +10311,1077 @@
   <p:clrMapOvr>
     <a:masterClrMapping/>
   </p:clrMapOvr>
-  <p:timing>
-    <p:tnLst>
-      <p:par>
-        <p:cTn id="1" dur="indefinite" restart="never" nodeType="tmRoot"/>
-      </p:par>
-    </p:tnLst>
-  </p:timing>
+</p:sld>
+</file>
+
+<file path=ppt/slides/slide7.xml><?xml version="1.0" encoding="utf-8"?>
+<p:sld xmlns:a="http://schemas.openxmlformats.org/drawingml/2006/main" xmlns:r="http://schemas.openxmlformats.org/officeDocument/2006/relationships" xmlns:p="http://schemas.openxmlformats.org/presentationml/2006/main">
+  <p:cSld>
+    <p:spTree>
+      <p:nvGrpSpPr>
+        <p:cNvPr id="1" name=""/>
+        <p:cNvGrpSpPr/>
+        <p:nvPr/>
+      </p:nvGrpSpPr>
+      <p:grpSpPr>
+        <a:xfrm>
+          <a:off x="0" y="0"/>
+          <a:ext cx="0" cy="0"/>
+          <a:chOff x="0" y="0"/>
+          <a:chExt cx="0" cy="0"/>
+        </a:xfrm>
+      </p:grpSpPr>
+      <p:sp>
+        <p:nvSpPr>
+          <p:cNvPr id="2" name="Titel 1"/>
+          <p:cNvSpPr>
+            <a:spLocks noGrp="1"/>
+          </p:cNvSpPr>
+          <p:nvPr>
+            <p:ph type="title"/>
+          </p:nvPr>
+        </p:nvSpPr>
+        <p:spPr/>
+        <p:txBody>
+          <a:bodyPr/>
+          <a:lstStyle/>
+          <a:p>
+            <a:r>
+              <a:rPr lang="de-DE" dirty="0">
+                <a:solidFill>
+                  <a:schemeClr val="accent4"/>
+                </a:solidFill>
+              </a:rPr>
+              <a:t>Kommunikation </a:t>
+            </a:r>
+            <a:r>
+              <a:rPr lang="de-DE" dirty="0"/>
+              <a:t>zwischen Mensch und Maschine kann vielfältig erfolgen</a:t>
+            </a:r>
+            <a:endParaRPr lang="de-DE" dirty="0">
+              <a:solidFill>
+                <a:schemeClr val="accent4"/>
+              </a:solidFill>
+            </a:endParaRPr>
+          </a:p>
+        </p:txBody>
+      </p:sp>
+      <p:pic>
+        <p:nvPicPr>
+          <p:cNvPr id="4" name="Inhaltsplatzhalter 3"/>
+          <p:cNvPicPr>
+            <a:picLocks noChangeAspect="1"/>
+          </p:cNvPicPr>
+          <p:nvPr/>
+        </p:nvPicPr>
+        <p:blipFill>
+          <a:blip r:embed="rId3">
+            <a:extLst>
+              <a:ext uri="{28A0092B-C50C-407E-A947-70E740481C1C}">
+                <a14:useLocalDpi xmlns:a14="http://schemas.microsoft.com/office/drawing/2010/main" val="0"/>
+              </a:ext>
+            </a:extLst>
+          </a:blip>
+          <a:stretch>
+            <a:fillRect/>
+          </a:stretch>
+        </p:blipFill>
+        <p:spPr>
+          <a:xfrm>
+            <a:off x="11455398" y="0"/>
+            <a:ext cx="736601" cy="736601"/>
+          </a:xfrm>
+          <a:prstGeom prst="rect">
+            <a:avLst/>
+          </a:prstGeom>
+          <a:ln>
+            <a:noFill/>
+          </a:ln>
+        </p:spPr>
+      </p:pic>
+      <p:grpSp>
+        <p:nvGrpSpPr>
+          <p:cNvPr id="5" name="Gruppieren 4"/>
+          <p:cNvGrpSpPr/>
+          <p:nvPr/>
+        </p:nvGrpSpPr>
+        <p:grpSpPr>
+          <a:xfrm>
+            <a:off x="7724646" y="1396228"/>
+            <a:ext cx="3730752" cy="1229417"/>
+            <a:chOff x="1780032" y="1330903"/>
+            <a:chExt cx="3730752" cy="1229417"/>
+          </a:xfrm>
+        </p:grpSpPr>
+        <p:sp>
+          <p:nvSpPr>
+            <p:cNvPr id="6" name="Rechteck 5"/>
+            <p:cNvSpPr/>
+            <p:nvPr/>
+          </p:nvSpPr>
+          <p:spPr>
+            <a:xfrm>
+              <a:off x="1780032" y="1499917"/>
+              <a:ext cx="3730752" cy="1060403"/>
+            </a:xfrm>
+            <a:prstGeom prst="rect">
+              <a:avLst/>
+            </a:prstGeom>
+            <a:solidFill>
+              <a:schemeClr val="bg1"/>
+            </a:solidFill>
+          </p:spPr>
+          <p:style>
+            <a:lnRef idx="2">
+              <a:schemeClr val="accent1">
+                <a:shade val="50000"/>
+              </a:schemeClr>
+            </a:lnRef>
+            <a:fillRef idx="1">
+              <a:schemeClr val="accent1"/>
+            </a:fillRef>
+            <a:effectRef idx="0">
+              <a:schemeClr val="accent1"/>
+            </a:effectRef>
+            <a:fontRef idx="minor">
+              <a:schemeClr val="lt1"/>
+            </a:fontRef>
+          </p:style>
+          <p:txBody>
+            <a:bodyPr tIns="180000" rtlCol="0" anchor="t"/>
+            <a:lstStyle/>
+            <a:p>
+              <a:pPr marL="285750" indent="-285750">
+                <a:buFont typeface="Arial" panose="020B0604020202020204" pitchFamily="34" charset="0"/>
+                <a:buChar char="•"/>
+              </a:pPr>
+              <a:r>
+                <a:rPr lang="de-DE" dirty="0">
+                  <a:solidFill>
+                    <a:schemeClr val="tx1"/>
+                  </a:solidFill>
+                </a:rPr>
+                <a:t>Gruppiert Interaktionselemente</a:t>
+              </a:r>
+            </a:p>
+            <a:p>
+              <a:pPr marL="285750" indent="-285750">
+                <a:buFont typeface="Arial" panose="020B0604020202020204" pitchFamily="34" charset="0"/>
+                <a:buChar char="•"/>
+              </a:pPr>
+              <a:r>
+                <a:rPr lang="de-DE" dirty="0">
+                  <a:solidFill>
+                    <a:schemeClr val="tx1"/>
+                  </a:solidFill>
+                </a:rPr>
+                <a:t>Vielfältige Verwendung</a:t>
+              </a:r>
+            </a:p>
+          </p:txBody>
+        </p:sp>
+        <p:sp>
+          <p:nvSpPr>
+            <p:cNvPr id="7" name="Rechteck 6"/>
+            <p:cNvSpPr/>
+            <p:nvPr/>
+          </p:nvSpPr>
+          <p:spPr>
+            <a:xfrm>
+              <a:off x="1977040" y="1330903"/>
+              <a:ext cx="2148776" cy="338027"/>
+            </a:xfrm>
+            <a:prstGeom prst="rect">
+              <a:avLst/>
+            </a:prstGeom>
+            <a:solidFill>
+              <a:schemeClr val="bg1"/>
+            </a:solidFill>
+            <a:ln>
+              <a:noFill/>
+            </a:ln>
+          </p:spPr>
+          <p:style>
+            <a:lnRef idx="2">
+              <a:schemeClr val="accent1">
+                <a:shade val="50000"/>
+              </a:schemeClr>
+            </a:lnRef>
+            <a:fillRef idx="1">
+              <a:schemeClr val="accent1"/>
+            </a:fillRef>
+            <a:effectRef idx="0">
+              <a:schemeClr val="accent1"/>
+            </a:effectRef>
+            <a:fontRef idx="minor">
+              <a:schemeClr val="lt1"/>
+            </a:fontRef>
+          </p:style>
+          <p:txBody>
+            <a:bodyPr rtlCol="0" anchor="ctr"/>
+            <a:lstStyle/>
+            <a:p>
+              <a:r>
+                <a:rPr lang="de-DE" b="1" dirty="0">
+                  <a:solidFill>
+                    <a:schemeClr val="accent4"/>
+                  </a:solidFill>
+                </a:rPr>
+                <a:t>Formulare/Masken</a:t>
+              </a:r>
+            </a:p>
+          </p:txBody>
+        </p:sp>
+      </p:grpSp>
+      <p:grpSp>
+        <p:nvGrpSpPr>
+          <p:cNvPr id="8" name="Gruppieren 7"/>
+          <p:cNvGrpSpPr/>
+          <p:nvPr/>
+        </p:nvGrpSpPr>
+        <p:grpSpPr>
+          <a:xfrm>
+            <a:off x="7724646" y="2838531"/>
+            <a:ext cx="3730752" cy="1229417"/>
+            <a:chOff x="1780032" y="1330903"/>
+            <a:chExt cx="3730752" cy="1229417"/>
+          </a:xfrm>
+        </p:grpSpPr>
+        <p:sp>
+          <p:nvSpPr>
+            <p:cNvPr id="9" name="Rechteck 8"/>
+            <p:cNvSpPr/>
+            <p:nvPr/>
+          </p:nvSpPr>
+          <p:spPr>
+            <a:xfrm>
+              <a:off x="1780032" y="1499917"/>
+              <a:ext cx="3730752" cy="1060403"/>
+            </a:xfrm>
+            <a:prstGeom prst="rect">
+              <a:avLst/>
+            </a:prstGeom>
+            <a:solidFill>
+              <a:schemeClr val="bg1"/>
+            </a:solidFill>
+          </p:spPr>
+          <p:style>
+            <a:lnRef idx="2">
+              <a:schemeClr val="accent1">
+                <a:shade val="50000"/>
+              </a:schemeClr>
+            </a:lnRef>
+            <a:fillRef idx="1">
+              <a:schemeClr val="accent1"/>
+            </a:fillRef>
+            <a:effectRef idx="0">
+              <a:schemeClr val="accent1"/>
+            </a:effectRef>
+            <a:fontRef idx="minor">
+              <a:schemeClr val="lt1"/>
+            </a:fontRef>
+          </p:style>
+          <p:txBody>
+            <a:bodyPr tIns="180000" rtlCol="0" anchor="t"/>
+            <a:lstStyle/>
+            <a:p>
+              <a:pPr marL="285750" indent="-285750">
+                <a:buFont typeface="Arial" panose="020B0604020202020204" pitchFamily="34" charset="0"/>
+                <a:buChar char="•"/>
+              </a:pPr>
+              <a:r>
+                <a:rPr lang="de-DE" dirty="0">
+                  <a:solidFill>
+                    <a:schemeClr val="tx1"/>
+                  </a:solidFill>
+                </a:rPr>
+                <a:t>Abgegrenzter steuerbarer Bereich</a:t>
+              </a:r>
+            </a:p>
+          </p:txBody>
+        </p:sp>
+        <p:sp>
+          <p:nvSpPr>
+            <p:cNvPr id="10" name="Rechteck 9"/>
+            <p:cNvSpPr/>
+            <p:nvPr/>
+          </p:nvSpPr>
+          <p:spPr>
+            <a:xfrm>
+              <a:off x="1977040" y="1330903"/>
+              <a:ext cx="982717" cy="338027"/>
+            </a:xfrm>
+            <a:prstGeom prst="rect">
+              <a:avLst/>
+            </a:prstGeom>
+            <a:solidFill>
+              <a:schemeClr val="bg1"/>
+            </a:solidFill>
+            <a:ln>
+              <a:noFill/>
+            </a:ln>
+          </p:spPr>
+          <p:style>
+            <a:lnRef idx="2">
+              <a:schemeClr val="accent1">
+                <a:shade val="50000"/>
+              </a:schemeClr>
+            </a:lnRef>
+            <a:fillRef idx="1">
+              <a:schemeClr val="accent1"/>
+            </a:fillRef>
+            <a:effectRef idx="0">
+              <a:schemeClr val="accent1"/>
+            </a:effectRef>
+            <a:fontRef idx="minor">
+              <a:schemeClr val="lt1"/>
+            </a:fontRef>
+          </p:style>
+          <p:txBody>
+            <a:bodyPr rtlCol="0" anchor="ctr"/>
+            <a:lstStyle/>
+            <a:p>
+              <a:r>
+                <a:rPr lang="de-DE" b="1" dirty="0">
+                  <a:solidFill>
+                    <a:schemeClr val="accent4"/>
+                  </a:solidFill>
+                </a:rPr>
+                <a:t>Fenster</a:t>
+              </a:r>
+            </a:p>
+          </p:txBody>
+        </p:sp>
+      </p:grpSp>
+      <p:grpSp>
+        <p:nvGrpSpPr>
+          <p:cNvPr id="11" name="Gruppieren 10"/>
+          <p:cNvGrpSpPr/>
+          <p:nvPr/>
+        </p:nvGrpSpPr>
+        <p:grpSpPr>
+          <a:xfrm>
+            <a:off x="7724646" y="4283404"/>
+            <a:ext cx="3730752" cy="1229417"/>
+            <a:chOff x="1780032" y="1330903"/>
+            <a:chExt cx="3730752" cy="1229417"/>
+          </a:xfrm>
+        </p:grpSpPr>
+        <p:sp>
+          <p:nvSpPr>
+            <p:cNvPr id="12" name="Rechteck 11"/>
+            <p:cNvSpPr/>
+            <p:nvPr/>
+          </p:nvSpPr>
+          <p:spPr>
+            <a:xfrm>
+              <a:off x="1780032" y="1499917"/>
+              <a:ext cx="3730752" cy="1060403"/>
+            </a:xfrm>
+            <a:prstGeom prst="rect">
+              <a:avLst/>
+            </a:prstGeom>
+            <a:solidFill>
+              <a:schemeClr val="bg1"/>
+            </a:solidFill>
+          </p:spPr>
+          <p:style>
+            <a:lnRef idx="2">
+              <a:schemeClr val="accent1">
+                <a:shade val="50000"/>
+              </a:schemeClr>
+            </a:lnRef>
+            <a:fillRef idx="1">
+              <a:schemeClr val="accent1"/>
+            </a:fillRef>
+            <a:effectRef idx="0">
+              <a:schemeClr val="accent1"/>
+            </a:effectRef>
+            <a:fontRef idx="minor">
+              <a:schemeClr val="lt1"/>
+            </a:fontRef>
+          </p:style>
+          <p:txBody>
+            <a:bodyPr tIns="180000" rtlCol="0" anchor="t"/>
+            <a:lstStyle/>
+            <a:p>
+              <a:pPr marL="285750" indent="-285750">
+                <a:buFont typeface="Arial" panose="020B0604020202020204" pitchFamily="34" charset="0"/>
+                <a:buChar char="•"/>
+              </a:pPr>
+              <a:r>
+                <a:rPr lang="de-DE" dirty="0">
+                  <a:solidFill>
+                    <a:schemeClr val="tx1"/>
+                  </a:solidFill>
+                </a:rPr>
+                <a:t>Direkte Bearbeitung der Objekte</a:t>
+              </a:r>
+            </a:p>
+            <a:p>
+              <a:pPr marL="285750" indent="-285750">
+                <a:buFont typeface="Arial" panose="020B0604020202020204" pitchFamily="34" charset="0"/>
+                <a:buChar char="•"/>
+              </a:pPr>
+              <a:r>
+                <a:rPr lang="de-DE" dirty="0">
+                  <a:solidFill>
+                    <a:schemeClr val="tx1"/>
+                  </a:solidFill>
+                </a:rPr>
+                <a:t>Größe, Position verändern</a:t>
+              </a:r>
+            </a:p>
+          </p:txBody>
+        </p:sp>
+        <p:sp>
+          <p:nvSpPr>
+            <p:cNvPr id="13" name="Rechteck 12"/>
+            <p:cNvSpPr/>
+            <p:nvPr/>
+          </p:nvSpPr>
+          <p:spPr>
+            <a:xfrm>
+              <a:off x="1977040" y="1330903"/>
+              <a:ext cx="2401440" cy="338027"/>
+            </a:xfrm>
+            <a:prstGeom prst="rect">
+              <a:avLst/>
+            </a:prstGeom>
+            <a:solidFill>
+              <a:schemeClr val="bg1"/>
+            </a:solidFill>
+            <a:ln>
+              <a:noFill/>
+            </a:ln>
+          </p:spPr>
+          <p:style>
+            <a:lnRef idx="2">
+              <a:schemeClr val="accent1">
+                <a:shade val="50000"/>
+              </a:schemeClr>
+            </a:lnRef>
+            <a:fillRef idx="1">
+              <a:schemeClr val="accent1"/>
+            </a:fillRef>
+            <a:effectRef idx="0">
+              <a:schemeClr val="accent1"/>
+            </a:effectRef>
+            <a:fontRef idx="minor">
+              <a:schemeClr val="lt1"/>
+            </a:fontRef>
+          </p:style>
+          <p:txBody>
+            <a:bodyPr rtlCol="0" anchor="ctr"/>
+            <a:lstStyle/>
+            <a:p>
+              <a:r>
+                <a:rPr lang="de-DE" b="1" dirty="0">
+                  <a:solidFill>
+                    <a:schemeClr val="accent4"/>
+                  </a:solidFill>
+                </a:rPr>
+                <a:t>Direkte Manipulation</a:t>
+              </a:r>
+            </a:p>
+          </p:txBody>
+        </p:sp>
+      </p:grpSp>
+      <p:grpSp>
+        <p:nvGrpSpPr>
+          <p:cNvPr id="14" name="Gruppieren 13"/>
+          <p:cNvGrpSpPr/>
+          <p:nvPr/>
+        </p:nvGrpSpPr>
+        <p:grpSpPr>
+          <a:xfrm>
+            <a:off x="874713" y="1396228"/>
+            <a:ext cx="4934768" cy="1229417"/>
+            <a:chOff x="1780032" y="1330903"/>
+            <a:chExt cx="4934768" cy="1229417"/>
+          </a:xfrm>
+        </p:grpSpPr>
+        <p:sp>
+          <p:nvSpPr>
+            <p:cNvPr id="15" name="Rechteck 14"/>
+            <p:cNvSpPr/>
+            <p:nvPr/>
+          </p:nvSpPr>
+          <p:spPr>
+            <a:xfrm>
+              <a:off x="1780032" y="1499917"/>
+              <a:ext cx="4934768" cy="1060403"/>
+            </a:xfrm>
+            <a:prstGeom prst="rect">
+              <a:avLst/>
+            </a:prstGeom>
+            <a:solidFill>
+              <a:schemeClr val="bg1"/>
+            </a:solidFill>
+            <a:ln>
+              <a:solidFill>
+                <a:schemeClr val="accent6"/>
+              </a:solidFill>
+            </a:ln>
+          </p:spPr>
+          <p:style>
+            <a:lnRef idx="2">
+              <a:schemeClr val="accent1">
+                <a:shade val="50000"/>
+              </a:schemeClr>
+            </a:lnRef>
+            <a:fillRef idx="1">
+              <a:schemeClr val="accent1"/>
+            </a:fillRef>
+            <a:effectRef idx="0">
+              <a:schemeClr val="accent1"/>
+            </a:effectRef>
+            <a:fontRef idx="minor">
+              <a:schemeClr val="lt1"/>
+            </a:fontRef>
+          </p:style>
+          <p:txBody>
+            <a:bodyPr tIns="180000" rtlCol="0" anchor="t"/>
+            <a:lstStyle/>
+            <a:p>
+              <a:pPr marL="285750" indent="-285750">
+                <a:buFont typeface="Arial" panose="020B0604020202020204" pitchFamily="34" charset="0"/>
+                <a:buChar char="•"/>
+              </a:pPr>
+              <a:r>
+                <a:rPr lang="de-DE" dirty="0">
+                  <a:solidFill>
+                    <a:schemeClr val="tx1"/>
+                  </a:solidFill>
+                </a:rPr>
+                <a:t>Entsteht beim Lösen einer Aufgabe in Kooperation</a:t>
+              </a:r>
+            </a:p>
+            <a:p>
+              <a:pPr marL="285750" indent="-285750">
+                <a:buFont typeface="Arial" panose="020B0604020202020204" pitchFamily="34" charset="0"/>
+                <a:buChar char="•"/>
+              </a:pPr>
+              <a:r>
+                <a:rPr lang="de-DE" dirty="0">
+                  <a:solidFill>
+                    <a:schemeClr val="tx1"/>
+                  </a:solidFill>
+                </a:rPr>
+                <a:t>Es sind mehrere Schritte notwendig</a:t>
+              </a:r>
+            </a:p>
+          </p:txBody>
+        </p:sp>
+        <p:sp>
+          <p:nvSpPr>
+            <p:cNvPr id="16" name="Rechteck 15"/>
+            <p:cNvSpPr/>
+            <p:nvPr/>
+          </p:nvSpPr>
+          <p:spPr>
+            <a:xfrm>
+              <a:off x="1977039" y="1330903"/>
+              <a:ext cx="4198166" cy="338027"/>
+            </a:xfrm>
+            <a:prstGeom prst="rect">
+              <a:avLst/>
+            </a:prstGeom>
+            <a:solidFill>
+              <a:schemeClr val="bg1"/>
+            </a:solidFill>
+            <a:ln>
+              <a:noFill/>
+            </a:ln>
+          </p:spPr>
+          <p:style>
+            <a:lnRef idx="2">
+              <a:schemeClr val="accent1">
+                <a:shade val="50000"/>
+              </a:schemeClr>
+            </a:lnRef>
+            <a:fillRef idx="1">
+              <a:schemeClr val="accent1"/>
+            </a:fillRef>
+            <a:effectRef idx="0">
+              <a:schemeClr val="accent1"/>
+            </a:effectRef>
+            <a:fontRef idx="minor">
+              <a:schemeClr val="lt1"/>
+            </a:fontRef>
+          </p:style>
+          <p:txBody>
+            <a:bodyPr rtlCol="0" anchor="ctr"/>
+            <a:lstStyle/>
+            <a:p>
+              <a:r>
+                <a:rPr lang="de-DE" b="1" dirty="0">
+                  <a:solidFill>
+                    <a:schemeClr val="accent6"/>
+                  </a:solidFill>
+                </a:rPr>
+                <a:t>Dialog zwischen Mensch und Maschine</a:t>
+              </a:r>
+            </a:p>
+          </p:txBody>
+        </p:sp>
+      </p:grpSp>
+      <p:grpSp>
+        <p:nvGrpSpPr>
+          <p:cNvPr id="17" name="Gruppieren 16"/>
+          <p:cNvGrpSpPr/>
+          <p:nvPr/>
+        </p:nvGrpSpPr>
+        <p:grpSpPr>
+          <a:xfrm>
+            <a:off x="2078728" y="2755163"/>
+            <a:ext cx="3730752" cy="1312785"/>
+            <a:chOff x="1780032" y="1330903"/>
+            <a:chExt cx="3730752" cy="1312785"/>
+          </a:xfrm>
+        </p:grpSpPr>
+        <p:sp>
+          <p:nvSpPr>
+            <p:cNvPr id="18" name="Rechteck 17"/>
+            <p:cNvSpPr/>
+            <p:nvPr/>
+          </p:nvSpPr>
+          <p:spPr>
+            <a:xfrm>
+              <a:off x="1780032" y="1583285"/>
+              <a:ext cx="3730752" cy="1060403"/>
+            </a:xfrm>
+            <a:prstGeom prst="rect">
+              <a:avLst/>
+            </a:prstGeom>
+            <a:solidFill>
+              <a:schemeClr val="bg1"/>
+            </a:solidFill>
+          </p:spPr>
+          <p:style>
+            <a:lnRef idx="2">
+              <a:schemeClr val="accent1">
+                <a:shade val="50000"/>
+              </a:schemeClr>
+            </a:lnRef>
+            <a:fillRef idx="1">
+              <a:schemeClr val="accent1"/>
+            </a:fillRef>
+            <a:effectRef idx="0">
+              <a:schemeClr val="accent1"/>
+            </a:effectRef>
+            <a:fontRef idx="minor">
+              <a:schemeClr val="lt1"/>
+            </a:fontRef>
+          </p:style>
+          <p:txBody>
+            <a:bodyPr tIns="180000" rtlCol="0" anchor="t"/>
+            <a:lstStyle/>
+            <a:p>
+              <a:pPr marL="285750" indent="-285750">
+                <a:buFont typeface="Arial" panose="020B0604020202020204" pitchFamily="34" charset="0"/>
+                <a:buChar char="•"/>
+              </a:pPr>
+              <a:r>
+                <a:rPr lang="de-DE" dirty="0">
+                  <a:solidFill>
+                    <a:schemeClr val="tx1"/>
+                  </a:solidFill>
+                </a:rPr>
+                <a:t>Eingabe über Tastatur</a:t>
+              </a:r>
+            </a:p>
+            <a:p>
+              <a:pPr marL="285750" indent="-285750">
+                <a:buFont typeface="Arial" panose="020B0604020202020204" pitchFamily="34" charset="0"/>
+                <a:buChar char="•"/>
+              </a:pPr>
+              <a:r>
+                <a:rPr lang="de-DE" dirty="0">
+                  <a:solidFill>
+                    <a:schemeClr val="tx1"/>
+                  </a:solidFill>
+                </a:rPr>
+                <a:t>Mensch muss sich erinnern</a:t>
+              </a:r>
+            </a:p>
+            <a:p>
+              <a:pPr marL="285750" indent="-285750">
+                <a:buFont typeface="Arial" panose="020B0604020202020204" pitchFamily="34" charset="0"/>
+                <a:buChar char="•"/>
+              </a:pPr>
+              <a:r>
+                <a:rPr lang="de-DE" dirty="0">
+                  <a:solidFill>
+                    <a:schemeClr val="tx1"/>
+                  </a:solidFill>
+                </a:rPr>
+                <a:t>benutzerbestimmt</a:t>
+              </a:r>
+            </a:p>
+          </p:txBody>
+        </p:sp>
+        <p:sp>
+          <p:nvSpPr>
+            <p:cNvPr id="19" name="Rechteck 18"/>
+            <p:cNvSpPr/>
+            <p:nvPr/>
+          </p:nvSpPr>
+          <p:spPr>
+            <a:xfrm>
+              <a:off x="1977040" y="1330903"/>
+              <a:ext cx="1393834" cy="338027"/>
+            </a:xfrm>
+            <a:prstGeom prst="rect">
+              <a:avLst/>
+            </a:prstGeom>
+            <a:solidFill>
+              <a:schemeClr val="bg1"/>
+            </a:solidFill>
+            <a:ln>
+              <a:noFill/>
+            </a:ln>
+          </p:spPr>
+          <p:style>
+            <a:lnRef idx="2">
+              <a:schemeClr val="accent1">
+                <a:shade val="50000"/>
+              </a:schemeClr>
+            </a:lnRef>
+            <a:fillRef idx="1">
+              <a:schemeClr val="accent1"/>
+            </a:fillRef>
+            <a:effectRef idx="0">
+              <a:schemeClr val="accent1"/>
+            </a:effectRef>
+            <a:fontRef idx="minor">
+              <a:schemeClr val="lt1"/>
+            </a:fontRef>
+          </p:style>
+          <p:txBody>
+            <a:bodyPr rtlCol="0" anchor="ctr"/>
+            <a:lstStyle/>
+            <a:p>
+              <a:r>
+                <a:rPr lang="de-DE" b="1" dirty="0">
+                  <a:solidFill>
+                    <a:schemeClr val="accent4"/>
+                  </a:solidFill>
+                </a:rPr>
+                <a:t>Kommando</a:t>
+              </a:r>
+            </a:p>
+          </p:txBody>
+        </p:sp>
+      </p:grpSp>
+      <p:grpSp>
+        <p:nvGrpSpPr>
+          <p:cNvPr id="20" name="Gruppieren 19"/>
+          <p:cNvGrpSpPr/>
+          <p:nvPr/>
+        </p:nvGrpSpPr>
+        <p:grpSpPr>
+          <a:xfrm>
+            <a:off x="2078728" y="4283404"/>
+            <a:ext cx="3730752" cy="1229417"/>
+            <a:chOff x="1780032" y="1330903"/>
+            <a:chExt cx="3730752" cy="1229417"/>
+          </a:xfrm>
+        </p:grpSpPr>
+        <p:sp>
+          <p:nvSpPr>
+            <p:cNvPr id="21" name="Rechteck 20"/>
+            <p:cNvSpPr/>
+            <p:nvPr/>
+          </p:nvSpPr>
+          <p:spPr>
+            <a:xfrm>
+              <a:off x="1780032" y="1499917"/>
+              <a:ext cx="3730752" cy="1060403"/>
+            </a:xfrm>
+            <a:prstGeom prst="rect">
+              <a:avLst/>
+            </a:prstGeom>
+            <a:solidFill>
+              <a:schemeClr val="bg1"/>
+            </a:solidFill>
+          </p:spPr>
+          <p:style>
+            <a:lnRef idx="2">
+              <a:schemeClr val="accent1">
+                <a:shade val="50000"/>
+              </a:schemeClr>
+            </a:lnRef>
+            <a:fillRef idx="1">
+              <a:schemeClr val="accent1"/>
+            </a:fillRef>
+            <a:effectRef idx="0">
+              <a:schemeClr val="accent1"/>
+            </a:effectRef>
+            <a:fontRef idx="minor">
+              <a:schemeClr val="lt1"/>
+            </a:fontRef>
+          </p:style>
+          <p:txBody>
+            <a:bodyPr tIns="180000" rtlCol="0" anchor="t"/>
+            <a:lstStyle/>
+            <a:p>
+              <a:pPr marL="285750" indent="-285750">
+                <a:buFont typeface="Arial" panose="020B0604020202020204" pitchFamily="34" charset="0"/>
+                <a:buChar char="•"/>
+              </a:pPr>
+              <a:r>
+                <a:rPr lang="de-DE" sz="1600" dirty="0">
+                  <a:solidFill>
+                    <a:schemeClr val="tx1"/>
+                  </a:solidFill>
+                </a:rPr>
+                <a:t>Sortierte Kommandos in Liste</a:t>
+              </a:r>
+            </a:p>
+            <a:p>
+              <a:pPr marL="285750" indent="-285750">
+                <a:buFont typeface="Arial" panose="020B0604020202020204" pitchFamily="34" charset="0"/>
+                <a:buChar char="•"/>
+              </a:pPr>
+              <a:r>
+                <a:rPr lang="de-DE" sz="1600" dirty="0">
+                  <a:solidFill>
+                    <a:schemeClr val="tx1"/>
+                  </a:solidFill>
+                </a:rPr>
+                <a:t>Auswahl durch Nutzer</a:t>
+              </a:r>
+            </a:p>
+            <a:p>
+              <a:pPr marL="285750" indent="-285750">
+                <a:buFont typeface="Arial" panose="020B0604020202020204" pitchFamily="34" charset="0"/>
+                <a:buChar char="•"/>
+              </a:pPr>
+              <a:r>
+                <a:rPr lang="de-DE" sz="1600" dirty="0">
+                  <a:solidFill>
+                    <a:schemeClr val="tx1"/>
+                  </a:solidFill>
+                </a:rPr>
+                <a:t>Statisches Menü: systembestimmt</a:t>
+              </a:r>
+            </a:p>
+          </p:txBody>
+        </p:sp>
+        <p:sp>
+          <p:nvSpPr>
+            <p:cNvPr id="22" name="Rechteck 21"/>
+            <p:cNvSpPr/>
+            <p:nvPr/>
+          </p:nvSpPr>
+          <p:spPr>
+            <a:xfrm>
+              <a:off x="1977040" y="1330903"/>
+              <a:ext cx="804287" cy="338027"/>
+            </a:xfrm>
+            <a:prstGeom prst="rect">
+              <a:avLst/>
+            </a:prstGeom>
+            <a:solidFill>
+              <a:schemeClr val="bg1"/>
+            </a:solidFill>
+            <a:ln>
+              <a:noFill/>
+            </a:ln>
+          </p:spPr>
+          <p:style>
+            <a:lnRef idx="2">
+              <a:schemeClr val="accent1">
+                <a:shade val="50000"/>
+              </a:schemeClr>
+            </a:lnRef>
+            <a:fillRef idx="1">
+              <a:schemeClr val="accent1"/>
+            </a:fillRef>
+            <a:effectRef idx="0">
+              <a:schemeClr val="accent1"/>
+            </a:effectRef>
+            <a:fontRef idx="minor">
+              <a:schemeClr val="lt1"/>
+            </a:fontRef>
+          </p:style>
+          <p:txBody>
+            <a:bodyPr rtlCol="0" anchor="ctr"/>
+            <a:lstStyle/>
+            <a:p>
+              <a:r>
+                <a:rPr lang="de-DE" b="1" dirty="0">
+                  <a:solidFill>
+                    <a:schemeClr val="accent4"/>
+                  </a:solidFill>
+                </a:rPr>
+                <a:t>Menü</a:t>
+              </a:r>
+            </a:p>
+          </p:txBody>
+        </p:sp>
+      </p:grpSp>
+      <p:pic>
+        <p:nvPicPr>
+          <p:cNvPr id="23" name="Grafik 22"/>
+          <p:cNvPicPr>
+            <a:picLocks noChangeAspect="1"/>
+          </p:cNvPicPr>
+          <p:nvPr/>
+        </p:nvPicPr>
+        <p:blipFill>
+          <a:blip r:embed="rId4">
+            <a:extLst>
+              <a:ext uri="{28A0092B-C50C-407E-A947-70E740481C1C}">
+                <a14:useLocalDpi xmlns:a14="http://schemas.microsoft.com/office/drawing/2010/main" val="0"/>
+              </a:ext>
+            </a:extLst>
+          </a:blip>
+          <a:stretch>
+            <a:fillRect/>
+          </a:stretch>
+        </p:blipFill>
+        <p:spPr>
+          <a:xfrm>
+            <a:off x="1071720" y="4577619"/>
+            <a:ext cx="810000" cy="810000"/>
+          </a:xfrm>
+          <a:prstGeom prst="rect">
+            <a:avLst/>
+          </a:prstGeom>
+        </p:spPr>
+      </p:pic>
+      <p:pic>
+        <p:nvPicPr>
+          <p:cNvPr id="24" name="Grafik 23"/>
+          <p:cNvPicPr>
+            <a:picLocks noChangeAspect="1"/>
+          </p:cNvPicPr>
+          <p:nvPr/>
+        </p:nvPicPr>
+        <p:blipFill>
+          <a:blip r:embed="rId5">
+            <a:extLst>
+              <a:ext uri="{28A0092B-C50C-407E-A947-70E740481C1C}">
+                <a14:useLocalDpi xmlns:a14="http://schemas.microsoft.com/office/drawing/2010/main" val="0"/>
+              </a:ext>
+            </a:extLst>
+          </a:blip>
+          <a:stretch>
+            <a:fillRect/>
+          </a:stretch>
+        </p:blipFill>
+        <p:spPr>
+          <a:xfrm>
+            <a:off x="6720020" y="1690443"/>
+            <a:ext cx="810000" cy="810000"/>
+          </a:xfrm>
+          <a:prstGeom prst="rect">
+            <a:avLst/>
+          </a:prstGeom>
+        </p:spPr>
+      </p:pic>
+      <p:pic>
+        <p:nvPicPr>
+          <p:cNvPr id="27" name="Grafik 26"/>
+          <p:cNvPicPr>
+            <a:picLocks noChangeAspect="1"/>
+          </p:cNvPicPr>
+          <p:nvPr/>
+        </p:nvPicPr>
+        <p:blipFill>
+          <a:blip r:embed="rId6">
+            <a:extLst>
+              <a:ext uri="{28A0092B-C50C-407E-A947-70E740481C1C}">
+                <a14:useLocalDpi xmlns:a14="http://schemas.microsoft.com/office/drawing/2010/main" val="0"/>
+              </a:ext>
+            </a:extLst>
+          </a:blip>
+          <a:stretch>
+            <a:fillRect/>
+          </a:stretch>
+        </p:blipFill>
+        <p:spPr>
+          <a:xfrm>
+            <a:off x="6720020" y="3132746"/>
+            <a:ext cx="810000" cy="810000"/>
+          </a:xfrm>
+          <a:prstGeom prst="rect">
+            <a:avLst/>
+          </a:prstGeom>
+        </p:spPr>
+      </p:pic>
+      <p:pic>
+        <p:nvPicPr>
+          <p:cNvPr id="29" name="Grafik 28"/>
+          <p:cNvPicPr>
+            <a:picLocks noChangeAspect="1"/>
+          </p:cNvPicPr>
+          <p:nvPr/>
+        </p:nvPicPr>
+        <p:blipFill>
+          <a:blip r:embed="rId7">
+            <a:extLst>
+              <a:ext uri="{28A0092B-C50C-407E-A947-70E740481C1C}">
+                <a14:useLocalDpi xmlns:a14="http://schemas.microsoft.com/office/drawing/2010/main" val="0"/>
+              </a:ext>
+            </a:extLst>
+          </a:blip>
+          <a:stretch>
+            <a:fillRect/>
+          </a:stretch>
+        </p:blipFill>
+        <p:spPr>
+          <a:xfrm>
+            <a:off x="6720020" y="4577619"/>
+            <a:ext cx="810000" cy="810000"/>
+          </a:xfrm>
+          <a:prstGeom prst="rect">
+            <a:avLst/>
+          </a:prstGeom>
+        </p:spPr>
+      </p:pic>
+      <p:pic>
+        <p:nvPicPr>
+          <p:cNvPr id="30" name="Grafik 29"/>
+          <p:cNvPicPr>
+            <a:picLocks noChangeAspect="1"/>
+          </p:cNvPicPr>
+          <p:nvPr/>
+        </p:nvPicPr>
+        <p:blipFill>
+          <a:blip r:embed="rId8">
+            <a:extLst>
+              <a:ext uri="{28A0092B-C50C-407E-A947-70E740481C1C}">
+                <a14:useLocalDpi xmlns:a14="http://schemas.microsoft.com/office/drawing/2010/main" val="0"/>
+              </a:ext>
+            </a:extLst>
+          </a:blip>
+          <a:stretch>
+            <a:fillRect/>
+          </a:stretch>
+        </p:blipFill>
+        <p:spPr>
+          <a:xfrm>
+            <a:off x="1071720" y="3132746"/>
+            <a:ext cx="810000" cy="810000"/>
+          </a:xfrm>
+          <a:prstGeom prst="rect">
+            <a:avLst/>
+          </a:prstGeom>
+        </p:spPr>
+      </p:pic>
+    </p:spTree>
+    <p:extLst>
+      <p:ext uri="{BB962C8B-B14F-4D97-AF65-F5344CB8AC3E}">
+        <p14:creationId xmlns:p14="http://schemas.microsoft.com/office/powerpoint/2010/main" val="2184428850"/>
+      </p:ext>
+    </p:extLst>
+  </p:cSld>
+  <p:clrMapOvr>
+    <a:masterClrMapping/>
+  </p:clrMapOvr>
 </p:sld>
 </file>
 
@@ -11103,1140 +11418,9 @@
           <a:lstStyle/>
           <a:p>
             <a:r>
-              <a:rPr lang="de-DE" dirty="0" smtClean="0"/>
-              <a:t>Kommunikation</a:t>
+              <a:rPr lang="de-DE" dirty="0"/>
+              <a:t>Digitaler Assistent: Welche Funktionen stellt die Assistenz zur Verfügung?</a:t>
             </a:r>
-            <a:endParaRPr lang="de-DE" dirty="0"/>
-          </a:p>
-        </p:txBody>
-      </p:sp>
-      <p:pic>
-        <p:nvPicPr>
-          <p:cNvPr id="4" name="Inhaltsplatzhalter 3"/>
-          <p:cNvPicPr>
-            <a:picLocks noChangeAspect="1"/>
-          </p:cNvPicPr>
-          <p:nvPr/>
-        </p:nvPicPr>
-        <p:blipFill>
-          <a:blip r:embed="rId3">
-            <a:extLst>
-              <a:ext uri="{28A0092B-C50C-407E-A947-70E740481C1C}">
-                <a14:useLocalDpi xmlns:a14="http://schemas.microsoft.com/office/drawing/2010/main" val="0"/>
-              </a:ext>
-            </a:extLst>
-          </a:blip>
-          <a:stretch>
-            <a:fillRect/>
-          </a:stretch>
-        </p:blipFill>
-        <p:spPr>
-          <a:xfrm>
-            <a:off x="11455398" y="0"/>
-            <a:ext cx="736601" cy="736601"/>
-          </a:xfrm>
-          <a:prstGeom prst="rect">
-            <a:avLst/>
-          </a:prstGeom>
-          <a:ln>
-            <a:noFill/>
-          </a:ln>
-        </p:spPr>
-      </p:pic>
-      <p:grpSp>
-        <p:nvGrpSpPr>
-          <p:cNvPr id="5" name="Gruppieren 4"/>
-          <p:cNvGrpSpPr/>
-          <p:nvPr/>
-        </p:nvGrpSpPr>
-        <p:grpSpPr>
-          <a:xfrm>
-            <a:off x="7724648" y="1204913"/>
-            <a:ext cx="3730752" cy="1229417"/>
-            <a:chOff x="1780032" y="1330903"/>
-            <a:chExt cx="3730752" cy="1229417"/>
-          </a:xfrm>
-        </p:grpSpPr>
-        <p:sp>
-          <p:nvSpPr>
-            <p:cNvPr id="6" name="Rechteck 5"/>
-            <p:cNvSpPr/>
-            <p:nvPr/>
-          </p:nvSpPr>
-          <p:spPr>
-            <a:xfrm>
-              <a:off x="1780032" y="1499917"/>
-              <a:ext cx="3730752" cy="1060403"/>
-            </a:xfrm>
-            <a:prstGeom prst="rect">
-              <a:avLst/>
-            </a:prstGeom>
-            <a:solidFill>
-              <a:schemeClr val="bg1"/>
-            </a:solidFill>
-          </p:spPr>
-          <p:style>
-            <a:lnRef idx="2">
-              <a:schemeClr val="accent1">
-                <a:shade val="50000"/>
-              </a:schemeClr>
-            </a:lnRef>
-            <a:fillRef idx="1">
-              <a:schemeClr val="accent1"/>
-            </a:fillRef>
-            <a:effectRef idx="0">
-              <a:schemeClr val="accent1"/>
-            </a:effectRef>
-            <a:fontRef idx="minor">
-              <a:schemeClr val="lt1"/>
-            </a:fontRef>
-          </p:style>
-          <p:txBody>
-            <a:bodyPr tIns="180000" rtlCol="0" anchor="t"/>
-            <a:lstStyle/>
-            <a:p>
-              <a:pPr marL="285750" indent="-285750">
-                <a:buFont typeface="Arial" panose="020B0604020202020204" pitchFamily="34" charset="0"/>
-                <a:buChar char="•"/>
-              </a:pPr>
-              <a:r>
-                <a:rPr lang="de-DE" dirty="0" smtClean="0">
-                  <a:solidFill>
-                    <a:schemeClr val="tx1"/>
-                  </a:solidFill>
-                </a:rPr>
-                <a:t>Gruppiert Interaktionselemente</a:t>
-              </a:r>
-            </a:p>
-            <a:p>
-              <a:pPr marL="285750" indent="-285750">
-                <a:buFont typeface="Arial" panose="020B0604020202020204" pitchFamily="34" charset="0"/>
-                <a:buChar char="•"/>
-              </a:pPr>
-              <a:r>
-                <a:rPr lang="de-DE" dirty="0" smtClean="0">
-                  <a:solidFill>
-                    <a:schemeClr val="tx1"/>
-                  </a:solidFill>
-                </a:rPr>
-                <a:t>Vielfältige Verwendung</a:t>
-              </a:r>
-              <a:endParaRPr lang="de-DE" dirty="0">
-                <a:solidFill>
-                  <a:schemeClr val="tx1"/>
-                </a:solidFill>
-              </a:endParaRPr>
-            </a:p>
-          </p:txBody>
-        </p:sp>
-        <p:sp>
-          <p:nvSpPr>
-            <p:cNvPr id="7" name="Rechteck 6"/>
-            <p:cNvSpPr/>
-            <p:nvPr/>
-          </p:nvSpPr>
-          <p:spPr>
-            <a:xfrm>
-              <a:off x="1977040" y="1330903"/>
-              <a:ext cx="2148776" cy="338027"/>
-            </a:xfrm>
-            <a:prstGeom prst="rect">
-              <a:avLst/>
-            </a:prstGeom>
-            <a:solidFill>
-              <a:schemeClr val="bg1"/>
-            </a:solidFill>
-            <a:ln>
-              <a:noFill/>
-            </a:ln>
-          </p:spPr>
-          <p:style>
-            <a:lnRef idx="2">
-              <a:schemeClr val="accent1">
-                <a:shade val="50000"/>
-              </a:schemeClr>
-            </a:lnRef>
-            <a:fillRef idx="1">
-              <a:schemeClr val="accent1"/>
-            </a:fillRef>
-            <a:effectRef idx="0">
-              <a:schemeClr val="accent1"/>
-            </a:effectRef>
-            <a:fontRef idx="minor">
-              <a:schemeClr val="lt1"/>
-            </a:fontRef>
-          </p:style>
-          <p:txBody>
-            <a:bodyPr rtlCol="0" anchor="ctr"/>
-            <a:lstStyle/>
-            <a:p>
-              <a:r>
-                <a:rPr lang="de-DE" b="1" dirty="0" smtClean="0">
-                  <a:solidFill>
-                    <a:schemeClr val="tx1"/>
-                  </a:solidFill>
-                </a:rPr>
-                <a:t>Formulare/Masken</a:t>
-              </a:r>
-              <a:endParaRPr lang="de-DE" b="1" dirty="0">
-                <a:solidFill>
-                  <a:schemeClr val="tx1"/>
-                </a:solidFill>
-              </a:endParaRPr>
-            </a:p>
-          </p:txBody>
-        </p:sp>
-      </p:grpSp>
-      <p:grpSp>
-        <p:nvGrpSpPr>
-          <p:cNvPr id="8" name="Gruppieren 7"/>
-          <p:cNvGrpSpPr/>
-          <p:nvPr/>
-        </p:nvGrpSpPr>
-        <p:grpSpPr>
-          <a:xfrm>
-            <a:off x="7723643" y="2993255"/>
-            <a:ext cx="3730752" cy="1229417"/>
-            <a:chOff x="1780032" y="1330903"/>
-            <a:chExt cx="3730752" cy="1229417"/>
-          </a:xfrm>
-        </p:grpSpPr>
-        <p:sp>
-          <p:nvSpPr>
-            <p:cNvPr id="9" name="Rechteck 8"/>
-            <p:cNvSpPr/>
-            <p:nvPr/>
-          </p:nvSpPr>
-          <p:spPr>
-            <a:xfrm>
-              <a:off x="1780032" y="1499917"/>
-              <a:ext cx="3730752" cy="1060403"/>
-            </a:xfrm>
-            <a:prstGeom prst="rect">
-              <a:avLst/>
-            </a:prstGeom>
-            <a:solidFill>
-              <a:schemeClr val="bg1"/>
-            </a:solidFill>
-          </p:spPr>
-          <p:style>
-            <a:lnRef idx="2">
-              <a:schemeClr val="accent1">
-                <a:shade val="50000"/>
-              </a:schemeClr>
-            </a:lnRef>
-            <a:fillRef idx="1">
-              <a:schemeClr val="accent1"/>
-            </a:fillRef>
-            <a:effectRef idx="0">
-              <a:schemeClr val="accent1"/>
-            </a:effectRef>
-            <a:fontRef idx="minor">
-              <a:schemeClr val="lt1"/>
-            </a:fontRef>
-          </p:style>
-          <p:txBody>
-            <a:bodyPr tIns="180000" rtlCol="0" anchor="t"/>
-            <a:lstStyle/>
-            <a:p>
-              <a:pPr marL="285750" indent="-285750">
-                <a:buFont typeface="Arial" panose="020B0604020202020204" pitchFamily="34" charset="0"/>
-                <a:buChar char="•"/>
-              </a:pPr>
-              <a:r>
-                <a:rPr lang="de-DE" dirty="0" smtClean="0">
-                  <a:solidFill>
-                    <a:schemeClr val="tx1"/>
-                  </a:solidFill>
-                </a:rPr>
-                <a:t>Abgegrenzter steuerbarer Bereich</a:t>
-              </a:r>
-              <a:endParaRPr lang="de-DE" dirty="0">
-                <a:solidFill>
-                  <a:schemeClr val="tx1"/>
-                </a:solidFill>
-              </a:endParaRPr>
-            </a:p>
-          </p:txBody>
-        </p:sp>
-        <p:sp>
-          <p:nvSpPr>
-            <p:cNvPr id="10" name="Rechteck 9"/>
-            <p:cNvSpPr/>
-            <p:nvPr/>
-          </p:nvSpPr>
-          <p:spPr>
-            <a:xfrm>
-              <a:off x="1977040" y="1330903"/>
-              <a:ext cx="982717" cy="338027"/>
-            </a:xfrm>
-            <a:prstGeom prst="rect">
-              <a:avLst/>
-            </a:prstGeom>
-            <a:solidFill>
-              <a:schemeClr val="bg1"/>
-            </a:solidFill>
-            <a:ln>
-              <a:noFill/>
-            </a:ln>
-          </p:spPr>
-          <p:style>
-            <a:lnRef idx="2">
-              <a:schemeClr val="accent1">
-                <a:shade val="50000"/>
-              </a:schemeClr>
-            </a:lnRef>
-            <a:fillRef idx="1">
-              <a:schemeClr val="accent1"/>
-            </a:fillRef>
-            <a:effectRef idx="0">
-              <a:schemeClr val="accent1"/>
-            </a:effectRef>
-            <a:fontRef idx="minor">
-              <a:schemeClr val="lt1"/>
-            </a:fontRef>
-          </p:style>
-          <p:txBody>
-            <a:bodyPr rtlCol="0" anchor="ctr"/>
-            <a:lstStyle/>
-            <a:p>
-              <a:r>
-                <a:rPr lang="de-DE" b="1" dirty="0" smtClean="0">
-                  <a:solidFill>
-                    <a:schemeClr val="tx1"/>
-                  </a:solidFill>
-                </a:rPr>
-                <a:t>Fenster</a:t>
-              </a:r>
-              <a:endParaRPr lang="de-DE" b="1" dirty="0">
-                <a:solidFill>
-                  <a:schemeClr val="tx1"/>
-                </a:solidFill>
-              </a:endParaRPr>
-            </a:p>
-          </p:txBody>
-        </p:sp>
-      </p:grpSp>
-      <p:grpSp>
-        <p:nvGrpSpPr>
-          <p:cNvPr id="11" name="Gruppieren 10"/>
-          <p:cNvGrpSpPr/>
-          <p:nvPr/>
-        </p:nvGrpSpPr>
-        <p:grpSpPr>
-          <a:xfrm>
-            <a:off x="7724647" y="4612583"/>
-            <a:ext cx="3730752" cy="1229417"/>
-            <a:chOff x="1780032" y="1330903"/>
-            <a:chExt cx="3730752" cy="1229417"/>
-          </a:xfrm>
-        </p:grpSpPr>
-        <p:sp>
-          <p:nvSpPr>
-            <p:cNvPr id="12" name="Rechteck 11"/>
-            <p:cNvSpPr/>
-            <p:nvPr/>
-          </p:nvSpPr>
-          <p:spPr>
-            <a:xfrm>
-              <a:off x="1780032" y="1499917"/>
-              <a:ext cx="3730752" cy="1060403"/>
-            </a:xfrm>
-            <a:prstGeom prst="rect">
-              <a:avLst/>
-            </a:prstGeom>
-            <a:solidFill>
-              <a:schemeClr val="bg1"/>
-            </a:solidFill>
-          </p:spPr>
-          <p:style>
-            <a:lnRef idx="2">
-              <a:schemeClr val="accent1">
-                <a:shade val="50000"/>
-              </a:schemeClr>
-            </a:lnRef>
-            <a:fillRef idx="1">
-              <a:schemeClr val="accent1"/>
-            </a:fillRef>
-            <a:effectRef idx="0">
-              <a:schemeClr val="accent1"/>
-            </a:effectRef>
-            <a:fontRef idx="minor">
-              <a:schemeClr val="lt1"/>
-            </a:fontRef>
-          </p:style>
-          <p:txBody>
-            <a:bodyPr tIns="180000" rtlCol="0" anchor="t"/>
-            <a:lstStyle/>
-            <a:p>
-              <a:pPr marL="285750" indent="-285750">
-                <a:buFont typeface="Arial" panose="020B0604020202020204" pitchFamily="34" charset="0"/>
-                <a:buChar char="•"/>
-              </a:pPr>
-              <a:r>
-                <a:rPr lang="de-DE" dirty="0" smtClean="0">
-                  <a:solidFill>
-                    <a:schemeClr val="tx1"/>
-                  </a:solidFill>
-                </a:rPr>
-                <a:t>Direkte Bearbeitung der Objekte</a:t>
-              </a:r>
-            </a:p>
-            <a:p>
-              <a:pPr marL="285750" indent="-285750">
-                <a:buFont typeface="Arial" panose="020B0604020202020204" pitchFamily="34" charset="0"/>
-                <a:buChar char="•"/>
-              </a:pPr>
-              <a:r>
-                <a:rPr lang="de-DE" dirty="0" smtClean="0">
-                  <a:solidFill>
-                    <a:schemeClr val="tx1"/>
-                  </a:solidFill>
-                </a:rPr>
-                <a:t>Größe, Position verändern</a:t>
-              </a:r>
-              <a:endParaRPr lang="de-DE" dirty="0">
-                <a:solidFill>
-                  <a:schemeClr val="tx1"/>
-                </a:solidFill>
-              </a:endParaRPr>
-            </a:p>
-          </p:txBody>
-        </p:sp>
-        <p:sp>
-          <p:nvSpPr>
-            <p:cNvPr id="13" name="Rechteck 12"/>
-            <p:cNvSpPr/>
-            <p:nvPr/>
-          </p:nvSpPr>
-          <p:spPr>
-            <a:xfrm>
-              <a:off x="1977040" y="1330903"/>
-              <a:ext cx="2401440" cy="338027"/>
-            </a:xfrm>
-            <a:prstGeom prst="rect">
-              <a:avLst/>
-            </a:prstGeom>
-            <a:solidFill>
-              <a:schemeClr val="bg1"/>
-            </a:solidFill>
-            <a:ln>
-              <a:noFill/>
-            </a:ln>
-          </p:spPr>
-          <p:style>
-            <a:lnRef idx="2">
-              <a:schemeClr val="accent1">
-                <a:shade val="50000"/>
-              </a:schemeClr>
-            </a:lnRef>
-            <a:fillRef idx="1">
-              <a:schemeClr val="accent1"/>
-            </a:fillRef>
-            <a:effectRef idx="0">
-              <a:schemeClr val="accent1"/>
-            </a:effectRef>
-            <a:fontRef idx="minor">
-              <a:schemeClr val="lt1"/>
-            </a:fontRef>
-          </p:style>
-          <p:txBody>
-            <a:bodyPr rtlCol="0" anchor="ctr"/>
-            <a:lstStyle/>
-            <a:p>
-              <a:r>
-                <a:rPr lang="de-DE" b="1" dirty="0" smtClean="0">
-                  <a:solidFill>
-                    <a:schemeClr val="tx1"/>
-                  </a:solidFill>
-                </a:rPr>
-                <a:t>Direkte Manipulation</a:t>
-              </a:r>
-              <a:endParaRPr lang="de-DE" b="1" dirty="0">
-                <a:solidFill>
-                  <a:schemeClr val="tx1"/>
-                </a:solidFill>
-              </a:endParaRPr>
-            </a:p>
-          </p:txBody>
-        </p:sp>
-      </p:grpSp>
-      <p:grpSp>
-        <p:nvGrpSpPr>
-          <p:cNvPr id="14" name="Gruppieren 13"/>
-          <p:cNvGrpSpPr/>
-          <p:nvPr/>
-        </p:nvGrpSpPr>
-        <p:grpSpPr>
-          <a:xfrm>
-            <a:off x="874713" y="1204913"/>
-            <a:ext cx="4934768" cy="1229417"/>
-            <a:chOff x="1780032" y="1330903"/>
-            <a:chExt cx="4934768" cy="1229417"/>
-          </a:xfrm>
-        </p:grpSpPr>
-        <p:sp>
-          <p:nvSpPr>
-            <p:cNvPr id="15" name="Rechteck 14"/>
-            <p:cNvSpPr/>
-            <p:nvPr/>
-          </p:nvSpPr>
-          <p:spPr>
-            <a:xfrm>
-              <a:off x="1780032" y="1499917"/>
-              <a:ext cx="4934768" cy="1060403"/>
-            </a:xfrm>
-            <a:prstGeom prst="rect">
-              <a:avLst/>
-            </a:prstGeom>
-            <a:solidFill>
-              <a:schemeClr val="bg1"/>
-            </a:solidFill>
-            <a:ln>
-              <a:solidFill>
-                <a:schemeClr val="accent4"/>
-              </a:solidFill>
-            </a:ln>
-          </p:spPr>
-          <p:style>
-            <a:lnRef idx="2">
-              <a:schemeClr val="accent1">
-                <a:shade val="50000"/>
-              </a:schemeClr>
-            </a:lnRef>
-            <a:fillRef idx="1">
-              <a:schemeClr val="accent1"/>
-            </a:fillRef>
-            <a:effectRef idx="0">
-              <a:schemeClr val="accent1"/>
-            </a:effectRef>
-            <a:fontRef idx="minor">
-              <a:schemeClr val="lt1"/>
-            </a:fontRef>
-          </p:style>
-          <p:txBody>
-            <a:bodyPr tIns="180000" rtlCol="0" anchor="t"/>
-            <a:lstStyle/>
-            <a:p>
-              <a:pPr marL="285750" indent="-285750">
-                <a:buFont typeface="Arial" panose="020B0604020202020204" pitchFamily="34" charset="0"/>
-                <a:buChar char="•"/>
-              </a:pPr>
-              <a:r>
-                <a:rPr lang="de-DE" dirty="0" smtClean="0">
-                  <a:solidFill>
-                    <a:schemeClr val="tx1"/>
-                  </a:solidFill>
-                </a:rPr>
-                <a:t>Entsteht beim Lösen einer Aufgabe in Kooperation</a:t>
-              </a:r>
-            </a:p>
-            <a:p>
-              <a:pPr marL="285750" indent="-285750">
-                <a:buFont typeface="Arial" panose="020B0604020202020204" pitchFamily="34" charset="0"/>
-                <a:buChar char="•"/>
-              </a:pPr>
-              <a:r>
-                <a:rPr lang="de-DE" dirty="0" smtClean="0">
-                  <a:solidFill>
-                    <a:schemeClr val="tx1"/>
-                  </a:solidFill>
-                </a:rPr>
-                <a:t>Es sind mehrere Schritte notwendig</a:t>
-              </a:r>
-              <a:endParaRPr lang="de-DE" dirty="0">
-                <a:solidFill>
-                  <a:schemeClr val="tx1"/>
-                </a:solidFill>
-              </a:endParaRPr>
-            </a:p>
-          </p:txBody>
-        </p:sp>
-        <p:sp>
-          <p:nvSpPr>
-            <p:cNvPr id="16" name="Rechteck 15"/>
-            <p:cNvSpPr/>
-            <p:nvPr/>
-          </p:nvSpPr>
-          <p:spPr>
-            <a:xfrm>
-              <a:off x="1977039" y="1330903"/>
-              <a:ext cx="4198166" cy="338027"/>
-            </a:xfrm>
-            <a:prstGeom prst="rect">
-              <a:avLst/>
-            </a:prstGeom>
-            <a:solidFill>
-              <a:schemeClr val="bg1"/>
-            </a:solidFill>
-            <a:ln>
-              <a:noFill/>
-            </a:ln>
-          </p:spPr>
-          <p:style>
-            <a:lnRef idx="2">
-              <a:schemeClr val="accent1">
-                <a:shade val="50000"/>
-              </a:schemeClr>
-            </a:lnRef>
-            <a:fillRef idx="1">
-              <a:schemeClr val="accent1"/>
-            </a:fillRef>
-            <a:effectRef idx="0">
-              <a:schemeClr val="accent1"/>
-            </a:effectRef>
-            <a:fontRef idx="minor">
-              <a:schemeClr val="lt1"/>
-            </a:fontRef>
-          </p:style>
-          <p:txBody>
-            <a:bodyPr rtlCol="0" anchor="ctr"/>
-            <a:lstStyle/>
-            <a:p>
-              <a:r>
-                <a:rPr lang="de-DE" b="1" dirty="0" smtClean="0">
-                  <a:solidFill>
-                    <a:schemeClr val="accent4"/>
-                  </a:solidFill>
-                </a:rPr>
-                <a:t>Dialog zwischen Mensch und Maschine</a:t>
-              </a:r>
-              <a:endParaRPr lang="de-DE" b="1" dirty="0">
-                <a:solidFill>
-                  <a:schemeClr val="accent4"/>
-                </a:solidFill>
-              </a:endParaRPr>
-            </a:p>
-          </p:txBody>
-        </p:sp>
-      </p:grpSp>
-      <p:grpSp>
-        <p:nvGrpSpPr>
-          <p:cNvPr id="17" name="Gruppieren 16"/>
-          <p:cNvGrpSpPr/>
-          <p:nvPr/>
-        </p:nvGrpSpPr>
-        <p:grpSpPr>
-          <a:xfrm>
-            <a:off x="2078728" y="2993255"/>
-            <a:ext cx="3730752" cy="1229417"/>
-            <a:chOff x="1780032" y="1330903"/>
-            <a:chExt cx="3730752" cy="1229417"/>
-          </a:xfrm>
-        </p:grpSpPr>
-        <p:sp>
-          <p:nvSpPr>
-            <p:cNvPr id="18" name="Rechteck 17"/>
-            <p:cNvSpPr/>
-            <p:nvPr/>
-          </p:nvSpPr>
-          <p:spPr>
-            <a:xfrm>
-              <a:off x="1780032" y="1499917"/>
-              <a:ext cx="3730752" cy="1060403"/>
-            </a:xfrm>
-            <a:prstGeom prst="rect">
-              <a:avLst/>
-            </a:prstGeom>
-            <a:solidFill>
-              <a:schemeClr val="bg1"/>
-            </a:solidFill>
-          </p:spPr>
-          <p:style>
-            <a:lnRef idx="2">
-              <a:schemeClr val="accent1">
-                <a:shade val="50000"/>
-              </a:schemeClr>
-            </a:lnRef>
-            <a:fillRef idx="1">
-              <a:schemeClr val="accent1"/>
-            </a:fillRef>
-            <a:effectRef idx="0">
-              <a:schemeClr val="accent1"/>
-            </a:effectRef>
-            <a:fontRef idx="minor">
-              <a:schemeClr val="lt1"/>
-            </a:fontRef>
-          </p:style>
-          <p:txBody>
-            <a:bodyPr tIns="180000" rtlCol="0" anchor="t"/>
-            <a:lstStyle/>
-            <a:p>
-              <a:pPr marL="285750" indent="-285750">
-                <a:buFont typeface="Arial" panose="020B0604020202020204" pitchFamily="34" charset="0"/>
-                <a:buChar char="•"/>
-              </a:pPr>
-              <a:r>
-                <a:rPr lang="de-DE" dirty="0" smtClean="0">
-                  <a:solidFill>
-                    <a:schemeClr val="tx1"/>
-                  </a:solidFill>
-                </a:rPr>
-                <a:t>Eingabe über Tastatur</a:t>
-              </a:r>
-            </a:p>
-            <a:p>
-              <a:pPr marL="285750" indent="-285750">
-                <a:buFont typeface="Arial" panose="020B0604020202020204" pitchFamily="34" charset="0"/>
-                <a:buChar char="•"/>
-              </a:pPr>
-              <a:r>
-                <a:rPr lang="de-DE" dirty="0" smtClean="0">
-                  <a:solidFill>
-                    <a:schemeClr val="tx1"/>
-                  </a:solidFill>
-                </a:rPr>
-                <a:t>Mensch muss sich erinnern</a:t>
-              </a:r>
-            </a:p>
-            <a:p>
-              <a:pPr marL="285750" indent="-285750">
-                <a:buFont typeface="Arial" panose="020B0604020202020204" pitchFamily="34" charset="0"/>
-                <a:buChar char="•"/>
-              </a:pPr>
-              <a:r>
-                <a:rPr lang="de-DE" dirty="0" smtClean="0">
-                  <a:solidFill>
-                    <a:schemeClr val="tx1"/>
-                  </a:solidFill>
-                </a:rPr>
-                <a:t>benutzerbestimmt</a:t>
-              </a:r>
-              <a:endParaRPr lang="de-DE" dirty="0">
-                <a:solidFill>
-                  <a:schemeClr val="tx1"/>
-                </a:solidFill>
-              </a:endParaRPr>
-            </a:p>
-          </p:txBody>
-        </p:sp>
-        <p:sp>
-          <p:nvSpPr>
-            <p:cNvPr id="19" name="Rechteck 18"/>
-            <p:cNvSpPr/>
-            <p:nvPr/>
-          </p:nvSpPr>
-          <p:spPr>
-            <a:xfrm>
-              <a:off x="1977040" y="1330903"/>
-              <a:ext cx="1393834" cy="338027"/>
-            </a:xfrm>
-            <a:prstGeom prst="rect">
-              <a:avLst/>
-            </a:prstGeom>
-            <a:solidFill>
-              <a:schemeClr val="bg1"/>
-            </a:solidFill>
-            <a:ln>
-              <a:noFill/>
-            </a:ln>
-          </p:spPr>
-          <p:style>
-            <a:lnRef idx="2">
-              <a:schemeClr val="accent1">
-                <a:shade val="50000"/>
-              </a:schemeClr>
-            </a:lnRef>
-            <a:fillRef idx="1">
-              <a:schemeClr val="accent1"/>
-            </a:fillRef>
-            <a:effectRef idx="0">
-              <a:schemeClr val="accent1"/>
-            </a:effectRef>
-            <a:fontRef idx="minor">
-              <a:schemeClr val="lt1"/>
-            </a:fontRef>
-          </p:style>
-          <p:txBody>
-            <a:bodyPr rtlCol="0" anchor="ctr"/>
-            <a:lstStyle/>
-            <a:p>
-              <a:r>
-                <a:rPr lang="de-DE" b="1" dirty="0" smtClean="0">
-                  <a:solidFill>
-                    <a:schemeClr val="tx1"/>
-                  </a:solidFill>
-                </a:rPr>
-                <a:t>Kommando</a:t>
-              </a:r>
-              <a:endParaRPr lang="de-DE" b="1" dirty="0">
-                <a:solidFill>
-                  <a:schemeClr val="tx1"/>
-                </a:solidFill>
-              </a:endParaRPr>
-            </a:p>
-          </p:txBody>
-        </p:sp>
-      </p:grpSp>
-      <p:grpSp>
-        <p:nvGrpSpPr>
-          <p:cNvPr id="20" name="Gruppieren 19"/>
-          <p:cNvGrpSpPr/>
-          <p:nvPr/>
-        </p:nvGrpSpPr>
-        <p:grpSpPr>
-          <a:xfrm>
-            <a:off x="2078728" y="4612583"/>
-            <a:ext cx="3730752" cy="1229417"/>
-            <a:chOff x="1780032" y="1330903"/>
-            <a:chExt cx="3730752" cy="1229417"/>
-          </a:xfrm>
-        </p:grpSpPr>
-        <p:sp>
-          <p:nvSpPr>
-            <p:cNvPr id="21" name="Rechteck 20"/>
-            <p:cNvSpPr/>
-            <p:nvPr/>
-          </p:nvSpPr>
-          <p:spPr>
-            <a:xfrm>
-              <a:off x="1780032" y="1499917"/>
-              <a:ext cx="3730752" cy="1060403"/>
-            </a:xfrm>
-            <a:prstGeom prst="rect">
-              <a:avLst/>
-            </a:prstGeom>
-            <a:solidFill>
-              <a:schemeClr val="bg1"/>
-            </a:solidFill>
-          </p:spPr>
-          <p:style>
-            <a:lnRef idx="2">
-              <a:schemeClr val="accent1">
-                <a:shade val="50000"/>
-              </a:schemeClr>
-            </a:lnRef>
-            <a:fillRef idx="1">
-              <a:schemeClr val="accent1"/>
-            </a:fillRef>
-            <a:effectRef idx="0">
-              <a:schemeClr val="accent1"/>
-            </a:effectRef>
-            <a:fontRef idx="minor">
-              <a:schemeClr val="lt1"/>
-            </a:fontRef>
-          </p:style>
-          <p:txBody>
-            <a:bodyPr tIns="180000" rtlCol="0" anchor="t"/>
-            <a:lstStyle/>
-            <a:p>
-              <a:pPr marL="285750" indent="-285750">
-                <a:buFont typeface="Arial" panose="020B0604020202020204" pitchFamily="34" charset="0"/>
-                <a:buChar char="•"/>
-              </a:pPr>
-              <a:r>
-                <a:rPr lang="de-DE" dirty="0" smtClean="0">
-                  <a:solidFill>
-                    <a:schemeClr val="tx1"/>
-                  </a:solidFill>
-                </a:rPr>
-                <a:t>Sortierte Kommandos in Liste</a:t>
-              </a:r>
-            </a:p>
-            <a:p>
-              <a:pPr marL="285750" indent="-285750">
-                <a:buFont typeface="Arial" panose="020B0604020202020204" pitchFamily="34" charset="0"/>
-                <a:buChar char="•"/>
-              </a:pPr>
-              <a:r>
-                <a:rPr lang="de-DE" dirty="0" smtClean="0">
-                  <a:solidFill>
-                    <a:schemeClr val="tx1"/>
-                  </a:solidFill>
-                </a:rPr>
-                <a:t>Auswahl durch Nutzer</a:t>
-              </a:r>
-            </a:p>
-            <a:p>
-              <a:pPr marL="285750" indent="-285750">
-                <a:buFont typeface="Arial" panose="020B0604020202020204" pitchFamily="34" charset="0"/>
-                <a:buChar char="•"/>
-              </a:pPr>
-              <a:r>
-                <a:rPr lang="de-DE" dirty="0" smtClean="0">
-                  <a:solidFill>
-                    <a:schemeClr val="tx1"/>
-                  </a:solidFill>
-                </a:rPr>
-                <a:t>Statische Menü: systembestimmt</a:t>
-              </a:r>
-              <a:endParaRPr lang="de-DE" dirty="0">
-                <a:solidFill>
-                  <a:schemeClr val="tx1"/>
-                </a:solidFill>
-              </a:endParaRPr>
-            </a:p>
-          </p:txBody>
-        </p:sp>
-        <p:sp>
-          <p:nvSpPr>
-            <p:cNvPr id="22" name="Rechteck 21"/>
-            <p:cNvSpPr/>
-            <p:nvPr/>
-          </p:nvSpPr>
-          <p:spPr>
-            <a:xfrm>
-              <a:off x="1977040" y="1330903"/>
-              <a:ext cx="804287" cy="338027"/>
-            </a:xfrm>
-            <a:prstGeom prst="rect">
-              <a:avLst/>
-            </a:prstGeom>
-            <a:solidFill>
-              <a:schemeClr val="bg1"/>
-            </a:solidFill>
-            <a:ln>
-              <a:noFill/>
-            </a:ln>
-          </p:spPr>
-          <p:style>
-            <a:lnRef idx="2">
-              <a:schemeClr val="accent1">
-                <a:shade val="50000"/>
-              </a:schemeClr>
-            </a:lnRef>
-            <a:fillRef idx="1">
-              <a:schemeClr val="accent1"/>
-            </a:fillRef>
-            <a:effectRef idx="0">
-              <a:schemeClr val="accent1"/>
-            </a:effectRef>
-            <a:fontRef idx="minor">
-              <a:schemeClr val="lt1"/>
-            </a:fontRef>
-          </p:style>
-          <p:txBody>
-            <a:bodyPr rtlCol="0" anchor="ctr"/>
-            <a:lstStyle/>
-            <a:p>
-              <a:r>
-                <a:rPr lang="de-DE" b="1" dirty="0" smtClean="0">
-                  <a:solidFill>
-                    <a:schemeClr val="tx1"/>
-                  </a:solidFill>
-                </a:rPr>
-                <a:t>Menü</a:t>
-              </a:r>
-              <a:endParaRPr lang="de-DE" b="1" dirty="0">
-                <a:solidFill>
-                  <a:schemeClr val="tx1"/>
-                </a:solidFill>
-              </a:endParaRPr>
-            </a:p>
-          </p:txBody>
-        </p:sp>
-      </p:grpSp>
-      <p:pic>
-        <p:nvPicPr>
-          <p:cNvPr id="23" name="Grafik 22"/>
-          <p:cNvPicPr>
-            <a:picLocks noChangeAspect="1"/>
-          </p:cNvPicPr>
-          <p:nvPr/>
-        </p:nvPicPr>
-        <p:blipFill>
-          <a:blip r:embed="rId4">
-            <a:extLst>
-              <a:ext uri="{28A0092B-C50C-407E-A947-70E740481C1C}">
-                <a14:useLocalDpi xmlns:a14="http://schemas.microsoft.com/office/drawing/2010/main" val="0"/>
-              </a:ext>
-            </a:extLst>
-          </a:blip>
-          <a:stretch>
-            <a:fillRect/>
-          </a:stretch>
-        </p:blipFill>
-        <p:spPr>
-          <a:xfrm>
-            <a:off x="1071720" y="4906798"/>
-            <a:ext cx="810000" cy="810000"/>
-          </a:xfrm>
-          <a:prstGeom prst="rect">
-            <a:avLst/>
-          </a:prstGeom>
-        </p:spPr>
-      </p:pic>
-      <p:pic>
-        <p:nvPicPr>
-          <p:cNvPr id="24" name="Grafik 23"/>
-          <p:cNvPicPr>
-            <a:picLocks noChangeAspect="1"/>
-          </p:cNvPicPr>
-          <p:nvPr/>
-        </p:nvPicPr>
-        <p:blipFill>
-          <a:blip r:embed="rId5">
-            <a:extLst>
-              <a:ext uri="{28A0092B-C50C-407E-A947-70E740481C1C}">
-                <a14:useLocalDpi xmlns:a14="http://schemas.microsoft.com/office/drawing/2010/main" val="0"/>
-              </a:ext>
-            </a:extLst>
-          </a:blip>
-          <a:stretch>
-            <a:fillRect/>
-          </a:stretch>
-        </p:blipFill>
-        <p:spPr>
-          <a:xfrm>
-            <a:off x="6720020" y="1497712"/>
-            <a:ext cx="810000" cy="810000"/>
-          </a:xfrm>
-          <a:prstGeom prst="rect">
-            <a:avLst/>
-          </a:prstGeom>
-        </p:spPr>
-      </p:pic>
-      <p:pic>
-        <p:nvPicPr>
-          <p:cNvPr id="27" name="Grafik 26"/>
-          <p:cNvPicPr>
-            <a:picLocks noChangeAspect="1"/>
-          </p:cNvPicPr>
-          <p:nvPr/>
-        </p:nvPicPr>
-        <p:blipFill>
-          <a:blip r:embed="rId6">
-            <a:extLst>
-              <a:ext uri="{28A0092B-C50C-407E-A947-70E740481C1C}">
-                <a14:useLocalDpi xmlns:a14="http://schemas.microsoft.com/office/drawing/2010/main" val="0"/>
-              </a:ext>
-            </a:extLst>
-          </a:blip>
-          <a:stretch>
-            <a:fillRect/>
-          </a:stretch>
-        </p:blipFill>
-        <p:spPr>
-          <a:xfrm>
-            <a:off x="6720020" y="3287470"/>
-            <a:ext cx="810000" cy="810000"/>
-          </a:xfrm>
-          <a:prstGeom prst="rect">
-            <a:avLst/>
-          </a:prstGeom>
-        </p:spPr>
-      </p:pic>
-      <p:pic>
-        <p:nvPicPr>
-          <p:cNvPr id="29" name="Grafik 28"/>
-          <p:cNvPicPr>
-            <a:picLocks noChangeAspect="1"/>
-          </p:cNvPicPr>
-          <p:nvPr/>
-        </p:nvPicPr>
-        <p:blipFill>
-          <a:blip r:embed="rId7">
-            <a:extLst>
-              <a:ext uri="{28A0092B-C50C-407E-A947-70E740481C1C}">
-                <a14:useLocalDpi xmlns:a14="http://schemas.microsoft.com/office/drawing/2010/main" val="0"/>
-              </a:ext>
-            </a:extLst>
-          </a:blip>
-          <a:stretch>
-            <a:fillRect/>
-          </a:stretch>
-        </p:blipFill>
-        <p:spPr>
-          <a:xfrm>
-            <a:off x="6720020" y="4906798"/>
-            <a:ext cx="810000" cy="810000"/>
-          </a:xfrm>
-          <a:prstGeom prst="rect">
-            <a:avLst/>
-          </a:prstGeom>
-        </p:spPr>
-      </p:pic>
-      <p:pic>
-        <p:nvPicPr>
-          <p:cNvPr id="30" name="Grafik 29"/>
-          <p:cNvPicPr>
-            <a:picLocks noChangeAspect="1"/>
-          </p:cNvPicPr>
-          <p:nvPr/>
-        </p:nvPicPr>
-        <p:blipFill>
-          <a:blip r:embed="rId8">
-            <a:extLst>
-              <a:ext uri="{28A0092B-C50C-407E-A947-70E740481C1C}">
-                <a14:useLocalDpi xmlns:a14="http://schemas.microsoft.com/office/drawing/2010/main" val="0"/>
-              </a:ext>
-            </a:extLst>
-          </a:blip>
-          <a:stretch>
-            <a:fillRect/>
-          </a:stretch>
-        </p:blipFill>
-        <p:spPr>
-          <a:xfrm>
-            <a:off x="1071720" y="3287470"/>
-            <a:ext cx="810000" cy="810000"/>
-          </a:xfrm>
-          <a:prstGeom prst="rect">
-            <a:avLst/>
-          </a:prstGeom>
-        </p:spPr>
-      </p:pic>
-    </p:spTree>
-    <p:extLst>
-      <p:ext uri="{BB962C8B-B14F-4D97-AF65-F5344CB8AC3E}">
-        <p14:creationId xmlns:p14="http://schemas.microsoft.com/office/powerpoint/2010/main" val="2184428850"/>
-      </p:ext>
-    </p:extLst>
-  </p:cSld>
-  <p:clrMapOvr>
-    <a:masterClrMapping/>
-  </p:clrMapOvr>
-  <p:timing>
-    <p:tnLst>
-      <p:par>
-        <p:cTn id="1" dur="indefinite" restart="never" nodeType="tmRoot"/>
-      </p:par>
-    </p:tnLst>
-  </p:timing>
-</p:sld>
-</file>
-
-<file path=ppt/slides/slide9.xml><?xml version="1.0" encoding="utf-8"?>
-<p:sld xmlns:a="http://schemas.openxmlformats.org/drawingml/2006/main" xmlns:r="http://schemas.openxmlformats.org/officeDocument/2006/relationships" xmlns:p="http://schemas.openxmlformats.org/presentationml/2006/main">
-  <p:cSld>
-    <p:spTree>
-      <p:nvGrpSpPr>
-        <p:cNvPr id="1" name=""/>
-        <p:cNvGrpSpPr/>
-        <p:nvPr/>
-      </p:nvGrpSpPr>
-      <p:grpSpPr>
-        <a:xfrm>
-          <a:off x="0" y="0"/>
-          <a:ext cx="0" cy="0"/>
-          <a:chOff x="0" y="0"/>
-          <a:chExt cx="0" cy="0"/>
-        </a:xfrm>
-      </p:grpSpPr>
-      <p:sp>
-        <p:nvSpPr>
-          <p:cNvPr id="2" name="Titel 1"/>
-          <p:cNvSpPr>
-            <a:spLocks noGrp="1"/>
-          </p:cNvSpPr>
-          <p:nvPr>
-            <p:ph type="title"/>
-          </p:nvPr>
-        </p:nvSpPr>
-        <p:spPr/>
-        <p:txBody>
-          <a:bodyPr/>
-          <a:lstStyle/>
-          <a:p>
-            <a:r>
-              <a:rPr lang="de-DE" dirty="0"/>
-              <a:t>Digitaler </a:t>
-            </a:r>
-            <a:r>
-              <a:rPr lang="de-DE" dirty="0" smtClean="0"/>
-              <a:t>Assistent: Welche Funktionen stellt die Assistenz zur Verfügung?</a:t>
-            </a:r>
-            <a:endParaRPr lang="de-DE" dirty="0"/>
           </a:p>
         </p:txBody>
       </p:sp>
@@ -12257,10 +11441,9 @@
           <a:p>
             <a:pPr lvl="1"/>
             <a:r>
-              <a:rPr lang="de-DE" dirty="0" smtClean="0"/>
+              <a:rPr lang="de-DE" dirty="0"/>
               <a:t>Verknüpft die Informationen</a:t>
             </a:r>
-            <a:endParaRPr lang="de-DE" dirty="0" smtClean="0"/>
           </a:p>
           <a:p>
             <a:pPr lvl="1"/>
@@ -12326,13 +11509,1026 @@
   <p:clrMapOvr>
     <a:masterClrMapping/>
   </p:clrMapOvr>
-  <p:timing>
-    <p:tnLst>
-      <p:par>
-        <p:cTn id="1" dur="indefinite" restart="never" nodeType="tmRoot"/>
-      </p:par>
-    </p:tnLst>
-  </p:timing>
+</p:sld>
+</file>
+
+<file path=ppt/slides/slide9.xml><?xml version="1.0" encoding="utf-8"?>
+<p:sld xmlns:a="http://schemas.openxmlformats.org/drawingml/2006/main" xmlns:r="http://schemas.openxmlformats.org/officeDocument/2006/relationships" xmlns:p="http://schemas.openxmlformats.org/presentationml/2006/main">
+  <p:cSld>
+    <p:spTree>
+      <p:nvGrpSpPr>
+        <p:cNvPr id="1" name=""/>
+        <p:cNvGrpSpPr/>
+        <p:nvPr/>
+      </p:nvGrpSpPr>
+      <p:grpSpPr>
+        <a:xfrm>
+          <a:off x="0" y="0"/>
+          <a:ext cx="0" cy="0"/>
+          <a:chOff x="0" y="0"/>
+          <a:chExt cx="0" cy="0"/>
+        </a:xfrm>
+      </p:grpSpPr>
+      <p:sp>
+        <p:nvSpPr>
+          <p:cNvPr id="2" name="Titel 1"/>
+          <p:cNvSpPr>
+            <a:spLocks noGrp="1"/>
+          </p:cNvSpPr>
+          <p:nvPr>
+            <p:ph type="title"/>
+          </p:nvPr>
+        </p:nvSpPr>
+        <p:spPr/>
+        <p:txBody>
+          <a:bodyPr/>
+          <a:lstStyle/>
+          <a:p>
+            <a:r>
+              <a:rPr lang="de-DE" dirty="0">
+                <a:solidFill>
+                  <a:schemeClr val="accent4"/>
+                </a:solidFill>
+              </a:rPr>
+              <a:t>Modulare Anlagen </a:t>
+            </a:r>
+            <a:r>
+              <a:rPr lang="de-DE" dirty="0"/>
+              <a:t>sind zustandsgesteuert und stellen ihre Funktionen als Services zur Verfügung</a:t>
+            </a:r>
+          </a:p>
+        </p:txBody>
+      </p:sp>
+      <p:grpSp>
+        <p:nvGrpSpPr>
+          <p:cNvPr id="4" name="Gruppieren 3"/>
+          <p:cNvGrpSpPr>
+            <a:grpSpLocks noChangeAspect="1"/>
+          </p:cNvGrpSpPr>
+          <p:nvPr/>
+        </p:nvGrpSpPr>
+        <p:grpSpPr>
+          <a:xfrm>
+            <a:off x="11417044" y="66654"/>
+            <a:ext cx="720000" cy="575216"/>
+            <a:chOff x="9339072" y="2175478"/>
+            <a:chExt cx="2116327" cy="1690756"/>
+          </a:xfrm>
+          <a:solidFill>
+            <a:srgbClr val="000000"/>
+          </a:solidFill>
+        </p:grpSpPr>
+        <p:sp>
+          <p:nvSpPr>
+            <p:cNvPr id="5" name="Rechteck 4"/>
+            <p:cNvSpPr/>
+            <p:nvPr/>
+          </p:nvSpPr>
+          <p:spPr>
+            <a:xfrm>
+              <a:off x="9339072" y="2175478"/>
+              <a:ext cx="720000" cy="720000"/>
+            </a:xfrm>
+            <a:prstGeom prst="rect">
+              <a:avLst/>
+            </a:prstGeom>
+            <a:grpFill/>
+            <a:ln w="19050">
+              <a:solidFill>
+                <a:schemeClr val="bg2">
+                  <a:lumMod val="50000"/>
+                </a:schemeClr>
+              </a:solidFill>
+            </a:ln>
+          </p:spPr>
+          <p:style>
+            <a:lnRef idx="2">
+              <a:schemeClr val="accent1">
+                <a:shade val="50000"/>
+              </a:schemeClr>
+            </a:lnRef>
+            <a:fillRef idx="1">
+              <a:schemeClr val="accent1"/>
+            </a:fillRef>
+            <a:effectRef idx="0">
+              <a:schemeClr val="accent1"/>
+            </a:effectRef>
+            <a:fontRef idx="minor">
+              <a:schemeClr val="lt1"/>
+            </a:fontRef>
+          </p:style>
+          <p:txBody>
+            <a:bodyPr rtlCol="0" anchor="ctr"/>
+            <a:lstStyle/>
+            <a:p>
+              <a:pPr algn="ctr"/>
+              <a:endParaRPr lang="de-DE"/>
+            </a:p>
+          </p:txBody>
+        </p:sp>
+        <p:sp>
+          <p:nvSpPr>
+            <p:cNvPr id="6" name="Rechteck 5"/>
+            <p:cNvSpPr/>
+            <p:nvPr/>
+          </p:nvSpPr>
+          <p:spPr>
+            <a:xfrm>
+              <a:off x="10735399" y="2554145"/>
+              <a:ext cx="720000" cy="720000"/>
+            </a:xfrm>
+            <a:prstGeom prst="rect">
+              <a:avLst/>
+            </a:prstGeom>
+            <a:grpFill/>
+            <a:ln w="19050">
+              <a:solidFill>
+                <a:schemeClr val="bg2">
+                  <a:lumMod val="50000"/>
+                </a:schemeClr>
+              </a:solidFill>
+            </a:ln>
+          </p:spPr>
+          <p:style>
+            <a:lnRef idx="2">
+              <a:schemeClr val="accent1">
+                <a:shade val="50000"/>
+              </a:schemeClr>
+            </a:lnRef>
+            <a:fillRef idx="1">
+              <a:schemeClr val="accent1"/>
+            </a:fillRef>
+            <a:effectRef idx="0">
+              <a:schemeClr val="accent1"/>
+            </a:effectRef>
+            <a:fontRef idx="minor">
+              <a:schemeClr val="lt1"/>
+            </a:fontRef>
+          </p:style>
+          <p:txBody>
+            <a:bodyPr rtlCol="0" anchor="ctr"/>
+            <a:lstStyle/>
+            <a:p>
+              <a:pPr algn="ctr"/>
+              <a:endParaRPr lang="de-DE"/>
+            </a:p>
+          </p:txBody>
+        </p:sp>
+        <p:sp>
+          <p:nvSpPr>
+            <p:cNvPr id="7" name="Rechteck 6"/>
+            <p:cNvSpPr/>
+            <p:nvPr/>
+          </p:nvSpPr>
+          <p:spPr>
+            <a:xfrm>
+              <a:off x="9344533" y="3146234"/>
+              <a:ext cx="720000" cy="720000"/>
+            </a:xfrm>
+            <a:prstGeom prst="rect">
+              <a:avLst/>
+            </a:prstGeom>
+            <a:grpFill/>
+            <a:ln w="19050">
+              <a:solidFill>
+                <a:schemeClr val="bg2">
+                  <a:lumMod val="50000"/>
+                </a:schemeClr>
+              </a:solidFill>
+            </a:ln>
+          </p:spPr>
+          <p:style>
+            <a:lnRef idx="2">
+              <a:schemeClr val="accent1">
+                <a:shade val="50000"/>
+              </a:schemeClr>
+            </a:lnRef>
+            <a:fillRef idx="1">
+              <a:schemeClr val="accent1"/>
+            </a:fillRef>
+            <a:effectRef idx="0">
+              <a:schemeClr val="accent1"/>
+            </a:effectRef>
+            <a:fontRef idx="minor">
+              <a:schemeClr val="lt1"/>
+            </a:fontRef>
+          </p:style>
+          <p:txBody>
+            <a:bodyPr rtlCol="0" anchor="ctr"/>
+            <a:lstStyle/>
+            <a:p>
+              <a:pPr algn="ctr"/>
+              <a:endParaRPr lang="de-DE"/>
+            </a:p>
+          </p:txBody>
+        </p:sp>
+        <p:cxnSp>
+          <p:nvCxnSpPr>
+            <p:cNvPr id="8" name="Gewinkelte Verbindung 7"/>
+            <p:cNvCxnSpPr>
+              <a:stCxn id="5" idx="3"/>
+            </p:cNvCxnSpPr>
+            <p:nvPr/>
+          </p:nvCxnSpPr>
+          <p:spPr>
+            <a:xfrm>
+              <a:off x="10059072" y="2535478"/>
+              <a:ext cx="670866" cy="209428"/>
+            </a:xfrm>
+            <a:prstGeom prst="bentConnector3">
+              <a:avLst/>
+            </a:prstGeom>
+            <a:grpFill/>
+            <a:ln w="19050">
+              <a:solidFill>
+                <a:schemeClr val="bg2">
+                  <a:lumMod val="50000"/>
+                </a:schemeClr>
+              </a:solidFill>
+            </a:ln>
+          </p:spPr>
+          <p:style>
+            <a:lnRef idx="1">
+              <a:schemeClr val="accent1"/>
+            </a:lnRef>
+            <a:fillRef idx="0">
+              <a:schemeClr val="accent1"/>
+            </a:fillRef>
+            <a:effectRef idx="0">
+              <a:schemeClr val="accent1"/>
+            </a:effectRef>
+            <a:fontRef idx="minor">
+              <a:schemeClr val="tx1"/>
+            </a:fontRef>
+          </p:style>
+        </p:cxnSp>
+        <p:cxnSp>
+          <p:nvCxnSpPr>
+            <p:cNvPr id="9" name="Gewinkelte Verbindung 8"/>
+            <p:cNvCxnSpPr>
+              <a:stCxn id="7" idx="3"/>
+            </p:cNvCxnSpPr>
+            <p:nvPr/>
+          </p:nvCxnSpPr>
+          <p:spPr>
+            <a:xfrm flipV="1">
+              <a:off x="10064533" y="3133089"/>
+              <a:ext cx="676327" cy="373145"/>
+            </a:xfrm>
+            <a:prstGeom prst="bentConnector3">
+              <a:avLst>
+                <a:gd name="adj1" fmla="val 50000"/>
+              </a:avLst>
+            </a:prstGeom>
+            <a:grpFill/>
+            <a:ln w="19050">
+              <a:solidFill>
+                <a:schemeClr val="bg2">
+                  <a:lumMod val="50000"/>
+                </a:schemeClr>
+              </a:solidFill>
+            </a:ln>
+          </p:spPr>
+          <p:style>
+            <a:lnRef idx="1">
+              <a:schemeClr val="accent1"/>
+            </a:lnRef>
+            <a:fillRef idx="0">
+              <a:schemeClr val="accent1"/>
+            </a:fillRef>
+            <a:effectRef idx="0">
+              <a:schemeClr val="accent1"/>
+            </a:effectRef>
+            <a:fontRef idx="minor">
+              <a:schemeClr val="tx1"/>
+            </a:fontRef>
+          </p:style>
+        </p:cxnSp>
+      </p:grpSp>
+      <p:grpSp>
+        <p:nvGrpSpPr>
+          <p:cNvPr id="12" name="Gruppieren 11">
+            <a:extLst>
+              <a:ext uri="{FF2B5EF4-FFF2-40B4-BE49-F238E27FC236}">
+                <a16:creationId xmlns:a16="http://schemas.microsoft.com/office/drawing/2014/main" id="{EA0A8815-E75B-6046-B394-2A918B180A1D}"/>
+              </a:ext>
+            </a:extLst>
+          </p:cNvPr>
+          <p:cNvGrpSpPr/>
+          <p:nvPr/>
+        </p:nvGrpSpPr>
+        <p:grpSpPr>
+          <a:xfrm>
+            <a:off x="874710" y="1484313"/>
+            <a:ext cx="4723201" cy="1459609"/>
+            <a:chOff x="1780031" y="1330903"/>
+            <a:chExt cx="4723201" cy="1459609"/>
+          </a:xfrm>
+        </p:grpSpPr>
+        <p:sp>
+          <p:nvSpPr>
+            <p:cNvPr id="13" name="Rechteck 12">
+              <a:extLst>
+                <a:ext uri="{FF2B5EF4-FFF2-40B4-BE49-F238E27FC236}">
+                  <a16:creationId xmlns:a16="http://schemas.microsoft.com/office/drawing/2014/main" id="{C6DACD2C-9288-2743-8000-2D2B960374D2}"/>
+                </a:ext>
+              </a:extLst>
+            </p:cNvPr>
+            <p:cNvSpPr/>
+            <p:nvPr/>
+          </p:nvSpPr>
+          <p:spPr>
+            <a:xfrm>
+              <a:off x="1780031" y="1499917"/>
+              <a:ext cx="4723201" cy="1290595"/>
+            </a:xfrm>
+            <a:prstGeom prst="rect">
+              <a:avLst/>
+            </a:prstGeom>
+            <a:solidFill>
+              <a:schemeClr val="bg1"/>
+            </a:solidFill>
+            <a:ln>
+              <a:solidFill>
+                <a:schemeClr val="accent6"/>
+              </a:solidFill>
+            </a:ln>
+          </p:spPr>
+          <p:style>
+            <a:lnRef idx="2">
+              <a:schemeClr val="accent1">
+                <a:shade val="50000"/>
+              </a:schemeClr>
+            </a:lnRef>
+            <a:fillRef idx="1">
+              <a:schemeClr val="accent1"/>
+            </a:fillRef>
+            <a:effectRef idx="0">
+              <a:schemeClr val="accent1"/>
+            </a:effectRef>
+            <a:fontRef idx="minor">
+              <a:schemeClr val="lt1"/>
+            </a:fontRef>
+          </p:style>
+          <p:txBody>
+            <a:bodyPr tIns="180000" rtlCol="0" anchor="t"/>
+            <a:lstStyle/>
+            <a:p>
+              <a:pPr marL="285750" indent="-285750">
+                <a:buFont typeface="Arial" panose="020B0604020202020204" pitchFamily="34" charset="0"/>
+                <a:buChar char="•"/>
+              </a:pPr>
+              <a:r>
+                <a:rPr lang="de-DE" dirty="0">
+                  <a:solidFill>
+                    <a:schemeClr val="tx1"/>
+                  </a:solidFill>
+                </a:rPr>
+                <a:t>Geschlossene funktionale Einheit</a:t>
+              </a:r>
+            </a:p>
+            <a:p>
+              <a:pPr marL="285750" indent="-285750">
+                <a:buFont typeface="Arial" panose="020B0604020202020204" pitchFamily="34" charset="0"/>
+                <a:buChar char="•"/>
+              </a:pPr>
+              <a:r>
+                <a:rPr lang="de-DE" dirty="0">
+                  <a:solidFill>
+                    <a:schemeClr val="tx1"/>
+                  </a:solidFill>
+                </a:rPr>
+                <a:t>Verfahrenstechnische Grundfunktion als Dienst</a:t>
+              </a:r>
+            </a:p>
+            <a:p>
+              <a:pPr marL="285750" indent="-285750">
+                <a:buFont typeface="Arial" panose="020B0604020202020204" pitchFamily="34" charset="0"/>
+                <a:buChar char="•"/>
+              </a:pPr>
+              <a:r>
+                <a:rPr lang="de-DE" dirty="0">
+                  <a:solidFill>
+                    <a:schemeClr val="tx1"/>
+                  </a:solidFill>
+                </a:rPr>
+                <a:t>Zustandsbasiert mit Services gesteuert</a:t>
+              </a:r>
+            </a:p>
+          </p:txBody>
+        </p:sp>
+        <p:sp>
+          <p:nvSpPr>
+            <p:cNvPr id="14" name="Rechteck 13">
+              <a:extLst>
+                <a:ext uri="{FF2B5EF4-FFF2-40B4-BE49-F238E27FC236}">
+                  <a16:creationId xmlns:a16="http://schemas.microsoft.com/office/drawing/2014/main" id="{8A961849-3F67-574C-9B6D-E3BC3038B489}"/>
+                </a:ext>
+              </a:extLst>
+            </p:cNvPr>
+            <p:cNvSpPr/>
+            <p:nvPr/>
+          </p:nvSpPr>
+          <p:spPr>
+            <a:xfrm>
+              <a:off x="1977040" y="1330903"/>
+              <a:ext cx="1270037" cy="338027"/>
+            </a:xfrm>
+            <a:prstGeom prst="rect">
+              <a:avLst/>
+            </a:prstGeom>
+            <a:solidFill>
+              <a:schemeClr val="bg1"/>
+            </a:solidFill>
+            <a:ln>
+              <a:noFill/>
+            </a:ln>
+          </p:spPr>
+          <p:style>
+            <a:lnRef idx="2">
+              <a:schemeClr val="accent1">
+                <a:shade val="50000"/>
+              </a:schemeClr>
+            </a:lnRef>
+            <a:fillRef idx="1">
+              <a:schemeClr val="accent1"/>
+            </a:fillRef>
+            <a:effectRef idx="0">
+              <a:schemeClr val="accent1"/>
+            </a:effectRef>
+            <a:fontRef idx="minor">
+              <a:schemeClr val="lt1"/>
+            </a:fontRef>
+          </p:style>
+          <p:txBody>
+            <a:bodyPr rtlCol="0" anchor="ctr"/>
+            <a:lstStyle/>
+            <a:p>
+              <a:r>
+                <a:rPr lang="de-DE" b="1" dirty="0">
+                  <a:solidFill>
+                    <a:schemeClr val="accent6"/>
+                  </a:solidFill>
+                </a:rPr>
+                <a:t>Merkmale</a:t>
+              </a:r>
+            </a:p>
+          </p:txBody>
+        </p:sp>
+      </p:grpSp>
+      <p:grpSp>
+        <p:nvGrpSpPr>
+          <p:cNvPr id="15" name="Gruppieren 14">
+            <a:extLst>
+              <a:ext uri="{FF2B5EF4-FFF2-40B4-BE49-F238E27FC236}">
+                <a16:creationId xmlns:a16="http://schemas.microsoft.com/office/drawing/2014/main" id="{A88F0E40-A3C2-8A49-B01C-D43BDE29765D}"/>
+              </a:ext>
+            </a:extLst>
+          </p:cNvPr>
+          <p:cNvGrpSpPr/>
+          <p:nvPr/>
+        </p:nvGrpSpPr>
+        <p:grpSpPr>
+          <a:xfrm>
+            <a:off x="6070600" y="1481138"/>
+            <a:ext cx="5384799" cy="4261740"/>
+            <a:chOff x="1780031" y="1330903"/>
+            <a:chExt cx="5384799" cy="4261740"/>
+          </a:xfrm>
+        </p:grpSpPr>
+        <p:sp>
+          <p:nvSpPr>
+            <p:cNvPr id="16" name="Rechteck 15">
+              <a:extLst>
+                <a:ext uri="{FF2B5EF4-FFF2-40B4-BE49-F238E27FC236}">
+                  <a16:creationId xmlns:a16="http://schemas.microsoft.com/office/drawing/2014/main" id="{18E7CC15-3520-4B45-A599-D8A2FCD6071C}"/>
+                </a:ext>
+              </a:extLst>
+            </p:cNvPr>
+            <p:cNvSpPr/>
+            <p:nvPr/>
+          </p:nvSpPr>
+          <p:spPr>
+            <a:xfrm>
+              <a:off x="1780031" y="1499917"/>
+              <a:ext cx="5384799" cy="4092726"/>
+            </a:xfrm>
+            <a:prstGeom prst="rect">
+              <a:avLst/>
+            </a:prstGeom>
+            <a:solidFill>
+              <a:schemeClr val="bg1"/>
+            </a:solidFill>
+          </p:spPr>
+          <p:style>
+            <a:lnRef idx="2">
+              <a:schemeClr val="accent1">
+                <a:shade val="50000"/>
+              </a:schemeClr>
+            </a:lnRef>
+            <a:fillRef idx="1">
+              <a:schemeClr val="accent1"/>
+            </a:fillRef>
+            <a:effectRef idx="0">
+              <a:schemeClr val="accent1"/>
+            </a:effectRef>
+            <a:fontRef idx="minor">
+              <a:schemeClr val="lt1"/>
+            </a:fontRef>
+          </p:style>
+          <p:txBody>
+            <a:bodyPr tIns="180000" rtlCol="0" anchor="t"/>
+            <a:lstStyle/>
+            <a:p>
+              <a:pPr marL="285750" indent="-285750">
+                <a:buFont typeface="Arial" panose="020B0604020202020204" pitchFamily="34" charset="0"/>
+                <a:buChar char="•"/>
+              </a:pPr>
+              <a:r>
+                <a:rPr lang="de-DE" b="1" dirty="0" err="1">
+                  <a:solidFill>
+                    <a:schemeClr val="tx1"/>
+                  </a:solidFill>
+                </a:rPr>
+                <a:t>Allow</a:t>
+              </a:r>
+              <a:endParaRPr lang="de-DE" b="1" dirty="0">
+                <a:solidFill>
+                  <a:schemeClr val="tx1"/>
+                </a:solidFill>
+              </a:endParaRPr>
+            </a:p>
+            <a:p>
+              <a:pPr marL="697230" lvl="1" indent="-285750">
+                <a:buFont typeface="Arial" panose="020B0604020202020204" pitchFamily="34" charset="0"/>
+                <a:buChar char="•"/>
+              </a:pPr>
+              <a:r>
+                <a:rPr lang="de-DE" dirty="0">
+                  <a:solidFill>
+                    <a:schemeClr val="tx1"/>
+                  </a:solidFill>
+                </a:rPr>
+                <a:t>Starte Service 2 nur, wenn Service 1 in</a:t>
+              </a:r>
+              <a:br>
+                <a:rPr lang="de-DE" dirty="0">
+                  <a:solidFill>
+                    <a:schemeClr val="tx1"/>
+                  </a:solidFill>
+                </a:rPr>
+              </a:br>
+              <a:r>
+                <a:rPr lang="de-DE" dirty="0">
+                  <a:solidFill>
+                    <a:schemeClr val="tx1"/>
+                  </a:solidFill>
+                </a:rPr>
+                <a:t>Zustand 1</a:t>
+              </a:r>
+            </a:p>
+            <a:p>
+              <a:pPr marL="697230" lvl="1" indent="-285750">
+                <a:buFont typeface="Arial" panose="020B0604020202020204" pitchFamily="34" charset="0"/>
+                <a:buChar char="•"/>
+              </a:pPr>
+              <a:endParaRPr lang="de-DE" dirty="0">
+                <a:solidFill>
+                  <a:schemeClr val="tx1"/>
+                </a:solidFill>
+              </a:endParaRPr>
+            </a:p>
+            <a:p>
+              <a:pPr marL="285750" indent="-285750">
+                <a:buFont typeface="Arial" panose="020B0604020202020204" pitchFamily="34" charset="0"/>
+                <a:buChar char="•"/>
+              </a:pPr>
+              <a:r>
+                <a:rPr lang="de-DE" b="1" dirty="0" err="1">
+                  <a:solidFill>
+                    <a:schemeClr val="tx1"/>
+                  </a:solidFill>
+                </a:rPr>
+                <a:t>Prohibit</a:t>
+              </a:r>
+              <a:endParaRPr lang="de-DE" dirty="0">
+                <a:solidFill>
+                  <a:schemeClr val="tx1"/>
+                </a:solidFill>
+              </a:endParaRPr>
+            </a:p>
+            <a:p>
+              <a:pPr marL="697230" lvl="1" indent="-285750">
+                <a:buFont typeface="Arial" panose="020B0604020202020204" pitchFamily="34" charset="0"/>
+                <a:buChar char="•"/>
+              </a:pPr>
+              <a:r>
+                <a:rPr lang="de-DE" dirty="0">
+                  <a:solidFill>
+                    <a:schemeClr val="tx1"/>
+                  </a:solidFill>
+                </a:rPr>
+                <a:t>Starte Service 2 nur, wenn Service 1 NICHT in Zustand 1</a:t>
+              </a:r>
+            </a:p>
+            <a:p>
+              <a:pPr marL="697230" lvl="1" indent="-285750">
+                <a:buFont typeface="Arial" panose="020B0604020202020204" pitchFamily="34" charset="0"/>
+                <a:buChar char="•"/>
+              </a:pPr>
+              <a:endParaRPr lang="de-DE" dirty="0">
+                <a:solidFill>
+                  <a:schemeClr val="tx1"/>
+                </a:solidFill>
+              </a:endParaRPr>
+            </a:p>
+            <a:p>
+              <a:pPr marL="285750" indent="-285750">
+                <a:buFont typeface="Arial" panose="020B0604020202020204" pitchFamily="34" charset="0"/>
+                <a:buChar char="•"/>
+              </a:pPr>
+              <a:r>
+                <a:rPr lang="de-DE" b="1" dirty="0">
+                  <a:solidFill>
+                    <a:schemeClr val="tx1"/>
+                  </a:solidFill>
+                </a:rPr>
+                <a:t>Change</a:t>
+              </a:r>
+            </a:p>
+            <a:p>
+              <a:pPr marL="697230" lvl="1" indent="-285750">
+                <a:buFont typeface="Arial" panose="020B0604020202020204" pitchFamily="34" charset="0"/>
+                <a:buChar char="•"/>
+              </a:pPr>
+              <a:r>
+                <a:rPr lang="de-DE" dirty="0">
+                  <a:solidFill>
+                    <a:schemeClr val="tx1"/>
+                  </a:solidFill>
+                </a:rPr>
+                <a:t>Wechsel von Service 1 in Betriebsart 2 in Zustand 2 nur, wenn Service 1 in Betriebsart 1 in Zustand 1</a:t>
+              </a:r>
+            </a:p>
+            <a:p>
+              <a:pPr marL="697230" lvl="1" indent="-285750">
+                <a:buFont typeface="Arial" panose="020B0604020202020204" pitchFamily="34" charset="0"/>
+                <a:buChar char="•"/>
+              </a:pPr>
+              <a:endParaRPr lang="de-DE" dirty="0">
+                <a:solidFill>
+                  <a:schemeClr val="tx1"/>
+                </a:solidFill>
+              </a:endParaRPr>
+            </a:p>
+            <a:p>
+              <a:pPr marL="285750" indent="-285750">
+                <a:buFont typeface="Arial" panose="020B0604020202020204" pitchFamily="34" charset="0"/>
+                <a:buChar char="•"/>
+              </a:pPr>
+              <a:r>
+                <a:rPr lang="de-DE" b="1" dirty="0" err="1">
+                  <a:solidFill>
+                    <a:schemeClr val="tx1"/>
+                  </a:solidFill>
+                </a:rPr>
+                <a:t>Sync</a:t>
+              </a:r>
+              <a:endParaRPr lang="de-DE" b="1" dirty="0">
+                <a:solidFill>
+                  <a:schemeClr val="tx1"/>
+                </a:solidFill>
+              </a:endParaRPr>
+            </a:p>
+            <a:p>
+              <a:pPr marL="697230" lvl="1" indent="-285750">
+                <a:buFont typeface="Arial" panose="020B0604020202020204" pitchFamily="34" charset="0"/>
+                <a:buChar char="•"/>
+              </a:pPr>
+              <a:r>
+                <a:rPr lang="de-DE" dirty="0">
+                  <a:solidFill>
+                    <a:schemeClr val="tx1"/>
+                  </a:solidFill>
+                </a:rPr>
+                <a:t>Starte Service 2, wenn Service 1 gestartet wird</a:t>
+              </a:r>
+            </a:p>
+          </p:txBody>
+        </p:sp>
+        <p:sp>
+          <p:nvSpPr>
+            <p:cNvPr id="17" name="Rechteck 16">
+              <a:extLst>
+                <a:ext uri="{FF2B5EF4-FFF2-40B4-BE49-F238E27FC236}">
+                  <a16:creationId xmlns:a16="http://schemas.microsoft.com/office/drawing/2014/main" id="{9CA4E624-C249-DD44-95E5-805EF9DA78B4}"/>
+                </a:ext>
+              </a:extLst>
+            </p:cNvPr>
+            <p:cNvSpPr/>
+            <p:nvPr/>
+          </p:nvSpPr>
+          <p:spPr>
+            <a:xfrm>
+              <a:off x="1977039" y="1330903"/>
+              <a:ext cx="3177475" cy="338027"/>
+            </a:xfrm>
+            <a:prstGeom prst="rect">
+              <a:avLst/>
+            </a:prstGeom>
+            <a:solidFill>
+              <a:schemeClr val="bg1"/>
+            </a:solidFill>
+            <a:ln>
+              <a:noFill/>
+            </a:ln>
+          </p:spPr>
+          <p:style>
+            <a:lnRef idx="2">
+              <a:schemeClr val="accent1">
+                <a:shade val="50000"/>
+              </a:schemeClr>
+            </a:lnRef>
+            <a:fillRef idx="1">
+              <a:schemeClr val="accent1"/>
+            </a:fillRef>
+            <a:effectRef idx="0">
+              <a:schemeClr val="accent1"/>
+            </a:effectRef>
+            <a:fontRef idx="minor">
+              <a:schemeClr val="lt1"/>
+            </a:fontRef>
+          </p:style>
+          <p:txBody>
+            <a:bodyPr rtlCol="0" anchor="ctr"/>
+            <a:lstStyle/>
+            <a:p>
+              <a:r>
+                <a:rPr lang="de-DE" b="1" dirty="0">
+                  <a:solidFill>
+                    <a:schemeClr val="accent4"/>
+                  </a:solidFill>
+                </a:rPr>
+                <a:t>Abhängigkeiten von Services</a:t>
+              </a:r>
+            </a:p>
+          </p:txBody>
+        </p:sp>
+      </p:grpSp>
+      <p:grpSp>
+        <p:nvGrpSpPr>
+          <p:cNvPr id="18" name="Gruppieren 17">
+            <a:extLst>
+              <a:ext uri="{FF2B5EF4-FFF2-40B4-BE49-F238E27FC236}">
+                <a16:creationId xmlns:a16="http://schemas.microsoft.com/office/drawing/2014/main" id="{14C33807-8E01-ED45-97CC-799667FE8E29}"/>
+              </a:ext>
+            </a:extLst>
+          </p:cNvPr>
+          <p:cNvGrpSpPr/>
+          <p:nvPr/>
+        </p:nvGrpSpPr>
+        <p:grpSpPr>
+          <a:xfrm>
+            <a:off x="874710" y="3125603"/>
+            <a:ext cx="4723201" cy="2617275"/>
+            <a:chOff x="1780031" y="1330903"/>
+            <a:chExt cx="4723201" cy="2617275"/>
+          </a:xfrm>
+        </p:grpSpPr>
+        <p:sp>
+          <p:nvSpPr>
+            <p:cNvPr id="19" name="Rechteck 18">
+              <a:extLst>
+                <a:ext uri="{FF2B5EF4-FFF2-40B4-BE49-F238E27FC236}">
+                  <a16:creationId xmlns:a16="http://schemas.microsoft.com/office/drawing/2014/main" id="{ADE0619D-3F85-424E-9F9E-D202B0D54706}"/>
+                </a:ext>
+              </a:extLst>
+            </p:cNvPr>
+            <p:cNvSpPr/>
+            <p:nvPr/>
+          </p:nvSpPr>
+          <p:spPr>
+            <a:xfrm>
+              <a:off x="1780031" y="1499917"/>
+              <a:ext cx="4723201" cy="2448261"/>
+            </a:xfrm>
+            <a:prstGeom prst="rect">
+              <a:avLst/>
+            </a:prstGeom>
+            <a:solidFill>
+              <a:schemeClr val="bg1"/>
+            </a:solidFill>
+          </p:spPr>
+          <p:style>
+            <a:lnRef idx="2">
+              <a:schemeClr val="accent1">
+                <a:shade val="50000"/>
+              </a:schemeClr>
+            </a:lnRef>
+            <a:fillRef idx="1">
+              <a:schemeClr val="accent1"/>
+            </a:fillRef>
+            <a:effectRef idx="0">
+              <a:schemeClr val="accent1"/>
+            </a:effectRef>
+            <a:fontRef idx="minor">
+              <a:schemeClr val="lt1"/>
+            </a:fontRef>
+          </p:style>
+          <p:txBody>
+            <a:bodyPr tIns="180000" rtlCol="0" anchor="t"/>
+            <a:lstStyle/>
+            <a:p>
+              <a:pPr marL="285750" indent="-285750">
+                <a:buFont typeface="Arial" panose="020B0604020202020204" pitchFamily="34" charset="0"/>
+                <a:buChar char="•"/>
+              </a:pPr>
+              <a:r>
+                <a:rPr lang="de-DE" b="1" dirty="0">
+                  <a:solidFill>
+                    <a:schemeClr val="tx1"/>
+                  </a:solidFill>
+                </a:rPr>
+                <a:t>Strukturdaten</a:t>
+              </a:r>
+            </a:p>
+            <a:p>
+              <a:pPr marL="697230" lvl="1" indent="-285750">
+                <a:buFont typeface="Arial" panose="020B0604020202020204" pitchFamily="34" charset="0"/>
+                <a:buChar char="•"/>
+              </a:pPr>
+              <a:r>
+                <a:rPr lang="de-DE" dirty="0">
+                  <a:solidFill>
+                    <a:schemeClr val="tx1"/>
+                  </a:solidFill>
+                </a:rPr>
+                <a:t>Prozessgrafiken</a:t>
+              </a:r>
+            </a:p>
+            <a:p>
+              <a:pPr marL="697230" lvl="1" indent="-285750">
+                <a:buFont typeface="Arial" panose="020B0604020202020204" pitchFamily="34" charset="0"/>
+                <a:buChar char="•"/>
+              </a:pPr>
+              <a:r>
+                <a:rPr lang="de-DE" dirty="0">
+                  <a:solidFill>
+                    <a:schemeClr val="tx1"/>
+                  </a:solidFill>
+                </a:rPr>
+                <a:t>Verriegelungs-, Steuerungs- und Regelungsstrukturen</a:t>
+              </a:r>
+            </a:p>
+            <a:p>
+              <a:pPr marL="697230" lvl="1" indent="-285750">
+                <a:buFont typeface="Arial" panose="020B0604020202020204" pitchFamily="34" charset="0"/>
+                <a:buChar char="•"/>
+              </a:pPr>
+              <a:endParaRPr lang="de-DE" dirty="0">
+                <a:solidFill>
+                  <a:schemeClr val="tx1"/>
+                </a:solidFill>
+              </a:endParaRPr>
+            </a:p>
+            <a:p>
+              <a:pPr marL="285750" indent="-285750">
+                <a:buFont typeface="Arial" panose="020B0604020202020204" pitchFamily="34" charset="0"/>
+                <a:buChar char="•"/>
+              </a:pPr>
+              <a:r>
+                <a:rPr lang="de-DE" b="1" dirty="0">
+                  <a:solidFill>
+                    <a:schemeClr val="tx1"/>
+                  </a:solidFill>
+                </a:rPr>
+                <a:t>Dynamische Daten</a:t>
+              </a:r>
+            </a:p>
+            <a:p>
+              <a:pPr marL="697230" lvl="1" indent="-285750">
+                <a:buFont typeface="Arial" panose="020B0604020202020204" pitchFamily="34" charset="0"/>
+                <a:buChar char="•"/>
+              </a:pPr>
+              <a:r>
+                <a:rPr lang="de-DE" dirty="0">
+                  <a:solidFill>
+                    <a:schemeClr val="tx1"/>
+                  </a:solidFill>
+                </a:rPr>
+                <a:t>Prozesswerte</a:t>
+              </a:r>
+            </a:p>
+            <a:p>
+              <a:pPr marL="697230" lvl="1" indent="-285750">
+                <a:buFont typeface="Arial" panose="020B0604020202020204" pitchFamily="34" charset="0"/>
+                <a:buChar char="•"/>
+              </a:pPr>
+              <a:r>
+                <a:rPr lang="de-DE" dirty="0">
+                  <a:solidFill>
+                    <a:schemeClr val="tx1"/>
+                  </a:solidFill>
+                </a:rPr>
+                <a:t>Sollwerte</a:t>
+              </a:r>
+            </a:p>
+            <a:p>
+              <a:pPr marL="697230" lvl="1" indent="-285750">
+                <a:buFont typeface="Arial" panose="020B0604020202020204" pitchFamily="34" charset="0"/>
+                <a:buChar char="•"/>
+              </a:pPr>
+              <a:r>
+                <a:rPr lang="de-DE" dirty="0">
+                  <a:solidFill>
+                    <a:schemeClr val="tx1"/>
+                  </a:solidFill>
+                </a:rPr>
+                <a:t>Status</a:t>
+              </a:r>
+            </a:p>
+            <a:p>
+              <a:pPr marL="285750" indent="-285750">
+                <a:buFont typeface="Arial" panose="020B0604020202020204" pitchFamily="34" charset="0"/>
+                <a:buChar char="•"/>
+              </a:pPr>
+              <a:endParaRPr lang="de-DE" dirty="0">
+                <a:solidFill>
+                  <a:schemeClr val="tx1"/>
+                </a:solidFill>
+              </a:endParaRPr>
+            </a:p>
+          </p:txBody>
+        </p:sp>
+        <p:sp>
+          <p:nvSpPr>
+            <p:cNvPr id="20" name="Rechteck 19">
+              <a:extLst>
+                <a:ext uri="{FF2B5EF4-FFF2-40B4-BE49-F238E27FC236}">
+                  <a16:creationId xmlns:a16="http://schemas.microsoft.com/office/drawing/2014/main" id="{C56BD12A-0269-3F42-B860-ADC924159D2D}"/>
+                </a:ext>
+              </a:extLst>
+            </p:cNvPr>
+            <p:cNvSpPr/>
+            <p:nvPr/>
+          </p:nvSpPr>
+          <p:spPr>
+            <a:xfrm>
+              <a:off x="1977040" y="1330903"/>
+              <a:ext cx="2184437" cy="338027"/>
+            </a:xfrm>
+            <a:prstGeom prst="rect">
+              <a:avLst/>
+            </a:prstGeom>
+            <a:solidFill>
+              <a:schemeClr val="bg1"/>
+            </a:solidFill>
+            <a:ln>
+              <a:noFill/>
+            </a:ln>
+          </p:spPr>
+          <p:style>
+            <a:lnRef idx="2">
+              <a:schemeClr val="accent1">
+                <a:shade val="50000"/>
+              </a:schemeClr>
+            </a:lnRef>
+            <a:fillRef idx="1">
+              <a:schemeClr val="accent1"/>
+            </a:fillRef>
+            <a:effectRef idx="0">
+              <a:schemeClr val="accent1"/>
+            </a:effectRef>
+            <a:fontRef idx="minor">
+              <a:schemeClr val="lt1"/>
+            </a:fontRef>
+          </p:style>
+          <p:txBody>
+            <a:bodyPr rtlCol="0" anchor="ctr"/>
+            <a:lstStyle/>
+            <a:p>
+              <a:r>
+                <a:rPr lang="de-DE" b="1" dirty="0">
+                  <a:solidFill>
+                    <a:schemeClr val="accent4"/>
+                  </a:solidFill>
+                </a:rPr>
+                <a:t>Zugängliche Daten</a:t>
+              </a:r>
+            </a:p>
+          </p:txBody>
+        </p:sp>
+      </p:grpSp>
+    </p:spTree>
+    <p:extLst>
+      <p:ext uri="{BB962C8B-B14F-4D97-AF65-F5344CB8AC3E}">
+        <p14:creationId xmlns:p14="http://schemas.microsoft.com/office/powerpoint/2010/main" val="2064603931"/>
+      </p:ext>
+    </p:extLst>
+  </p:cSld>
+  <p:clrMapOvr>
+    <a:masterClrMapping/>
+  </p:clrMapOvr>
 </p:sld>
 </file>
 

--- a/Dokumente/Präsentationen/2019-01-07_DA_Feldkemper_Aufgabenvorstellung.pptx
+++ b/Dokumente/Präsentationen/2019-01-07_DA_Feldkemper_Aufgabenvorstellung.pptx
@@ -255,7 +255,7 @@
           <a:p>
             <a:fld id="{C6AC6211-610F-44E5-BF19-D3CDF6EDD281}" type="datetimeFigureOut">
               <a:rPr lang="de-DE" smtClean="0"/>
-              <a:t>19.12.18</a:t>
+              <a:t>02.01.19</a:t>
             </a:fld>
             <a:endParaRPr lang="de-DE"/>
           </a:p>
@@ -421,7 +421,7 @@
           <a:p>
             <a:fld id="{347435D3-23A6-45D3-8DFA-7317DC1E7A64}" type="datetimeFigureOut">
               <a:rPr lang="de-DE" smtClean="0"/>
-              <a:t>19.12.18</a:t>
+              <a:t>02.01.19</a:t>
             </a:fld>
             <a:endParaRPr lang="de-DE"/>
           </a:p>
@@ -1134,6 +1134,90 @@
 </file>
 
 <file path=ppt/notesSlides/notesSlide6.xml><?xml version="1.0" encoding="utf-8"?>
+<p:notes xmlns:a="http://schemas.openxmlformats.org/drawingml/2006/main" xmlns:r="http://schemas.openxmlformats.org/officeDocument/2006/relationships" xmlns:p="http://schemas.openxmlformats.org/presentationml/2006/main">
+  <p:cSld>
+    <p:spTree>
+      <p:nvGrpSpPr>
+        <p:cNvPr id="1" name=""/>
+        <p:cNvGrpSpPr/>
+        <p:nvPr/>
+      </p:nvGrpSpPr>
+      <p:grpSpPr>
+        <a:xfrm>
+          <a:off x="0" y="0"/>
+          <a:ext cx="0" cy="0"/>
+          <a:chOff x="0" y="0"/>
+          <a:chExt cx="0" cy="0"/>
+        </a:xfrm>
+      </p:grpSpPr>
+      <p:sp>
+        <p:nvSpPr>
+          <p:cNvPr id="2" name="Folienbildplatzhalter 1"/>
+          <p:cNvSpPr>
+            <a:spLocks noGrp="1" noRot="1" noChangeAspect="1"/>
+          </p:cNvSpPr>
+          <p:nvPr>
+            <p:ph type="sldImg"/>
+          </p:nvPr>
+        </p:nvSpPr>
+        <p:spPr/>
+      </p:sp>
+      <p:sp>
+        <p:nvSpPr>
+          <p:cNvPr id="3" name="Notizenplatzhalter 2"/>
+          <p:cNvSpPr>
+            <a:spLocks noGrp="1"/>
+          </p:cNvSpPr>
+          <p:nvPr>
+            <p:ph type="body" idx="1"/>
+          </p:nvPr>
+        </p:nvSpPr>
+        <p:spPr/>
+        <p:txBody>
+          <a:bodyPr/>
+          <a:lstStyle/>
+          <a:p>
+            <a:endParaRPr lang="de-DE" dirty="0"/>
+          </a:p>
+        </p:txBody>
+      </p:sp>
+      <p:sp>
+        <p:nvSpPr>
+          <p:cNvPr id="4" name="Foliennummernplatzhalter 3"/>
+          <p:cNvSpPr>
+            <a:spLocks noGrp="1"/>
+          </p:cNvSpPr>
+          <p:nvPr>
+            <p:ph type="sldNum" sz="quarter" idx="5"/>
+          </p:nvPr>
+        </p:nvSpPr>
+        <p:spPr/>
+        <p:txBody>
+          <a:bodyPr/>
+          <a:lstStyle/>
+          <a:p>
+            <a:fld id="{2969AC09-DF60-43F4-96BF-67D4D9A74094}" type="slidenum">
+              <a:rPr lang="de-DE" smtClean="0"/>
+              <a:t>9</a:t>
+            </a:fld>
+            <a:endParaRPr lang="de-DE"/>
+          </a:p>
+        </p:txBody>
+      </p:sp>
+    </p:spTree>
+    <p:extLst>
+      <p:ext uri="{BB962C8B-B14F-4D97-AF65-F5344CB8AC3E}">
+        <p14:creationId xmlns:p14="http://schemas.microsoft.com/office/powerpoint/2010/main" val="3814103017"/>
+      </p:ext>
+    </p:extLst>
+  </p:cSld>
+  <p:clrMapOvr>
+    <a:masterClrMapping/>
+  </p:clrMapOvr>
+</p:notes>
+</file>
+
+<file path=ppt/notesSlides/notesSlide7.xml><?xml version="1.0" encoding="utf-8"?>
 <p:notes xmlns:a="http://schemas.openxmlformats.org/drawingml/2006/main" xmlns:r="http://schemas.openxmlformats.org/officeDocument/2006/relationships" xmlns:p="http://schemas.openxmlformats.org/presentationml/2006/main">
   <p:cSld>
     <p:spTree>
@@ -5137,11 +5221,28 @@
                   <a:buFont typeface="Arial" panose="020B0604020202020204" pitchFamily="34" charset="0"/>
                   <a:buChar char="•"/>
                 </a:pPr>
-                <a:endParaRPr lang="de-DE" dirty="0">
-                  <a:solidFill>
-                    <a:schemeClr val="tx1"/>
-                  </a:solidFill>
-                </a:endParaRPr>
+                <a:r>
+                  <a:rPr lang="de-DE" dirty="0">
+                    <a:solidFill>
+                      <a:schemeClr val="tx1"/>
+                    </a:solidFill>
+                  </a:rPr>
+                  <a:t>Grafischer Aufbau der Interaktionsplattform</a:t>
+                </a:r>
+              </a:p>
+              <a:p>
+                <a:pPr marL="285750" indent="-285750">
+                  <a:buFont typeface="Arial" panose="020B0604020202020204" pitchFamily="34" charset="0"/>
+                  <a:buChar char="•"/>
+                </a:pPr>
+                <a:r>
+                  <a:rPr lang="de-DE" dirty="0">
+                    <a:solidFill>
+                      <a:schemeClr val="tx1"/>
+                    </a:solidFill>
+                  </a:rPr>
+                  <a:t>Implementierung der Anpassungen</a:t>
+                </a:r>
               </a:p>
             </p:txBody>
           </p:sp>
@@ -11990,10 +12091,10 @@
         </p:nvGrpSpPr>
         <p:grpSpPr>
           <a:xfrm>
-            <a:off x="6070600" y="1481138"/>
-            <a:ext cx="5384799" cy="4261740"/>
+            <a:off x="874710" y="3297531"/>
+            <a:ext cx="4723201" cy="2230432"/>
             <a:chOff x="1780031" y="1330903"/>
-            <a:chExt cx="5384799" cy="4261740"/>
+            <a:chExt cx="4723201" cy="2230432"/>
           </a:xfrm>
         </p:grpSpPr>
         <p:sp>
@@ -12010,8 +12111,8 @@
           </p:nvSpPr>
           <p:spPr>
             <a:xfrm>
-              <a:off x="1780031" y="1499917"/>
-              <a:ext cx="5384799" cy="4092726"/>
+              <a:off x="1780031" y="1499918"/>
+              <a:ext cx="4723201" cy="2061417"/>
             </a:xfrm>
             <a:prstGeom prst="rect">
               <a:avLst/>
@@ -12052,47 +12153,29 @@
                 </a:rPr>
                 <a:t>Allow</a:t>
               </a:r>
-              <a:endParaRPr lang="de-DE" b="1" dirty="0">
-                <a:solidFill>
-                  <a:schemeClr val="tx1"/>
-                </a:solidFill>
-              </a:endParaRPr>
-            </a:p>
-            <a:p>
-              <a:pPr marL="697230" lvl="1" indent="-285750">
-                <a:buFont typeface="Arial" panose="020B0604020202020204" pitchFamily="34" charset="0"/>
-                <a:buChar char="•"/>
-              </a:pPr>
+              <a:r>
+                <a:rPr lang="de-DE" b="1" dirty="0">
+                  <a:solidFill>
+                    <a:schemeClr val="tx1"/>
+                  </a:solidFill>
+                </a:rPr>
+                <a:t>: </a:t>
+              </a:r>
               <a:r>
                 <a:rPr lang="de-DE" dirty="0">
                   <a:solidFill>
                     <a:schemeClr val="tx1"/>
                   </a:solidFill>
                 </a:rPr>
-                <a:t>Starte Service 2 nur, wenn Service 1 in</a:t>
-              </a:r>
-              <a:br>
-                <a:rPr lang="de-DE" dirty="0">
-                  <a:solidFill>
-                    <a:schemeClr val="tx1"/>
-                  </a:solidFill>
-                </a:rPr>
-              </a:br>
-              <a:r>
-                <a:rPr lang="de-DE" dirty="0">
-                  <a:solidFill>
-                    <a:schemeClr val="tx1"/>
-                  </a:solidFill>
-                </a:rPr>
-                <a:t>Zustand 1</a:t>
+                <a:t>Erlaubt den Zustandswechsel</a:t>
               </a:r>
             </a:p>
             <a:p>
-              <a:pPr marL="697230" lvl="1" indent="-285750">
+              <a:pPr marL="285750" indent="-285750">
                 <a:buFont typeface="Arial" panose="020B0604020202020204" pitchFamily="34" charset="0"/>
                 <a:buChar char="•"/>
               </a:pPr>
-              <a:endParaRPr lang="de-DE" dirty="0">
+              <a:endParaRPr lang="de-DE" b="1" dirty="0">
                 <a:solidFill>
                   <a:schemeClr val="tx1"/>
                 </a:solidFill>
@@ -12111,28 +12194,25 @@
                 </a:rPr>
                 <a:t>Prohibit</a:t>
               </a:r>
-              <a:endParaRPr lang="de-DE" dirty="0">
-                <a:solidFill>
-                  <a:schemeClr val="tx1"/>
-                </a:solidFill>
-              </a:endParaRPr>
-            </a:p>
-            <a:p>
-              <a:pPr marL="697230" lvl="1" indent="-285750">
-                <a:buFont typeface="Arial" panose="020B0604020202020204" pitchFamily="34" charset="0"/>
-                <a:buChar char="•"/>
-              </a:pPr>
+              <a:r>
+                <a:rPr lang="de-DE" b="1" dirty="0">
+                  <a:solidFill>
+                    <a:schemeClr val="tx1"/>
+                  </a:solidFill>
+                </a:rPr>
+                <a:t>: </a:t>
+              </a:r>
               <a:r>
                 <a:rPr lang="de-DE" dirty="0">
                   <a:solidFill>
                     <a:schemeClr val="tx1"/>
                   </a:solidFill>
                 </a:rPr>
-                <a:t>Starte Service 2 nur, wenn Service 1 NICHT in Zustand 1</a:t>
+                <a:t>Verbietet den Zustandswechsel</a:t>
               </a:r>
             </a:p>
             <a:p>
-              <a:pPr marL="697230" lvl="1" indent="-285750">
+              <a:pPr marL="285750" indent="-285750">
                 <a:buFont typeface="Arial" panose="020B0604020202020204" pitchFamily="34" charset="0"/>
                 <a:buChar char="•"/>
               </a:pPr>
@@ -12153,25 +12233,19 @@
                     <a:schemeClr val="tx1"/>
                   </a:solidFill>
                 </a:rPr>
-                <a:t>Change</a:t>
+                <a:t>Change: </a:t>
               </a:r>
-            </a:p>
-            <a:p>
-              <a:pPr marL="697230" lvl="1" indent="-285750">
-                <a:buFont typeface="Arial" panose="020B0604020202020204" pitchFamily="34" charset="0"/>
-                <a:buChar char="•"/>
-              </a:pPr>
               <a:r>
                 <a:rPr lang="de-DE" dirty="0">
                   <a:solidFill>
                     <a:schemeClr val="tx1"/>
                   </a:solidFill>
                 </a:rPr>
-                <a:t>Wechsel von Service 1 in Betriebsart 2 in Zustand 2 nur, wenn Service 1 in Betriebsart 1 in Zustand 1</a:t>
+                <a:t>Betriebsartwechsel</a:t>
               </a:r>
             </a:p>
             <a:p>
-              <a:pPr marL="697230" lvl="1" indent="-285750">
+              <a:pPr marL="285750" indent="-285750">
                 <a:buFont typeface="Arial" panose="020B0604020202020204" pitchFamily="34" charset="0"/>
                 <a:buChar char="•"/>
               </a:pPr>
@@ -12194,25 +12268,27 @@
                 </a:rPr>
                 <a:t>Sync</a:t>
               </a:r>
-              <a:endParaRPr lang="de-DE" b="1" dirty="0">
-                <a:solidFill>
-                  <a:schemeClr val="tx1"/>
-                </a:solidFill>
-              </a:endParaRPr>
-            </a:p>
-            <a:p>
-              <a:pPr marL="697230" lvl="1" indent="-285750">
-                <a:buFont typeface="Arial" panose="020B0604020202020204" pitchFamily="34" charset="0"/>
-                <a:buChar char="•"/>
-              </a:pPr>
+              <a:r>
+                <a:rPr lang="de-DE" b="1" dirty="0">
+                  <a:solidFill>
+                    <a:schemeClr val="tx1"/>
+                  </a:solidFill>
+                </a:rPr>
+                <a:t>: </a:t>
+              </a:r>
               <a:r>
                 <a:rPr lang="de-DE" dirty="0">
                   <a:solidFill>
                     <a:schemeClr val="tx1"/>
                   </a:solidFill>
                 </a:rPr>
-                <a:t>Starte Service 2, wenn Service 1 gestartet wird</a:t>
+                <a:t>Synchronisiert Services</a:t>
               </a:r>
+              <a:endParaRPr lang="de-DE" b="1" dirty="0">
+                <a:solidFill>
+                  <a:schemeClr val="tx1"/>
+                </a:solidFill>
+              </a:endParaRPr>
             </a:p>
           </p:txBody>
         </p:sp>
@@ -12289,10 +12365,10 @@
         </p:nvGrpSpPr>
         <p:grpSpPr>
           <a:xfrm>
-            <a:off x="874710" y="3125603"/>
-            <a:ext cx="4723201" cy="2617275"/>
+            <a:off x="6164807" y="1653326"/>
+            <a:ext cx="5252237" cy="3253941"/>
             <a:chOff x="1780031" y="1330903"/>
-            <a:chExt cx="4723201" cy="2617275"/>
+            <a:chExt cx="5252237" cy="3253941"/>
           </a:xfrm>
         </p:grpSpPr>
         <p:sp>
@@ -12310,7 +12386,7 @@
           <p:spPr>
             <a:xfrm>
               <a:off x="1780031" y="1499917"/>
-              <a:ext cx="4723201" cy="2448261"/>
+              <a:ext cx="5252237" cy="3084927"/>
             </a:xfrm>
             <a:prstGeom prst="rect">
               <a:avLst/>
@@ -12378,6 +12454,20 @@
                   </a:solidFill>
                 </a:rPr>
                 <a:t>Verriegelungs-, Steuerungs- und Regelungsstrukturen</a:t>
+              </a:r>
+            </a:p>
+            <a:p>
+              <a:pPr marL="697230" lvl="1" indent="-285750">
+                <a:buFont typeface="Arial" panose="020B0604020202020204" pitchFamily="34" charset="0"/>
+                <a:buChar char="•"/>
+              </a:pPr>
+              <a:r>
+                <a:rPr lang="de-DE" dirty="0">
+                  <a:solidFill>
+                    <a:schemeClr val="tx1"/>
+                  </a:solidFill>
+                </a:rPr>
+                <a:t>Steuerungsfunktionen</a:t>
               </a:r>
             </a:p>
             <a:p>
@@ -12445,6 +12535,20 @@
                   </a:solidFill>
                 </a:rPr>
                 <a:t>Status</a:t>
+              </a:r>
+            </a:p>
+            <a:p>
+              <a:pPr marL="697230" lvl="1" indent="-285750">
+                <a:buFont typeface="Arial" panose="020B0604020202020204" pitchFamily="34" charset="0"/>
+                <a:buChar char="•"/>
+              </a:pPr>
+              <a:r>
+                <a:rPr lang="de-DE" dirty="0">
+                  <a:solidFill>
+                    <a:schemeClr val="tx1"/>
+                  </a:solidFill>
+                </a:rPr>
+                <a:t>Leistungsdaten</a:t>
               </a:r>
             </a:p>
             <a:p>

--- a/Dokumente/Präsentationen/2019-01-07_DA_Feldkemper_Aufgabenvorstellung.pptx
+++ b/Dokumente/Präsentationen/2019-01-07_DA_Feldkemper_Aufgabenvorstellung.pptx
@@ -29,14 +29,14 @@
   <p:notesSz cx="6858000" cy="9144000"/>
   <p:embeddedFontLst>
     <p:embeddedFont>
-      <p:font typeface="Calibri" panose="020F0502020204030204" pitchFamily="34" charset="0"/>
+      <p:font typeface="Open Sans" panose="020B0604020202020204" charset="0"/>
       <p:regular r:id="rId17"/>
       <p:bold r:id="rId18"/>
       <p:italic r:id="rId19"/>
       <p:boldItalic r:id="rId20"/>
     </p:embeddedFont>
     <p:embeddedFont>
-      <p:font typeface="Open Sans" panose="020B0606030504020204" pitchFamily="34" charset="0"/>
+      <p:font typeface="Calibri" panose="020F0502020204030204" pitchFamily="34" charset="0"/>
       <p:regular r:id="rId21"/>
       <p:bold r:id="rId22"/>
       <p:italic r:id="rId23"/>
@@ -261,7 +261,7 @@
           <a:p>
             <a:fld id="{C6AC6211-610F-44E5-BF19-D3CDF6EDD281}" type="datetimeFigureOut">
               <a:rPr lang="de-DE" smtClean="0"/>
-              <a:t>05.01.19</a:t>
+              <a:t>07.01.2019</a:t>
             </a:fld>
             <a:endParaRPr lang="de-DE"/>
           </a:p>
@@ -427,7 +427,7 @@
           <a:p>
             <a:fld id="{347435D3-23A6-45D3-8DFA-7317DC1E7A64}" type="datetimeFigureOut">
               <a:rPr lang="de-DE" smtClean="0"/>
-              <a:t>05.01.19</a:t>
+              <a:t>07.01.2019</a:t>
             </a:fld>
             <a:endParaRPr lang="de-DE"/>
           </a:p>
@@ -1590,7 +1590,7 @@
           <p:cNvPr id="15" name="Rechteck 14">
             <a:extLst>
               <a:ext uri="{FF2B5EF4-FFF2-40B4-BE49-F238E27FC236}">
-                <a16:creationId xmlns:a16="http://schemas.microsoft.com/office/drawing/2014/main" id="{F770C3AA-244C-A141-BC22-D074823F4293}"/>
+                <a16:creationId xmlns:a16="http://schemas.microsoft.com/office/drawing/2014/main" xmlns="" id="{F770C3AA-244C-A141-BC22-D074823F4293}"/>
               </a:ext>
             </a:extLst>
           </p:cNvPr>
@@ -1830,7 +1830,7 @@
           <p:cNvPr id="5" name="Grafik 4">
             <a:extLst>
               <a:ext uri="{FF2B5EF4-FFF2-40B4-BE49-F238E27FC236}">
-                <a16:creationId xmlns:a16="http://schemas.microsoft.com/office/drawing/2014/main" id="{C0F785FA-BB6E-6347-A8C6-9846216D4CBB}"/>
+                <a16:creationId xmlns:a16="http://schemas.microsoft.com/office/drawing/2014/main" xmlns="" id="{C0F785FA-BB6E-6347-A8C6-9846216D4CBB}"/>
               </a:ext>
             </a:extLst>
           </p:cNvPr>
@@ -2019,7 +2019,7 @@
           <p:cNvPr id="12" name="Grafik 11" hidden="1">
             <a:extLst>
               <a:ext uri="{FF2B5EF4-FFF2-40B4-BE49-F238E27FC236}">
-                <a16:creationId xmlns:a16="http://schemas.microsoft.com/office/drawing/2014/main" id="{CFC0D4A5-64CF-6D49-98B1-9FF6119E60EC}"/>
+                <a16:creationId xmlns:a16="http://schemas.microsoft.com/office/drawing/2014/main" xmlns="" id="{CFC0D4A5-64CF-6D49-98B1-9FF6119E60EC}"/>
               </a:ext>
             </a:extLst>
           </p:cNvPr>
@@ -2049,7 +2049,7 @@
           <p:cNvPr id="17" name="Grafik 16">
             <a:extLst>
               <a:ext uri="{FF2B5EF4-FFF2-40B4-BE49-F238E27FC236}">
-                <a16:creationId xmlns:a16="http://schemas.microsoft.com/office/drawing/2014/main" id="{22ECE872-F4EF-2A49-BA96-6065BC99D769}"/>
+                <a16:creationId xmlns:a16="http://schemas.microsoft.com/office/drawing/2014/main" xmlns="" id="{22ECE872-F4EF-2A49-BA96-6065BC99D769}"/>
               </a:ext>
             </a:extLst>
           </p:cNvPr>
@@ -2319,7 +2319,7 @@
           <p:cNvPr id="24" name="Bildplatzhalter 23">
             <a:extLst>
               <a:ext uri="{FF2B5EF4-FFF2-40B4-BE49-F238E27FC236}">
-                <a16:creationId xmlns:a16="http://schemas.microsoft.com/office/drawing/2014/main" id="{24A56C48-CA8D-D349-89CC-35C3A65DC4D5}"/>
+                <a16:creationId xmlns:a16="http://schemas.microsoft.com/office/drawing/2014/main" xmlns="" id="{24A56C48-CA8D-D349-89CC-35C3A65DC4D5}"/>
               </a:ext>
             </a:extLst>
           </p:cNvPr>
@@ -2633,7 +2633,7 @@
           <p:cNvPr id="6" name="Textplatzhalter 5">
             <a:extLst>
               <a:ext uri="{FF2B5EF4-FFF2-40B4-BE49-F238E27FC236}">
-                <a16:creationId xmlns:a16="http://schemas.microsoft.com/office/drawing/2014/main" id="{2E77FCEF-52F5-324B-A583-005ABCE0E622}"/>
+                <a16:creationId xmlns:a16="http://schemas.microsoft.com/office/drawing/2014/main" xmlns="" id="{2E77FCEF-52F5-324B-A583-005ABCE0E622}"/>
               </a:ext>
             </a:extLst>
           </p:cNvPr>
@@ -2671,7 +2671,7 @@
           <p:cNvPr id="13" name="Grafik 12">
             <a:extLst>
               <a:ext uri="{FF2B5EF4-FFF2-40B4-BE49-F238E27FC236}">
-                <a16:creationId xmlns:a16="http://schemas.microsoft.com/office/drawing/2014/main" id="{F84F96E3-FAED-E24A-9E01-BBA4824F0E34}"/>
+                <a16:creationId xmlns:a16="http://schemas.microsoft.com/office/drawing/2014/main" xmlns="" id="{F84F96E3-FAED-E24A-9E01-BBA4824F0E34}"/>
               </a:ext>
             </a:extLst>
           </p:cNvPr>
@@ -2842,7 +2842,7 @@
           <p:cNvPr id="6" name="Rechteck 5">
             <a:extLst>
               <a:ext uri="{FF2B5EF4-FFF2-40B4-BE49-F238E27FC236}">
-                <a16:creationId xmlns:a16="http://schemas.microsoft.com/office/drawing/2014/main" id="{2447D286-D9F9-E84F-9173-2C8D2D2068E1}"/>
+                <a16:creationId xmlns:a16="http://schemas.microsoft.com/office/drawing/2014/main" xmlns="" id="{2447D286-D9F9-E84F-9173-2C8D2D2068E1}"/>
               </a:ext>
             </a:extLst>
           </p:cNvPr>
@@ -2909,7 +2909,7 @@
           <p:cNvPr id="10" name="Grafik 9">
             <a:extLst>
               <a:ext uri="{FF2B5EF4-FFF2-40B4-BE49-F238E27FC236}">
-                <a16:creationId xmlns:a16="http://schemas.microsoft.com/office/drawing/2014/main" id="{E4DBCC79-CA26-C240-B119-9127A62CDBA8}"/>
+                <a16:creationId xmlns:a16="http://schemas.microsoft.com/office/drawing/2014/main" xmlns="" id="{E4DBCC79-CA26-C240-B119-9127A62CDBA8}"/>
               </a:ext>
             </a:extLst>
           </p:cNvPr>
@@ -3011,7 +3011,7 @@
           <p:cNvPr id="5" name="Rechteck 4">
             <a:extLst>
               <a:ext uri="{FF2B5EF4-FFF2-40B4-BE49-F238E27FC236}">
-                <a16:creationId xmlns:a16="http://schemas.microsoft.com/office/drawing/2014/main" id="{FD770378-5F2D-DE46-8D66-09007E946AD3}"/>
+                <a16:creationId xmlns:a16="http://schemas.microsoft.com/office/drawing/2014/main" xmlns="" id="{FD770378-5F2D-DE46-8D66-09007E946AD3}"/>
               </a:ext>
             </a:extLst>
           </p:cNvPr>
@@ -3075,7 +3075,7 @@
           <p:cNvPr id="4" name="Grafik 3">
             <a:extLst>
               <a:ext uri="{FF2B5EF4-FFF2-40B4-BE49-F238E27FC236}">
-                <a16:creationId xmlns:a16="http://schemas.microsoft.com/office/drawing/2014/main" id="{4FE30B28-5777-FC40-9C3F-81738D289A6A}"/>
+                <a16:creationId xmlns:a16="http://schemas.microsoft.com/office/drawing/2014/main" xmlns="" id="{4FE30B28-5777-FC40-9C3F-81738D289A6A}"/>
               </a:ext>
             </a:extLst>
           </p:cNvPr>
@@ -3946,7 +3946,18 @@
                 <a:ea typeface="Open Sans" panose="020B0606030504020204" pitchFamily="34" charset="0"/>
                 <a:cs typeface="Open Sans" panose="020B0606030504020204" pitchFamily="34" charset="0"/>
               </a:rPr>
-              <a:t> // 07.01.2018</a:t>
+              <a:t> // </a:t>
+            </a:r>
+            <a:r>
+              <a:rPr lang="de-DE" sz="800" baseline="0" dirty="0" smtClean="0">
+                <a:solidFill>
+                  <a:schemeClr val="bg2"/>
+                </a:solidFill>
+                <a:latin typeface="Open Sans" panose="020B0606030504020204" pitchFamily="34" charset="0"/>
+                <a:ea typeface="Open Sans" panose="020B0606030504020204" pitchFamily="34" charset="0"/>
+                <a:cs typeface="Open Sans" panose="020B0606030504020204" pitchFamily="34" charset="0"/>
+              </a:rPr>
+              <a:t>07.01.2019</a:t>
             </a:r>
             <a:endParaRPr lang="de-DE" sz="800" dirty="0">
               <a:solidFill>
@@ -4035,6 +4046,17 @@
               <a:tabLst/>
               <a:defRPr/>
             </a:pPr>
+            <a:r>
+              <a:rPr lang="de-DE" sz="800" dirty="0">
+                <a:solidFill>
+                  <a:schemeClr val="bg2"/>
+                </a:solidFill>
+                <a:latin typeface="Open Sans" panose="020B0606030504020204" pitchFamily="34" charset="0"/>
+                <a:ea typeface="Open Sans" panose="020B0606030504020204" pitchFamily="34" charset="0"/>
+                <a:cs typeface="Open Sans" panose="020B0606030504020204" pitchFamily="34" charset="0"/>
+              </a:rPr>
+              <a:t/>
+            </a:r>
             <a:br>
               <a:rPr lang="de-DE" sz="800" dirty="0">
                 <a:solidFill>
@@ -4198,7 +4220,7 @@
           <p:cNvPr id="13" name="Grafik 12">
             <a:extLst>
               <a:ext uri="{FF2B5EF4-FFF2-40B4-BE49-F238E27FC236}">
-                <a16:creationId xmlns:a16="http://schemas.microsoft.com/office/drawing/2014/main" id="{2DC3CACD-C7C8-274E-BCD4-043370996A48}"/>
+                <a16:creationId xmlns:a16="http://schemas.microsoft.com/office/drawing/2014/main" xmlns="" id="{2DC3CACD-C7C8-274E-BCD4-043370996A48}"/>
               </a:ext>
             </a:extLst>
           </p:cNvPr>
@@ -8336,7 +8358,7 @@
           <p:cNvPr id="12" name="Gruppieren 11">
             <a:extLst>
               <a:ext uri="{FF2B5EF4-FFF2-40B4-BE49-F238E27FC236}">
-                <a16:creationId xmlns:a16="http://schemas.microsoft.com/office/drawing/2014/main" id="{EA0A8815-E75B-6046-B394-2A918B180A1D}"/>
+                <a16:creationId xmlns:a16="http://schemas.microsoft.com/office/drawing/2014/main" xmlns="" id="{EA0A8815-E75B-6046-B394-2A918B180A1D}"/>
               </a:ext>
             </a:extLst>
           </p:cNvPr>
@@ -8356,7 +8378,7 @@
             <p:cNvPr id="13" name="Rechteck 12">
               <a:extLst>
                 <a:ext uri="{FF2B5EF4-FFF2-40B4-BE49-F238E27FC236}">
-                  <a16:creationId xmlns:a16="http://schemas.microsoft.com/office/drawing/2014/main" id="{C6DACD2C-9288-2743-8000-2D2B960374D2}"/>
+                  <a16:creationId xmlns:a16="http://schemas.microsoft.com/office/drawing/2014/main" xmlns="" id="{C6DACD2C-9288-2743-8000-2D2B960374D2}"/>
                 </a:ext>
               </a:extLst>
             </p:cNvPr>
@@ -8448,7 +8470,7 @@
             <p:cNvPr id="14" name="Rechteck 13">
               <a:extLst>
                 <a:ext uri="{FF2B5EF4-FFF2-40B4-BE49-F238E27FC236}">
-                  <a16:creationId xmlns:a16="http://schemas.microsoft.com/office/drawing/2014/main" id="{8A961849-3F67-574C-9B6D-E3BC3038B489}"/>
+                  <a16:creationId xmlns:a16="http://schemas.microsoft.com/office/drawing/2014/main" xmlns="" id="{8A961849-3F67-574C-9B6D-E3BC3038B489}"/>
                 </a:ext>
               </a:extLst>
             </p:cNvPr>
@@ -8507,7 +8529,7 @@
           <p:cNvPr id="15" name="Gruppieren 14">
             <a:extLst>
               <a:ext uri="{FF2B5EF4-FFF2-40B4-BE49-F238E27FC236}">
-                <a16:creationId xmlns:a16="http://schemas.microsoft.com/office/drawing/2014/main" id="{A88F0E40-A3C2-8A49-B01C-D43BDE29765D}"/>
+                <a16:creationId xmlns:a16="http://schemas.microsoft.com/office/drawing/2014/main" xmlns="" id="{A88F0E40-A3C2-8A49-B01C-D43BDE29765D}"/>
               </a:ext>
             </a:extLst>
           </p:cNvPr>
@@ -8527,7 +8549,7 @@
             <p:cNvPr id="16" name="Rechteck 15">
               <a:extLst>
                 <a:ext uri="{FF2B5EF4-FFF2-40B4-BE49-F238E27FC236}">
-                  <a16:creationId xmlns:a16="http://schemas.microsoft.com/office/drawing/2014/main" id="{18E7CC15-3520-4B45-A599-D8A2FCD6071C}"/>
+                  <a16:creationId xmlns:a16="http://schemas.microsoft.com/office/drawing/2014/main" xmlns="" id="{18E7CC15-3520-4B45-A599-D8A2FCD6071C}"/>
                 </a:ext>
               </a:extLst>
             </p:cNvPr>
@@ -8722,7 +8744,7 @@
             <p:cNvPr id="17" name="Rechteck 16">
               <a:extLst>
                 <a:ext uri="{FF2B5EF4-FFF2-40B4-BE49-F238E27FC236}">
-                  <a16:creationId xmlns:a16="http://schemas.microsoft.com/office/drawing/2014/main" id="{9CA4E624-C249-DD44-95E5-805EF9DA78B4}"/>
+                  <a16:creationId xmlns:a16="http://schemas.microsoft.com/office/drawing/2014/main" xmlns="" id="{9CA4E624-C249-DD44-95E5-805EF9DA78B4}"/>
                 </a:ext>
               </a:extLst>
             </p:cNvPr>
@@ -8781,7 +8803,7 @@
           <p:cNvPr id="18" name="Gruppieren 17">
             <a:extLst>
               <a:ext uri="{FF2B5EF4-FFF2-40B4-BE49-F238E27FC236}">
-                <a16:creationId xmlns:a16="http://schemas.microsoft.com/office/drawing/2014/main" id="{14C33807-8E01-ED45-97CC-799667FE8E29}"/>
+                <a16:creationId xmlns:a16="http://schemas.microsoft.com/office/drawing/2014/main" xmlns="" id="{14C33807-8E01-ED45-97CC-799667FE8E29}"/>
               </a:ext>
             </a:extLst>
           </p:cNvPr>
@@ -8801,7 +8823,7 @@
             <p:cNvPr id="19" name="Rechteck 18">
               <a:extLst>
                 <a:ext uri="{FF2B5EF4-FFF2-40B4-BE49-F238E27FC236}">
-                  <a16:creationId xmlns:a16="http://schemas.microsoft.com/office/drawing/2014/main" id="{ADE0619D-3F85-424E-9F9E-D202B0D54706}"/>
+                  <a16:creationId xmlns:a16="http://schemas.microsoft.com/office/drawing/2014/main" xmlns="" id="{ADE0619D-3F85-424E-9F9E-D202B0D54706}"/>
                 </a:ext>
               </a:extLst>
             </p:cNvPr>
@@ -8994,7 +9016,7 @@
             <p:cNvPr id="20" name="Rechteck 19">
               <a:extLst>
                 <a:ext uri="{FF2B5EF4-FFF2-40B4-BE49-F238E27FC236}">
-                  <a16:creationId xmlns:a16="http://schemas.microsoft.com/office/drawing/2014/main" id="{C56BD12A-0269-3F42-B860-ADC924159D2D}"/>
+                  <a16:creationId xmlns:a16="http://schemas.microsoft.com/office/drawing/2014/main" xmlns="" id="{C56BD12A-0269-3F42-B860-ADC924159D2D}"/>
                 </a:ext>
               </a:extLst>
             </p:cNvPr>
@@ -9114,7 +9136,7 @@
           <p:cNvPr id="7" name="Gruppieren 6">
             <a:extLst>
               <a:ext uri="{FF2B5EF4-FFF2-40B4-BE49-F238E27FC236}">
-                <a16:creationId xmlns:a16="http://schemas.microsoft.com/office/drawing/2014/main" id="{83607870-557A-164A-B22B-C1B49B36656C}"/>
+                <a16:creationId xmlns:a16="http://schemas.microsoft.com/office/drawing/2014/main" xmlns="" id="{83607870-557A-164A-B22B-C1B49B36656C}"/>
               </a:ext>
             </a:extLst>
           </p:cNvPr>
@@ -9134,7 +9156,7 @@
             <p:cNvPr id="8" name="Rechteck 7">
               <a:extLst>
                 <a:ext uri="{FF2B5EF4-FFF2-40B4-BE49-F238E27FC236}">
-                  <a16:creationId xmlns:a16="http://schemas.microsoft.com/office/drawing/2014/main" id="{F1E1E402-969D-194B-AB76-85BAC6C71034}"/>
+                  <a16:creationId xmlns:a16="http://schemas.microsoft.com/office/drawing/2014/main" xmlns="" id="{F1E1E402-969D-194B-AB76-85BAC6C71034}"/>
                 </a:ext>
               </a:extLst>
             </p:cNvPr>
@@ -9218,7 +9240,7 @@
             <p:cNvPr id="9" name="Rechteck 8">
               <a:extLst>
                 <a:ext uri="{FF2B5EF4-FFF2-40B4-BE49-F238E27FC236}">
-                  <a16:creationId xmlns:a16="http://schemas.microsoft.com/office/drawing/2014/main" id="{833772DE-177D-6242-B2B7-89D46A2C0D15}"/>
+                  <a16:creationId xmlns:a16="http://schemas.microsoft.com/office/drawing/2014/main" xmlns="" id="{833772DE-177D-6242-B2B7-89D46A2C0D15}"/>
                 </a:ext>
               </a:extLst>
             </p:cNvPr>
@@ -9309,7 +9331,7 @@
           <p:cNvPr id="11" name="Gruppieren 10">
             <a:extLst>
               <a:ext uri="{FF2B5EF4-FFF2-40B4-BE49-F238E27FC236}">
-                <a16:creationId xmlns:a16="http://schemas.microsoft.com/office/drawing/2014/main" id="{00DD676A-B61C-5D48-BC56-AC4BB52F8528}"/>
+                <a16:creationId xmlns:a16="http://schemas.microsoft.com/office/drawing/2014/main" xmlns="" id="{00DD676A-B61C-5D48-BC56-AC4BB52F8528}"/>
               </a:ext>
             </a:extLst>
           </p:cNvPr>
@@ -9329,7 +9351,7 @@
             <p:cNvPr id="12" name="Rechteck 11">
               <a:extLst>
                 <a:ext uri="{FF2B5EF4-FFF2-40B4-BE49-F238E27FC236}">
-                  <a16:creationId xmlns:a16="http://schemas.microsoft.com/office/drawing/2014/main" id="{201F63B0-4CCA-B640-BD88-BAB407BC2183}"/>
+                  <a16:creationId xmlns:a16="http://schemas.microsoft.com/office/drawing/2014/main" xmlns="" id="{201F63B0-4CCA-B640-BD88-BAB407BC2183}"/>
                 </a:ext>
               </a:extLst>
             </p:cNvPr>
@@ -9413,7 +9435,7 @@
             <p:cNvPr id="13" name="Rechteck 12">
               <a:extLst>
                 <a:ext uri="{FF2B5EF4-FFF2-40B4-BE49-F238E27FC236}">
-                  <a16:creationId xmlns:a16="http://schemas.microsoft.com/office/drawing/2014/main" id="{514C32A1-04E5-494D-AB34-069455276B16}"/>
+                  <a16:creationId xmlns:a16="http://schemas.microsoft.com/office/drawing/2014/main" xmlns="" id="{514C32A1-04E5-494D-AB34-069455276B16}"/>
                 </a:ext>
               </a:extLst>
             </p:cNvPr>
@@ -9480,7 +9502,7 @@
           <p:cNvPr id="14" name="Gruppieren 13">
             <a:extLst>
               <a:ext uri="{FF2B5EF4-FFF2-40B4-BE49-F238E27FC236}">
-                <a16:creationId xmlns:a16="http://schemas.microsoft.com/office/drawing/2014/main" id="{C0CAAA13-C09D-AC4E-991C-1FEB2957F9A9}"/>
+                <a16:creationId xmlns:a16="http://schemas.microsoft.com/office/drawing/2014/main" xmlns="" id="{C0CAAA13-C09D-AC4E-991C-1FEB2957F9A9}"/>
               </a:ext>
             </a:extLst>
           </p:cNvPr>
@@ -9500,7 +9522,7 @@
             <p:cNvPr id="15" name="Rechteck 14">
               <a:extLst>
                 <a:ext uri="{FF2B5EF4-FFF2-40B4-BE49-F238E27FC236}">
-                  <a16:creationId xmlns:a16="http://schemas.microsoft.com/office/drawing/2014/main" id="{71B66402-AE28-034E-B538-DD8098A05FCC}"/>
+                  <a16:creationId xmlns:a16="http://schemas.microsoft.com/office/drawing/2014/main" xmlns="" id="{71B66402-AE28-034E-B538-DD8098A05FCC}"/>
                 </a:ext>
               </a:extLst>
             </p:cNvPr>
@@ -9639,7 +9661,7 @@
             <p:cNvPr id="16" name="Rechteck 15">
               <a:extLst>
                 <a:ext uri="{FF2B5EF4-FFF2-40B4-BE49-F238E27FC236}">
-                  <a16:creationId xmlns:a16="http://schemas.microsoft.com/office/drawing/2014/main" id="{3BF267A1-CAB7-CF4A-B6F4-D9891842B9EE}"/>
+                  <a16:creationId xmlns:a16="http://schemas.microsoft.com/office/drawing/2014/main" xmlns="" id="{3BF267A1-CAB7-CF4A-B6F4-D9891842B9EE}"/>
                 </a:ext>
               </a:extLst>
             </p:cNvPr>
@@ -9698,7 +9720,7 @@
           <p:cNvPr id="20" name="Gewinkelte Verbindung 19">
             <a:extLst>
               <a:ext uri="{FF2B5EF4-FFF2-40B4-BE49-F238E27FC236}">
-                <a16:creationId xmlns:a16="http://schemas.microsoft.com/office/drawing/2014/main" id="{FD336F23-DB98-1342-BB4F-5D218AF61D6F}"/>
+                <a16:creationId xmlns:a16="http://schemas.microsoft.com/office/drawing/2014/main" xmlns="" id="{FD336F23-DB98-1342-BB4F-5D218AF61D6F}"/>
               </a:ext>
             </a:extLst>
           </p:cNvPr>
@@ -9749,7 +9771,7 @@
           <p:cNvPr id="22" name="Gewinkelte Verbindung 21">
             <a:extLst>
               <a:ext uri="{FF2B5EF4-FFF2-40B4-BE49-F238E27FC236}">
-                <a16:creationId xmlns:a16="http://schemas.microsoft.com/office/drawing/2014/main" id="{BBE684D5-0A18-BA4A-8AA1-7553DDC193B9}"/>
+                <a16:creationId xmlns:a16="http://schemas.microsoft.com/office/drawing/2014/main" xmlns="" id="{BBE684D5-0A18-BA4A-8AA1-7553DDC193B9}"/>
               </a:ext>
             </a:extLst>
           </p:cNvPr>
@@ -12253,7 +12275,7 @@
           <p:cNvPr id="8" name="Gruppieren 7">
             <a:extLst>
               <a:ext uri="{FF2B5EF4-FFF2-40B4-BE49-F238E27FC236}">
-                <a16:creationId xmlns:a16="http://schemas.microsoft.com/office/drawing/2014/main" id="{55DEAA25-08DE-234A-9F7E-6DA95517E4AB}"/>
+                <a16:creationId xmlns:a16="http://schemas.microsoft.com/office/drawing/2014/main" xmlns="" id="{55DEAA25-08DE-234A-9F7E-6DA95517E4AB}"/>
               </a:ext>
             </a:extLst>
           </p:cNvPr>
@@ -12273,7 +12295,7 @@
             <p:cNvPr id="9" name="Rechteck 8">
               <a:extLst>
                 <a:ext uri="{FF2B5EF4-FFF2-40B4-BE49-F238E27FC236}">
-                  <a16:creationId xmlns:a16="http://schemas.microsoft.com/office/drawing/2014/main" id="{CBE4218A-6735-2946-A3C0-E23809B7CEDF}"/>
+                  <a16:creationId xmlns:a16="http://schemas.microsoft.com/office/drawing/2014/main" xmlns="" id="{CBE4218A-6735-2946-A3C0-E23809B7CEDF}"/>
                 </a:ext>
               </a:extLst>
             </p:cNvPr>
@@ -12424,7 +12446,7 @@
             <p:cNvPr id="10" name="Rechteck 9">
               <a:extLst>
                 <a:ext uri="{FF2B5EF4-FFF2-40B4-BE49-F238E27FC236}">
-                  <a16:creationId xmlns:a16="http://schemas.microsoft.com/office/drawing/2014/main" id="{5ECE2600-E242-0A47-A437-E1A9C7F07343}"/>
+                  <a16:creationId xmlns:a16="http://schemas.microsoft.com/office/drawing/2014/main" xmlns="" id="{5ECE2600-E242-0A47-A437-E1A9C7F07343}"/>
                 </a:ext>
               </a:extLst>
             </p:cNvPr>
@@ -12491,7 +12513,7 @@
           <p:cNvPr id="11" name="Gruppieren 10">
             <a:extLst>
               <a:ext uri="{FF2B5EF4-FFF2-40B4-BE49-F238E27FC236}">
-                <a16:creationId xmlns:a16="http://schemas.microsoft.com/office/drawing/2014/main" id="{2A9CBD64-DABE-DB44-8CC9-7ED3D3F42599}"/>
+                <a16:creationId xmlns:a16="http://schemas.microsoft.com/office/drawing/2014/main" xmlns="" id="{2A9CBD64-DABE-DB44-8CC9-7ED3D3F42599}"/>
               </a:ext>
             </a:extLst>
           </p:cNvPr>
@@ -12511,7 +12533,7 @@
             <p:cNvPr id="12" name="Rechteck 11">
               <a:extLst>
                 <a:ext uri="{FF2B5EF4-FFF2-40B4-BE49-F238E27FC236}">
-                  <a16:creationId xmlns:a16="http://schemas.microsoft.com/office/drawing/2014/main" id="{880AB37D-6202-FE47-84F8-2DB9C99F0992}"/>
+                  <a16:creationId xmlns:a16="http://schemas.microsoft.com/office/drawing/2014/main" xmlns="" id="{880AB37D-6202-FE47-84F8-2DB9C99F0992}"/>
                 </a:ext>
               </a:extLst>
             </p:cNvPr>
@@ -12701,7 +12723,7 @@
             <p:cNvPr id="13" name="Rechteck 12">
               <a:extLst>
                 <a:ext uri="{FF2B5EF4-FFF2-40B4-BE49-F238E27FC236}">
-                  <a16:creationId xmlns:a16="http://schemas.microsoft.com/office/drawing/2014/main" id="{6E6D6DF1-8063-C749-A415-29613D3195D5}"/>
+                  <a16:creationId xmlns:a16="http://schemas.microsoft.com/office/drawing/2014/main" xmlns="" id="{6E6D6DF1-8063-C749-A415-29613D3195D5}"/>
                 </a:ext>
               </a:extLst>
             </p:cNvPr>
@@ -12710,8 +12732,8 @@
           </p:nvSpPr>
           <p:spPr>
             <a:xfrm>
-              <a:off x="1977038" y="1414270"/>
-              <a:ext cx="1657626" cy="338027"/>
+              <a:off x="1977037" y="1414270"/>
+              <a:ext cx="1781209" cy="338027"/>
             </a:xfrm>
             <a:prstGeom prst="rect">
               <a:avLst/>
@@ -12744,12 +12766,12 @@
             <a:lstStyle/>
             <a:p>
               <a:r>
-                <a:rPr lang="de-DE" sz="2000" b="1" dirty="0">
+                <a:rPr lang="de-DE" sz="2000" b="1" dirty="0" smtClean="0">
                   <a:solidFill>
                     <a:schemeClr val="accent4"/>
                   </a:solidFill>
                 </a:rPr>
-                <a:t>Aufgabe </a:t>
+                <a:t>Aufgaben </a:t>
               </a:r>
               <a:r>
                 <a:rPr lang="de-DE" sz="2000" dirty="0">
@@ -12798,7 +12820,7 @@
           <p:cNvPr id="2" name="Titel 1">
             <a:extLst>
               <a:ext uri="{FF2B5EF4-FFF2-40B4-BE49-F238E27FC236}">
-                <a16:creationId xmlns:a16="http://schemas.microsoft.com/office/drawing/2014/main" id="{0E63EF50-EEA4-0D49-A35C-C36F045D035E}"/>
+                <a16:creationId xmlns:a16="http://schemas.microsoft.com/office/drawing/2014/main" xmlns="" id="{0E63EF50-EEA4-0D49-A35C-C36F045D035E}"/>
               </a:ext>
             </a:extLst>
           </p:cNvPr>
@@ -12843,7 +12865,7 @@
           <p:cNvPr id="5" name="Gruppieren 4">
             <a:extLst>
               <a:ext uri="{FF2B5EF4-FFF2-40B4-BE49-F238E27FC236}">
-                <a16:creationId xmlns:a16="http://schemas.microsoft.com/office/drawing/2014/main" id="{82067C57-47CC-BC4A-911D-C058CB8E64C1}"/>
+                <a16:creationId xmlns:a16="http://schemas.microsoft.com/office/drawing/2014/main" xmlns="" id="{82067C57-47CC-BC4A-911D-C058CB8E64C1}"/>
               </a:ext>
             </a:extLst>
           </p:cNvPr>
@@ -12863,7 +12885,7 @@
             <p:cNvPr id="6" name="Rechteck 5">
               <a:extLst>
                 <a:ext uri="{FF2B5EF4-FFF2-40B4-BE49-F238E27FC236}">
-                  <a16:creationId xmlns:a16="http://schemas.microsoft.com/office/drawing/2014/main" id="{1F74AAB6-FEC2-E040-AE2F-389C01E41200}"/>
+                  <a16:creationId xmlns:a16="http://schemas.microsoft.com/office/drawing/2014/main" xmlns="" id="{1F74AAB6-FEC2-E040-AE2F-389C01E41200}"/>
                 </a:ext>
               </a:extLst>
             </p:cNvPr>
@@ -12991,7 +13013,7 @@
             <p:cNvPr id="7" name="Rechteck 6">
               <a:extLst>
                 <a:ext uri="{FF2B5EF4-FFF2-40B4-BE49-F238E27FC236}">
-                  <a16:creationId xmlns:a16="http://schemas.microsoft.com/office/drawing/2014/main" id="{D9A91609-F78E-9C45-BCA7-7DF954BC0A1A}"/>
+                  <a16:creationId xmlns:a16="http://schemas.microsoft.com/office/drawing/2014/main" xmlns="" id="{D9A91609-F78E-9C45-BCA7-7DF954BC0A1A}"/>
                 </a:ext>
               </a:extLst>
             </p:cNvPr>
@@ -13050,7 +13072,7 @@
           <p:cNvPr id="8" name="Gruppieren 7">
             <a:extLst>
               <a:ext uri="{FF2B5EF4-FFF2-40B4-BE49-F238E27FC236}">
-                <a16:creationId xmlns:a16="http://schemas.microsoft.com/office/drawing/2014/main" id="{64401E1E-557D-5D4F-AE09-187A0802411B}"/>
+                <a16:creationId xmlns:a16="http://schemas.microsoft.com/office/drawing/2014/main" xmlns="" id="{64401E1E-557D-5D4F-AE09-187A0802411B}"/>
               </a:ext>
             </a:extLst>
           </p:cNvPr>
@@ -13070,7 +13092,7 @@
             <p:cNvPr id="9" name="Rechteck 8">
               <a:extLst>
                 <a:ext uri="{FF2B5EF4-FFF2-40B4-BE49-F238E27FC236}">
-                  <a16:creationId xmlns:a16="http://schemas.microsoft.com/office/drawing/2014/main" id="{35A0EAB9-4039-6448-AC03-B60DE38901D0}"/>
+                  <a16:creationId xmlns:a16="http://schemas.microsoft.com/office/drawing/2014/main" xmlns="" id="{35A0EAB9-4039-6448-AC03-B60DE38901D0}"/>
                 </a:ext>
               </a:extLst>
             </p:cNvPr>
@@ -13154,7 +13176,7 @@
             <p:cNvPr id="10" name="Rechteck 9">
               <a:extLst>
                 <a:ext uri="{FF2B5EF4-FFF2-40B4-BE49-F238E27FC236}">
-                  <a16:creationId xmlns:a16="http://schemas.microsoft.com/office/drawing/2014/main" id="{FCCEA108-686B-BB4F-95FB-4BCE5EB529F1}"/>
+                  <a16:creationId xmlns:a16="http://schemas.microsoft.com/office/drawing/2014/main" xmlns="" id="{FCCEA108-686B-BB4F-95FB-4BCE5EB529F1}"/>
                 </a:ext>
               </a:extLst>
             </p:cNvPr>
@@ -13213,7 +13235,7 @@
           <p:cNvPr id="11" name="Rechteck 10">
             <a:extLst>
               <a:ext uri="{FF2B5EF4-FFF2-40B4-BE49-F238E27FC236}">
-                <a16:creationId xmlns:a16="http://schemas.microsoft.com/office/drawing/2014/main" id="{96BDAF81-30A4-1E4E-959F-95E9EB7F7C7A}"/>
+                <a16:creationId xmlns:a16="http://schemas.microsoft.com/office/drawing/2014/main" xmlns="" id="{96BDAF81-30A4-1E4E-959F-95E9EB7F7C7A}"/>
               </a:ext>
             </a:extLst>
           </p:cNvPr>
@@ -13280,7 +13302,7 @@
           <p:cNvPr id="12" name="Rechteck 11">
             <a:extLst>
               <a:ext uri="{FF2B5EF4-FFF2-40B4-BE49-F238E27FC236}">
-                <a16:creationId xmlns:a16="http://schemas.microsoft.com/office/drawing/2014/main" id="{E6C50A77-89BD-8744-8E4D-4BE35B73D833}"/>
+                <a16:creationId xmlns:a16="http://schemas.microsoft.com/office/drawing/2014/main" xmlns="" id="{E6C50A77-89BD-8744-8E4D-4BE35B73D833}"/>
               </a:ext>
             </a:extLst>
           </p:cNvPr>
@@ -13347,7 +13369,7 @@
           <p:cNvPr id="13" name="Gruppieren 12">
             <a:extLst>
               <a:ext uri="{FF2B5EF4-FFF2-40B4-BE49-F238E27FC236}">
-                <a16:creationId xmlns:a16="http://schemas.microsoft.com/office/drawing/2014/main" id="{5B6A8D9F-A9F8-264C-B489-24AFD5A8596D}"/>
+                <a16:creationId xmlns:a16="http://schemas.microsoft.com/office/drawing/2014/main" xmlns="" id="{5B6A8D9F-A9F8-264C-B489-24AFD5A8596D}"/>
               </a:ext>
             </a:extLst>
           </p:cNvPr>
@@ -13367,7 +13389,7 @@
             <p:cNvPr id="14" name="Rechteck 13">
               <a:extLst>
                 <a:ext uri="{FF2B5EF4-FFF2-40B4-BE49-F238E27FC236}">
-                  <a16:creationId xmlns:a16="http://schemas.microsoft.com/office/drawing/2014/main" id="{8766CB30-3942-9E46-8CAC-FC33876B35F3}"/>
+                  <a16:creationId xmlns:a16="http://schemas.microsoft.com/office/drawing/2014/main" xmlns="" id="{8766CB30-3942-9E46-8CAC-FC33876B35F3}"/>
                 </a:ext>
               </a:extLst>
             </p:cNvPr>
@@ -13451,7 +13473,7 @@
             <p:cNvPr id="15" name="Rechteck 14">
               <a:extLst>
                 <a:ext uri="{FF2B5EF4-FFF2-40B4-BE49-F238E27FC236}">
-                  <a16:creationId xmlns:a16="http://schemas.microsoft.com/office/drawing/2014/main" id="{79F41613-6C39-9547-8B51-B50E6A35E505}"/>
+                  <a16:creationId xmlns:a16="http://schemas.microsoft.com/office/drawing/2014/main" xmlns="" id="{79F41613-6C39-9547-8B51-B50E6A35E505}"/>
                 </a:ext>
               </a:extLst>
             </p:cNvPr>
@@ -13510,7 +13532,7 @@
           <p:cNvPr id="16" name="Gruppieren 15">
             <a:extLst>
               <a:ext uri="{FF2B5EF4-FFF2-40B4-BE49-F238E27FC236}">
-                <a16:creationId xmlns:a16="http://schemas.microsoft.com/office/drawing/2014/main" id="{3EAAE737-A1E8-BD49-A661-00C0D54A60DD}"/>
+                <a16:creationId xmlns:a16="http://schemas.microsoft.com/office/drawing/2014/main" xmlns="" id="{3EAAE737-A1E8-BD49-A661-00C0D54A60DD}"/>
               </a:ext>
             </a:extLst>
           </p:cNvPr>
@@ -13530,7 +13552,7 @@
             <p:cNvPr id="17" name="Rechteck 16">
               <a:extLst>
                 <a:ext uri="{FF2B5EF4-FFF2-40B4-BE49-F238E27FC236}">
-                  <a16:creationId xmlns:a16="http://schemas.microsoft.com/office/drawing/2014/main" id="{A12CF216-7A5B-B546-8D15-3FFD047539D4}"/>
+                  <a16:creationId xmlns:a16="http://schemas.microsoft.com/office/drawing/2014/main" xmlns="" id="{A12CF216-7A5B-B546-8D15-3FFD047539D4}"/>
                 </a:ext>
               </a:extLst>
             </p:cNvPr>
@@ -13628,7 +13650,7 @@
             <p:cNvPr id="18" name="Rechteck 17">
               <a:extLst>
                 <a:ext uri="{FF2B5EF4-FFF2-40B4-BE49-F238E27FC236}">
-                  <a16:creationId xmlns:a16="http://schemas.microsoft.com/office/drawing/2014/main" id="{91008A0C-F66B-104F-B3C9-118DB994F72D}"/>
+                  <a16:creationId xmlns:a16="http://schemas.microsoft.com/office/drawing/2014/main" xmlns="" id="{91008A0C-F66B-104F-B3C9-118DB994F72D}"/>
                 </a:ext>
               </a:extLst>
             </p:cNvPr>
@@ -13717,7 +13739,7 @@
           <p:cNvPr id="2" name="Titel 1">
             <a:extLst>
               <a:ext uri="{FF2B5EF4-FFF2-40B4-BE49-F238E27FC236}">
-                <a16:creationId xmlns:a16="http://schemas.microsoft.com/office/drawing/2014/main" id="{7BA8FE41-0B04-6748-9CA8-05F0AE81883B}"/>
+                <a16:creationId xmlns:a16="http://schemas.microsoft.com/office/drawing/2014/main" xmlns="" id="{7BA8FE41-0B04-6748-9CA8-05F0AE81883B}"/>
               </a:ext>
             </a:extLst>
           </p:cNvPr>
@@ -13745,7 +13767,7 @@
           <p:cNvPr id="12" name="Gruppieren 11">
             <a:extLst>
               <a:ext uri="{FF2B5EF4-FFF2-40B4-BE49-F238E27FC236}">
-                <a16:creationId xmlns:a16="http://schemas.microsoft.com/office/drawing/2014/main" id="{995F115A-CBCD-7A4D-8C0A-281259A5A3C1}"/>
+                <a16:creationId xmlns:a16="http://schemas.microsoft.com/office/drawing/2014/main" xmlns="" id="{995F115A-CBCD-7A4D-8C0A-281259A5A3C1}"/>
               </a:ext>
             </a:extLst>
           </p:cNvPr>
@@ -13765,7 +13787,7 @@
             <p:cNvPr id="4" name="Gruppieren 3">
               <a:extLst>
                 <a:ext uri="{FF2B5EF4-FFF2-40B4-BE49-F238E27FC236}">
-                  <a16:creationId xmlns:a16="http://schemas.microsoft.com/office/drawing/2014/main" id="{783A73D2-C025-644E-A194-3438D291D352}"/>
+                  <a16:creationId xmlns:a16="http://schemas.microsoft.com/office/drawing/2014/main" xmlns="" id="{783A73D2-C025-644E-A194-3438D291D352}"/>
                 </a:ext>
               </a:extLst>
             </p:cNvPr>
@@ -13785,7 +13807,7 @@
               <p:cNvPr id="5" name="Rechteck 4">
                 <a:extLst>
                   <a:ext uri="{FF2B5EF4-FFF2-40B4-BE49-F238E27FC236}">
-                    <a16:creationId xmlns:a16="http://schemas.microsoft.com/office/drawing/2014/main" id="{4F68B8E9-417E-0141-AE27-E298ED29929C}"/>
+                    <a16:creationId xmlns:a16="http://schemas.microsoft.com/office/drawing/2014/main" xmlns="" id="{4F68B8E9-417E-0141-AE27-E298ED29929C}"/>
                   </a:ext>
                 </a:extLst>
               </p:cNvPr>
@@ -13877,7 +13899,7 @@
               <p:cNvPr id="6" name="Rechteck 5">
                 <a:extLst>
                   <a:ext uri="{FF2B5EF4-FFF2-40B4-BE49-F238E27FC236}">
-                    <a16:creationId xmlns:a16="http://schemas.microsoft.com/office/drawing/2014/main" id="{B2717A64-B61E-B44C-B23D-CB509FB519CA}"/>
+                    <a16:creationId xmlns:a16="http://schemas.microsoft.com/office/drawing/2014/main" xmlns="" id="{B2717A64-B61E-B44C-B23D-CB509FB519CA}"/>
                   </a:ext>
                 </a:extLst>
               </p:cNvPr>
@@ -13936,7 +13958,7 @@
             <p:cNvPr id="7" name="Rechteck 6">
               <a:extLst>
                 <a:ext uri="{FF2B5EF4-FFF2-40B4-BE49-F238E27FC236}">
-                  <a16:creationId xmlns:a16="http://schemas.microsoft.com/office/drawing/2014/main" id="{6F92A16E-30FA-A34D-A87A-AD884881288C}"/>
+                  <a16:creationId xmlns:a16="http://schemas.microsoft.com/office/drawing/2014/main" xmlns="" id="{6F92A16E-30FA-A34D-A87A-AD884881288C}"/>
                 </a:ext>
               </a:extLst>
             </p:cNvPr>
@@ -13996,7 +14018,7 @@
           <p:cNvPr id="13" name="Gruppieren 12">
             <a:extLst>
               <a:ext uri="{FF2B5EF4-FFF2-40B4-BE49-F238E27FC236}">
-                <a16:creationId xmlns:a16="http://schemas.microsoft.com/office/drawing/2014/main" id="{214C6E04-BA76-3048-B247-843530C6F237}"/>
+                <a16:creationId xmlns:a16="http://schemas.microsoft.com/office/drawing/2014/main" xmlns="" id="{214C6E04-BA76-3048-B247-843530C6F237}"/>
               </a:ext>
             </a:extLst>
           </p:cNvPr>
@@ -14016,7 +14038,7 @@
             <p:cNvPr id="14" name="Gruppieren 13">
               <a:extLst>
                 <a:ext uri="{FF2B5EF4-FFF2-40B4-BE49-F238E27FC236}">
-                  <a16:creationId xmlns:a16="http://schemas.microsoft.com/office/drawing/2014/main" id="{CF154C31-9B1A-6844-82C6-BEC64AE64B76}"/>
+                  <a16:creationId xmlns:a16="http://schemas.microsoft.com/office/drawing/2014/main" xmlns="" id="{CF154C31-9B1A-6844-82C6-BEC64AE64B76}"/>
                 </a:ext>
               </a:extLst>
             </p:cNvPr>
@@ -14036,7 +14058,7 @@
               <p:cNvPr id="16" name="Rechteck 15">
                 <a:extLst>
                   <a:ext uri="{FF2B5EF4-FFF2-40B4-BE49-F238E27FC236}">
-                    <a16:creationId xmlns:a16="http://schemas.microsoft.com/office/drawing/2014/main" id="{5D41E86D-96E1-F64F-B645-811FEF9C3566}"/>
+                    <a16:creationId xmlns:a16="http://schemas.microsoft.com/office/drawing/2014/main" xmlns="" id="{5D41E86D-96E1-F64F-B645-811FEF9C3566}"/>
                   </a:ext>
                 </a:extLst>
               </p:cNvPr>
@@ -14167,7 +14189,7 @@
               <p:cNvPr id="17" name="Rechteck 16">
                 <a:extLst>
                   <a:ext uri="{FF2B5EF4-FFF2-40B4-BE49-F238E27FC236}">
-                    <a16:creationId xmlns:a16="http://schemas.microsoft.com/office/drawing/2014/main" id="{829E215D-25C5-FE42-A84B-E10BE5590901}"/>
+                    <a16:creationId xmlns:a16="http://schemas.microsoft.com/office/drawing/2014/main" xmlns="" id="{829E215D-25C5-FE42-A84B-E10BE5590901}"/>
                   </a:ext>
                 </a:extLst>
               </p:cNvPr>
@@ -14226,7 +14248,7 @@
             <p:cNvPr id="15" name="Rechteck 14">
               <a:extLst>
                 <a:ext uri="{FF2B5EF4-FFF2-40B4-BE49-F238E27FC236}">
-                  <a16:creationId xmlns:a16="http://schemas.microsoft.com/office/drawing/2014/main" id="{3D7F9058-E672-2A4D-9BB1-013BCCC5ACE0}"/>
+                  <a16:creationId xmlns:a16="http://schemas.microsoft.com/office/drawing/2014/main" xmlns="" id="{3D7F9058-E672-2A4D-9BB1-013BCCC5ACE0}"/>
                 </a:ext>
               </a:extLst>
             </p:cNvPr>
@@ -14286,7 +14308,7 @@
           <p:cNvPr id="18" name="Gruppieren 17">
             <a:extLst>
               <a:ext uri="{FF2B5EF4-FFF2-40B4-BE49-F238E27FC236}">
-                <a16:creationId xmlns:a16="http://schemas.microsoft.com/office/drawing/2014/main" id="{76C873CF-9A61-9B4A-9A7F-7A0A6A11ECCC}"/>
+                <a16:creationId xmlns:a16="http://schemas.microsoft.com/office/drawing/2014/main" xmlns="" id="{76C873CF-9A61-9B4A-9A7F-7A0A6A11ECCC}"/>
               </a:ext>
             </a:extLst>
           </p:cNvPr>
@@ -14306,7 +14328,7 @@
             <p:cNvPr id="19" name="Gruppieren 18">
               <a:extLst>
                 <a:ext uri="{FF2B5EF4-FFF2-40B4-BE49-F238E27FC236}">
-                  <a16:creationId xmlns:a16="http://schemas.microsoft.com/office/drawing/2014/main" id="{02621200-51DD-6A4C-86C6-6B2A72D512E2}"/>
+                  <a16:creationId xmlns:a16="http://schemas.microsoft.com/office/drawing/2014/main" xmlns="" id="{02621200-51DD-6A4C-86C6-6B2A72D512E2}"/>
                 </a:ext>
               </a:extLst>
             </p:cNvPr>
@@ -14326,7 +14348,7 @@
               <p:cNvPr id="21" name="Rechteck 20">
                 <a:extLst>
                   <a:ext uri="{FF2B5EF4-FFF2-40B4-BE49-F238E27FC236}">
-                    <a16:creationId xmlns:a16="http://schemas.microsoft.com/office/drawing/2014/main" id="{ED0E09EA-1DC6-1249-841E-901E17F3D0B6}"/>
+                    <a16:creationId xmlns:a16="http://schemas.microsoft.com/office/drawing/2014/main" xmlns="" id="{ED0E09EA-1DC6-1249-841E-901E17F3D0B6}"/>
                   </a:ext>
                 </a:extLst>
               </p:cNvPr>
@@ -14415,7 +14437,7 @@
               <p:cNvPr id="22" name="Rechteck 21">
                 <a:extLst>
                   <a:ext uri="{FF2B5EF4-FFF2-40B4-BE49-F238E27FC236}">
-                    <a16:creationId xmlns:a16="http://schemas.microsoft.com/office/drawing/2014/main" id="{753356B5-7EB8-3F4A-96E1-8FF10B332D06}"/>
+                    <a16:creationId xmlns:a16="http://schemas.microsoft.com/office/drawing/2014/main" xmlns="" id="{753356B5-7EB8-3F4A-96E1-8FF10B332D06}"/>
                   </a:ext>
                 </a:extLst>
               </p:cNvPr>
@@ -14474,7 +14496,7 @@
             <p:cNvPr id="20" name="Rechteck 19">
               <a:extLst>
                 <a:ext uri="{FF2B5EF4-FFF2-40B4-BE49-F238E27FC236}">
-                  <a16:creationId xmlns:a16="http://schemas.microsoft.com/office/drawing/2014/main" id="{63DF4C62-579D-3249-9CFF-878DBD32F80A}"/>
+                  <a16:creationId xmlns:a16="http://schemas.microsoft.com/office/drawing/2014/main" xmlns="" id="{63DF4C62-579D-3249-9CFF-878DBD32F80A}"/>
                 </a:ext>
               </a:extLst>
             </p:cNvPr>
@@ -14534,7 +14556,7 @@
           <p:cNvPr id="23" name="Gruppieren 22">
             <a:extLst>
               <a:ext uri="{FF2B5EF4-FFF2-40B4-BE49-F238E27FC236}">
-                <a16:creationId xmlns:a16="http://schemas.microsoft.com/office/drawing/2014/main" id="{8E929239-873F-A040-A4FF-CF41E574A33B}"/>
+                <a16:creationId xmlns:a16="http://schemas.microsoft.com/office/drawing/2014/main" xmlns="" id="{8E929239-873F-A040-A4FF-CF41E574A33B}"/>
               </a:ext>
             </a:extLst>
           </p:cNvPr>
@@ -14554,7 +14576,7 @@
             <p:cNvPr id="24" name="Gruppieren 23">
               <a:extLst>
                 <a:ext uri="{FF2B5EF4-FFF2-40B4-BE49-F238E27FC236}">
-                  <a16:creationId xmlns:a16="http://schemas.microsoft.com/office/drawing/2014/main" id="{F47E6093-9AA6-8F4B-B80B-776943FCB73D}"/>
+                  <a16:creationId xmlns:a16="http://schemas.microsoft.com/office/drawing/2014/main" xmlns="" id="{F47E6093-9AA6-8F4B-B80B-776943FCB73D}"/>
                 </a:ext>
               </a:extLst>
             </p:cNvPr>
@@ -14574,7 +14596,7 @@
               <p:cNvPr id="26" name="Rechteck 25">
                 <a:extLst>
                   <a:ext uri="{FF2B5EF4-FFF2-40B4-BE49-F238E27FC236}">
-                    <a16:creationId xmlns:a16="http://schemas.microsoft.com/office/drawing/2014/main" id="{4059FEBC-2EFF-ED47-98FF-010C8401FADA}"/>
+                    <a16:creationId xmlns:a16="http://schemas.microsoft.com/office/drawing/2014/main" xmlns="" id="{4059FEBC-2EFF-ED47-98FF-010C8401FADA}"/>
                   </a:ext>
                 </a:extLst>
               </p:cNvPr>
@@ -14663,7 +14685,7 @@
               <p:cNvPr id="27" name="Rechteck 26">
                 <a:extLst>
                   <a:ext uri="{FF2B5EF4-FFF2-40B4-BE49-F238E27FC236}">
-                    <a16:creationId xmlns:a16="http://schemas.microsoft.com/office/drawing/2014/main" id="{A6C74FE9-D83D-2346-A400-58BA4229E830}"/>
+                    <a16:creationId xmlns:a16="http://schemas.microsoft.com/office/drawing/2014/main" xmlns="" id="{A6C74FE9-D83D-2346-A400-58BA4229E830}"/>
                   </a:ext>
                 </a:extLst>
               </p:cNvPr>
@@ -14722,7 +14744,7 @@
             <p:cNvPr id="25" name="Rechteck 24">
               <a:extLst>
                 <a:ext uri="{FF2B5EF4-FFF2-40B4-BE49-F238E27FC236}">
-                  <a16:creationId xmlns:a16="http://schemas.microsoft.com/office/drawing/2014/main" id="{1EDE063D-852E-324C-A77E-EFB1A1CCD783}"/>
+                  <a16:creationId xmlns:a16="http://schemas.microsoft.com/office/drawing/2014/main" xmlns="" id="{1EDE063D-852E-324C-A77E-EFB1A1CCD783}"/>
                 </a:ext>
               </a:extLst>
             </p:cNvPr>
@@ -14782,7 +14804,7 @@
           <p:cNvPr id="28" name="Gruppieren 27">
             <a:extLst>
               <a:ext uri="{FF2B5EF4-FFF2-40B4-BE49-F238E27FC236}">
-                <a16:creationId xmlns:a16="http://schemas.microsoft.com/office/drawing/2014/main" id="{076AA3C9-476D-4D45-B8BE-E0951E23CBCF}"/>
+                <a16:creationId xmlns:a16="http://schemas.microsoft.com/office/drawing/2014/main" xmlns="" id="{076AA3C9-476D-4D45-B8BE-E0951E23CBCF}"/>
               </a:ext>
             </a:extLst>
           </p:cNvPr>
@@ -14802,7 +14824,7 @@
             <p:cNvPr id="29" name="Gruppieren 28">
               <a:extLst>
                 <a:ext uri="{FF2B5EF4-FFF2-40B4-BE49-F238E27FC236}">
-                  <a16:creationId xmlns:a16="http://schemas.microsoft.com/office/drawing/2014/main" id="{B404C1CC-6DF7-B648-9CCB-5E2E9AFEB672}"/>
+                  <a16:creationId xmlns:a16="http://schemas.microsoft.com/office/drawing/2014/main" xmlns="" id="{B404C1CC-6DF7-B648-9CCB-5E2E9AFEB672}"/>
                 </a:ext>
               </a:extLst>
             </p:cNvPr>
@@ -14822,7 +14844,7 @@
               <p:cNvPr id="31" name="Rechteck 30">
                 <a:extLst>
                   <a:ext uri="{FF2B5EF4-FFF2-40B4-BE49-F238E27FC236}">
-                    <a16:creationId xmlns:a16="http://schemas.microsoft.com/office/drawing/2014/main" id="{4BDB37D7-D054-A942-8D6D-F9B2EF0F9FF6}"/>
+                    <a16:creationId xmlns:a16="http://schemas.microsoft.com/office/drawing/2014/main" xmlns="" id="{4BDB37D7-D054-A942-8D6D-F9B2EF0F9FF6}"/>
                   </a:ext>
                 </a:extLst>
               </p:cNvPr>
@@ -14886,7 +14908,7 @@
               <p:cNvPr id="32" name="Rechteck 31">
                 <a:extLst>
                   <a:ext uri="{FF2B5EF4-FFF2-40B4-BE49-F238E27FC236}">
-                    <a16:creationId xmlns:a16="http://schemas.microsoft.com/office/drawing/2014/main" id="{3A6CCD76-DF2E-A745-8BA8-2A2DA3CA1050}"/>
+                    <a16:creationId xmlns:a16="http://schemas.microsoft.com/office/drawing/2014/main" xmlns="" id="{3A6CCD76-DF2E-A745-8BA8-2A2DA3CA1050}"/>
                   </a:ext>
                 </a:extLst>
               </p:cNvPr>
@@ -14945,7 +14967,7 @@
             <p:cNvPr id="30" name="Rechteck 29">
               <a:extLst>
                 <a:ext uri="{FF2B5EF4-FFF2-40B4-BE49-F238E27FC236}">
-                  <a16:creationId xmlns:a16="http://schemas.microsoft.com/office/drawing/2014/main" id="{117072ED-37EF-E943-B866-F06DD4235CB3}"/>
+                  <a16:creationId xmlns:a16="http://schemas.microsoft.com/office/drawing/2014/main" xmlns="" id="{117072ED-37EF-E943-B866-F06DD4235CB3}"/>
                 </a:ext>
               </a:extLst>
             </p:cNvPr>
@@ -15035,7 +15057,7 @@
           <p:cNvPr id="2" name="Titel 1">
             <a:extLst>
               <a:ext uri="{FF2B5EF4-FFF2-40B4-BE49-F238E27FC236}">
-                <a16:creationId xmlns:a16="http://schemas.microsoft.com/office/drawing/2014/main" id="{486C50CA-1F3A-EF43-9380-876C137AD8EC}"/>
+                <a16:creationId xmlns:a16="http://schemas.microsoft.com/office/drawing/2014/main" xmlns="" id="{486C50CA-1F3A-EF43-9380-876C137AD8EC}"/>
               </a:ext>
             </a:extLst>
           </p:cNvPr>
@@ -15063,7 +15085,7 @@
           <p:cNvPr id="3" name="Inhaltsplatzhalter 2">
             <a:extLst>
               <a:ext uri="{FF2B5EF4-FFF2-40B4-BE49-F238E27FC236}">
-                <a16:creationId xmlns:a16="http://schemas.microsoft.com/office/drawing/2014/main" id="{ABD8A889-EFEB-F24E-8415-CFB9A520769E}"/>
+                <a16:creationId xmlns:a16="http://schemas.microsoft.com/office/drawing/2014/main" xmlns="" id="{ABD8A889-EFEB-F24E-8415-CFB9A520769E}"/>
               </a:ext>
             </a:extLst>
           </p:cNvPr>
@@ -15074,7 +15096,12 @@
             <p:ph sz="quarter" idx="10"/>
           </p:nvPr>
         </p:nvSpPr>
-        <p:spPr/>
+        <p:spPr>
+          <a:xfrm>
+            <a:off x="863136" y="1484313"/>
+            <a:ext cx="10580688" cy="4344987"/>
+          </a:xfrm>
+        </p:spPr>
         <p:txBody>
           <a:bodyPr/>
           <a:lstStyle/>
@@ -15207,7 +15234,23 @@
             </a:r>
             <a:r>
               <a:rPr lang="de-DE" dirty="0"/>
-              <a:t>1-2.January (2013), S. 24– 31. </a:t>
+              <a:t>1-2</a:t>
+            </a:r>
+            <a:r>
+              <a:rPr lang="de-DE" dirty="0" smtClean="0"/>
+              <a:t>. </a:t>
+            </a:r>
+            <a:r>
+              <a:rPr lang="de-DE" dirty="0" err="1" smtClean="0"/>
+              <a:t>January</a:t>
+            </a:r>
+            <a:r>
+              <a:rPr lang="de-DE" dirty="0" smtClean="0"/>
+              <a:t> </a:t>
+            </a:r>
+            <a:r>
+              <a:rPr lang="de-DE" dirty="0"/>
+              <a:t>(2013), S. 24– 31. </a:t>
             </a:r>
           </a:p>
           <a:p>
@@ -15355,14 +15398,88 @@
           <a:p>
             <a:r>
               <a:rPr lang="de-DE" dirty="0"/>
-              <a:t>[6]</a:t>
-            </a:r>
+              <a:t>[6</a:t>
+            </a:r>
+            <a:r>
+              <a:rPr lang="de-DE" dirty="0" smtClean="0"/>
+              <a:t>] </a:t>
+            </a:r>
+            <a:r>
+              <a:rPr lang="de-DE" dirty="0"/>
+              <a:t>Dietrich Dörner. „Denken , Problemlösen und Intelligenz“. </a:t>
+            </a:r>
+            <a:r>
+              <a:rPr lang="de-DE" dirty="0" smtClean="0"/>
+              <a:t>In: </a:t>
+            </a:r>
+            <a:r>
+              <a:rPr lang="de-DE" dirty="0"/>
+              <a:t>Psychologische </a:t>
+            </a:r>
+            <a:r>
+              <a:rPr lang="de-DE" dirty="0" smtClean="0"/>
+              <a:t>Rundschau</a:t>
+            </a:r>
+            <a:r>
+              <a:rPr lang="de-DE" dirty="0"/>
+              <a:t> </a:t>
+            </a:r>
+            <a:r>
+              <a:rPr lang="de-DE" dirty="0" smtClean="0"/>
+              <a:t>XXXV.1 (1984), S. 10–20.</a:t>
+            </a:r>
+            <a:endParaRPr lang="de-DE" dirty="0" smtClean="0"/>
           </a:p>
           <a:p>
             <a:r>
+              <a:rPr lang="de-DE" dirty="0" smtClean="0"/>
+              <a:t>[</a:t>
+            </a:r>
+            <a:r>
               <a:rPr lang="de-DE" dirty="0"/>
-              <a:t>[7]</a:t>
-            </a:r>
+              <a:t>7</a:t>
+            </a:r>
+            <a:r>
+              <a:rPr lang="de-DE" dirty="0" smtClean="0"/>
+              <a:t>] </a:t>
+            </a:r>
+            <a:r>
+              <a:rPr lang="en-US" dirty="0"/>
+              <a:t>Marc </a:t>
+            </a:r>
+            <a:r>
+              <a:rPr lang="en-US" dirty="0" err="1"/>
+              <a:t>Hassenzahl</a:t>
+            </a:r>
+            <a:r>
+              <a:rPr lang="en-US" dirty="0"/>
+              <a:t>. „User Experience (UX) Towards an experiential</a:t>
+            </a:r>
+            <a:r>
+              <a:rPr lang="en-US" dirty="0" smtClean="0"/>
+              <a:t>“. </a:t>
+            </a:r>
+            <a:r>
+              <a:rPr lang="de-DE" dirty="0" smtClean="0"/>
+              <a:t>In: </a:t>
+            </a:r>
+            <a:r>
+              <a:rPr lang="en-US" dirty="0"/>
+              <a:t>ACM International Conference Proceeding Series </a:t>
+            </a:r>
+            <a:r>
+              <a:rPr lang="en-US" dirty="0" smtClean="0"/>
+              <a:t>339 </a:t>
+            </a:r>
+            <a:r>
+              <a:rPr lang="de-DE" dirty="0" smtClean="0"/>
+              <a:t>(2008</a:t>
+            </a:r>
+            <a:r>
+              <a:rPr lang="de-DE" dirty="0"/>
+              <a:t>), S. 11–15.</a:t>
+            </a:r>
+            <a:endParaRPr lang="de-DE" dirty="0"/>
           </a:p>
           <a:p>
             <a:endParaRPr lang="de-DE" dirty="0"/>
@@ -15413,7 +15530,7 @@
           <p:cNvPr id="3" name="Untertitel 2">
             <a:extLst>
               <a:ext uri="{FF2B5EF4-FFF2-40B4-BE49-F238E27FC236}">
-                <a16:creationId xmlns:a16="http://schemas.microsoft.com/office/drawing/2014/main" id="{6AE9039D-A97A-1348-B85E-C1CBBAEACFD7}"/>
+                <a16:creationId xmlns:a16="http://schemas.microsoft.com/office/drawing/2014/main" xmlns="" id="{6AE9039D-A97A-1348-B85E-C1CBBAEACFD7}"/>
               </a:ext>
             </a:extLst>
           </p:cNvPr>
@@ -15455,7 +15572,7 @@
           <p:cNvPr id="4" name="Textplatzhalter 3">
             <a:extLst>
               <a:ext uri="{FF2B5EF4-FFF2-40B4-BE49-F238E27FC236}">
-                <a16:creationId xmlns:a16="http://schemas.microsoft.com/office/drawing/2014/main" id="{96B38992-B7B4-CC4F-9AC8-51919A92D668}"/>
+                <a16:creationId xmlns:a16="http://schemas.microsoft.com/office/drawing/2014/main" xmlns="" id="{96B38992-B7B4-CC4F-9AC8-51919A92D668}"/>
               </a:ext>
             </a:extLst>
           </p:cNvPr>
@@ -15480,7 +15597,7 @@
           <p:cNvPr id="2" name="Titel 1">
             <a:extLst>
               <a:ext uri="{FF2B5EF4-FFF2-40B4-BE49-F238E27FC236}">
-                <a16:creationId xmlns:a16="http://schemas.microsoft.com/office/drawing/2014/main" id="{306470B7-1C34-794F-AAAA-978C5A77B715}"/>
+                <a16:creationId xmlns:a16="http://schemas.microsoft.com/office/drawing/2014/main" xmlns="" id="{306470B7-1C34-794F-AAAA-978C5A77B715}"/>
               </a:ext>
             </a:extLst>
           </p:cNvPr>
